--- a/Diagrams/generic_mapping.pptx
+++ b/Diagrams/generic_mapping.pptx
@@ -243,7 +243,7 @@
           <a:p>
             <a:fld id="{670F4037-AF96-4A4B-AD90-5273BA30825A}" type="datetimeFigureOut">
               <a:rPr lang="en-US" smtClean="0"/>
-              <a:t>1/25/2017</a:t>
+              <a:t>1/27/2017</a:t>
             </a:fld>
             <a:endParaRPr lang="en-US"/>
           </a:p>
@@ -413,7 +413,7 @@
           <a:p>
             <a:fld id="{670F4037-AF96-4A4B-AD90-5273BA30825A}" type="datetimeFigureOut">
               <a:rPr lang="en-US" smtClean="0"/>
-              <a:t>1/25/2017</a:t>
+              <a:t>1/27/2017</a:t>
             </a:fld>
             <a:endParaRPr lang="en-US"/>
           </a:p>
@@ -593,7 +593,7 @@
           <a:p>
             <a:fld id="{670F4037-AF96-4A4B-AD90-5273BA30825A}" type="datetimeFigureOut">
               <a:rPr lang="en-US" smtClean="0"/>
-              <a:t>1/25/2017</a:t>
+              <a:t>1/27/2017</a:t>
             </a:fld>
             <a:endParaRPr lang="en-US"/>
           </a:p>
@@ -763,7 +763,7 @@
           <a:p>
             <a:fld id="{670F4037-AF96-4A4B-AD90-5273BA30825A}" type="datetimeFigureOut">
               <a:rPr lang="en-US" smtClean="0"/>
-              <a:t>1/25/2017</a:t>
+              <a:t>1/27/2017</a:t>
             </a:fld>
             <a:endParaRPr lang="en-US"/>
           </a:p>
@@ -1009,7 +1009,7 @@
           <a:p>
             <a:fld id="{670F4037-AF96-4A4B-AD90-5273BA30825A}" type="datetimeFigureOut">
               <a:rPr lang="en-US" smtClean="0"/>
-              <a:t>1/25/2017</a:t>
+              <a:t>1/27/2017</a:t>
             </a:fld>
             <a:endParaRPr lang="en-US"/>
           </a:p>
@@ -1241,7 +1241,7 @@
           <a:p>
             <a:fld id="{670F4037-AF96-4A4B-AD90-5273BA30825A}" type="datetimeFigureOut">
               <a:rPr lang="en-US" smtClean="0"/>
-              <a:t>1/25/2017</a:t>
+              <a:t>1/27/2017</a:t>
             </a:fld>
             <a:endParaRPr lang="en-US"/>
           </a:p>
@@ -1608,7 +1608,7 @@
           <a:p>
             <a:fld id="{670F4037-AF96-4A4B-AD90-5273BA30825A}" type="datetimeFigureOut">
               <a:rPr lang="en-US" smtClean="0"/>
-              <a:t>1/25/2017</a:t>
+              <a:t>1/27/2017</a:t>
             </a:fld>
             <a:endParaRPr lang="en-US"/>
           </a:p>
@@ -1726,7 +1726,7 @@
           <a:p>
             <a:fld id="{670F4037-AF96-4A4B-AD90-5273BA30825A}" type="datetimeFigureOut">
               <a:rPr lang="en-US" smtClean="0"/>
-              <a:t>1/25/2017</a:t>
+              <a:t>1/27/2017</a:t>
             </a:fld>
             <a:endParaRPr lang="en-US"/>
           </a:p>
@@ -1821,7 +1821,7 @@
           <a:p>
             <a:fld id="{670F4037-AF96-4A4B-AD90-5273BA30825A}" type="datetimeFigureOut">
               <a:rPr lang="en-US" smtClean="0"/>
-              <a:t>1/25/2017</a:t>
+              <a:t>1/27/2017</a:t>
             </a:fld>
             <a:endParaRPr lang="en-US"/>
           </a:p>
@@ -2098,7 +2098,7 @@
           <a:p>
             <a:fld id="{670F4037-AF96-4A4B-AD90-5273BA30825A}" type="datetimeFigureOut">
               <a:rPr lang="en-US" smtClean="0"/>
-              <a:t>1/25/2017</a:t>
+              <a:t>1/27/2017</a:t>
             </a:fld>
             <a:endParaRPr lang="en-US"/>
           </a:p>
@@ -2351,7 +2351,7 @@
           <a:p>
             <a:fld id="{670F4037-AF96-4A4B-AD90-5273BA30825A}" type="datetimeFigureOut">
               <a:rPr lang="en-US" smtClean="0"/>
-              <a:t>1/25/2017</a:t>
+              <a:t>1/27/2017</a:t>
             </a:fld>
             <a:endParaRPr lang="en-US"/>
           </a:p>
@@ -2564,7 +2564,7 @@
           <a:p>
             <a:fld id="{670F4037-AF96-4A4B-AD90-5273BA30825A}" type="datetimeFigureOut">
               <a:rPr lang="en-US" smtClean="0"/>
-              <a:t>1/25/2017</a:t>
+              <a:t>1/27/2017</a:t>
             </a:fld>
             <a:endParaRPr lang="en-US"/>
           </a:p>
@@ -2986,18 +2986,16 @@
         </p:spPr>
         <p:style>
           <a:lnRef idx="2">
-            <a:schemeClr val="accent1">
-              <a:shade val="50000"/>
-            </a:schemeClr>
+            <a:schemeClr val="dk1"/>
           </a:lnRef>
           <a:fillRef idx="1">
-            <a:schemeClr val="accent1"/>
+            <a:schemeClr val="lt1"/>
           </a:fillRef>
           <a:effectRef idx="0">
-            <a:schemeClr val="accent1"/>
-          </a:effectRef>
-          <a:fontRef idx="minor">
-            <a:schemeClr val="lt1"/>
+            <a:schemeClr val="dk1"/>
+          </a:effectRef>
+          <a:fontRef idx="minor">
+            <a:schemeClr val="dk1"/>
           </a:fontRef>
         </p:style>
         <p:txBody>
@@ -3005,7 +3003,11 @@
           <a:lstStyle/>
           <a:p>
             <a:pPr algn="ctr"/>
-            <a:endParaRPr lang="en-US" dirty="0"/>
+            <a:endParaRPr lang="en-US" b="1" dirty="0">
+              <a:solidFill>
+                <a:sysClr val="windowText" lastClr="000000"/>
+              </a:solidFill>
+            </a:endParaRPr>
           </a:p>
         </p:txBody>
       </p:sp>
@@ -3026,18 +3028,16 @@
         </p:spPr>
         <p:style>
           <a:lnRef idx="2">
-            <a:schemeClr val="accent1">
-              <a:shade val="50000"/>
-            </a:schemeClr>
+            <a:schemeClr val="dk1"/>
           </a:lnRef>
           <a:fillRef idx="1">
-            <a:schemeClr val="accent1"/>
+            <a:schemeClr val="lt1"/>
           </a:fillRef>
           <a:effectRef idx="0">
-            <a:schemeClr val="accent1"/>
-          </a:effectRef>
-          <a:fontRef idx="minor">
-            <a:schemeClr val="lt1"/>
+            <a:schemeClr val="dk1"/>
+          </a:effectRef>
+          <a:fontRef idx="minor">
+            <a:schemeClr val="dk1"/>
           </a:fontRef>
         </p:style>
         <p:txBody>
@@ -3045,7 +3045,11 @@
           <a:lstStyle/>
           <a:p>
             <a:pPr algn="ctr"/>
-            <a:endParaRPr lang="en-US"/>
+            <a:endParaRPr lang="en-US" b="1">
+              <a:solidFill>
+                <a:sysClr val="windowText" lastClr="000000"/>
+              </a:solidFill>
+            </a:endParaRPr>
           </a:p>
         </p:txBody>
       </p:sp>
@@ -3099,18 +3103,16 @@
         </p:spPr>
         <p:style>
           <a:lnRef idx="2">
-            <a:schemeClr val="accent3">
-              <a:shade val="50000"/>
-            </a:schemeClr>
+            <a:schemeClr val="dk1"/>
           </a:lnRef>
           <a:fillRef idx="1">
-            <a:schemeClr val="accent3"/>
+            <a:schemeClr val="lt1"/>
           </a:fillRef>
           <a:effectRef idx="0">
-            <a:schemeClr val="accent3"/>
-          </a:effectRef>
-          <a:fontRef idx="minor">
-            <a:schemeClr val="lt1"/>
+            <a:schemeClr val="dk1"/>
+          </a:effectRef>
+          <a:fontRef idx="minor">
+            <a:schemeClr val="dk1"/>
           </a:fontRef>
         </p:style>
         <p:txBody>
@@ -3119,14 +3121,14 @@
           <a:p>
             <a:pPr algn="ctr"/>
             <a:r>
-              <a:rPr lang="en-US" dirty="0" smtClean="0">
+              <a:rPr lang="en-US" b="1" dirty="0" smtClean="0">
                 <a:solidFill>
                   <a:sysClr val="windowText" lastClr="000000"/>
                 </a:solidFill>
               </a:rPr>
               <a:t>5</a:t>
             </a:r>
-            <a:endParaRPr lang="en-US" dirty="0">
+            <a:endParaRPr lang="en-US" b="1" dirty="0">
               <a:solidFill>
                 <a:sysClr val="windowText" lastClr="000000"/>
               </a:solidFill>
@@ -3151,18 +3153,16 @@
         </p:spPr>
         <p:style>
           <a:lnRef idx="2">
-            <a:schemeClr val="accent3">
-              <a:shade val="50000"/>
-            </a:schemeClr>
+            <a:schemeClr val="dk1"/>
           </a:lnRef>
           <a:fillRef idx="1">
-            <a:schemeClr val="accent3"/>
+            <a:schemeClr val="lt1"/>
           </a:fillRef>
           <a:effectRef idx="0">
-            <a:schemeClr val="accent3"/>
-          </a:effectRef>
-          <a:fontRef idx="minor">
-            <a:schemeClr val="lt1"/>
+            <a:schemeClr val="dk1"/>
+          </a:effectRef>
+          <a:fontRef idx="minor">
+            <a:schemeClr val="dk1"/>
           </a:fontRef>
         </p:style>
         <p:txBody>
@@ -3171,14 +3171,14 @@
           <a:p>
             <a:pPr algn="ctr"/>
             <a:r>
-              <a:rPr lang="en-US" dirty="0" smtClean="0">
+              <a:rPr lang="en-US" b="1" dirty="0" smtClean="0">
                 <a:solidFill>
                   <a:sysClr val="windowText" lastClr="000000"/>
                 </a:solidFill>
               </a:rPr>
               <a:t>5</a:t>
             </a:r>
-            <a:endParaRPr lang="en-US" dirty="0">
+            <a:endParaRPr lang="en-US" b="1" dirty="0">
               <a:solidFill>
                 <a:sysClr val="windowText" lastClr="000000"/>
               </a:solidFill>
@@ -3203,18 +3203,16 @@
         </p:spPr>
         <p:style>
           <a:lnRef idx="2">
-            <a:schemeClr val="accent3">
-              <a:shade val="50000"/>
-            </a:schemeClr>
+            <a:schemeClr val="dk1"/>
           </a:lnRef>
           <a:fillRef idx="1">
-            <a:schemeClr val="accent3"/>
+            <a:schemeClr val="lt1"/>
           </a:fillRef>
           <a:effectRef idx="0">
-            <a:schemeClr val="accent3"/>
-          </a:effectRef>
-          <a:fontRef idx="minor">
-            <a:schemeClr val="lt1"/>
+            <a:schemeClr val="dk1"/>
+          </a:effectRef>
+          <a:fontRef idx="minor">
+            <a:schemeClr val="dk1"/>
           </a:fontRef>
         </p:style>
         <p:txBody>
@@ -3223,14 +3221,14 @@
           <a:p>
             <a:pPr algn="ctr"/>
             <a:r>
-              <a:rPr lang="en-US" dirty="0" smtClean="0">
+              <a:rPr lang="en-US" b="1" dirty="0" smtClean="0">
                 <a:solidFill>
                   <a:sysClr val="windowText" lastClr="000000"/>
                 </a:solidFill>
               </a:rPr>
               <a:t>1</a:t>
             </a:r>
-            <a:endParaRPr lang="en-US" dirty="0">
+            <a:endParaRPr lang="en-US" b="1" dirty="0">
               <a:solidFill>
                 <a:sysClr val="windowText" lastClr="000000"/>
               </a:solidFill>
@@ -3255,18 +3253,16 @@
         </p:spPr>
         <p:style>
           <a:lnRef idx="2">
-            <a:schemeClr val="accent3">
-              <a:shade val="50000"/>
-            </a:schemeClr>
+            <a:schemeClr val="dk1"/>
           </a:lnRef>
           <a:fillRef idx="1">
-            <a:schemeClr val="accent3"/>
+            <a:schemeClr val="lt1"/>
           </a:fillRef>
           <a:effectRef idx="0">
-            <a:schemeClr val="accent3"/>
-          </a:effectRef>
-          <a:fontRef idx="minor">
-            <a:schemeClr val="lt1"/>
+            <a:schemeClr val="dk1"/>
+          </a:effectRef>
+          <a:fontRef idx="minor">
+            <a:schemeClr val="dk1"/>
           </a:fontRef>
         </p:style>
         <p:txBody>
@@ -3275,14 +3271,14 @@
           <a:p>
             <a:pPr algn="ctr"/>
             <a:r>
-              <a:rPr lang="en-US" dirty="0" smtClean="0">
+              <a:rPr lang="en-US" b="1" dirty="0" smtClean="0">
                 <a:solidFill>
                   <a:sysClr val="windowText" lastClr="000000"/>
                 </a:solidFill>
               </a:rPr>
               <a:t>2</a:t>
             </a:r>
-            <a:endParaRPr lang="en-US" dirty="0">
+            <a:endParaRPr lang="en-US" b="1" dirty="0">
               <a:solidFill>
                 <a:sysClr val="windowText" lastClr="000000"/>
               </a:solidFill>
@@ -3307,18 +3303,16 @@
         </p:spPr>
         <p:style>
           <a:lnRef idx="2">
-            <a:schemeClr val="accent3">
-              <a:shade val="50000"/>
-            </a:schemeClr>
+            <a:schemeClr val="dk1"/>
           </a:lnRef>
           <a:fillRef idx="1">
-            <a:schemeClr val="accent3"/>
+            <a:schemeClr val="lt1"/>
           </a:fillRef>
           <a:effectRef idx="0">
-            <a:schemeClr val="accent3"/>
-          </a:effectRef>
-          <a:fontRef idx="minor">
-            <a:schemeClr val="lt1"/>
+            <a:schemeClr val="dk1"/>
+          </a:effectRef>
+          <a:fontRef idx="minor">
+            <a:schemeClr val="dk1"/>
           </a:fontRef>
         </p:style>
         <p:txBody>
@@ -3327,14 +3321,14 @@
           <a:p>
             <a:pPr algn="ctr"/>
             <a:r>
-              <a:rPr lang="en-US" dirty="0" smtClean="0">
+              <a:rPr lang="en-US" b="1" dirty="0" smtClean="0">
                 <a:solidFill>
                   <a:sysClr val="windowText" lastClr="000000"/>
                 </a:solidFill>
               </a:rPr>
               <a:t>3</a:t>
             </a:r>
-            <a:endParaRPr lang="en-US" dirty="0">
+            <a:endParaRPr lang="en-US" b="1" dirty="0">
               <a:solidFill>
                 <a:sysClr val="windowText" lastClr="000000"/>
               </a:solidFill>
@@ -3359,18 +3353,16 @@
         </p:spPr>
         <p:style>
           <a:lnRef idx="2">
-            <a:schemeClr val="accent3">
-              <a:shade val="50000"/>
-            </a:schemeClr>
+            <a:schemeClr val="dk1"/>
           </a:lnRef>
           <a:fillRef idx="1">
-            <a:schemeClr val="accent3"/>
+            <a:schemeClr val="lt1"/>
           </a:fillRef>
           <a:effectRef idx="0">
-            <a:schemeClr val="accent3"/>
-          </a:effectRef>
-          <a:fontRef idx="minor">
-            <a:schemeClr val="lt1"/>
+            <a:schemeClr val="dk1"/>
+          </a:effectRef>
+          <a:fontRef idx="minor">
+            <a:schemeClr val="dk1"/>
           </a:fontRef>
         </p:style>
         <p:txBody>
@@ -3379,14 +3371,14 @@
           <a:p>
             <a:pPr algn="ctr"/>
             <a:r>
-              <a:rPr lang="en-US" dirty="0" smtClean="0">
+              <a:rPr lang="en-US" b="1" dirty="0" smtClean="0">
                 <a:solidFill>
                   <a:sysClr val="windowText" lastClr="000000"/>
                 </a:solidFill>
               </a:rPr>
               <a:t>4</a:t>
             </a:r>
-            <a:endParaRPr lang="en-US" dirty="0">
+            <a:endParaRPr lang="en-US" b="1" dirty="0">
               <a:solidFill>
                 <a:sysClr val="windowText" lastClr="000000"/>
               </a:solidFill>
@@ -3411,18 +3403,16 @@
         </p:spPr>
         <p:style>
           <a:lnRef idx="2">
-            <a:schemeClr val="accent3">
-              <a:shade val="50000"/>
-            </a:schemeClr>
+            <a:schemeClr val="dk1"/>
           </a:lnRef>
           <a:fillRef idx="1">
-            <a:schemeClr val="accent3"/>
+            <a:schemeClr val="lt1"/>
           </a:fillRef>
           <a:effectRef idx="0">
-            <a:schemeClr val="accent3"/>
-          </a:effectRef>
-          <a:fontRef idx="minor">
-            <a:schemeClr val="lt1"/>
+            <a:schemeClr val="dk1"/>
+          </a:effectRef>
+          <a:fontRef idx="minor">
+            <a:schemeClr val="dk1"/>
           </a:fontRef>
         </p:style>
         <p:txBody>
@@ -3431,14 +3421,14 @@
           <a:p>
             <a:pPr algn="ctr"/>
             <a:r>
-              <a:rPr lang="en-US" dirty="0" smtClean="0">
+              <a:rPr lang="en-US" b="1" dirty="0" smtClean="0">
                 <a:solidFill>
                   <a:sysClr val="windowText" lastClr="000000"/>
                 </a:solidFill>
               </a:rPr>
               <a:t>1</a:t>
             </a:r>
-            <a:endParaRPr lang="en-US" dirty="0">
+            <a:endParaRPr lang="en-US" b="1" dirty="0">
               <a:solidFill>
                 <a:sysClr val="windowText" lastClr="000000"/>
               </a:solidFill>
@@ -3463,18 +3453,16 @@
         </p:spPr>
         <p:style>
           <a:lnRef idx="2">
-            <a:schemeClr val="accent3">
-              <a:shade val="50000"/>
-            </a:schemeClr>
+            <a:schemeClr val="dk1"/>
           </a:lnRef>
           <a:fillRef idx="1">
-            <a:schemeClr val="accent3"/>
+            <a:schemeClr val="lt1"/>
           </a:fillRef>
           <a:effectRef idx="0">
-            <a:schemeClr val="accent3"/>
-          </a:effectRef>
-          <a:fontRef idx="minor">
-            <a:schemeClr val="lt1"/>
+            <a:schemeClr val="dk1"/>
+          </a:effectRef>
+          <a:fontRef idx="minor">
+            <a:schemeClr val="dk1"/>
           </a:fontRef>
         </p:style>
         <p:txBody>
@@ -3483,14 +3471,14 @@
           <a:p>
             <a:pPr algn="ctr"/>
             <a:r>
-              <a:rPr lang="en-US" dirty="0" smtClean="0">
+              <a:rPr lang="en-US" b="1" dirty="0" smtClean="0">
                 <a:solidFill>
                   <a:sysClr val="windowText" lastClr="000000"/>
                 </a:solidFill>
               </a:rPr>
               <a:t>2</a:t>
             </a:r>
-            <a:endParaRPr lang="en-US" dirty="0">
+            <a:endParaRPr lang="en-US" b="1" dirty="0">
               <a:solidFill>
                 <a:sysClr val="windowText" lastClr="000000"/>
               </a:solidFill>
@@ -3515,18 +3503,16 @@
         </p:spPr>
         <p:style>
           <a:lnRef idx="2">
-            <a:schemeClr val="accent3">
-              <a:shade val="50000"/>
-            </a:schemeClr>
+            <a:schemeClr val="dk1"/>
           </a:lnRef>
           <a:fillRef idx="1">
-            <a:schemeClr val="accent3"/>
+            <a:schemeClr val="lt1"/>
           </a:fillRef>
           <a:effectRef idx="0">
-            <a:schemeClr val="accent3"/>
-          </a:effectRef>
-          <a:fontRef idx="minor">
-            <a:schemeClr val="lt1"/>
+            <a:schemeClr val="dk1"/>
+          </a:effectRef>
+          <a:fontRef idx="minor">
+            <a:schemeClr val="dk1"/>
           </a:fontRef>
         </p:style>
         <p:txBody>
@@ -3535,14 +3521,14 @@
           <a:p>
             <a:pPr algn="ctr"/>
             <a:r>
-              <a:rPr lang="en-US" dirty="0" smtClean="0">
+              <a:rPr lang="en-US" b="1" dirty="0" smtClean="0">
                 <a:solidFill>
                   <a:sysClr val="windowText" lastClr="000000"/>
                 </a:solidFill>
               </a:rPr>
               <a:t>3</a:t>
             </a:r>
-            <a:endParaRPr lang="en-US" dirty="0">
+            <a:endParaRPr lang="en-US" b="1" dirty="0">
               <a:solidFill>
                 <a:sysClr val="windowText" lastClr="000000"/>
               </a:solidFill>
@@ -3567,18 +3553,16 @@
         </p:spPr>
         <p:style>
           <a:lnRef idx="2">
-            <a:schemeClr val="accent3">
-              <a:shade val="50000"/>
-            </a:schemeClr>
+            <a:schemeClr val="dk1"/>
           </a:lnRef>
           <a:fillRef idx="1">
-            <a:schemeClr val="accent3"/>
+            <a:schemeClr val="lt1"/>
           </a:fillRef>
           <a:effectRef idx="0">
-            <a:schemeClr val="accent3"/>
-          </a:effectRef>
-          <a:fontRef idx="minor">
-            <a:schemeClr val="lt1"/>
+            <a:schemeClr val="dk1"/>
+          </a:effectRef>
+          <a:fontRef idx="minor">
+            <a:schemeClr val="dk1"/>
           </a:fontRef>
         </p:style>
         <p:txBody>
@@ -3587,14 +3571,14 @@
           <a:p>
             <a:pPr algn="ctr"/>
             <a:r>
-              <a:rPr lang="en-US" dirty="0" smtClean="0">
+              <a:rPr lang="en-US" b="1" dirty="0" smtClean="0">
                 <a:solidFill>
                   <a:sysClr val="windowText" lastClr="000000"/>
                 </a:solidFill>
               </a:rPr>
               <a:t>4</a:t>
             </a:r>
-            <a:endParaRPr lang="en-US" dirty="0">
+            <a:endParaRPr lang="en-US" b="1" dirty="0">
               <a:solidFill>
                 <a:sysClr val="windowText" lastClr="000000"/>
               </a:solidFill>
@@ -3619,18 +3603,16 @@
         </p:spPr>
         <p:style>
           <a:lnRef idx="2">
-            <a:schemeClr val="accent1">
-              <a:shade val="50000"/>
-            </a:schemeClr>
+            <a:schemeClr val="dk1"/>
           </a:lnRef>
           <a:fillRef idx="1">
-            <a:schemeClr val="accent1"/>
+            <a:schemeClr val="lt1"/>
           </a:fillRef>
           <a:effectRef idx="0">
-            <a:schemeClr val="accent1"/>
-          </a:effectRef>
-          <a:fontRef idx="minor">
-            <a:schemeClr val="lt1"/>
+            <a:schemeClr val="dk1"/>
+          </a:effectRef>
+          <a:fontRef idx="minor">
+            <a:schemeClr val="dk1"/>
           </a:fontRef>
         </p:style>
         <p:txBody>
@@ -3639,10 +3621,18 @@
           <a:p>
             <a:pPr algn="ctr"/>
             <a:r>
-              <a:rPr lang="en-US" sz="1400" dirty="0" smtClean="0"/>
+              <a:rPr lang="en-US" sz="1400" b="1" dirty="0" smtClean="0">
+                <a:solidFill>
+                  <a:sysClr val="windowText" lastClr="000000"/>
+                </a:solidFill>
+              </a:rPr>
               <a:t>H1</a:t>
             </a:r>
-            <a:endParaRPr lang="en-US" sz="1400" dirty="0"/>
+            <a:endParaRPr lang="en-US" sz="1400" b="1" dirty="0">
+              <a:solidFill>
+                <a:sysClr val="windowText" lastClr="000000"/>
+              </a:solidFill>
+            </a:endParaRPr>
           </a:p>
         </p:txBody>
       </p:sp>
@@ -3663,18 +3653,16 @@
         </p:spPr>
         <p:style>
           <a:lnRef idx="2">
-            <a:schemeClr val="accent1">
-              <a:shade val="50000"/>
-            </a:schemeClr>
+            <a:schemeClr val="dk1"/>
           </a:lnRef>
           <a:fillRef idx="1">
-            <a:schemeClr val="accent1"/>
+            <a:schemeClr val="lt1"/>
           </a:fillRef>
           <a:effectRef idx="0">
-            <a:schemeClr val="accent1"/>
-          </a:effectRef>
-          <a:fontRef idx="minor">
-            <a:schemeClr val="lt1"/>
+            <a:schemeClr val="dk1"/>
+          </a:effectRef>
+          <a:fontRef idx="minor">
+            <a:schemeClr val="dk1"/>
           </a:fontRef>
         </p:style>
         <p:txBody>
@@ -3683,10 +3671,18 @@
           <a:p>
             <a:pPr algn="ctr"/>
             <a:r>
-              <a:rPr lang="en-US" sz="1400" dirty="0" smtClean="0"/>
+              <a:rPr lang="en-US" sz="1400" b="1" dirty="0" smtClean="0">
+                <a:solidFill>
+                  <a:sysClr val="windowText" lastClr="000000"/>
+                </a:solidFill>
+              </a:rPr>
               <a:t>H2</a:t>
             </a:r>
-            <a:endParaRPr lang="en-US" sz="1400" dirty="0"/>
+            <a:endParaRPr lang="en-US" sz="1400" b="1" dirty="0">
+              <a:solidFill>
+                <a:sysClr val="windowText" lastClr="000000"/>
+              </a:solidFill>
+            </a:endParaRPr>
           </a:p>
         </p:txBody>
       </p:sp>
@@ -3707,18 +3703,16 @@
         </p:spPr>
         <p:style>
           <a:lnRef idx="2">
-            <a:schemeClr val="accent1">
-              <a:shade val="50000"/>
-            </a:schemeClr>
+            <a:schemeClr val="dk1"/>
           </a:lnRef>
           <a:fillRef idx="1">
-            <a:schemeClr val="accent1"/>
+            <a:schemeClr val="lt1"/>
           </a:fillRef>
           <a:effectRef idx="0">
-            <a:schemeClr val="accent1"/>
-          </a:effectRef>
-          <a:fontRef idx="minor">
-            <a:schemeClr val="lt1"/>
+            <a:schemeClr val="dk1"/>
+          </a:effectRef>
+          <a:fontRef idx="minor">
+            <a:schemeClr val="dk1"/>
           </a:fontRef>
         </p:style>
         <p:txBody>
@@ -3727,10 +3721,18 @@
           <a:p>
             <a:pPr algn="ctr"/>
             <a:r>
-              <a:rPr lang="en-US" sz="1400" dirty="0" smtClean="0"/>
+              <a:rPr lang="en-US" sz="1400" b="1" dirty="0" smtClean="0">
+                <a:solidFill>
+                  <a:sysClr val="windowText" lastClr="000000"/>
+                </a:solidFill>
+              </a:rPr>
               <a:t>H3</a:t>
             </a:r>
-            <a:endParaRPr lang="en-US" sz="1400" dirty="0"/>
+            <a:endParaRPr lang="en-US" sz="1400" b="1" dirty="0">
+              <a:solidFill>
+                <a:sysClr val="windowText" lastClr="000000"/>
+              </a:solidFill>
+            </a:endParaRPr>
           </a:p>
         </p:txBody>
       </p:sp>
@@ -3751,18 +3753,16 @@
         </p:spPr>
         <p:style>
           <a:lnRef idx="2">
-            <a:schemeClr val="accent1">
-              <a:shade val="50000"/>
-            </a:schemeClr>
+            <a:schemeClr val="dk1"/>
           </a:lnRef>
           <a:fillRef idx="1">
-            <a:schemeClr val="accent1"/>
+            <a:schemeClr val="lt1"/>
           </a:fillRef>
           <a:effectRef idx="0">
-            <a:schemeClr val="accent1"/>
-          </a:effectRef>
-          <a:fontRef idx="minor">
-            <a:schemeClr val="lt1"/>
+            <a:schemeClr val="dk1"/>
+          </a:effectRef>
+          <a:fontRef idx="minor">
+            <a:schemeClr val="dk1"/>
           </a:fontRef>
         </p:style>
         <p:txBody>
@@ -3771,10 +3771,18 @@
           <a:p>
             <a:pPr algn="ctr"/>
             <a:r>
-              <a:rPr lang="en-US" sz="1400" dirty="0" smtClean="0"/>
+              <a:rPr lang="en-US" sz="1400" b="1" dirty="0" smtClean="0">
+                <a:solidFill>
+                  <a:sysClr val="windowText" lastClr="000000"/>
+                </a:solidFill>
+              </a:rPr>
               <a:t>H4</a:t>
             </a:r>
-            <a:endParaRPr lang="en-US" sz="1400" dirty="0"/>
+            <a:endParaRPr lang="en-US" sz="1400" b="1" dirty="0">
+              <a:solidFill>
+                <a:sysClr val="windowText" lastClr="000000"/>
+              </a:solidFill>
+            </a:endParaRPr>
           </a:p>
         </p:txBody>
       </p:sp>
@@ -3917,18 +3925,16 @@
         </p:spPr>
         <p:style>
           <a:lnRef idx="2">
-            <a:schemeClr val="accent1">
-              <a:shade val="50000"/>
-            </a:schemeClr>
+            <a:schemeClr val="dk1"/>
           </a:lnRef>
           <a:fillRef idx="1">
-            <a:schemeClr val="accent1"/>
+            <a:schemeClr val="lt1"/>
           </a:fillRef>
           <a:effectRef idx="0">
-            <a:schemeClr val="accent1"/>
-          </a:effectRef>
-          <a:fontRef idx="minor">
-            <a:schemeClr val="lt1"/>
+            <a:schemeClr val="dk1"/>
+          </a:effectRef>
+          <a:fontRef idx="minor">
+            <a:schemeClr val="dk1"/>
           </a:fontRef>
         </p:style>
         <p:txBody>
@@ -3937,10 +3943,18 @@
           <a:p>
             <a:pPr algn="ctr"/>
             <a:r>
-              <a:rPr lang="en-US" sz="1400" dirty="0" smtClean="0"/>
+              <a:rPr lang="en-US" sz="1400" b="1" dirty="0" smtClean="0">
+                <a:solidFill>
+                  <a:sysClr val="windowText" lastClr="000000"/>
+                </a:solidFill>
+              </a:rPr>
               <a:t>H5</a:t>
             </a:r>
-            <a:endParaRPr lang="en-US" sz="1400" dirty="0"/>
+            <a:endParaRPr lang="en-US" sz="1400" b="1" dirty="0">
+              <a:solidFill>
+                <a:sysClr val="windowText" lastClr="000000"/>
+              </a:solidFill>
+            </a:endParaRPr>
           </a:p>
         </p:txBody>
       </p:sp>
@@ -3961,18 +3975,16 @@
         </p:spPr>
         <p:style>
           <a:lnRef idx="2">
-            <a:schemeClr val="accent1">
-              <a:shade val="50000"/>
-            </a:schemeClr>
+            <a:schemeClr val="dk1"/>
           </a:lnRef>
           <a:fillRef idx="1">
-            <a:schemeClr val="accent1"/>
+            <a:schemeClr val="lt1"/>
           </a:fillRef>
           <a:effectRef idx="0">
-            <a:schemeClr val="accent1"/>
-          </a:effectRef>
-          <a:fontRef idx="minor">
-            <a:schemeClr val="lt1"/>
+            <a:schemeClr val="dk1"/>
+          </a:effectRef>
+          <a:fontRef idx="minor">
+            <a:schemeClr val="dk1"/>
           </a:fontRef>
         </p:style>
         <p:txBody>
@@ -3981,10 +3993,18 @@
           <a:p>
             <a:pPr algn="ctr"/>
             <a:r>
-              <a:rPr lang="en-US" sz="1400" dirty="0" smtClean="0"/>
+              <a:rPr lang="en-US" sz="1400" b="1" dirty="0" smtClean="0">
+                <a:solidFill>
+                  <a:sysClr val="windowText" lastClr="000000"/>
+                </a:solidFill>
+              </a:rPr>
               <a:t>H6</a:t>
             </a:r>
-            <a:endParaRPr lang="en-US" sz="1400" dirty="0"/>
+            <a:endParaRPr lang="en-US" sz="1400" b="1" dirty="0">
+              <a:solidFill>
+                <a:sysClr val="windowText" lastClr="000000"/>
+              </a:solidFill>
+            </a:endParaRPr>
           </a:p>
         </p:txBody>
       </p:sp>
@@ -4005,18 +4025,16 @@
         </p:spPr>
         <p:style>
           <a:lnRef idx="2">
-            <a:schemeClr val="accent1">
-              <a:shade val="50000"/>
-            </a:schemeClr>
+            <a:schemeClr val="dk1"/>
           </a:lnRef>
           <a:fillRef idx="1">
-            <a:schemeClr val="accent1"/>
+            <a:schemeClr val="lt1"/>
           </a:fillRef>
           <a:effectRef idx="0">
-            <a:schemeClr val="accent1"/>
-          </a:effectRef>
-          <a:fontRef idx="minor">
-            <a:schemeClr val="lt1"/>
+            <a:schemeClr val="dk1"/>
+          </a:effectRef>
+          <a:fontRef idx="minor">
+            <a:schemeClr val="dk1"/>
           </a:fontRef>
         </p:style>
         <p:txBody>
@@ -4025,10 +4043,18 @@
           <a:p>
             <a:pPr algn="ctr"/>
             <a:r>
-              <a:rPr lang="en-US" sz="1400" dirty="0" smtClean="0"/>
+              <a:rPr lang="en-US" sz="1400" b="1" dirty="0" smtClean="0">
+                <a:solidFill>
+                  <a:sysClr val="windowText" lastClr="000000"/>
+                </a:solidFill>
+              </a:rPr>
               <a:t>H7</a:t>
             </a:r>
-            <a:endParaRPr lang="en-US" sz="1400" dirty="0"/>
+            <a:endParaRPr lang="en-US" sz="1400" b="1" dirty="0">
+              <a:solidFill>
+                <a:sysClr val="windowText" lastClr="000000"/>
+              </a:solidFill>
+            </a:endParaRPr>
           </a:p>
         </p:txBody>
       </p:sp>
@@ -4049,18 +4075,16 @@
         </p:spPr>
         <p:style>
           <a:lnRef idx="2">
-            <a:schemeClr val="accent1">
-              <a:shade val="50000"/>
-            </a:schemeClr>
+            <a:schemeClr val="dk1"/>
           </a:lnRef>
           <a:fillRef idx="1">
-            <a:schemeClr val="accent1"/>
+            <a:schemeClr val="lt1"/>
           </a:fillRef>
           <a:effectRef idx="0">
-            <a:schemeClr val="accent1"/>
-          </a:effectRef>
-          <a:fontRef idx="minor">
-            <a:schemeClr val="lt1"/>
+            <a:schemeClr val="dk1"/>
+          </a:effectRef>
+          <a:fontRef idx="minor">
+            <a:schemeClr val="dk1"/>
           </a:fontRef>
         </p:style>
         <p:txBody>
@@ -4069,10 +4093,18 @@
           <a:p>
             <a:pPr algn="ctr"/>
             <a:r>
-              <a:rPr lang="en-US" sz="1400" dirty="0" smtClean="0"/>
+              <a:rPr lang="en-US" sz="1400" b="1" dirty="0" smtClean="0">
+                <a:solidFill>
+                  <a:sysClr val="windowText" lastClr="000000"/>
+                </a:solidFill>
+              </a:rPr>
               <a:t>H8</a:t>
             </a:r>
-            <a:endParaRPr lang="en-US" sz="1400" dirty="0"/>
+            <a:endParaRPr lang="en-US" sz="1400" b="1" dirty="0">
+              <a:solidFill>
+                <a:sysClr val="windowText" lastClr="000000"/>
+              </a:solidFill>
+            </a:endParaRPr>
           </a:p>
         </p:txBody>
       </p:sp>
@@ -4207,7 +4239,7 @@
         <p:spPr>
           <a:xfrm>
             <a:off x="3561560" y="3924898"/>
-            <a:ext cx="1039131" cy="369332"/>
+            <a:ext cx="1056379" cy="369332"/>
           </a:xfrm>
           <a:prstGeom prst="rect">
             <a:avLst/>
@@ -4221,10 +4253,18 @@
           <a:lstStyle/>
           <a:p>
             <a:r>
-              <a:rPr lang="en-US" dirty="0" smtClean="0"/>
+              <a:rPr lang="en-US" b="1" dirty="0" smtClean="0">
+                <a:solidFill>
+                  <a:sysClr val="windowText" lastClr="000000"/>
+                </a:solidFill>
+              </a:rPr>
               <a:t>pSwitch1</a:t>
             </a:r>
-            <a:endParaRPr lang="en-US" dirty="0"/>
+            <a:endParaRPr lang="en-US" b="1" dirty="0">
+              <a:solidFill>
+                <a:sysClr val="windowText" lastClr="000000"/>
+              </a:solidFill>
+            </a:endParaRPr>
           </a:p>
         </p:txBody>
       </p:sp>
@@ -4237,7 +4277,7 @@
         <p:spPr>
           <a:xfrm>
             <a:off x="7640117" y="3924898"/>
-            <a:ext cx="1039131" cy="369332"/>
+            <a:ext cx="1056379" cy="369332"/>
           </a:xfrm>
           <a:prstGeom prst="rect">
             <a:avLst/>
@@ -4251,10 +4291,18 @@
           <a:lstStyle/>
           <a:p>
             <a:r>
-              <a:rPr lang="en-US" dirty="0" smtClean="0"/>
+              <a:rPr lang="en-US" b="1" dirty="0" smtClean="0">
+                <a:solidFill>
+                  <a:sysClr val="windowText" lastClr="000000"/>
+                </a:solidFill>
+              </a:rPr>
               <a:t>pSwitch2</a:t>
             </a:r>
-            <a:endParaRPr lang="en-US" dirty="0"/>
+            <a:endParaRPr lang="en-US" b="1" dirty="0">
+              <a:solidFill>
+                <a:sysClr val="windowText" lastClr="000000"/>
+              </a:solidFill>
+            </a:endParaRPr>
           </a:p>
         </p:txBody>
       </p:sp>
@@ -4267,7 +4315,7 @@
         <p:spPr>
           <a:xfrm>
             <a:off x="5633834" y="3943977"/>
-            <a:ext cx="745717" cy="307777"/>
+            <a:ext cx="753732" cy="307777"/>
           </a:xfrm>
           <a:prstGeom prst="rect">
             <a:avLst/>
@@ -4281,14 +4329,26 @@
           <a:lstStyle/>
           <a:p>
             <a:r>
-              <a:rPr lang="en-US" sz="1400" dirty="0"/>
+              <a:rPr lang="en-US" sz="1400" b="1" dirty="0">
+                <a:solidFill>
+                  <a:sysClr val="windowText" lastClr="000000"/>
+                </a:solidFill>
+              </a:rPr>
               <a:t> </a:t>
             </a:r>
             <a:r>
-              <a:rPr lang="en-US" sz="1400" dirty="0" smtClean="0"/>
+              <a:rPr lang="en-US" sz="1400" b="1" dirty="0" smtClean="0">
+                <a:solidFill>
+                  <a:sysClr val="windowText" lastClr="000000"/>
+                </a:solidFill>
+              </a:rPr>
               <a:t> CLink1</a:t>
             </a:r>
-            <a:endParaRPr lang="en-US" sz="1400" dirty="0"/>
+            <a:endParaRPr lang="en-US" sz="1400" b="1" dirty="0">
+              <a:solidFill>
+                <a:sysClr val="windowText" lastClr="000000"/>
+              </a:solidFill>
+            </a:endParaRPr>
           </a:p>
         </p:txBody>
       </p:sp>
@@ -4342,18 +4402,16 @@
         </p:spPr>
         <p:style>
           <a:lnRef idx="2">
-            <a:schemeClr val="accent1">
-              <a:shade val="50000"/>
-            </a:schemeClr>
+            <a:schemeClr val="dk1"/>
           </a:lnRef>
           <a:fillRef idx="1">
-            <a:schemeClr val="accent1"/>
+            <a:schemeClr val="lt1"/>
           </a:fillRef>
           <a:effectRef idx="0">
-            <a:schemeClr val="accent1"/>
-          </a:effectRef>
-          <a:fontRef idx="minor">
-            <a:schemeClr val="lt1"/>
+            <a:schemeClr val="dk1"/>
+          </a:effectRef>
+          <a:fontRef idx="minor">
+            <a:schemeClr val="dk1"/>
           </a:fontRef>
         </p:style>
         <p:txBody>
@@ -4361,7 +4419,11 @@
           <a:lstStyle/>
           <a:p>
             <a:pPr algn="ctr"/>
-            <a:endParaRPr lang="en-US"/>
+            <a:endParaRPr lang="en-US" b="1">
+              <a:solidFill>
+                <a:sysClr val="windowText" lastClr="000000"/>
+              </a:solidFill>
+            </a:endParaRPr>
           </a:p>
         </p:txBody>
       </p:sp>
@@ -4382,18 +4444,16 @@
         </p:spPr>
         <p:style>
           <a:lnRef idx="2">
-            <a:schemeClr val="accent1">
-              <a:shade val="50000"/>
-            </a:schemeClr>
+            <a:schemeClr val="dk1"/>
           </a:lnRef>
           <a:fillRef idx="1">
-            <a:schemeClr val="accent1"/>
+            <a:schemeClr val="lt1"/>
           </a:fillRef>
           <a:effectRef idx="0">
-            <a:schemeClr val="accent1"/>
-          </a:effectRef>
-          <a:fontRef idx="minor">
-            <a:schemeClr val="lt1"/>
+            <a:schemeClr val="dk1"/>
+          </a:effectRef>
+          <a:fontRef idx="minor">
+            <a:schemeClr val="dk1"/>
           </a:fontRef>
         </p:style>
         <p:txBody>
@@ -4401,7 +4461,11 @@
           <a:lstStyle/>
           <a:p>
             <a:pPr algn="ctr"/>
-            <a:endParaRPr lang="en-US"/>
+            <a:endParaRPr lang="en-US" b="1">
+              <a:solidFill>
+                <a:sysClr val="windowText" lastClr="000000"/>
+              </a:solidFill>
+            </a:endParaRPr>
           </a:p>
         </p:txBody>
       </p:sp>
@@ -4422,18 +4486,16 @@
         </p:spPr>
         <p:style>
           <a:lnRef idx="2">
-            <a:schemeClr val="accent1">
-              <a:shade val="50000"/>
-            </a:schemeClr>
+            <a:schemeClr val="dk1"/>
           </a:lnRef>
           <a:fillRef idx="1">
-            <a:schemeClr val="accent1"/>
+            <a:schemeClr val="lt1"/>
           </a:fillRef>
           <a:effectRef idx="0">
-            <a:schemeClr val="accent1"/>
-          </a:effectRef>
-          <a:fontRef idx="minor">
-            <a:schemeClr val="lt1"/>
+            <a:schemeClr val="dk1"/>
+          </a:effectRef>
+          <a:fontRef idx="minor">
+            <a:schemeClr val="dk1"/>
           </a:fontRef>
         </p:style>
         <p:txBody>
@@ -4442,10 +4504,18 @@
           <a:p>
             <a:pPr algn="ctr"/>
             <a:r>
-              <a:rPr lang="en-US" sz="1400" dirty="0" smtClean="0"/>
+              <a:rPr lang="en-US" sz="1400" b="1" dirty="0" smtClean="0">
+                <a:solidFill>
+                  <a:sysClr val="windowText" lastClr="000000"/>
+                </a:solidFill>
+              </a:rPr>
               <a:t>H1</a:t>
             </a:r>
-            <a:endParaRPr lang="en-US" sz="1400" dirty="0"/>
+            <a:endParaRPr lang="en-US" sz="1400" b="1" dirty="0">
+              <a:solidFill>
+                <a:sysClr val="windowText" lastClr="000000"/>
+              </a:solidFill>
+            </a:endParaRPr>
           </a:p>
         </p:txBody>
       </p:sp>
@@ -4466,18 +4536,16 @@
         </p:spPr>
         <p:style>
           <a:lnRef idx="2">
-            <a:schemeClr val="accent1">
-              <a:shade val="50000"/>
-            </a:schemeClr>
+            <a:schemeClr val="dk1"/>
           </a:lnRef>
           <a:fillRef idx="1">
-            <a:schemeClr val="accent1"/>
+            <a:schemeClr val="lt1"/>
           </a:fillRef>
           <a:effectRef idx="0">
-            <a:schemeClr val="accent1"/>
-          </a:effectRef>
-          <a:fontRef idx="minor">
-            <a:schemeClr val="lt1"/>
+            <a:schemeClr val="dk1"/>
+          </a:effectRef>
+          <a:fontRef idx="minor">
+            <a:schemeClr val="dk1"/>
           </a:fontRef>
         </p:style>
         <p:txBody>
@@ -4486,10 +4554,18 @@
           <a:p>
             <a:pPr algn="ctr"/>
             <a:r>
-              <a:rPr lang="en-US" sz="1400" dirty="0" smtClean="0"/>
+              <a:rPr lang="en-US" sz="1400" b="1" dirty="0" smtClean="0">
+                <a:solidFill>
+                  <a:sysClr val="windowText" lastClr="000000"/>
+                </a:solidFill>
+              </a:rPr>
               <a:t>H5</a:t>
             </a:r>
-            <a:endParaRPr lang="en-US" sz="1400" dirty="0"/>
+            <a:endParaRPr lang="en-US" sz="1400" b="1" dirty="0">
+              <a:solidFill>
+                <a:sysClr val="windowText" lastClr="000000"/>
+              </a:solidFill>
+            </a:endParaRPr>
           </a:p>
         </p:txBody>
       </p:sp>
@@ -4675,18 +4751,16 @@
         </p:spPr>
         <p:style>
           <a:lnRef idx="2">
-            <a:schemeClr val="accent3">
-              <a:shade val="50000"/>
-            </a:schemeClr>
+            <a:schemeClr val="dk1"/>
           </a:lnRef>
           <a:fillRef idx="1">
-            <a:schemeClr val="accent3"/>
+            <a:schemeClr val="lt1"/>
           </a:fillRef>
           <a:effectRef idx="0">
-            <a:schemeClr val="accent3"/>
-          </a:effectRef>
-          <a:fontRef idx="minor">
-            <a:schemeClr val="lt1"/>
+            <a:schemeClr val="dk1"/>
+          </a:effectRef>
+          <a:fontRef idx="minor">
+            <a:schemeClr val="dk1"/>
           </a:fontRef>
         </p:style>
         <p:txBody>
@@ -4695,7 +4769,7 @@
           <a:p>
             <a:pPr algn="ctr"/>
             <a:r>
-              <a:rPr lang="en-US" sz="1600" dirty="0" smtClean="0">
+              <a:rPr lang="en-US" sz="1600" b="1" dirty="0" smtClean="0">
                 <a:solidFill>
                   <a:sysClr val="windowText" lastClr="000000"/>
                 </a:solidFill>
@@ -4722,18 +4796,16 @@
         </p:spPr>
         <p:style>
           <a:lnRef idx="2">
-            <a:schemeClr val="accent3">
-              <a:shade val="50000"/>
-            </a:schemeClr>
+            <a:schemeClr val="dk1"/>
           </a:lnRef>
           <a:fillRef idx="1">
-            <a:schemeClr val="accent3"/>
+            <a:schemeClr val="lt1"/>
           </a:fillRef>
           <a:effectRef idx="0">
-            <a:schemeClr val="accent3"/>
-          </a:effectRef>
-          <a:fontRef idx="minor">
-            <a:schemeClr val="lt1"/>
+            <a:schemeClr val="dk1"/>
+          </a:effectRef>
+          <a:fontRef idx="minor">
+            <a:schemeClr val="dk1"/>
           </a:fontRef>
         </p:style>
         <p:txBody>
@@ -4742,14 +4814,14 @@
           <a:p>
             <a:pPr algn="ctr"/>
             <a:r>
-              <a:rPr lang="en-US" dirty="0" smtClean="0">
+              <a:rPr lang="en-US" b="1" dirty="0" smtClean="0">
                 <a:solidFill>
                   <a:sysClr val="windowText" lastClr="000000"/>
                 </a:solidFill>
               </a:rPr>
               <a:t>2</a:t>
             </a:r>
-            <a:endParaRPr lang="en-US" dirty="0">
+            <a:endParaRPr lang="en-US" b="1" dirty="0">
               <a:solidFill>
                 <a:sysClr val="windowText" lastClr="000000"/>
               </a:solidFill>
@@ -4774,18 +4846,16 @@
         </p:spPr>
         <p:style>
           <a:lnRef idx="2">
-            <a:schemeClr val="accent3">
-              <a:shade val="50000"/>
-            </a:schemeClr>
+            <a:schemeClr val="dk1"/>
           </a:lnRef>
           <a:fillRef idx="1">
-            <a:schemeClr val="accent3"/>
+            <a:schemeClr val="lt1"/>
           </a:fillRef>
           <a:effectRef idx="0">
-            <a:schemeClr val="accent3"/>
-          </a:effectRef>
-          <a:fontRef idx="minor">
-            <a:schemeClr val="lt1"/>
+            <a:schemeClr val="dk1"/>
+          </a:effectRef>
+          <a:fontRef idx="minor">
+            <a:schemeClr val="dk1"/>
           </a:fontRef>
         </p:style>
         <p:txBody>
@@ -4794,14 +4864,14 @@
           <a:p>
             <a:pPr algn="ctr"/>
             <a:r>
-              <a:rPr lang="en-US" dirty="0" smtClean="0">
+              <a:rPr lang="en-US" b="1" dirty="0" smtClean="0">
                 <a:solidFill>
                   <a:sysClr val="windowText" lastClr="000000"/>
                 </a:solidFill>
               </a:rPr>
               <a:t>3</a:t>
             </a:r>
-            <a:endParaRPr lang="en-US" dirty="0">
+            <a:endParaRPr lang="en-US" b="1" dirty="0">
               <a:solidFill>
                 <a:sysClr val="windowText" lastClr="000000"/>
               </a:solidFill>
@@ -4826,18 +4896,16 @@
         </p:spPr>
         <p:style>
           <a:lnRef idx="2">
-            <a:schemeClr val="accent3">
-              <a:shade val="50000"/>
-            </a:schemeClr>
+            <a:schemeClr val="dk1"/>
           </a:lnRef>
           <a:fillRef idx="1">
-            <a:schemeClr val="accent3"/>
+            <a:schemeClr val="lt1"/>
           </a:fillRef>
           <a:effectRef idx="0">
-            <a:schemeClr val="accent3"/>
-          </a:effectRef>
-          <a:fontRef idx="minor">
-            <a:schemeClr val="lt1"/>
+            <a:schemeClr val="dk1"/>
+          </a:effectRef>
+          <a:fontRef idx="minor">
+            <a:schemeClr val="dk1"/>
           </a:fontRef>
         </p:style>
         <p:txBody>
@@ -4846,14 +4914,14 @@
           <a:p>
             <a:pPr algn="ctr"/>
             <a:r>
-              <a:rPr lang="en-US" dirty="0" smtClean="0">
+              <a:rPr lang="en-US" b="1" dirty="0" smtClean="0">
                 <a:solidFill>
                   <a:sysClr val="windowText" lastClr="000000"/>
                 </a:solidFill>
               </a:rPr>
               <a:t>2</a:t>
             </a:r>
-            <a:endParaRPr lang="en-US" dirty="0">
+            <a:endParaRPr lang="en-US" b="1" dirty="0">
               <a:solidFill>
                 <a:sysClr val="windowText" lastClr="000000"/>
               </a:solidFill>
@@ -4878,18 +4946,16 @@
         </p:spPr>
         <p:style>
           <a:lnRef idx="2">
-            <a:schemeClr val="accent3">
-              <a:shade val="50000"/>
-            </a:schemeClr>
+            <a:schemeClr val="dk1"/>
           </a:lnRef>
           <a:fillRef idx="1">
-            <a:schemeClr val="accent3"/>
+            <a:schemeClr val="lt1"/>
           </a:fillRef>
           <a:effectRef idx="0">
-            <a:schemeClr val="accent3"/>
-          </a:effectRef>
-          <a:fontRef idx="minor">
-            <a:schemeClr val="lt1"/>
+            <a:schemeClr val="dk1"/>
+          </a:effectRef>
+          <a:fontRef idx="minor">
+            <a:schemeClr val="dk1"/>
           </a:fontRef>
         </p:style>
         <p:txBody>
@@ -4898,14 +4964,14 @@
           <a:p>
             <a:pPr algn="ctr"/>
             <a:r>
-              <a:rPr lang="en-US" dirty="0" smtClean="0">
+              <a:rPr lang="en-US" b="1" dirty="0" smtClean="0">
                 <a:solidFill>
                   <a:sysClr val="windowText" lastClr="000000"/>
                 </a:solidFill>
               </a:rPr>
               <a:t>3</a:t>
             </a:r>
-            <a:endParaRPr lang="en-US" dirty="0">
+            <a:endParaRPr lang="en-US" b="1" dirty="0">
               <a:solidFill>
                 <a:sysClr val="windowText" lastClr="000000"/>
               </a:solidFill>
@@ -4930,18 +4996,16 @@
         </p:spPr>
         <p:style>
           <a:lnRef idx="2">
-            <a:schemeClr val="accent3">
-              <a:shade val="50000"/>
-            </a:schemeClr>
+            <a:schemeClr val="dk1"/>
           </a:lnRef>
           <a:fillRef idx="1">
-            <a:schemeClr val="accent3"/>
+            <a:schemeClr val="lt1"/>
           </a:fillRef>
           <a:effectRef idx="0">
-            <a:schemeClr val="accent3"/>
-          </a:effectRef>
-          <a:fontRef idx="minor">
-            <a:schemeClr val="lt1"/>
+            <a:schemeClr val="dk1"/>
+          </a:effectRef>
+          <a:fontRef idx="minor">
+            <a:schemeClr val="dk1"/>
           </a:fontRef>
         </p:style>
         <p:txBody>
@@ -4950,14 +5014,14 @@
           <a:p>
             <a:pPr algn="ctr"/>
             <a:r>
-              <a:rPr lang="en-US" dirty="0" smtClean="0">
+              <a:rPr lang="en-US" b="1" dirty="0" smtClean="0">
                 <a:solidFill>
                   <a:sysClr val="windowText" lastClr="000000"/>
                 </a:solidFill>
               </a:rPr>
               <a:t>1</a:t>
             </a:r>
-            <a:endParaRPr lang="en-US" dirty="0">
+            <a:endParaRPr lang="en-US" b="1" dirty="0">
               <a:solidFill>
                 <a:sysClr val="windowText" lastClr="000000"/>
               </a:solidFill>
@@ -4965,44 +5029,6 @@
           </a:p>
         </p:txBody>
       </p:sp>
-      <p:cxnSp>
-        <p:nvCxnSpPr>
-          <p:cNvPr id="92" name="Curved Connector 91"/>
-          <p:cNvCxnSpPr>
-            <a:stCxn id="8" idx="0"/>
-            <a:endCxn id="8" idx="0"/>
-          </p:cNvCxnSpPr>
-          <p:nvPr/>
-        </p:nvCxnSpPr>
-        <p:spPr>
-          <a:xfrm rot="5400000" flipH="1" flipV="1">
-            <a:off x="5200908" y="4063571"/>
-            <a:ext cx="12700" cy="12700"/>
-          </a:xfrm>
-          <a:prstGeom prst="curvedConnector3">
-            <a:avLst>
-              <a:gd name="adj1" fmla="val 1800000"/>
-            </a:avLst>
-          </a:prstGeom>
-          <a:ln>
-            <a:tailEnd type="triangle"/>
-          </a:ln>
-        </p:spPr>
-        <p:style>
-          <a:lnRef idx="1">
-            <a:schemeClr val="accent1"/>
-          </a:lnRef>
-          <a:fillRef idx="0">
-            <a:schemeClr val="accent1"/>
-          </a:fillRef>
-          <a:effectRef idx="0">
-            <a:schemeClr val="accent1"/>
-          </a:effectRef>
-          <a:fontRef idx="minor">
-            <a:schemeClr val="tx1"/>
-          </a:fontRef>
-        </p:style>
-      </p:cxnSp>
       <p:sp>
         <p:nvSpPr>
           <p:cNvPr id="103" name="TextBox 102"/>
@@ -5012,7 +5038,7 @@
         <p:spPr>
           <a:xfrm>
             <a:off x="7015455" y="1423168"/>
-            <a:ext cx="745717" cy="307777"/>
+            <a:ext cx="753732" cy="307777"/>
           </a:xfrm>
           <a:prstGeom prst="rect">
             <a:avLst/>
@@ -5026,14 +5052,26 @@
           <a:lstStyle/>
           <a:p>
             <a:r>
-              <a:rPr lang="en-US" sz="1400" dirty="0"/>
+              <a:rPr lang="en-US" sz="1400" b="1" dirty="0">
+                <a:solidFill>
+                  <a:sysClr val="windowText" lastClr="000000"/>
+                </a:solidFill>
+              </a:rPr>
               <a:t> </a:t>
             </a:r>
             <a:r>
-              <a:rPr lang="en-US" sz="1400" dirty="0" smtClean="0"/>
+              <a:rPr lang="en-US" sz="1400" b="1" dirty="0" smtClean="0">
+                <a:solidFill>
+                  <a:sysClr val="windowText" lastClr="000000"/>
+                </a:solidFill>
+              </a:rPr>
               <a:t> CLink1</a:t>
             </a:r>
-            <a:endParaRPr lang="en-US" sz="1400" dirty="0"/>
+            <a:endParaRPr lang="en-US" sz="1400" b="1" dirty="0">
+              <a:solidFill>
+                <a:sysClr val="windowText" lastClr="000000"/>
+              </a:solidFill>
+            </a:endParaRPr>
           </a:p>
         </p:txBody>
       </p:sp>
@@ -5046,7 +5084,7 @@
         <p:spPr>
           <a:xfrm>
             <a:off x="8260391" y="530233"/>
-            <a:ext cx="745717" cy="307777"/>
+            <a:ext cx="753732" cy="307777"/>
           </a:xfrm>
           <a:prstGeom prst="rect">
             <a:avLst/>
@@ -5060,14 +5098,26 @@
           <a:lstStyle/>
           <a:p>
             <a:r>
-              <a:rPr lang="en-US" sz="1400" dirty="0"/>
+              <a:rPr lang="en-US" sz="1400" b="1" dirty="0">
+                <a:solidFill>
+                  <a:sysClr val="windowText" lastClr="000000"/>
+                </a:solidFill>
+              </a:rPr>
               <a:t> </a:t>
             </a:r>
             <a:r>
-              <a:rPr lang="en-US" sz="1400" dirty="0" smtClean="0"/>
+              <a:rPr lang="en-US" sz="1400" b="1" dirty="0" smtClean="0">
+                <a:solidFill>
+                  <a:sysClr val="windowText" lastClr="000000"/>
+                </a:solidFill>
+              </a:rPr>
               <a:t> CLink1</a:t>
             </a:r>
-            <a:endParaRPr lang="en-US" sz="1400" dirty="0"/>
+            <a:endParaRPr lang="en-US" sz="1400" b="1" dirty="0">
+              <a:solidFill>
+                <a:sysClr val="windowText" lastClr="000000"/>
+              </a:solidFill>
+            </a:endParaRPr>
           </a:p>
         </p:txBody>
       </p:sp>
@@ -5080,7 +5130,7 @@
         <p:spPr>
           <a:xfrm>
             <a:off x="9628730" y="1383864"/>
-            <a:ext cx="745717" cy="307777"/>
+            <a:ext cx="753732" cy="307777"/>
           </a:xfrm>
           <a:prstGeom prst="rect">
             <a:avLst/>
@@ -5094,14 +5144,26 @@
           <a:lstStyle/>
           <a:p>
             <a:r>
-              <a:rPr lang="en-US" sz="1400" dirty="0"/>
+              <a:rPr lang="en-US" sz="1400" b="1" dirty="0">
+                <a:solidFill>
+                  <a:sysClr val="windowText" lastClr="000000"/>
+                </a:solidFill>
+              </a:rPr>
               <a:t> </a:t>
             </a:r>
             <a:r>
-              <a:rPr lang="en-US" sz="1400" dirty="0" smtClean="0"/>
+              <a:rPr lang="en-US" sz="1400" b="1" dirty="0" smtClean="0">
+                <a:solidFill>
+                  <a:sysClr val="windowText" lastClr="000000"/>
+                </a:solidFill>
+              </a:rPr>
               <a:t> CLink1</a:t>
             </a:r>
-            <a:endParaRPr lang="en-US" sz="1400" dirty="0"/>
+            <a:endParaRPr lang="en-US" sz="1400" b="1" dirty="0">
+              <a:solidFill>
+                <a:sysClr val="windowText" lastClr="000000"/>
+              </a:solidFill>
+            </a:endParaRPr>
           </a:p>
         </p:txBody>
       </p:sp>
@@ -5122,18 +5184,16 @@
         </p:spPr>
         <p:style>
           <a:lnRef idx="2">
-            <a:schemeClr val="accent1">
-              <a:shade val="50000"/>
-            </a:schemeClr>
+            <a:schemeClr val="dk1"/>
           </a:lnRef>
           <a:fillRef idx="1">
-            <a:schemeClr val="accent1"/>
+            <a:schemeClr val="lt1"/>
           </a:fillRef>
           <a:effectRef idx="0">
-            <a:schemeClr val="accent1"/>
-          </a:effectRef>
-          <a:fontRef idx="minor">
-            <a:schemeClr val="lt1"/>
+            <a:schemeClr val="dk1"/>
+          </a:effectRef>
+          <a:fontRef idx="minor">
+            <a:schemeClr val="dk1"/>
           </a:fontRef>
         </p:style>
         <p:txBody>
@@ -5142,10 +5202,18 @@
           <a:p>
             <a:pPr algn="ctr"/>
             <a:r>
-              <a:rPr lang="en-US" sz="1200" dirty="0" smtClean="0"/>
+              <a:rPr lang="en-US" sz="1400" b="1" dirty="0" smtClean="0">
+                <a:solidFill>
+                  <a:sysClr val="windowText" lastClr="000000"/>
+                </a:solidFill>
+              </a:rPr>
               <a:t>vS1</a:t>
             </a:r>
-            <a:endParaRPr lang="en-US" sz="1200" dirty="0"/>
+            <a:endParaRPr lang="en-US" sz="1200" b="1" dirty="0">
+              <a:solidFill>
+                <a:sysClr val="windowText" lastClr="000000"/>
+              </a:solidFill>
+            </a:endParaRPr>
           </a:p>
         </p:txBody>
       </p:sp>
@@ -5166,18 +5234,16 @@
         </p:spPr>
         <p:style>
           <a:lnRef idx="2">
-            <a:schemeClr val="accent1">
-              <a:shade val="50000"/>
-            </a:schemeClr>
+            <a:schemeClr val="dk1"/>
           </a:lnRef>
           <a:fillRef idx="1">
-            <a:schemeClr val="accent1"/>
+            <a:schemeClr val="lt1"/>
           </a:fillRef>
           <a:effectRef idx="0">
-            <a:schemeClr val="accent1"/>
-          </a:effectRef>
-          <a:fontRef idx="minor">
-            <a:schemeClr val="lt1"/>
+            <a:schemeClr val="dk1"/>
+          </a:effectRef>
+          <a:fontRef idx="minor">
+            <a:schemeClr val="dk1"/>
           </a:fontRef>
         </p:style>
         <p:txBody>
@@ -5186,10 +5252,18 @@
           <a:p>
             <a:pPr algn="ctr"/>
             <a:r>
-              <a:rPr lang="en-US" sz="1200" dirty="0" smtClean="0"/>
+              <a:rPr lang="en-US" sz="1400" b="1" dirty="0" smtClean="0">
+                <a:solidFill>
+                  <a:sysClr val="windowText" lastClr="000000"/>
+                </a:solidFill>
+              </a:rPr>
               <a:t>vS3</a:t>
             </a:r>
-            <a:endParaRPr lang="en-US" sz="1200" dirty="0"/>
+            <a:endParaRPr lang="en-US" sz="1200" b="1" dirty="0">
+              <a:solidFill>
+                <a:sysClr val="windowText" lastClr="000000"/>
+              </a:solidFill>
+            </a:endParaRPr>
           </a:p>
         </p:txBody>
       </p:sp>
@@ -5210,18 +5284,16 @@
         </p:spPr>
         <p:style>
           <a:lnRef idx="2">
-            <a:schemeClr val="accent1">
-              <a:shade val="50000"/>
-            </a:schemeClr>
+            <a:schemeClr val="dk1"/>
           </a:lnRef>
           <a:fillRef idx="1">
-            <a:schemeClr val="accent1"/>
+            <a:schemeClr val="lt1"/>
           </a:fillRef>
           <a:effectRef idx="0">
-            <a:schemeClr val="accent1"/>
-          </a:effectRef>
-          <a:fontRef idx="minor">
-            <a:schemeClr val="lt1"/>
+            <a:schemeClr val="dk1"/>
+          </a:effectRef>
+          <a:fontRef idx="minor">
+            <a:schemeClr val="dk1"/>
           </a:fontRef>
         </p:style>
         <p:txBody>
@@ -5230,10 +5302,18 @@
           <a:p>
             <a:pPr algn="ctr"/>
             <a:r>
-              <a:rPr lang="en-US" sz="1200" dirty="0" smtClean="0"/>
+              <a:rPr lang="en-US" sz="1400" b="1" dirty="0" smtClean="0">
+                <a:solidFill>
+                  <a:sysClr val="windowText" lastClr="000000"/>
+                </a:solidFill>
+              </a:rPr>
               <a:t>vS2</a:t>
             </a:r>
-            <a:endParaRPr lang="en-US" sz="1200" dirty="0"/>
+            <a:endParaRPr lang="en-US" sz="1200" b="1" dirty="0">
+              <a:solidFill>
+                <a:sysClr val="windowText" lastClr="000000"/>
+              </a:solidFill>
+            </a:endParaRPr>
           </a:p>
         </p:txBody>
       </p:sp>
@@ -5254,18 +5334,16 @@
         </p:spPr>
         <p:style>
           <a:lnRef idx="2">
-            <a:schemeClr val="accent1">
-              <a:shade val="50000"/>
-            </a:schemeClr>
+            <a:schemeClr val="dk1"/>
           </a:lnRef>
           <a:fillRef idx="1">
-            <a:schemeClr val="accent1"/>
+            <a:schemeClr val="lt1"/>
           </a:fillRef>
           <a:effectRef idx="0">
-            <a:schemeClr val="accent1"/>
-          </a:effectRef>
-          <a:fontRef idx="minor">
-            <a:schemeClr val="lt1"/>
+            <a:schemeClr val="dk1"/>
+          </a:effectRef>
+          <a:fontRef idx="minor">
+            <a:schemeClr val="dk1"/>
           </a:fontRef>
         </p:style>
         <p:txBody>
@@ -5274,7 +5352,11 @@
           <a:p>
             <a:pPr algn="ctr"/>
             <a:r>
-              <a:rPr lang="en-US" sz="1400" dirty="0"/>
+              <a:rPr lang="en-US" sz="1400" b="1" dirty="0">
+                <a:solidFill>
+                  <a:sysClr val="windowText" lastClr="000000"/>
+                </a:solidFill>
+              </a:rPr>
               <a:t>H</a:t>
             </a:r>
           </a:p>
@@ -5297,18 +5379,16 @@
         </p:spPr>
         <p:style>
           <a:lnRef idx="2">
-            <a:schemeClr val="accent1">
-              <a:shade val="50000"/>
-            </a:schemeClr>
+            <a:schemeClr val="dk1"/>
           </a:lnRef>
           <a:fillRef idx="1">
-            <a:schemeClr val="accent1"/>
+            <a:schemeClr val="lt1"/>
           </a:fillRef>
           <a:effectRef idx="0">
-            <a:schemeClr val="accent1"/>
-          </a:effectRef>
-          <a:fontRef idx="minor">
-            <a:schemeClr val="lt1"/>
+            <a:schemeClr val="dk1"/>
+          </a:effectRef>
+          <a:fontRef idx="minor">
+            <a:schemeClr val="dk1"/>
           </a:fontRef>
         </p:style>
         <p:txBody>
@@ -5317,10 +5397,18 @@
           <a:p>
             <a:pPr algn="ctr"/>
             <a:r>
-              <a:rPr lang="en-US" sz="1400" dirty="0" smtClean="0"/>
+              <a:rPr lang="en-US" sz="1400" b="1" dirty="0" smtClean="0">
+                <a:solidFill>
+                  <a:sysClr val="windowText" lastClr="000000"/>
+                </a:solidFill>
+              </a:rPr>
               <a:t>H</a:t>
             </a:r>
-            <a:endParaRPr lang="en-US" sz="1400" dirty="0"/>
+            <a:endParaRPr lang="en-US" sz="1400" b="1" dirty="0">
+              <a:solidFill>
+                <a:sysClr val="windowText" lastClr="000000"/>
+              </a:solidFill>
+            </a:endParaRPr>
           </a:p>
         </p:txBody>
       </p:sp>
@@ -5341,18 +5429,16 @@
         </p:spPr>
         <p:style>
           <a:lnRef idx="2">
-            <a:schemeClr val="accent1">
-              <a:shade val="50000"/>
-            </a:schemeClr>
+            <a:schemeClr val="dk1"/>
           </a:lnRef>
           <a:fillRef idx="1">
-            <a:schemeClr val="accent1"/>
+            <a:schemeClr val="lt1"/>
           </a:fillRef>
           <a:effectRef idx="0">
-            <a:schemeClr val="accent1"/>
-          </a:effectRef>
-          <a:fontRef idx="minor">
-            <a:schemeClr val="lt1"/>
+            <a:schemeClr val="dk1"/>
+          </a:effectRef>
+          <a:fontRef idx="minor">
+            <a:schemeClr val="dk1"/>
           </a:fontRef>
         </p:style>
         <p:txBody>
@@ -5361,10 +5447,18 @@
           <a:p>
             <a:pPr algn="ctr"/>
             <a:r>
-              <a:rPr lang="en-US" sz="1400" dirty="0" smtClean="0"/>
+              <a:rPr lang="en-US" sz="1400" b="1" dirty="0" smtClean="0">
+                <a:solidFill>
+                  <a:sysClr val="windowText" lastClr="000000"/>
+                </a:solidFill>
+              </a:rPr>
               <a:t>H</a:t>
             </a:r>
-            <a:endParaRPr lang="en-US" sz="1400" dirty="0"/>
+            <a:endParaRPr lang="en-US" sz="1400" b="1" dirty="0">
+              <a:solidFill>
+                <a:sysClr val="windowText" lastClr="000000"/>
+              </a:solidFill>
+            </a:endParaRPr>
           </a:p>
         </p:txBody>
       </p:sp>
@@ -5600,7 +5694,11 @@
           <a:lstStyle/>
           <a:p>
             <a:pPr algn="ctr"/>
-            <a:endParaRPr lang="en-US"/>
+            <a:endParaRPr lang="en-US" b="1">
+              <a:solidFill>
+                <a:sysClr val="windowText" lastClr="000000"/>
+              </a:solidFill>
+            </a:endParaRPr>
           </a:p>
         </p:txBody>
       </p:sp>
@@ -5803,18 +5901,16 @@
         </p:spPr>
         <p:style>
           <a:lnRef idx="2">
-            <a:schemeClr val="accent1">
-              <a:shade val="50000"/>
-            </a:schemeClr>
+            <a:schemeClr val="dk1"/>
           </a:lnRef>
           <a:fillRef idx="1">
-            <a:schemeClr val="accent1"/>
+            <a:schemeClr val="lt1"/>
           </a:fillRef>
           <a:effectRef idx="0">
-            <a:schemeClr val="accent1"/>
-          </a:effectRef>
-          <a:fontRef idx="minor">
-            <a:schemeClr val="lt1"/>
+            <a:schemeClr val="dk1"/>
+          </a:effectRef>
+          <a:fontRef idx="minor">
+            <a:schemeClr val="dk1"/>
           </a:fontRef>
         </p:style>
         <p:txBody>
@@ -5822,7 +5918,11 @@
           <a:lstStyle/>
           <a:p>
             <a:pPr algn="ctr"/>
-            <a:endParaRPr lang="en-US"/>
+            <a:endParaRPr lang="en-US" b="1">
+              <a:solidFill>
+                <a:sysClr val="windowText" lastClr="000000"/>
+              </a:solidFill>
+            </a:endParaRPr>
           </a:p>
         </p:txBody>
       </p:sp>
@@ -5843,18 +5943,16 @@
         </p:spPr>
         <p:style>
           <a:lnRef idx="2">
-            <a:schemeClr val="accent1">
-              <a:shade val="50000"/>
-            </a:schemeClr>
+            <a:schemeClr val="dk1"/>
           </a:lnRef>
           <a:fillRef idx="1">
-            <a:schemeClr val="accent1"/>
+            <a:schemeClr val="lt1"/>
           </a:fillRef>
           <a:effectRef idx="0">
-            <a:schemeClr val="accent1"/>
-          </a:effectRef>
-          <a:fontRef idx="minor">
-            <a:schemeClr val="lt1"/>
+            <a:schemeClr val="dk1"/>
+          </a:effectRef>
+          <a:fontRef idx="minor">
+            <a:schemeClr val="dk1"/>
           </a:fontRef>
         </p:style>
         <p:txBody>
@@ -5863,10 +5961,18 @@
           <a:p>
             <a:pPr algn="ctr"/>
             <a:r>
-              <a:rPr lang="en-US" sz="1400" dirty="0" smtClean="0"/>
+              <a:rPr lang="en-US" sz="1400" b="1" dirty="0" smtClean="0">
+                <a:solidFill>
+                  <a:sysClr val="windowText" lastClr="000000"/>
+                </a:solidFill>
+              </a:rPr>
               <a:t>H2</a:t>
             </a:r>
-            <a:endParaRPr lang="en-US" sz="1400" dirty="0"/>
+            <a:endParaRPr lang="en-US" sz="1400" b="1" dirty="0">
+              <a:solidFill>
+                <a:sysClr val="windowText" lastClr="000000"/>
+              </a:solidFill>
+            </a:endParaRPr>
           </a:p>
         </p:txBody>
       </p:sp>
@@ -5920,18 +6026,16 @@
         </p:spPr>
         <p:style>
           <a:lnRef idx="2">
-            <a:schemeClr val="accent3">
-              <a:shade val="50000"/>
-            </a:schemeClr>
+            <a:schemeClr val="dk1"/>
           </a:lnRef>
           <a:fillRef idx="1">
-            <a:schemeClr val="accent3"/>
+            <a:schemeClr val="lt1"/>
           </a:fillRef>
           <a:effectRef idx="0">
-            <a:schemeClr val="accent3"/>
-          </a:effectRef>
-          <a:fontRef idx="minor">
-            <a:schemeClr val="lt1"/>
+            <a:schemeClr val="dk1"/>
+          </a:effectRef>
+          <a:fontRef idx="minor">
+            <a:schemeClr val="dk1"/>
           </a:fontRef>
         </p:style>
         <p:txBody>
@@ -5940,14 +6044,14 @@
           <a:p>
             <a:pPr algn="ctr"/>
             <a:r>
-              <a:rPr lang="en-US" dirty="0" smtClean="0">
+              <a:rPr lang="en-US" b="1" dirty="0" smtClean="0">
                 <a:solidFill>
                   <a:sysClr val="windowText" lastClr="000000"/>
                 </a:solidFill>
               </a:rPr>
               <a:t>2</a:t>
             </a:r>
-            <a:endParaRPr lang="en-US" dirty="0">
+            <a:endParaRPr lang="en-US" b="1" dirty="0">
               <a:solidFill>
                 <a:sysClr val="windowText" lastClr="000000"/>
               </a:solidFill>
@@ -5972,18 +6076,16 @@
         </p:spPr>
         <p:style>
           <a:lnRef idx="2">
-            <a:schemeClr val="accent3">
-              <a:shade val="50000"/>
-            </a:schemeClr>
+            <a:schemeClr val="dk1"/>
           </a:lnRef>
           <a:fillRef idx="1">
-            <a:schemeClr val="accent3"/>
+            <a:schemeClr val="lt1"/>
           </a:fillRef>
           <a:effectRef idx="0">
-            <a:schemeClr val="accent3"/>
-          </a:effectRef>
-          <a:fontRef idx="minor">
-            <a:schemeClr val="lt1"/>
+            <a:schemeClr val="dk1"/>
+          </a:effectRef>
+          <a:fontRef idx="minor">
+            <a:schemeClr val="dk1"/>
           </a:fontRef>
         </p:style>
         <p:txBody>
@@ -5992,14 +6094,14 @@
           <a:p>
             <a:pPr algn="ctr"/>
             <a:r>
-              <a:rPr lang="en-US" dirty="0" smtClean="0">
+              <a:rPr lang="en-US" b="1" dirty="0" smtClean="0">
                 <a:solidFill>
                   <a:sysClr val="windowText" lastClr="000000"/>
                 </a:solidFill>
               </a:rPr>
               <a:t>3</a:t>
             </a:r>
-            <a:endParaRPr lang="en-US" dirty="0">
+            <a:endParaRPr lang="en-US" b="1" dirty="0">
               <a:solidFill>
                 <a:sysClr val="windowText" lastClr="000000"/>
               </a:solidFill>
@@ -6024,18 +6126,16 @@
         </p:spPr>
         <p:style>
           <a:lnRef idx="2">
-            <a:schemeClr val="accent3">
-              <a:shade val="50000"/>
-            </a:schemeClr>
+            <a:schemeClr val="dk1"/>
           </a:lnRef>
           <a:fillRef idx="1">
-            <a:schemeClr val="accent3"/>
+            <a:schemeClr val="lt1"/>
           </a:fillRef>
           <a:effectRef idx="0">
-            <a:schemeClr val="accent3"/>
-          </a:effectRef>
-          <a:fontRef idx="minor">
-            <a:schemeClr val="lt1"/>
+            <a:schemeClr val="dk1"/>
+          </a:effectRef>
+          <a:fontRef idx="minor">
+            <a:schemeClr val="dk1"/>
           </a:fontRef>
         </p:style>
         <p:txBody>
@@ -6044,14 +6144,14 @@
           <a:p>
             <a:pPr algn="ctr"/>
             <a:r>
-              <a:rPr lang="en-US" dirty="0" smtClean="0">
+              <a:rPr lang="en-US" b="1" dirty="0" smtClean="0">
                 <a:solidFill>
                   <a:sysClr val="windowText" lastClr="000000"/>
                 </a:solidFill>
               </a:rPr>
               <a:t>1</a:t>
             </a:r>
-            <a:endParaRPr lang="en-US" dirty="0">
+            <a:endParaRPr lang="en-US" b="1" dirty="0">
               <a:solidFill>
                 <a:sysClr val="windowText" lastClr="000000"/>
               </a:solidFill>
@@ -6104,7 +6204,7 @@
         <p:spPr>
           <a:xfrm>
             <a:off x="94644" y="3585636"/>
-            <a:ext cx="1822935" cy="369332"/>
+            <a:ext cx="1861728" cy="369332"/>
           </a:xfrm>
           <a:prstGeom prst="rect">
             <a:avLst/>
@@ -6118,10 +6218,18 @@
           <a:lstStyle/>
           <a:p>
             <a:r>
-              <a:rPr lang="en-US" dirty="0" smtClean="0"/>
+              <a:rPr lang="en-US" b="1" dirty="0" smtClean="0">
+                <a:solidFill>
+                  <a:sysClr val="windowText" lastClr="000000"/>
+                </a:solidFill>
+              </a:rPr>
               <a:t>Physical Topology</a:t>
             </a:r>
-            <a:endParaRPr lang="en-US" dirty="0"/>
+            <a:endParaRPr lang="en-US" b="1" dirty="0">
+              <a:solidFill>
+                <a:sysClr val="windowText" lastClr="000000"/>
+              </a:solidFill>
+            </a:endParaRPr>
           </a:p>
         </p:txBody>
       </p:sp>
@@ -6134,7 +6242,7 @@
         <p:spPr>
           <a:xfrm>
             <a:off x="88788" y="2578151"/>
-            <a:ext cx="1709442" cy="369332"/>
+            <a:ext cx="1746888" cy="369332"/>
           </a:xfrm>
           <a:prstGeom prst="rect">
             <a:avLst/>
@@ -6148,10 +6256,18 @@
           <a:lstStyle/>
           <a:p>
             <a:r>
-              <a:rPr lang="en-US" dirty="0" smtClean="0"/>
+              <a:rPr lang="en-US" b="1" dirty="0" smtClean="0">
+                <a:solidFill>
+                  <a:sysClr val="windowText" lastClr="000000"/>
+                </a:solidFill>
+              </a:rPr>
               <a:t>Virtual Topology</a:t>
             </a:r>
-            <a:endParaRPr lang="en-US" dirty="0"/>
+            <a:endParaRPr lang="en-US" b="1" dirty="0">
+              <a:solidFill>
+                <a:sysClr val="windowText" lastClr="000000"/>
+              </a:solidFill>
+            </a:endParaRPr>
           </a:p>
         </p:txBody>
       </p:sp>
@@ -6164,7 +6280,7 @@
         <p:spPr>
           <a:xfrm>
             <a:off x="8148179" y="2930603"/>
-            <a:ext cx="1019831" cy="369332"/>
+            <a:ext cx="1035861" cy="369332"/>
           </a:xfrm>
           <a:prstGeom prst="rect">
             <a:avLst/>
@@ -6178,10 +6294,18 @@
           <a:lstStyle/>
           <a:p>
             <a:r>
-              <a:rPr lang="en-US" dirty="0" smtClean="0"/>
+              <a:rPr lang="en-US" b="1" dirty="0" smtClean="0">
+                <a:solidFill>
+                  <a:sysClr val="windowText" lastClr="000000"/>
+                </a:solidFill>
+              </a:rPr>
               <a:t>Mapping</a:t>
             </a:r>
-            <a:endParaRPr lang="en-US" dirty="0"/>
+            <a:endParaRPr lang="en-US" b="1" dirty="0">
+              <a:solidFill>
+                <a:sysClr val="windowText" lastClr="000000"/>
+              </a:solidFill>
+            </a:endParaRPr>
           </a:p>
         </p:txBody>
       </p:sp>
@@ -6194,12 +6318,30 @@
         <p:spPr>
           <a:xfrm>
             <a:off x="6829624" y="508902"/>
-            <a:ext cx="511679" cy="369332"/>
+            <a:ext cx="573096" cy="369332"/>
           </a:xfrm>
           <a:prstGeom prst="rect">
             <a:avLst/>
           </a:prstGeom>
-        </p:spPr>
+          <a:noFill/>
+          <a:ln>
+            <a:noFill/>
+          </a:ln>
+        </p:spPr>
+        <p:style>
+          <a:lnRef idx="2">
+            <a:schemeClr val="dk1"/>
+          </a:lnRef>
+          <a:fillRef idx="1">
+            <a:schemeClr val="lt1"/>
+          </a:fillRef>
+          <a:effectRef idx="0">
+            <a:schemeClr val="dk1"/>
+          </a:effectRef>
+          <a:fontRef idx="minor">
+            <a:schemeClr val="dk1"/>
+          </a:fontRef>
+        </p:style>
         <p:txBody>
           <a:bodyPr wrap="square">
             <a:spAutoFit/>
@@ -6207,10 +6349,18 @@
           <a:lstStyle/>
           <a:p>
             <a:r>
-              <a:rPr lang="en-US" dirty="0" smtClean="0"/>
+              <a:rPr lang="en-US" b="1" dirty="0" smtClean="0">
+                <a:solidFill>
+                  <a:sysClr val="windowText" lastClr="000000"/>
+                </a:solidFill>
+              </a:rPr>
               <a:t>vS1</a:t>
             </a:r>
-            <a:endParaRPr lang="en-US" dirty="0"/>
+            <a:endParaRPr lang="en-US" b="1" dirty="0">
+              <a:solidFill>
+                <a:sysClr val="windowText" lastClr="000000"/>
+              </a:solidFill>
+            </a:endParaRPr>
           </a:p>
         </p:txBody>
       </p:sp>
@@ -6223,7 +6373,7 @@
         <p:spPr>
           <a:xfrm>
             <a:off x="8481271" y="1529477"/>
-            <a:ext cx="511679" cy="369332"/>
+            <a:ext cx="519694" cy="369332"/>
           </a:xfrm>
           <a:prstGeom prst="rect">
             <a:avLst/>
@@ -6236,10 +6386,18 @@
           <a:lstStyle/>
           <a:p>
             <a:r>
-              <a:rPr lang="en-US" dirty="0" smtClean="0"/>
+              <a:rPr lang="en-US" b="1" dirty="0" smtClean="0">
+                <a:solidFill>
+                  <a:sysClr val="windowText" lastClr="000000"/>
+                </a:solidFill>
+              </a:rPr>
               <a:t>vS2</a:t>
             </a:r>
-            <a:endParaRPr lang="en-US" dirty="0"/>
+            <a:endParaRPr lang="en-US" b="1" dirty="0">
+              <a:solidFill>
+                <a:sysClr val="windowText" lastClr="000000"/>
+              </a:solidFill>
+            </a:endParaRPr>
           </a:p>
         </p:txBody>
       </p:sp>
@@ -6252,12 +6410,30 @@
         <p:spPr>
           <a:xfrm>
             <a:off x="10087794" y="512237"/>
-            <a:ext cx="511679" cy="369332"/>
+            <a:ext cx="519694" cy="369332"/>
           </a:xfrm>
           <a:prstGeom prst="rect">
             <a:avLst/>
           </a:prstGeom>
-        </p:spPr>
+          <a:noFill/>
+          <a:ln>
+            <a:noFill/>
+          </a:ln>
+        </p:spPr>
+        <p:style>
+          <a:lnRef idx="2">
+            <a:schemeClr val="dk1"/>
+          </a:lnRef>
+          <a:fillRef idx="1">
+            <a:schemeClr val="lt1"/>
+          </a:fillRef>
+          <a:effectRef idx="0">
+            <a:schemeClr val="dk1"/>
+          </a:effectRef>
+          <a:fontRef idx="minor">
+            <a:schemeClr val="dk1"/>
+          </a:fontRef>
+        </p:style>
         <p:txBody>
           <a:bodyPr wrap="none">
             <a:spAutoFit/>
@@ -6265,10 +6441,18 @@
           <a:lstStyle/>
           <a:p>
             <a:r>
-              <a:rPr lang="en-US" dirty="0" smtClean="0"/>
+              <a:rPr lang="en-US" b="1" dirty="0" smtClean="0">
+                <a:solidFill>
+                  <a:sysClr val="windowText" lastClr="000000"/>
+                </a:solidFill>
+              </a:rPr>
               <a:t>vS3</a:t>
             </a:r>
-            <a:endParaRPr lang="en-US" dirty="0"/>
+            <a:endParaRPr lang="en-US" b="1" dirty="0">
+              <a:solidFill>
+                <a:sysClr val="windowText" lastClr="000000"/>
+              </a:solidFill>
+            </a:endParaRPr>
           </a:p>
         </p:txBody>
       </p:sp>
@@ -6295,10 +6479,18 @@
           <a:lstStyle/>
           <a:p>
             <a:r>
-              <a:rPr lang="en-US" dirty="0" smtClean="0"/>
+              <a:rPr lang="en-US" b="1" dirty="0" smtClean="0">
+                <a:solidFill>
+                  <a:sysClr val="windowText" lastClr="000000"/>
+                </a:solidFill>
+              </a:rPr>
               <a:t>vL1</a:t>
             </a:r>
-            <a:endParaRPr lang="en-US" dirty="0"/>
+            <a:endParaRPr lang="en-US" b="1" dirty="0">
+              <a:solidFill>
+                <a:sysClr val="windowText" lastClr="000000"/>
+              </a:solidFill>
+            </a:endParaRPr>
           </a:p>
         </p:txBody>
       </p:sp>
@@ -6325,10 +6517,18 @@
           <a:lstStyle/>
           <a:p>
             <a:r>
-              <a:rPr lang="en-US" dirty="0" smtClean="0"/>
+              <a:rPr lang="en-US" b="1" dirty="0" smtClean="0">
+                <a:solidFill>
+                  <a:sysClr val="windowText" lastClr="000000"/>
+                </a:solidFill>
+              </a:rPr>
               <a:t>vL2</a:t>
             </a:r>
-            <a:endParaRPr lang="en-US" dirty="0"/>
+            <a:endParaRPr lang="en-US" b="1" dirty="0">
+              <a:solidFill>
+                <a:sysClr val="windowText" lastClr="000000"/>
+              </a:solidFill>
+            </a:endParaRPr>
           </a:p>
         </p:txBody>
       </p:sp>
@@ -6355,10 +6555,18 @@
           <a:lstStyle/>
           <a:p>
             <a:r>
-              <a:rPr lang="en-US" dirty="0" smtClean="0"/>
+              <a:rPr lang="en-US" b="1" dirty="0" smtClean="0">
+                <a:solidFill>
+                  <a:sysClr val="windowText" lastClr="000000"/>
+                </a:solidFill>
+              </a:rPr>
               <a:t>vL2</a:t>
             </a:r>
-            <a:endParaRPr lang="en-US" dirty="0"/>
+            <a:endParaRPr lang="en-US" b="1" dirty="0">
+              <a:solidFill>
+                <a:sysClr val="windowText" lastClr="000000"/>
+              </a:solidFill>
+            </a:endParaRPr>
           </a:p>
         </p:txBody>
       </p:sp>

--- a/Diagrams/generic_mapping.pptx
+++ b/Diagrams/generic_mapping.pptx
@@ -2,18 +2,19 @@
 <file path=ppt/presentation.xml><?xml version="1.0" encoding="utf-8"?>
 <p:presentation xmlns:a="http://schemas.openxmlformats.org/drawingml/2006/main" xmlns:r="http://schemas.openxmlformats.org/officeDocument/2006/relationships" xmlns:p="http://schemas.openxmlformats.org/presentationml/2006/main" saveSubsetFonts="1">
   <p:sldMasterIdLst>
-    <p:sldMasterId id="2147483648" r:id="rId1"/>
+    <p:sldMasterId id="2147483684" r:id="rId1"/>
   </p:sldMasterIdLst>
   <p:sldIdLst>
     <p:sldId id="256" r:id="rId2"/>
+    <p:sldId id="257" r:id="rId3"/>
   </p:sldIdLst>
-  <p:sldSz cx="12192000" cy="6858000"/>
+  <p:sldSz cx="11795125" cy="5029200"/>
   <p:notesSz cx="6858000" cy="9144000"/>
   <p:defaultTextStyle>
     <a:defPPr>
       <a:defRPr lang="en-US"/>
     </a:defPPr>
-    <a:lvl1pPr marL="0" algn="l" defTabSz="914400" rtl="0" eaLnBrk="1" latinLnBrk="0" hangingPunct="1">
+    <a:lvl1pPr marL="0" algn="l" defTabSz="457200" rtl="0" eaLnBrk="1" latinLnBrk="0" hangingPunct="1">
       <a:defRPr sz="1800" kern="1200">
         <a:solidFill>
           <a:schemeClr val="tx1"/>
@@ -23,7 +24,7 @@
         <a:cs typeface="+mn-cs"/>
       </a:defRPr>
     </a:lvl1pPr>
-    <a:lvl2pPr marL="457200" algn="l" defTabSz="914400" rtl="0" eaLnBrk="1" latinLnBrk="0" hangingPunct="1">
+    <a:lvl2pPr marL="457200" algn="l" defTabSz="457200" rtl="0" eaLnBrk="1" latinLnBrk="0" hangingPunct="1">
       <a:defRPr sz="1800" kern="1200">
         <a:solidFill>
           <a:schemeClr val="tx1"/>
@@ -33,7 +34,7 @@
         <a:cs typeface="+mn-cs"/>
       </a:defRPr>
     </a:lvl2pPr>
-    <a:lvl3pPr marL="914400" algn="l" defTabSz="914400" rtl="0" eaLnBrk="1" latinLnBrk="0" hangingPunct="1">
+    <a:lvl3pPr marL="914400" algn="l" defTabSz="457200" rtl="0" eaLnBrk="1" latinLnBrk="0" hangingPunct="1">
       <a:defRPr sz="1800" kern="1200">
         <a:solidFill>
           <a:schemeClr val="tx1"/>
@@ -43,7 +44,7 @@
         <a:cs typeface="+mn-cs"/>
       </a:defRPr>
     </a:lvl3pPr>
-    <a:lvl4pPr marL="1371600" algn="l" defTabSz="914400" rtl="0" eaLnBrk="1" latinLnBrk="0" hangingPunct="1">
+    <a:lvl4pPr marL="1371600" algn="l" defTabSz="457200" rtl="0" eaLnBrk="1" latinLnBrk="0" hangingPunct="1">
       <a:defRPr sz="1800" kern="1200">
         <a:solidFill>
           <a:schemeClr val="tx1"/>
@@ -53,7 +54,7 @@
         <a:cs typeface="+mn-cs"/>
       </a:defRPr>
     </a:lvl4pPr>
-    <a:lvl5pPr marL="1828800" algn="l" defTabSz="914400" rtl="0" eaLnBrk="1" latinLnBrk="0" hangingPunct="1">
+    <a:lvl5pPr marL="1828800" algn="l" defTabSz="457200" rtl="0" eaLnBrk="1" latinLnBrk="0" hangingPunct="1">
       <a:defRPr sz="1800" kern="1200">
         <a:solidFill>
           <a:schemeClr val="tx1"/>
@@ -63,7 +64,7 @@
         <a:cs typeface="+mn-cs"/>
       </a:defRPr>
     </a:lvl5pPr>
-    <a:lvl6pPr marL="2286000" algn="l" defTabSz="914400" rtl="0" eaLnBrk="1" latinLnBrk="0" hangingPunct="1">
+    <a:lvl6pPr marL="2286000" algn="l" defTabSz="457200" rtl="0" eaLnBrk="1" latinLnBrk="0" hangingPunct="1">
       <a:defRPr sz="1800" kern="1200">
         <a:solidFill>
           <a:schemeClr val="tx1"/>
@@ -73,7 +74,7 @@
         <a:cs typeface="+mn-cs"/>
       </a:defRPr>
     </a:lvl6pPr>
-    <a:lvl7pPr marL="2743200" algn="l" defTabSz="914400" rtl="0" eaLnBrk="1" latinLnBrk="0" hangingPunct="1">
+    <a:lvl7pPr marL="2743200" algn="l" defTabSz="457200" rtl="0" eaLnBrk="1" latinLnBrk="0" hangingPunct="1">
       <a:defRPr sz="1800" kern="1200">
         <a:solidFill>
           <a:schemeClr val="tx1"/>
@@ -83,7 +84,7 @@
         <a:cs typeface="+mn-cs"/>
       </a:defRPr>
     </a:lvl7pPr>
-    <a:lvl8pPr marL="3200400" algn="l" defTabSz="914400" rtl="0" eaLnBrk="1" latinLnBrk="0" hangingPunct="1">
+    <a:lvl8pPr marL="3200400" algn="l" defTabSz="457200" rtl="0" eaLnBrk="1" latinLnBrk="0" hangingPunct="1">
       <a:defRPr sz="1800" kern="1200">
         <a:solidFill>
           <a:schemeClr val="tx1"/>
@@ -93,7 +94,7 @@
         <a:cs typeface="+mn-cs"/>
       </a:defRPr>
     </a:lvl8pPr>
-    <a:lvl9pPr marL="3657600" algn="l" defTabSz="914400" rtl="0" eaLnBrk="1" latinLnBrk="0" hangingPunct="1">
+    <a:lvl9pPr marL="3657600" algn="l" defTabSz="457200" rtl="0" eaLnBrk="1" latinLnBrk="0" hangingPunct="1">
       <a:defRPr sz="1800" kern="1200">
         <a:solidFill>
           <a:schemeClr val="tx1"/>
@@ -110,6 +111,10 @@
     </p:ext>
   </p:extLst>
 </p:presentation>
+</file>
+
+<file path=ppt/revisionInfo.xml><?xml version="1.0" encoding="utf-8"?>
+<p1510:revInfo xmlns:a="http://schemas.openxmlformats.org/drawingml/2006/main" xmlns:r="http://schemas.openxmlformats.org/officeDocument/2006/relationships" xmlns:p1510="http://schemas.microsoft.com/office/powerpoint/2015/10/main"/>
 </file>
 
 <file path=ppt/slideLayouts/slideLayout1.xml><?xml version="1.0" encoding="utf-8"?>
@@ -141,23 +146,23 @@
         </p:nvSpPr>
         <p:spPr>
           <a:xfrm>
-            <a:off x="1524000" y="1122363"/>
-            <a:ext cx="9144000" cy="2387600"/>
+            <a:off x="1474391" y="823066"/>
+            <a:ext cx="8846344" cy="1750907"/>
           </a:xfrm>
         </p:spPr>
         <p:txBody>
           <a:bodyPr anchor="b"/>
           <a:lstStyle>
             <a:lvl1pPr algn="ctr">
-              <a:defRPr sz="6000"/>
+              <a:defRPr sz="4400"/>
             </a:lvl1pPr>
           </a:lstStyle>
           <a:p>
             <a:r>
-              <a:rPr lang="en-US" smtClean="0"/>
+              <a:rPr lang="en-US"/>
               <a:t>Click to edit Master title style</a:t>
             </a:r>
-            <a:endParaRPr lang="en-US"/>
+            <a:endParaRPr lang="en-US" dirty="0"/>
           </a:p>
         </p:txBody>
       </p:sp>
@@ -173,8 +178,8 @@
         </p:nvSpPr>
         <p:spPr>
           <a:xfrm>
-            <a:off x="1524000" y="3602038"/>
-            <a:ext cx="9144000" cy="1655762"/>
+            <a:off x="1474391" y="2641495"/>
+            <a:ext cx="8846344" cy="1214225"/>
           </a:xfrm>
         </p:spPr>
         <p:txBody>
@@ -182,47 +187,47 @@
           <a:lstStyle>
             <a:lvl1pPr marL="0" indent="0" algn="ctr">
               <a:buNone/>
-              <a:defRPr sz="2400"/>
+              <a:defRPr sz="1760"/>
             </a:lvl1pPr>
-            <a:lvl2pPr marL="457200" indent="0" algn="ctr">
+            <a:lvl2pPr marL="335265" indent="0" algn="ctr">
               <a:buNone/>
-              <a:defRPr sz="2000"/>
+              <a:defRPr sz="1467"/>
             </a:lvl2pPr>
-            <a:lvl3pPr marL="914400" indent="0" algn="ctr">
+            <a:lvl3pPr marL="670530" indent="0" algn="ctr">
               <a:buNone/>
-              <a:defRPr sz="1800"/>
+              <a:defRPr sz="1320"/>
             </a:lvl3pPr>
-            <a:lvl4pPr marL="1371600" indent="0" algn="ctr">
+            <a:lvl4pPr marL="1005794" indent="0" algn="ctr">
               <a:buNone/>
-              <a:defRPr sz="1600"/>
+              <a:defRPr sz="1173"/>
             </a:lvl4pPr>
-            <a:lvl5pPr marL="1828800" indent="0" algn="ctr">
+            <a:lvl5pPr marL="1341059" indent="0" algn="ctr">
               <a:buNone/>
-              <a:defRPr sz="1600"/>
+              <a:defRPr sz="1173"/>
             </a:lvl5pPr>
-            <a:lvl6pPr marL="2286000" indent="0" algn="ctr">
+            <a:lvl6pPr marL="1676324" indent="0" algn="ctr">
               <a:buNone/>
-              <a:defRPr sz="1600"/>
+              <a:defRPr sz="1173"/>
             </a:lvl6pPr>
-            <a:lvl7pPr marL="2743200" indent="0" algn="ctr">
+            <a:lvl7pPr marL="2011589" indent="0" algn="ctr">
               <a:buNone/>
-              <a:defRPr sz="1600"/>
+              <a:defRPr sz="1173"/>
             </a:lvl7pPr>
-            <a:lvl8pPr marL="3200400" indent="0" algn="ctr">
+            <a:lvl8pPr marL="2346853" indent="0" algn="ctr">
               <a:buNone/>
-              <a:defRPr sz="1600"/>
+              <a:defRPr sz="1173"/>
             </a:lvl8pPr>
-            <a:lvl9pPr marL="3657600" indent="0" algn="ctr">
+            <a:lvl9pPr marL="2682118" indent="0" algn="ctr">
               <a:buNone/>
-              <a:defRPr sz="1600"/>
+              <a:defRPr sz="1173"/>
             </a:lvl9pPr>
           </a:lstStyle>
           <a:p>
             <a:r>
-              <a:rPr lang="en-US" smtClean="0"/>
+              <a:rPr lang="en-US"/>
               <a:t>Click to edit Master subtitle style</a:t>
             </a:r>
-            <a:endParaRPr lang="en-US"/>
+            <a:endParaRPr lang="en-US" dirty="0"/>
           </a:p>
         </p:txBody>
       </p:sp>
@@ -243,7 +248,7 @@
           <a:p>
             <a:fld id="{670F4037-AF96-4A4B-AD90-5273BA30825A}" type="datetimeFigureOut">
               <a:rPr lang="en-US" smtClean="0"/>
-              <a:t>1/27/2017</a:t>
+              <a:t>11/9/2017</a:t>
             </a:fld>
             <a:endParaRPr lang="en-US"/>
           </a:p>
@@ -294,7 +299,7 @@
     </p:spTree>
     <p:extLst>
       <p:ext uri="{BB962C8B-B14F-4D97-AF65-F5344CB8AC3E}">
-        <p14:creationId xmlns:p14="http://schemas.microsoft.com/office/powerpoint/2010/main" val="1830382866"/>
+        <p14:creationId xmlns:p14="http://schemas.microsoft.com/office/powerpoint/2010/main" val="2428663720"/>
       </p:ext>
     </p:extLst>
   </p:cSld>
@@ -337,10 +342,10 @@
           <a:lstStyle/>
           <a:p>
             <a:r>
-              <a:rPr lang="en-US" smtClean="0"/>
+              <a:rPr lang="en-US"/>
               <a:t>Click to edit Master title style</a:t>
             </a:r>
-            <a:endParaRPr lang="en-US"/>
+            <a:endParaRPr lang="en-US" dirty="0"/>
           </a:p>
         </p:txBody>
       </p:sp>
@@ -361,38 +366,38 @@
           <a:p>
             <a:pPr lvl="0"/>
             <a:r>
-              <a:rPr lang="en-US" smtClean="0"/>
-              <a:t>Click to edit Master text styles</a:t>
+              <a:rPr lang="en-US"/>
+              <a:t>Edit Master text styles</a:t>
             </a:r>
           </a:p>
           <a:p>
             <a:pPr lvl="1"/>
             <a:r>
-              <a:rPr lang="en-US" smtClean="0"/>
+              <a:rPr lang="en-US"/>
               <a:t>Second level</a:t>
             </a:r>
           </a:p>
           <a:p>
             <a:pPr lvl="2"/>
             <a:r>
-              <a:rPr lang="en-US" smtClean="0"/>
+              <a:rPr lang="en-US"/>
               <a:t>Third level</a:t>
             </a:r>
           </a:p>
           <a:p>
             <a:pPr lvl="3"/>
             <a:r>
-              <a:rPr lang="en-US" smtClean="0"/>
+              <a:rPr lang="en-US"/>
               <a:t>Fourth level</a:t>
             </a:r>
           </a:p>
           <a:p>
             <a:pPr lvl="4"/>
             <a:r>
-              <a:rPr lang="en-US" smtClean="0"/>
+              <a:rPr lang="en-US"/>
               <a:t>Fifth level</a:t>
             </a:r>
-            <a:endParaRPr lang="en-US"/>
+            <a:endParaRPr lang="en-US" dirty="0"/>
           </a:p>
         </p:txBody>
       </p:sp>
@@ -413,7 +418,7 @@
           <a:p>
             <a:fld id="{670F4037-AF96-4A4B-AD90-5273BA30825A}" type="datetimeFigureOut">
               <a:rPr lang="en-US" smtClean="0"/>
-              <a:t>1/27/2017</a:t>
+              <a:t>11/9/2017</a:t>
             </a:fld>
             <a:endParaRPr lang="en-US"/>
           </a:p>
@@ -464,7 +469,7 @@
     </p:spTree>
     <p:extLst>
       <p:ext uri="{BB962C8B-B14F-4D97-AF65-F5344CB8AC3E}">
-        <p14:creationId xmlns:p14="http://schemas.microsoft.com/office/powerpoint/2010/main" val="2156609713"/>
+        <p14:creationId xmlns:p14="http://schemas.microsoft.com/office/powerpoint/2010/main" val="876641313"/>
       </p:ext>
     </p:extLst>
   </p:cSld>
@@ -503,8 +508,8 @@
         </p:nvSpPr>
         <p:spPr>
           <a:xfrm>
-            <a:off x="8724900" y="365125"/>
-            <a:ext cx="2628900" cy="5811838"/>
+            <a:off x="8440886" y="267758"/>
+            <a:ext cx="2543324" cy="4262015"/>
           </a:xfrm>
         </p:spPr>
         <p:txBody>
@@ -512,10 +517,10 @@
           <a:lstStyle/>
           <a:p>
             <a:r>
-              <a:rPr lang="en-US" smtClean="0"/>
+              <a:rPr lang="en-US"/>
               <a:t>Click to edit Master title style</a:t>
             </a:r>
-            <a:endParaRPr lang="en-US"/>
+            <a:endParaRPr lang="en-US" dirty="0"/>
           </a:p>
         </p:txBody>
       </p:sp>
@@ -531,8 +536,8 @@
         </p:nvSpPr>
         <p:spPr>
           <a:xfrm>
-            <a:off x="838200" y="365125"/>
-            <a:ext cx="7734300" cy="5811838"/>
+            <a:off x="810915" y="267758"/>
+            <a:ext cx="7482532" cy="4262015"/>
           </a:xfrm>
         </p:spPr>
         <p:txBody>
@@ -541,38 +546,38 @@
           <a:p>
             <a:pPr lvl="0"/>
             <a:r>
-              <a:rPr lang="en-US" smtClean="0"/>
-              <a:t>Click to edit Master text styles</a:t>
+              <a:rPr lang="en-US"/>
+              <a:t>Edit Master text styles</a:t>
             </a:r>
           </a:p>
           <a:p>
             <a:pPr lvl="1"/>
             <a:r>
-              <a:rPr lang="en-US" smtClean="0"/>
+              <a:rPr lang="en-US"/>
               <a:t>Second level</a:t>
             </a:r>
           </a:p>
           <a:p>
             <a:pPr lvl="2"/>
             <a:r>
-              <a:rPr lang="en-US" smtClean="0"/>
+              <a:rPr lang="en-US"/>
               <a:t>Third level</a:t>
             </a:r>
           </a:p>
           <a:p>
             <a:pPr lvl="3"/>
             <a:r>
-              <a:rPr lang="en-US" smtClean="0"/>
+              <a:rPr lang="en-US"/>
               <a:t>Fourth level</a:t>
             </a:r>
           </a:p>
           <a:p>
             <a:pPr lvl="4"/>
             <a:r>
-              <a:rPr lang="en-US" smtClean="0"/>
+              <a:rPr lang="en-US"/>
               <a:t>Fifth level</a:t>
             </a:r>
-            <a:endParaRPr lang="en-US"/>
+            <a:endParaRPr lang="en-US" dirty="0"/>
           </a:p>
         </p:txBody>
       </p:sp>
@@ -593,7 +598,7 @@
           <a:p>
             <a:fld id="{670F4037-AF96-4A4B-AD90-5273BA30825A}" type="datetimeFigureOut">
               <a:rPr lang="en-US" smtClean="0"/>
-              <a:t>1/27/2017</a:t>
+              <a:t>11/9/2017</a:t>
             </a:fld>
             <a:endParaRPr lang="en-US"/>
           </a:p>
@@ -644,7 +649,7 @@
     </p:spTree>
     <p:extLst>
       <p:ext uri="{BB962C8B-B14F-4D97-AF65-F5344CB8AC3E}">
-        <p14:creationId xmlns:p14="http://schemas.microsoft.com/office/powerpoint/2010/main" val="4216871944"/>
+        <p14:creationId xmlns:p14="http://schemas.microsoft.com/office/powerpoint/2010/main" val="2069778432"/>
       </p:ext>
     </p:extLst>
   </p:cSld>
@@ -687,10 +692,10 @@
           <a:lstStyle/>
           <a:p>
             <a:r>
-              <a:rPr lang="en-US" smtClean="0"/>
+              <a:rPr lang="en-US"/>
               <a:t>Click to edit Master title style</a:t>
             </a:r>
-            <a:endParaRPr lang="en-US"/>
+            <a:endParaRPr lang="en-US" dirty="0"/>
           </a:p>
         </p:txBody>
       </p:sp>
@@ -711,38 +716,38 @@
           <a:p>
             <a:pPr lvl="0"/>
             <a:r>
-              <a:rPr lang="en-US" smtClean="0"/>
-              <a:t>Click to edit Master text styles</a:t>
+              <a:rPr lang="en-US"/>
+              <a:t>Edit Master text styles</a:t>
             </a:r>
           </a:p>
           <a:p>
             <a:pPr lvl="1"/>
             <a:r>
-              <a:rPr lang="en-US" smtClean="0"/>
+              <a:rPr lang="en-US"/>
               <a:t>Second level</a:t>
             </a:r>
           </a:p>
           <a:p>
             <a:pPr lvl="2"/>
             <a:r>
-              <a:rPr lang="en-US" smtClean="0"/>
+              <a:rPr lang="en-US"/>
               <a:t>Third level</a:t>
             </a:r>
           </a:p>
           <a:p>
             <a:pPr lvl="3"/>
             <a:r>
-              <a:rPr lang="en-US" smtClean="0"/>
+              <a:rPr lang="en-US"/>
               <a:t>Fourth level</a:t>
             </a:r>
           </a:p>
           <a:p>
             <a:pPr lvl="4"/>
             <a:r>
-              <a:rPr lang="en-US" smtClean="0"/>
+              <a:rPr lang="en-US"/>
               <a:t>Fifth level</a:t>
             </a:r>
-            <a:endParaRPr lang="en-US"/>
+            <a:endParaRPr lang="en-US" dirty="0"/>
           </a:p>
         </p:txBody>
       </p:sp>
@@ -763,7 +768,7 @@
           <a:p>
             <a:fld id="{670F4037-AF96-4A4B-AD90-5273BA30825A}" type="datetimeFigureOut">
               <a:rPr lang="en-US" smtClean="0"/>
-              <a:t>1/27/2017</a:t>
+              <a:t>11/9/2017</a:t>
             </a:fld>
             <a:endParaRPr lang="en-US"/>
           </a:p>
@@ -814,7 +819,7 @@
     </p:spTree>
     <p:extLst>
       <p:ext uri="{BB962C8B-B14F-4D97-AF65-F5344CB8AC3E}">
-        <p14:creationId xmlns:p14="http://schemas.microsoft.com/office/powerpoint/2010/main" val="2964892475"/>
+        <p14:creationId xmlns:p14="http://schemas.microsoft.com/office/powerpoint/2010/main" val="3653085711"/>
       </p:ext>
     </p:extLst>
   </p:cSld>
@@ -853,23 +858,23 @@
         </p:nvSpPr>
         <p:spPr>
           <a:xfrm>
-            <a:off x="831850" y="1709738"/>
-            <a:ext cx="10515600" cy="2852737"/>
+            <a:off x="804772" y="1253808"/>
+            <a:ext cx="10173295" cy="2092007"/>
           </a:xfrm>
         </p:spPr>
         <p:txBody>
           <a:bodyPr anchor="b"/>
           <a:lstStyle>
             <a:lvl1pPr>
-              <a:defRPr sz="6000"/>
+              <a:defRPr sz="4400"/>
             </a:lvl1pPr>
           </a:lstStyle>
           <a:p>
             <a:r>
-              <a:rPr lang="en-US" smtClean="0"/>
+              <a:rPr lang="en-US"/>
               <a:t>Click to edit Master title style</a:t>
             </a:r>
-            <a:endParaRPr lang="en-US"/>
+            <a:endParaRPr lang="en-US" dirty="0"/>
           </a:p>
         </p:txBody>
       </p:sp>
@@ -885,8 +890,8 @@
         </p:nvSpPr>
         <p:spPr>
           <a:xfrm>
-            <a:off x="831850" y="4589463"/>
-            <a:ext cx="10515600" cy="1500187"/>
+            <a:off x="804772" y="3365607"/>
+            <a:ext cx="10173295" cy="1100137"/>
           </a:xfrm>
         </p:spPr>
         <p:txBody>
@@ -894,7 +899,7 @@
           <a:lstStyle>
             <a:lvl1pPr marL="0" indent="0">
               <a:buNone/>
-              <a:defRPr sz="2400">
+              <a:defRPr sz="1760">
                 <a:solidFill>
                   <a:schemeClr val="tx1">
                     <a:tint val="75000"/>
@@ -902,9 +907,9 @@
                 </a:solidFill>
               </a:defRPr>
             </a:lvl1pPr>
-            <a:lvl2pPr marL="457200" indent="0">
+            <a:lvl2pPr marL="335265" indent="0">
               <a:buNone/>
-              <a:defRPr sz="2000">
+              <a:defRPr sz="1467">
                 <a:solidFill>
                   <a:schemeClr val="tx1">
                     <a:tint val="75000"/>
@@ -912,9 +917,9 @@
                 </a:solidFill>
               </a:defRPr>
             </a:lvl2pPr>
-            <a:lvl3pPr marL="914400" indent="0">
+            <a:lvl3pPr marL="670530" indent="0">
               <a:buNone/>
-              <a:defRPr sz="1800">
+              <a:defRPr sz="1320">
                 <a:solidFill>
                   <a:schemeClr val="tx1">
                     <a:tint val="75000"/>
@@ -922,9 +927,9 @@
                 </a:solidFill>
               </a:defRPr>
             </a:lvl3pPr>
-            <a:lvl4pPr marL="1371600" indent="0">
+            <a:lvl4pPr marL="1005794" indent="0">
               <a:buNone/>
-              <a:defRPr sz="1600">
+              <a:defRPr sz="1173">
                 <a:solidFill>
                   <a:schemeClr val="tx1">
                     <a:tint val="75000"/>
@@ -932,9 +937,9 @@
                 </a:solidFill>
               </a:defRPr>
             </a:lvl4pPr>
-            <a:lvl5pPr marL="1828800" indent="0">
+            <a:lvl5pPr marL="1341059" indent="0">
               <a:buNone/>
-              <a:defRPr sz="1600">
+              <a:defRPr sz="1173">
                 <a:solidFill>
                   <a:schemeClr val="tx1">
                     <a:tint val="75000"/>
@@ -942,9 +947,9 @@
                 </a:solidFill>
               </a:defRPr>
             </a:lvl5pPr>
-            <a:lvl6pPr marL="2286000" indent="0">
+            <a:lvl6pPr marL="1676324" indent="0">
               <a:buNone/>
-              <a:defRPr sz="1600">
+              <a:defRPr sz="1173">
                 <a:solidFill>
                   <a:schemeClr val="tx1">
                     <a:tint val="75000"/>
@@ -952,9 +957,9 @@
                 </a:solidFill>
               </a:defRPr>
             </a:lvl6pPr>
-            <a:lvl7pPr marL="2743200" indent="0">
+            <a:lvl7pPr marL="2011589" indent="0">
               <a:buNone/>
-              <a:defRPr sz="1600">
+              <a:defRPr sz="1173">
                 <a:solidFill>
                   <a:schemeClr val="tx1">
                     <a:tint val="75000"/>
@@ -962,9 +967,9 @@
                 </a:solidFill>
               </a:defRPr>
             </a:lvl7pPr>
-            <a:lvl8pPr marL="3200400" indent="0">
+            <a:lvl8pPr marL="2346853" indent="0">
               <a:buNone/>
-              <a:defRPr sz="1600">
+              <a:defRPr sz="1173">
                 <a:solidFill>
                   <a:schemeClr val="tx1">
                     <a:tint val="75000"/>
@@ -972,9 +977,9 @@
                 </a:solidFill>
               </a:defRPr>
             </a:lvl8pPr>
-            <a:lvl9pPr marL="3657600" indent="0">
+            <a:lvl9pPr marL="2682118" indent="0">
               <a:buNone/>
-              <a:defRPr sz="1600">
+              <a:defRPr sz="1173">
                 <a:solidFill>
                   <a:schemeClr val="tx1">
                     <a:tint val="75000"/>
@@ -986,8 +991,8 @@
           <a:p>
             <a:pPr lvl="0"/>
             <a:r>
-              <a:rPr lang="en-US" smtClean="0"/>
-              <a:t>Click to edit Master text styles</a:t>
+              <a:rPr lang="en-US"/>
+              <a:t>Edit Master text styles</a:t>
             </a:r>
           </a:p>
         </p:txBody>
@@ -1009,7 +1014,7 @@
           <a:p>
             <a:fld id="{670F4037-AF96-4A4B-AD90-5273BA30825A}" type="datetimeFigureOut">
               <a:rPr lang="en-US" smtClean="0"/>
-              <a:t>1/27/2017</a:t>
+              <a:t>11/9/2017</a:t>
             </a:fld>
             <a:endParaRPr lang="en-US"/>
           </a:p>
@@ -1060,7 +1065,7 @@
     </p:spTree>
     <p:extLst>
       <p:ext uri="{BB962C8B-B14F-4D97-AF65-F5344CB8AC3E}">
-        <p14:creationId xmlns:p14="http://schemas.microsoft.com/office/powerpoint/2010/main" val="3783683497"/>
+        <p14:creationId xmlns:p14="http://schemas.microsoft.com/office/powerpoint/2010/main" val="897132862"/>
       </p:ext>
     </p:extLst>
   </p:cSld>
@@ -1103,10 +1108,10 @@
           <a:lstStyle/>
           <a:p>
             <a:r>
-              <a:rPr lang="en-US" smtClean="0"/>
+              <a:rPr lang="en-US"/>
               <a:t>Click to edit Master title style</a:t>
             </a:r>
-            <a:endParaRPr lang="en-US"/>
+            <a:endParaRPr lang="en-US" dirty="0"/>
           </a:p>
         </p:txBody>
       </p:sp>
@@ -1122,8 +1127,8 @@
         </p:nvSpPr>
         <p:spPr>
           <a:xfrm>
-            <a:off x="838200" y="1825625"/>
-            <a:ext cx="5181600" cy="4351338"/>
+            <a:off x="810915" y="1338792"/>
+            <a:ext cx="5012928" cy="3190981"/>
           </a:xfrm>
         </p:spPr>
         <p:txBody>
@@ -1132,38 +1137,38 @@
           <a:p>
             <a:pPr lvl="0"/>
             <a:r>
-              <a:rPr lang="en-US" smtClean="0"/>
-              <a:t>Click to edit Master text styles</a:t>
+              <a:rPr lang="en-US"/>
+              <a:t>Edit Master text styles</a:t>
             </a:r>
           </a:p>
           <a:p>
             <a:pPr lvl="1"/>
             <a:r>
-              <a:rPr lang="en-US" smtClean="0"/>
+              <a:rPr lang="en-US"/>
               <a:t>Second level</a:t>
             </a:r>
           </a:p>
           <a:p>
             <a:pPr lvl="2"/>
             <a:r>
-              <a:rPr lang="en-US" smtClean="0"/>
+              <a:rPr lang="en-US"/>
               <a:t>Third level</a:t>
             </a:r>
           </a:p>
           <a:p>
             <a:pPr lvl="3"/>
             <a:r>
-              <a:rPr lang="en-US" smtClean="0"/>
+              <a:rPr lang="en-US"/>
               <a:t>Fourth level</a:t>
             </a:r>
           </a:p>
           <a:p>
             <a:pPr lvl="4"/>
             <a:r>
-              <a:rPr lang="en-US" smtClean="0"/>
+              <a:rPr lang="en-US"/>
               <a:t>Fifth level</a:t>
             </a:r>
-            <a:endParaRPr lang="en-US"/>
+            <a:endParaRPr lang="en-US" dirty="0"/>
           </a:p>
         </p:txBody>
       </p:sp>
@@ -1179,8 +1184,8 @@
         </p:nvSpPr>
         <p:spPr>
           <a:xfrm>
-            <a:off x="6172200" y="1825625"/>
-            <a:ext cx="5181600" cy="4351338"/>
+            <a:off x="5971282" y="1338792"/>
+            <a:ext cx="5012928" cy="3190981"/>
           </a:xfrm>
         </p:spPr>
         <p:txBody>
@@ -1189,38 +1194,38 @@
           <a:p>
             <a:pPr lvl="0"/>
             <a:r>
-              <a:rPr lang="en-US" smtClean="0"/>
-              <a:t>Click to edit Master text styles</a:t>
+              <a:rPr lang="en-US"/>
+              <a:t>Edit Master text styles</a:t>
             </a:r>
           </a:p>
           <a:p>
             <a:pPr lvl="1"/>
             <a:r>
-              <a:rPr lang="en-US" smtClean="0"/>
+              <a:rPr lang="en-US"/>
               <a:t>Second level</a:t>
             </a:r>
           </a:p>
           <a:p>
             <a:pPr lvl="2"/>
             <a:r>
-              <a:rPr lang="en-US" smtClean="0"/>
+              <a:rPr lang="en-US"/>
               <a:t>Third level</a:t>
             </a:r>
           </a:p>
           <a:p>
             <a:pPr lvl="3"/>
             <a:r>
-              <a:rPr lang="en-US" smtClean="0"/>
+              <a:rPr lang="en-US"/>
               <a:t>Fourth level</a:t>
             </a:r>
           </a:p>
           <a:p>
             <a:pPr lvl="4"/>
             <a:r>
-              <a:rPr lang="en-US" smtClean="0"/>
+              <a:rPr lang="en-US"/>
               <a:t>Fifth level</a:t>
             </a:r>
-            <a:endParaRPr lang="en-US"/>
+            <a:endParaRPr lang="en-US" dirty="0"/>
           </a:p>
         </p:txBody>
       </p:sp>
@@ -1241,7 +1246,7 @@
           <a:p>
             <a:fld id="{670F4037-AF96-4A4B-AD90-5273BA30825A}" type="datetimeFigureOut">
               <a:rPr lang="en-US" smtClean="0"/>
-              <a:t>1/27/2017</a:t>
+              <a:t>11/9/2017</a:t>
             </a:fld>
             <a:endParaRPr lang="en-US"/>
           </a:p>
@@ -1292,7 +1297,7 @@
     </p:spTree>
     <p:extLst>
       <p:ext uri="{BB962C8B-B14F-4D97-AF65-F5344CB8AC3E}">
-        <p14:creationId xmlns:p14="http://schemas.microsoft.com/office/powerpoint/2010/main" val="1237541420"/>
+        <p14:creationId xmlns:p14="http://schemas.microsoft.com/office/powerpoint/2010/main" val="3494667016"/>
       </p:ext>
     </p:extLst>
   </p:cSld>
@@ -1331,8 +1336,8 @@
         </p:nvSpPr>
         <p:spPr>
           <a:xfrm>
-            <a:off x="839788" y="365125"/>
-            <a:ext cx="10515600" cy="1325563"/>
+            <a:off x="812451" y="267758"/>
+            <a:ext cx="10173295" cy="972080"/>
           </a:xfrm>
         </p:spPr>
         <p:txBody>
@@ -1340,10 +1345,10 @@
           <a:lstStyle/>
           <a:p>
             <a:r>
-              <a:rPr lang="en-US" smtClean="0"/>
+              <a:rPr lang="en-US"/>
               <a:t>Click to edit Master title style</a:t>
             </a:r>
-            <a:endParaRPr lang="en-US"/>
+            <a:endParaRPr lang="en-US" dirty="0"/>
           </a:p>
         </p:txBody>
       </p:sp>
@@ -1359,8 +1364,8 @@
         </p:nvSpPr>
         <p:spPr>
           <a:xfrm>
-            <a:off x="839788" y="1681163"/>
-            <a:ext cx="5157787" cy="823912"/>
+            <a:off x="812452" y="1232853"/>
+            <a:ext cx="4989890" cy="604202"/>
           </a:xfrm>
         </p:spPr>
         <p:txBody>
@@ -1368,46 +1373,46 @@
           <a:lstStyle>
             <a:lvl1pPr marL="0" indent="0">
               <a:buNone/>
-              <a:defRPr sz="2400" b="1"/>
+              <a:defRPr sz="1760" b="1"/>
             </a:lvl1pPr>
-            <a:lvl2pPr marL="457200" indent="0">
+            <a:lvl2pPr marL="335265" indent="0">
               <a:buNone/>
-              <a:defRPr sz="2000" b="1"/>
+              <a:defRPr sz="1467" b="1"/>
             </a:lvl2pPr>
-            <a:lvl3pPr marL="914400" indent="0">
+            <a:lvl3pPr marL="670530" indent="0">
               <a:buNone/>
-              <a:defRPr sz="1800" b="1"/>
+              <a:defRPr sz="1320" b="1"/>
             </a:lvl3pPr>
-            <a:lvl4pPr marL="1371600" indent="0">
+            <a:lvl4pPr marL="1005794" indent="0">
               <a:buNone/>
-              <a:defRPr sz="1600" b="1"/>
+              <a:defRPr sz="1173" b="1"/>
             </a:lvl4pPr>
-            <a:lvl5pPr marL="1828800" indent="0">
+            <a:lvl5pPr marL="1341059" indent="0">
               <a:buNone/>
-              <a:defRPr sz="1600" b="1"/>
+              <a:defRPr sz="1173" b="1"/>
             </a:lvl5pPr>
-            <a:lvl6pPr marL="2286000" indent="0">
+            <a:lvl6pPr marL="1676324" indent="0">
               <a:buNone/>
-              <a:defRPr sz="1600" b="1"/>
+              <a:defRPr sz="1173" b="1"/>
             </a:lvl6pPr>
-            <a:lvl7pPr marL="2743200" indent="0">
+            <a:lvl7pPr marL="2011589" indent="0">
               <a:buNone/>
-              <a:defRPr sz="1600" b="1"/>
+              <a:defRPr sz="1173" b="1"/>
             </a:lvl7pPr>
-            <a:lvl8pPr marL="3200400" indent="0">
+            <a:lvl8pPr marL="2346853" indent="0">
               <a:buNone/>
-              <a:defRPr sz="1600" b="1"/>
+              <a:defRPr sz="1173" b="1"/>
             </a:lvl8pPr>
-            <a:lvl9pPr marL="3657600" indent="0">
+            <a:lvl9pPr marL="2682118" indent="0">
               <a:buNone/>
-              <a:defRPr sz="1600" b="1"/>
+              <a:defRPr sz="1173" b="1"/>
             </a:lvl9pPr>
           </a:lstStyle>
           <a:p>
             <a:pPr lvl="0"/>
             <a:r>
-              <a:rPr lang="en-US" smtClean="0"/>
-              <a:t>Click to edit Master text styles</a:t>
+              <a:rPr lang="en-US"/>
+              <a:t>Edit Master text styles</a:t>
             </a:r>
           </a:p>
         </p:txBody>
@@ -1424,8 +1429,8 @@
         </p:nvSpPr>
         <p:spPr>
           <a:xfrm>
-            <a:off x="839788" y="2505075"/>
-            <a:ext cx="5157787" cy="3684588"/>
+            <a:off x="812452" y="1837055"/>
+            <a:ext cx="4989890" cy="2702031"/>
           </a:xfrm>
         </p:spPr>
         <p:txBody>
@@ -1434,38 +1439,38 @@
           <a:p>
             <a:pPr lvl="0"/>
             <a:r>
-              <a:rPr lang="en-US" smtClean="0"/>
-              <a:t>Click to edit Master text styles</a:t>
+              <a:rPr lang="en-US"/>
+              <a:t>Edit Master text styles</a:t>
             </a:r>
           </a:p>
           <a:p>
             <a:pPr lvl="1"/>
             <a:r>
-              <a:rPr lang="en-US" smtClean="0"/>
+              <a:rPr lang="en-US"/>
               <a:t>Second level</a:t>
             </a:r>
           </a:p>
           <a:p>
             <a:pPr lvl="2"/>
             <a:r>
-              <a:rPr lang="en-US" smtClean="0"/>
+              <a:rPr lang="en-US"/>
               <a:t>Third level</a:t>
             </a:r>
           </a:p>
           <a:p>
             <a:pPr lvl="3"/>
             <a:r>
-              <a:rPr lang="en-US" smtClean="0"/>
+              <a:rPr lang="en-US"/>
               <a:t>Fourth level</a:t>
             </a:r>
           </a:p>
           <a:p>
             <a:pPr lvl="4"/>
             <a:r>
-              <a:rPr lang="en-US" smtClean="0"/>
+              <a:rPr lang="en-US"/>
               <a:t>Fifth level</a:t>
             </a:r>
-            <a:endParaRPr lang="en-US"/>
+            <a:endParaRPr lang="en-US" dirty="0"/>
           </a:p>
         </p:txBody>
       </p:sp>
@@ -1481,8 +1486,8 @@
         </p:nvSpPr>
         <p:spPr>
           <a:xfrm>
-            <a:off x="6172200" y="1681163"/>
-            <a:ext cx="5183188" cy="823912"/>
+            <a:off x="5971282" y="1232853"/>
+            <a:ext cx="5014464" cy="604202"/>
           </a:xfrm>
         </p:spPr>
         <p:txBody>
@@ -1490,46 +1495,46 @@
           <a:lstStyle>
             <a:lvl1pPr marL="0" indent="0">
               <a:buNone/>
-              <a:defRPr sz="2400" b="1"/>
+              <a:defRPr sz="1760" b="1"/>
             </a:lvl1pPr>
-            <a:lvl2pPr marL="457200" indent="0">
+            <a:lvl2pPr marL="335265" indent="0">
               <a:buNone/>
-              <a:defRPr sz="2000" b="1"/>
+              <a:defRPr sz="1467" b="1"/>
             </a:lvl2pPr>
-            <a:lvl3pPr marL="914400" indent="0">
+            <a:lvl3pPr marL="670530" indent="0">
               <a:buNone/>
-              <a:defRPr sz="1800" b="1"/>
+              <a:defRPr sz="1320" b="1"/>
             </a:lvl3pPr>
-            <a:lvl4pPr marL="1371600" indent="0">
+            <a:lvl4pPr marL="1005794" indent="0">
               <a:buNone/>
-              <a:defRPr sz="1600" b="1"/>
+              <a:defRPr sz="1173" b="1"/>
             </a:lvl4pPr>
-            <a:lvl5pPr marL="1828800" indent="0">
+            <a:lvl5pPr marL="1341059" indent="0">
               <a:buNone/>
-              <a:defRPr sz="1600" b="1"/>
+              <a:defRPr sz="1173" b="1"/>
             </a:lvl5pPr>
-            <a:lvl6pPr marL="2286000" indent="0">
+            <a:lvl6pPr marL="1676324" indent="0">
               <a:buNone/>
-              <a:defRPr sz="1600" b="1"/>
+              <a:defRPr sz="1173" b="1"/>
             </a:lvl6pPr>
-            <a:lvl7pPr marL="2743200" indent="0">
+            <a:lvl7pPr marL="2011589" indent="0">
               <a:buNone/>
-              <a:defRPr sz="1600" b="1"/>
+              <a:defRPr sz="1173" b="1"/>
             </a:lvl7pPr>
-            <a:lvl8pPr marL="3200400" indent="0">
+            <a:lvl8pPr marL="2346853" indent="0">
               <a:buNone/>
-              <a:defRPr sz="1600" b="1"/>
+              <a:defRPr sz="1173" b="1"/>
             </a:lvl8pPr>
-            <a:lvl9pPr marL="3657600" indent="0">
+            <a:lvl9pPr marL="2682118" indent="0">
               <a:buNone/>
-              <a:defRPr sz="1600" b="1"/>
+              <a:defRPr sz="1173" b="1"/>
             </a:lvl9pPr>
           </a:lstStyle>
           <a:p>
             <a:pPr lvl="0"/>
             <a:r>
-              <a:rPr lang="en-US" smtClean="0"/>
-              <a:t>Click to edit Master text styles</a:t>
+              <a:rPr lang="en-US"/>
+              <a:t>Edit Master text styles</a:t>
             </a:r>
           </a:p>
         </p:txBody>
@@ -1546,8 +1551,8 @@
         </p:nvSpPr>
         <p:spPr>
           <a:xfrm>
-            <a:off x="6172200" y="2505075"/>
-            <a:ext cx="5183188" cy="3684588"/>
+            <a:off x="5971282" y="1837055"/>
+            <a:ext cx="5014464" cy="2702031"/>
           </a:xfrm>
         </p:spPr>
         <p:txBody>
@@ -1556,38 +1561,38 @@
           <a:p>
             <a:pPr lvl="0"/>
             <a:r>
-              <a:rPr lang="en-US" smtClean="0"/>
-              <a:t>Click to edit Master text styles</a:t>
+              <a:rPr lang="en-US"/>
+              <a:t>Edit Master text styles</a:t>
             </a:r>
           </a:p>
           <a:p>
             <a:pPr lvl="1"/>
             <a:r>
-              <a:rPr lang="en-US" smtClean="0"/>
+              <a:rPr lang="en-US"/>
               <a:t>Second level</a:t>
             </a:r>
           </a:p>
           <a:p>
             <a:pPr lvl="2"/>
             <a:r>
-              <a:rPr lang="en-US" smtClean="0"/>
+              <a:rPr lang="en-US"/>
               <a:t>Third level</a:t>
             </a:r>
           </a:p>
           <a:p>
             <a:pPr lvl="3"/>
             <a:r>
-              <a:rPr lang="en-US" smtClean="0"/>
+              <a:rPr lang="en-US"/>
               <a:t>Fourth level</a:t>
             </a:r>
           </a:p>
           <a:p>
             <a:pPr lvl="4"/>
             <a:r>
-              <a:rPr lang="en-US" smtClean="0"/>
+              <a:rPr lang="en-US"/>
               <a:t>Fifth level</a:t>
             </a:r>
-            <a:endParaRPr lang="en-US"/>
+            <a:endParaRPr lang="en-US" dirty="0"/>
           </a:p>
         </p:txBody>
       </p:sp>
@@ -1608,7 +1613,7 @@
           <a:p>
             <a:fld id="{670F4037-AF96-4A4B-AD90-5273BA30825A}" type="datetimeFigureOut">
               <a:rPr lang="en-US" smtClean="0"/>
-              <a:t>1/27/2017</a:t>
+              <a:t>11/9/2017</a:t>
             </a:fld>
             <a:endParaRPr lang="en-US"/>
           </a:p>
@@ -1659,7 +1664,7 @@
     </p:spTree>
     <p:extLst>
       <p:ext uri="{BB962C8B-B14F-4D97-AF65-F5344CB8AC3E}">
-        <p14:creationId xmlns:p14="http://schemas.microsoft.com/office/powerpoint/2010/main" val="2295623787"/>
+        <p14:creationId xmlns:p14="http://schemas.microsoft.com/office/powerpoint/2010/main" val="4037041314"/>
       </p:ext>
     </p:extLst>
   </p:cSld>
@@ -1702,10 +1707,10 @@
           <a:lstStyle/>
           <a:p>
             <a:r>
-              <a:rPr lang="en-US" smtClean="0"/>
+              <a:rPr lang="en-US"/>
               <a:t>Click to edit Master title style</a:t>
             </a:r>
-            <a:endParaRPr lang="en-US"/>
+            <a:endParaRPr lang="en-US" dirty="0"/>
           </a:p>
         </p:txBody>
       </p:sp>
@@ -1726,7 +1731,7 @@
           <a:p>
             <a:fld id="{670F4037-AF96-4A4B-AD90-5273BA30825A}" type="datetimeFigureOut">
               <a:rPr lang="en-US" smtClean="0"/>
-              <a:t>1/27/2017</a:t>
+              <a:t>11/9/2017</a:t>
             </a:fld>
             <a:endParaRPr lang="en-US"/>
           </a:p>
@@ -1777,7 +1782,7 @@
     </p:spTree>
     <p:extLst>
       <p:ext uri="{BB962C8B-B14F-4D97-AF65-F5344CB8AC3E}">
-        <p14:creationId xmlns:p14="http://schemas.microsoft.com/office/powerpoint/2010/main" val="3999543404"/>
+        <p14:creationId xmlns:p14="http://schemas.microsoft.com/office/powerpoint/2010/main" val="2236734087"/>
       </p:ext>
     </p:extLst>
   </p:cSld>
@@ -1821,7 +1826,7 @@
           <a:p>
             <a:fld id="{670F4037-AF96-4A4B-AD90-5273BA30825A}" type="datetimeFigureOut">
               <a:rPr lang="en-US" smtClean="0"/>
-              <a:t>1/27/2017</a:t>
+              <a:t>11/9/2017</a:t>
             </a:fld>
             <a:endParaRPr lang="en-US"/>
           </a:p>
@@ -1872,7 +1877,7 @@
     </p:spTree>
     <p:extLst>
       <p:ext uri="{BB962C8B-B14F-4D97-AF65-F5344CB8AC3E}">
-        <p14:creationId xmlns:p14="http://schemas.microsoft.com/office/powerpoint/2010/main" val="3917788910"/>
+        <p14:creationId xmlns:p14="http://schemas.microsoft.com/office/powerpoint/2010/main" val="762847448"/>
       </p:ext>
     </p:extLst>
   </p:cSld>
@@ -1911,23 +1916,23 @@
         </p:nvSpPr>
         <p:spPr>
           <a:xfrm>
-            <a:off x="839788" y="457200"/>
-            <a:ext cx="3932237" cy="1600200"/>
+            <a:off x="812452" y="335280"/>
+            <a:ext cx="3804234" cy="1173480"/>
           </a:xfrm>
         </p:spPr>
         <p:txBody>
           <a:bodyPr anchor="b"/>
           <a:lstStyle>
             <a:lvl1pPr>
-              <a:defRPr sz="3200"/>
+              <a:defRPr sz="2347"/>
             </a:lvl1pPr>
           </a:lstStyle>
           <a:p>
             <a:r>
-              <a:rPr lang="en-US" smtClean="0"/>
+              <a:rPr lang="en-US"/>
               <a:t>Click to edit Master title style</a:t>
             </a:r>
-            <a:endParaRPr lang="en-US"/>
+            <a:endParaRPr lang="en-US" dirty="0"/>
           </a:p>
         </p:txBody>
       </p:sp>
@@ -1943,76 +1948,76 @@
         </p:nvSpPr>
         <p:spPr>
           <a:xfrm>
-            <a:off x="5183188" y="987425"/>
-            <a:ext cx="6172200" cy="4873625"/>
+            <a:off x="5014464" y="724112"/>
+            <a:ext cx="5971282" cy="3573992"/>
           </a:xfrm>
         </p:spPr>
         <p:txBody>
           <a:bodyPr/>
           <a:lstStyle>
             <a:lvl1pPr>
-              <a:defRPr sz="3200"/>
+              <a:defRPr sz="2347"/>
             </a:lvl1pPr>
             <a:lvl2pPr>
-              <a:defRPr sz="2800"/>
+              <a:defRPr sz="2053"/>
             </a:lvl2pPr>
             <a:lvl3pPr>
-              <a:defRPr sz="2400"/>
+              <a:defRPr sz="1760"/>
             </a:lvl3pPr>
             <a:lvl4pPr>
-              <a:defRPr sz="2000"/>
+              <a:defRPr sz="1467"/>
             </a:lvl4pPr>
             <a:lvl5pPr>
-              <a:defRPr sz="2000"/>
+              <a:defRPr sz="1467"/>
             </a:lvl5pPr>
             <a:lvl6pPr>
-              <a:defRPr sz="2000"/>
+              <a:defRPr sz="1467"/>
             </a:lvl6pPr>
             <a:lvl7pPr>
-              <a:defRPr sz="2000"/>
+              <a:defRPr sz="1467"/>
             </a:lvl7pPr>
             <a:lvl8pPr>
-              <a:defRPr sz="2000"/>
+              <a:defRPr sz="1467"/>
             </a:lvl8pPr>
             <a:lvl9pPr>
-              <a:defRPr sz="2000"/>
+              <a:defRPr sz="1467"/>
             </a:lvl9pPr>
           </a:lstStyle>
           <a:p>
             <a:pPr lvl="0"/>
             <a:r>
-              <a:rPr lang="en-US" smtClean="0"/>
-              <a:t>Click to edit Master text styles</a:t>
+              <a:rPr lang="en-US"/>
+              <a:t>Edit Master text styles</a:t>
             </a:r>
           </a:p>
           <a:p>
             <a:pPr lvl="1"/>
             <a:r>
-              <a:rPr lang="en-US" smtClean="0"/>
+              <a:rPr lang="en-US"/>
               <a:t>Second level</a:t>
             </a:r>
           </a:p>
           <a:p>
             <a:pPr lvl="2"/>
             <a:r>
-              <a:rPr lang="en-US" smtClean="0"/>
+              <a:rPr lang="en-US"/>
               <a:t>Third level</a:t>
             </a:r>
           </a:p>
           <a:p>
             <a:pPr lvl="3"/>
             <a:r>
-              <a:rPr lang="en-US" smtClean="0"/>
+              <a:rPr lang="en-US"/>
               <a:t>Fourth level</a:t>
             </a:r>
           </a:p>
           <a:p>
             <a:pPr lvl="4"/>
             <a:r>
-              <a:rPr lang="en-US" smtClean="0"/>
+              <a:rPr lang="en-US"/>
               <a:t>Fifth level</a:t>
             </a:r>
-            <a:endParaRPr lang="en-US"/>
+            <a:endParaRPr lang="en-US" dirty="0"/>
           </a:p>
         </p:txBody>
       </p:sp>
@@ -2028,8 +2033,8 @@
         </p:nvSpPr>
         <p:spPr>
           <a:xfrm>
-            <a:off x="839788" y="2057400"/>
-            <a:ext cx="3932237" cy="3811588"/>
+            <a:off x="812452" y="1508760"/>
+            <a:ext cx="3804234" cy="2795165"/>
           </a:xfrm>
         </p:spPr>
         <p:txBody>
@@ -2037,46 +2042,46 @@
           <a:lstStyle>
             <a:lvl1pPr marL="0" indent="0">
               <a:buNone/>
-              <a:defRPr sz="1600"/>
+              <a:defRPr sz="1173"/>
             </a:lvl1pPr>
-            <a:lvl2pPr marL="457200" indent="0">
+            <a:lvl2pPr marL="335265" indent="0">
               <a:buNone/>
-              <a:defRPr sz="1400"/>
+              <a:defRPr sz="1027"/>
             </a:lvl2pPr>
-            <a:lvl3pPr marL="914400" indent="0">
+            <a:lvl3pPr marL="670530" indent="0">
               <a:buNone/>
-              <a:defRPr sz="1200"/>
+              <a:defRPr sz="880"/>
             </a:lvl3pPr>
-            <a:lvl4pPr marL="1371600" indent="0">
+            <a:lvl4pPr marL="1005794" indent="0">
               <a:buNone/>
-              <a:defRPr sz="1000"/>
+              <a:defRPr sz="733"/>
             </a:lvl4pPr>
-            <a:lvl5pPr marL="1828800" indent="0">
+            <a:lvl5pPr marL="1341059" indent="0">
               <a:buNone/>
-              <a:defRPr sz="1000"/>
+              <a:defRPr sz="733"/>
             </a:lvl5pPr>
-            <a:lvl6pPr marL="2286000" indent="0">
+            <a:lvl6pPr marL="1676324" indent="0">
               <a:buNone/>
-              <a:defRPr sz="1000"/>
+              <a:defRPr sz="733"/>
             </a:lvl6pPr>
-            <a:lvl7pPr marL="2743200" indent="0">
+            <a:lvl7pPr marL="2011589" indent="0">
               <a:buNone/>
-              <a:defRPr sz="1000"/>
+              <a:defRPr sz="733"/>
             </a:lvl7pPr>
-            <a:lvl8pPr marL="3200400" indent="0">
+            <a:lvl8pPr marL="2346853" indent="0">
               <a:buNone/>
-              <a:defRPr sz="1000"/>
+              <a:defRPr sz="733"/>
             </a:lvl8pPr>
-            <a:lvl9pPr marL="3657600" indent="0">
+            <a:lvl9pPr marL="2682118" indent="0">
               <a:buNone/>
-              <a:defRPr sz="1000"/>
+              <a:defRPr sz="733"/>
             </a:lvl9pPr>
           </a:lstStyle>
           <a:p>
             <a:pPr lvl="0"/>
             <a:r>
-              <a:rPr lang="en-US" smtClean="0"/>
-              <a:t>Click to edit Master text styles</a:t>
+              <a:rPr lang="en-US"/>
+              <a:t>Edit Master text styles</a:t>
             </a:r>
           </a:p>
         </p:txBody>
@@ -2098,7 +2103,7 @@
           <a:p>
             <a:fld id="{670F4037-AF96-4A4B-AD90-5273BA30825A}" type="datetimeFigureOut">
               <a:rPr lang="en-US" smtClean="0"/>
-              <a:t>1/27/2017</a:t>
+              <a:t>11/9/2017</a:t>
             </a:fld>
             <a:endParaRPr lang="en-US"/>
           </a:p>
@@ -2149,7 +2154,7 @@
     </p:spTree>
     <p:extLst>
       <p:ext uri="{BB962C8B-B14F-4D97-AF65-F5344CB8AC3E}">
-        <p14:creationId xmlns:p14="http://schemas.microsoft.com/office/powerpoint/2010/main" val="2929282604"/>
+        <p14:creationId xmlns:p14="http://schemas.microsoft.com/office/powerpoint/2010/main" val="3816198911"/>
       </p:ext>
     </p:extLst>
   </p:cSld>
@@ -2188,23 +2193,23 @@
         </p:nvSpPr>
         <p:spPr>
           <a:xfrm>
-            <a:off x="839788" y="457200"/>
-            <a:ext cx="3932237" cy="1600200"/>
+            <a:off x="812452" y="335280"/>
+            <a:ext cx="3804234" cy="1173480"/>
           </a:xfrm>
         </p:spPr>
         <p:txBody>
           <a:bodyPr anchor="b"/>
           <a:lstStyle>
             <a:lvl1pPr>
-              <a:defRPr sz="3200"/>
+              <a:defRPr sz="2347"/>
             </a:lvl1pPr>
           </a:lstStyle>
           <a:p>
             <a:r>
-              <a:rPr lang="en-US" smtClean="0"/>
+              <a:rPr lang="en-US"/>
               <a:t>Click to edit Master title style</a:t>
             </a:r>
-            <a:endParaRPr lang="en-US"/>
+            <a:endParaRPr lang="en-US" dirty="0"/>
           </a:p>
         </p:txBody>
       </p:sp>
@@ -2212,7 +2217,7 @@
         <p:nvSpPr>
           <p:cNvPr id="3" name="Picture Placeholder 2"/>
           <p:cNvSpPr>
-            <a:spLocks noGrp="1"/>
+            <a:spLocks noGrp="1" noChangeAspect="1"/>
           </p:cNvSpPr>
           <p:nvPr>
             <p:ph type="pic" idx="1"/>
@@ -2220,52 +2225,56 @@
         </p:nvSpPr>
         <p:spPr>
           <a:xfrm>
-            <a:off x="5183188" y="987425"/>
-            <a:ext cx="6172200" cy="4873625"/>
-          </a:xfrm>
-        </p:spPr>
-        <p:txBody>
-          <a:bodyPr/>
+            <a:off x="5014464" y="724112"/>
+            <a:ext cx="5971282" cy="3573992"/>
+          </a:xfrm>
+        </p:spPr>
+        <p:txBody>
+          <a:bodyPr anchor="t"/>
           <a:lstStyle>
             <a:lvl1pPr marL="0" indent="0">
               <a:buNone/>
-              <a:defRPr sz="3200"/>
+              <a:defRPr sz="2347"/>
             </a:lvl1pPr>
-            <a:lvl2pPr marL="457200" indent="0">
+            <a:lvl2pPr marL="335265" indent="0">
               <a:buNone/>
-              <a:defRPr sz="2800"/>
+              <a:defRPr sz="2053"/>
             </a:lvl2pPr>
-            <a:lvl3pPr marL="914400" indent="0">
+            <a:lvl3pPr marL="670530" indent="0">
               <a:buNone/>
-              <a:defRPr sz="2400"/>
+              <a:defRPr sz="1760"/>
             </a:lvl3pPr>
-            <a:lvl4pPr marL="1371600" indent="0">
+            <a:lvl4pPr marL="1005794" indent="0">
               <a:buNone/>
-              <a:defRPr sz="2000"/>
+              <a:defRPr sz="1467"/>
             </a:lvl4pPr>
-            <a:lvl5pPr marL="1828800" indent="0">
+            <a:lvl5pPr marL="1341059" indent="0">
               <a:buNone/>
-              <a:defRPr sz="2000"/>
+              <a:defRPr sz="1467"/>
             </a:lvl5pPr>
-            <a:lvl6pPr marL="2286000" indent="0">
+            <a:lvl6pPr marL="1676324" indent="0">
               <a:buNone/>
-              <a:defRPr sz="2000"/>
+              <a:defRPr sz="1467"/>
             </a:lvl6pPr>
-            <a:lvl7pPr marL="2743200" indent="0">
+            <a:lvl7pPr marL="2011589" indent="0">
               <a:buNone/>
-              <a:defRPr sz="2000"/>
+              <a:defRPr sz="1467"/>
             </a:lvl7pPr>
-            <a:lvl8pPr marL="3200400" indent="0">
+            <a:lvl8pPr marL="2346853" indent="0">
               <a:buNone/>
-              <a:defRPr sz="2000"/>
+              <a:defRPr sz="1467"/>
             </a:lvl8pPr>
-            <a:lvl9pPr marL="3657600" indent="0">
+            <a:lvl9pPr marL="2682118" indent="0">
               <a:buNone/>
-              <a:defRPr sz="2000"/>
+              <a:defRPr sz="1467"/>
             </a:lvl9pPr>
           </a:lstStyle>
           <a:p>
-            <a:endParaRPr lang="en-US"/>
+            <a:r>
+              <a:rPr lang="en-US"/>
+              <a:t>Click icon to add picture</a:t>
+            </a:r>
+            <a:endParaRPr lang="en-US" dirty="0"/>
           </a:p>
         </p:txBody>
       </p:sp>
@@ -2281,8 +2290,8 @@
         </p:nvSpPr>
         <p:spPr>
           <a:xfrm>
-            <a:off x="839788" y="2057400"/>
-            <a:ext cx="3932237" cy="3811588"/>
+            <a:off x="812452" y="1508760"/>
+            <a:ext cx="3804234" cy="2795165"/>
           </a:xfrm>
         </p:spPr>
         <p:txBody>
@@ -2290,46 +2299,46 @@
           <a:lstStyle>
             <a:lvl1pPr marL="0" indent="0">
               <a:buNone/>
-              <a:defRPr sz="1600"/>
+              <a:defRPr sz="1173"/>
             </a:lvl1pPr>
-            <a:lvl2pPr marL="457200" indent="0">
+            <a:lvl2pPr marL="335265" indent="0">
               <a:buNone/>
-              <a:defRPr sz="1400"/>
+              <a:defRPr sz="1027"/>
             </a:lvl2pPr>
-            <a:lvl3pPr marL="914400" indent="0">
+            <a:lvl3pPr marL="670530" indent="0">
               <a:buNone/>
-              <a:defRPr sz="1200"/>
+              <a:defRPr sz="880"/>
             </a:lvl3pPr>
-            <a:lvl4pPr marL="1371600" indent="0">
+            <a:lvl4pPr marL="1005794" indent="0">
               <a:buNone/>
-              <a:defRPr sz="1000"/>
+              <a:defRPr sz="733"/>
             </a:lvl4pPr>
-            <a:lvl5pPr marL="1828800" indent="0">
+            <a:lvl5pPr marL="1341059" indent="0">
               <a:buNone/>
-              <a:defRPr sz="1000"/>
+              <a:defRPr sz="733"/>
             </a:lvl5pPr>
-            <a:lvl6pPr marL="2286000" indent="0">
+            <a:lvl6pPr marL="1676324" indent="0">
               <a:buNone/>
-              <a:defRPr sz="1000"/>
+              <a:defRPr sz="733"/>
             </a:lvl6pPr>
-            <a:lvl7pPr marL="2743200" indent="0">
+            <a:lvl7pPr marL="2011589" indent="0">
               <a:buNone/>
-              <a:defRPr sz="1000"/>
+              <a:defRPr sz="733"/>
             </a:lvl7pPr>
-            <a:lvl8pPr marL="3200400" indent="0">
+            <a:lvl8pPr marL="2346853" indent="0">
               <a:buNone/>
-              <a:defRPr sz="1000"/>
+              <a:defRPr sz="733"/>
             </a:lvl8pPr>
-            <a:lvl9pPr marL="3657600" indent="0">
+            <a:lvl9pPr marL="2682118" indent="0">
               <a:buNone/>
-              <a:defRPr sz="1000"/>
+              <a:defRPr sz="733"/>
             </a:lvl9pPr>
           </a:lstStyle>
           <a:p>
             <a:pPr lvl="0"/>
             <a:r>
-              <a:rPr lang="en-US" smtClean="0"/>
-              <a:t>Click to edit Master text styles</a:t>
+              <a:rPr lang="en-US"/>
+              <a:t>Edit Master text styles</a:t>
             </a:r>
           </a:p>
         </p:txBody>
@@ -2351,7 +2360,7 @@
           <a:p>
             <a:fld id="{670F4037-AF96-4A4B-AD90-5273BA30825A}" type="datetimeFigureOut">
               <a:rPr lang="en-US" smtClean="0"/>
-              <a:t>1/27/2017</a:t>
+              <a:t>11/9/2017</a:t>
             </a:fld>
             <a:endParaRPr lang="en-US"/>
           </a:p>
@@ -2402,7 +2411,7 @@
     </p:spTree>
     <p:extLst>
       <p:ext uri="{BB962C8B-B14F-4D97-AF65-F5344CB8AC3E}">
-        <p14:creationId xmlns:p14="http://schemas.microsoft.com/office/powerpoint/2010/main" val="2679561808"/>
+        <p14:creationId xmlns:p14="http://schemas.microsoft.com/office/powerpoint/2010/main" val="3961704732"/>
       </p:ext>
     </p:extLst>
   </p:cSld>
@@ -2446,8 +2455,8 @@
         </p:nvSpPr>
         <p:spPr>
           <a:xfrm>
-            <a:off x="838200" y="365125"/>
-            <a:ext cx="10515600" cy="1325563"/>
+            <a:off x="810915" y="267758"/>
+            <a:ext cx="10173295" cy="972080"/>
           </a:xfrm>
           <a:prstGeom prst="rect">
             <a:avLst/>
@@ -2460,10 +2469,10 @@
           <a:lstStyle/>
           <a:p>
             <a:r>
-              <a:rPr lang="en-US" smtClean="0"/>
+              <a:rPr lang="en-US"/>
               <a:t>Click to edit Master title style</a:t>
             </a:r>
-            <a:endParaRPr lang="en-US"/>
+            <a:endParaRPr lang="en-US" dirty="0"/>
           </a:p>
         </p:txBody>
       </p:sp>
@@ -2479,8 +2488,8 @@
         </p:nvSpPr>
         <p:spPr>
           <a:xfrm>
-            <a:off x="838200" y="1825625"/>
-            <a:ext cx="10515600" cy="4351338"/>
+            <a:off x="810915" y="1338792"/>
+            <a:ext cx="10173295" cy="3190981"/>
           </a:xfrm>
           <a:prstGeom prst="rect">
             <a:avLst/>
@@ -2494,38 +2503,38 @@
           <a:p>
             <a:pPr lvl="0"/>
             <a:r>
-              <a:rPr lang="en-US" smtClean="0"/>
-              <a:t>Click to edit Master text styles</a:t>
+              <a:rPr lang="en-US"/>
+              <a:t>Edit Master text styles</a:t>
             </a:r>
           </a:p>
           <a:p>
             <a:pPr lvl="1"/>
             <a:r>
-              <a:rPr lang="en-US" smtClean="0"/>
+              <a:rPr lang="en-US"/>
               <a:t>Second level</a:t>
             </a:r>
           </a:p>
           <a:p>
             <a:pPr lvl="2"/>
             <a:r>
-              <a:rPr lang="en-US" smtClean="0"/>
+              <a:rPr lang="en-US"/>
               <a:t>Third level</a:t>
             </a:r>
           </a:p>
           <a:p>
             <a:pPr lvl="3"/>
             <a:r>
-              <a:rPr lang="en-US" smtClean="0"/>
+              <a:rPr lang="en-US"/>
               <a:t>Fourth level</a:t>
             </a:r>
           </a:p>
           <a:p>
             <a:pPr lvl="4"/>
             <a:r>
-              <a:rPr lang="en-US" smtClean="0"/>
+              <a:rPr lang="en-US"/>
               <a:t>Fifth level</a:t>
             </a:r>
-            <a:endParaRPr lang="en-US"/>
+            <a:endParaRPr lang="en-US" dirty="0"/>
           </a:p>
         </p:txBody>
       </p:sp>
@@ -2541,8 +2550,8 @@
         </p:nvSpPr>
         <p:spPr>
           <a:xfrm>
-            <a:off x="838200" y="6356350"/>
-            <a:ext cx="2743200" cy="365125"/>
+            <a:off x="810915" y="4661324"/>
+            <a:ext cx="2653903" cy="267758"/>
           </a:xfrm>
           <a:prstGeom prst="rect">
             <a:avLst/>
@@ -2552,7 +2561,7 @@
           <a:bodyPr vert="horz" lIns="91440" tIns="45720" rIns="91440" bIns="45720" rtlCol="0" anchor="ctr"/>
           <a:lstStyle>
             <a:lvl1pPr algn="l">
-              <a:defRPr sz="1200">
+              <a:defRPr sz="880">
                 <a:solidFill>
                   <a:schemeClr val="tx1">
                     <a:tint val="75000"/>
@@ -2564,7 +2573,7 @@
           <a:p>
             <a:fld id="{670F4037-AF96-4A4B-AD90-5273BA30825A}" type="datetimeFigureOut">
               <a:rPr lang="en-US" smtClean="0"/>
-              <a:t>1/27/2017</a:t>
+              <a:t>11/9/2017</a:t>
             </a:fld>
             <a:endParaRPr lang="en-US"/>
           </a:p>
@@ -2582,8 +2591,8 @@
         </p:nvSpPr>
         <p:spPr>
           <a:xfrm>
-            <a:off x="4038600" y="6356350"/>
-            <a:ext cx="4114800" cy="365125"/>
+            <a:off x="3907135" y="4661324"/>
+            <a:ext cx="3980855" cy="267758"/>
           </a:xfrm>
           <a:prstGeom prst="rect">
             <a:avLst/>
@@ -2593,7 +2602,7 @@
           <a:bodyPr vert="horz" lIns="91440" tIns="45720" rIns="91440" bIns="45720" rtlCol="0" anchor="ctr"/>
           <a:lstStyle>
             <a:lvl1pPr algn="ctr">
-              <a:defRPr sz="1200">
+              <a:defRPr sz="880">
                 <a:solidFill>
                   <a:schemeClr val="tx1">
                     <a:tint val="75000"/>
@@ -2619,8 +2628,8 @@
         </p:nvSpPr>
         <p:spPr>
           <a:xfrm>
-            <a:off x="8610600" y="6356350"/>
-            <a:ext cx="2743200" cy="365125"/>
+            <a:off x="8330307" y="4661324"/>
+            <a:ext cx="2653903" cy="267758"/>
           </a:xfrm>
           <a:prstGeom prst="rect">
             <a:avLst/>
@@ -2630,7 +2639,7 @@
           <a:bodyPr vert="horz" lIns="91440" tIns="45720" rIns="91440" bIns="45720" rtlCol="0" anchor="ctr"/>
           <a:lstStyle>
             <a:lvl1pPr algn="r">
-              <a:defRPr sz="1200">
+              <a:defRPr sz="880">
                 <a:solidFill>
                   <a:schemeClr val="tx1">
                     <a:tint val="75000"/>
@@ -2651,27 +2660,27 @@
     </p:spTree>
     <p:extLst>
       <p:ext uri="{BB962C8B-B14F-4D97-AF65-F5344CB8AC3E}">
-        <p14:creationId xmlns:p14="http://schemas.microsoft.com/office/powerpoint/2010/main" val="3448074325"/>
+        <p14:creationId xmlns:p14="http://schemas.microsoft.com/office/powerpoint/2010/main" val="3134706449"/>
       </p:ext>
     </p:extLst>
   </p:cSld>
   <p:clrMap bg1="lt1" tx1="dk1" bg2="lt2" tx2="dk2" accent1="accent1" accent2="accent2" accent3="accent3" accent4="accent4" accent5="accent5" accent6="accent6" hlink="hlink" folHlink="folHlink"/>
   <p:sldLayoutIdLst>
-    <p:sldLayoutId id="2147483649" r:id="rId1"/>
-    <p:sldLayoutId id="2147483650" r:id="rId2"/>
-    <p:sldLayoutId id="2147483651" r:id="rId3"/>
-    <p:sldLayoutId id="2147483652" r:id="rId4"/>
-    <p:sldLayoutId id="2147483653" r:id="rId5"/>
-    <p:sldLayoutId id="2147483654" r:id="rId6"/>
-    <p:sldLayoutId id="2147483655" r:id="rId7"/>
-    <p:sldLayoutId id="2147483656" r:id="rId8"/>
-    <p:sldLayoutId id="2147483657" r:id="rId9"/>
-    <p:sldLayoutId id="2147483658" r:id="rId10"/>
-    <p:sldLayoutId id="2147483659" r:id="rId11"/>
+    <p:sldLayoutId id="2147483685" r:id="rId1"/>
+    <p:sldLayoutId id="2147483686" r:id="rId2"/>
+    <p:sldLayoutId id="2147483687" r:id="rId3"/>
+    <p:sldLayoutId id="2147483688" r:id="rId4"/>
+    <p:sldLayoutId id="2147483689" r:id="rId5"/>
+    <p:sldLayoutId id="2147483690" r:id="rId6"/>
+    <p:sldLayoutId id="2147483691" r:id="rId7"/>
+    <p:sldLayoutId id="2147483692" r:id="rId8"/>
+    <p:sldLayoutId id="2147483693" r:id="rId9"/>
+    <p:sldLayoutId id="2147483694" r:id="rId10"/>
+    <p:sldLayoutId id="2147483695" r:id="rId11"/>
   </p:sldLayoutIdLst>
   <p:txStyles>
     <p:titleStyle>
-      <a:lvl1pPr algn="l" defTabSz="914400" rtl="0" eaLnBrk="1" latinLnBrk="0" hangingPunct="1">
+      <a:lvl1pPr algn="l" defTabSz="670530" rtl="0" eaLnBrk="1" latinLnBrk="0" hangingPunct="1">
         <a:lnSpc>
           <a:spcPct val="90000"/>
         </a:lnSpc>
@@ -2679,7 +2688,7 @@
           <a:spcPct val="0"/>
         </a:spcBef>
         <a:buNone/>
-        <a:defRPr sz="4400" kern="1200">
+        <a:defRPr sz="3227" kern="1200">
           <a:solidFill>
             <a:schemeClr val="tx1"/>
           </a:solidFill>
@@ -2690,16 +2699,16 @@
       </a:lvl1pPr>
     </p:titleStyle>
     <p:bodyStyle>
-      <a:lvl1pPr marL="228600" indent="-228600" algn="l" defTabSz="914400" rtl="0" eaLnBrk="1" latinLnBrk="0" hangingPunct="1">
+      <a:lvl1pPr marL="167632" indent="-167632" algn="l" defTabSz="670530" rtl="0" eaLnBrk="1" latinLnBrk="0" hangingPunct="1">
         <a:lnSpc>
           <a:spcPct val="90000"/>
         </a:lnSpc>
         <a:spcBef>
-          <a:spcPts val="1000"/>
+          <a:spcPts val="733"/>
         </a:spcBef>
         <a:buFont typeface="Arial" panose="020B0604020202020204" pitchFamily="34" charset="0"/>
         <a:buChar char="•"/>
-        <a:defRPr sz="2800" kern="1200">
+        <a:defRPr sz="2053" kern="1200">
           <a:solidFill>
             <a:schemeClr val="tx1"/>
           </a:solidFill>
@@ -2708,16 +2717,16 @@
           <a:cs typeface="+mn-cs"/>
         </a:defRPr>
       </a:lvl1pPr>
-      <a:lvl2pPr marL="685800" indent="-228600" algn="l" defTabSz="914400" rtl="0" eaLnBrk="1" latinLnBrk="0" hangingPunct="1">
+      <a:lvl2pPr marL="502897" indent="-167632" algn="l" defTabSz="670530" rtl="0" eaLnBrk="1" latinLnBrk="0" hangingPunct="1">
         <a:lnSpc>
           <a:spcPct val="90000"/>
         </a:lnSpc>
         <a:spcBef>
-          <a:spcPts val="500"/>
+          <a:spcPts val="367"/>
         </a:spcBef>
         <a:buFont typeface="Arial" panose="020B0604020202020204" pitchFamily="34" charset="0"/>
         <a:buChar char="•"/>
-        <a:defRPr sz="2400" kern="1200">
+        <a:defRPr sz="1760" kern="1200">
           <a:solidFill>
             <a:schemeClr val="tx1"/>
           </a:solidFill>
@@ -2726,16 +2735,16 @@
           <a:cs typeface="+mn-cs"/>
         </a:defRPr>
       </a:lvl2pPr>
-      <a:lvl3pPr marL="1143000" indent="-228600" algn="l" defTabSz="914400" rtl="0" eaLnBrk="1" latinLnBrk="0" hangingPunct="1">
+      <a:lvl3pPr marL="838162" indent="-167632" algn="l" defTabSz="670530" rtl="0" eaLnBrk="1" latinLnBrk="0" hangingPunct="1">
         <a:lnSpc>
           <a:spcPct val="90000"/>
         </a:lnSpc>
         <a:spcBef>
-          <a:spcPts val="500"/>
+          <a:spcPts val="367"/>
         </a:spcBef>
         <a:buFont typeface="Arial" panose="020B0604020202020204" pitchFamily="34" charset="0"/>
         <a:buChar char="•"/>
-        <a:defRPr sz="2000" kern="1200">
+        <a:defRPr sz="1467" kern="1200">
           <a:solidFill>
             <a:schemeClr val="tx1"/>
           </a:solidFill>
@@ -2744,16 +2753,16 @@
           <a:cs typeface="+mn-cs"/>
         </a:defRPr>
       </a:lvl3pPr>
-      <a:lvl4pPr marL="1600200" indent="-228600" algn="l" defTabSz="914400" rtl="0" eaLnBrk="1" latinLnBrk="0" hangingPunct="1">
+      <a:lvl4pPr marL="1173427" indent="-167632" algn="l" defTabSz="670530" rtl="0" eaLnBrk="1" latinLnBrk="0" hangingPunct="1">
         <a:lnSpc>
           <a:spcPct val="90000"/>
         </a:lnSpc>
         <a:spcBef>
-          <a:spcPts val="500"/>
+          <a:spcPts val="367"/>
         </a:spcBef>
         <a:buFont typeface="Arial" panose="020B0604020202020204" pitchFamily="34" charset="0"/>
         <a:buChar char="•"/>
-        <a:defRPr sz="1800" kern="1200">
+        <a:defRPr sz="1320" kern="1200">
           <a:solidFill>
             <a:schemeClr val="tx1"/>
           </a:solidFill>
@@ -2762,16 +2771,16 @@
           <a:cs typeface="+mn-cs"/>
         </a:defRPr>
       </a:lvl4pPr>
-      <a:lvl5pPr marL="2057400" indent="-228600" algn="l" defTabSz="914400" rtl="0" eaLnBrk="1" latinLnBrk="0" hangingPunct="1">
+      <a:lvl5pPr marL="1508691" indent="-167632" algn="l" defTabSz="670530" rtl="0" eaLnBrk="1" latinLnBrk="0" hangingPunct="1">
         <a:lnSpc>
           <a:spcPct val="90000"/>
         </a:lnSpc>
         <a:spcBef>
-          <a:spcPts val="500"/>
+          <a:spcPts val="367"/>
         </a:spcBef>
         <a:buFont typeface="Arial" panose="020B0604020202020204" pitchFamily="34" charset="0"/>
         <a:buChar char="•"/>
-        <a:defRPr sz="1800" kern="1200">
+        <a:defRPr sz="1320" kern="1200">
           <a:solidFill>
             <a:schemeClr val="tx1"/>
           </a:solidFill>
@@ -2780,16 +2789,16 @@
           <a:cs typeface="+mn-cs"/>
         </a:defRPr>
       </a:lvl5pPr>
-      <a:lvl6pPr marL="2514600" indent="-228600" algn="l" defTabSz="914400" rtl="0" eaLnBrk="1" latinLnBrk="0" hangingPunct="1">
+      <a:lvl6pPr marL="1843956" indent="-167632" algn="l" defTabSz="670530" rtl="0" eaLnBrk="1" latinLnBrk="0" hangingPunct="1">
         <a:lnSpc>
           <a:spcPct val="90000"/>
         </a:lnSpc>
         <a:spcBef>
-          <a:spcPts val="500"/>
+          <a:spcPts val="367"/>
         </a:spcBef>
         <a:buFont typeface="Arial" panose="020B0604020202020204" pitchFamily="34" charset="0"/>
         <a:buChar char="•"/>
-        <a:defRPr sz="1800" kern="1200">
+        <a:defRPr sz="1320" kern="1200">
           <a:solidFill>
             <a:schemeClr val="tx1"/>
           </a:solidFill>
@@ -2798,16 +2807,16 @@
           <a:cs typeface="+mn-cs"/>
         </a:defRPr>
       </a:lvl6pPr>
-      <a:lvl7pPr marL="2971800" indent="-228600" algn="l" defTabSz="914400" rtl="0" eaLnBrk="1" latinLnBrk="0" hangingPunct="1">
+      <a:lvl7pPr marL="2179221" indent="-167632" algn="l" defTabSz="670530" rtl="0" eaLnBrk="1" latinLnBrk="0" hangingPunct="1">
         <a:lnSpc>
           <a:spcPct val="90000"/>
         </a:lnSpc>
         <a:spcBef>
-          <a:spcPts val="500"/>
+          <a:spcPts val="367"/>
         </a:spcBef>
         <a:buFont typeface="Arial" panose="020B0604020202020204" pitchFamily="34" charset="0"/>
         <a:buChar char="•"/>
-        <a:defRPr sz="1800" kern="1200">
+        <a:defRPr sz="1320" kern="1200">
           <a:solidFill>
             <a:schemeClr val="tx1"/>
           </a:solidFill>
@@ -2816,16 +2825,16 @@
           <a:cs typeface="+mn-cs"/>
         </a:defRPr>
       </a:lvl7pPr>
-      <a:lvl8pPr marL="3429000" indent="-228600" algn="l" defTabSz="914400" rtl="0" eaLnBrk="1" latinLnBrk="0" hangingPunct="1">
+      <a:lvl8pPr marL="2514486" indent="-167632" algn="l" defTabSz="670530" rtl="0" eaLnBrk="1" latinLnBrk="0" hangingPunct="1">
         <a:lnSpc>
           <a:spcPct val="90000"/>
         </a:lnSpc>
         <a:spcBef>
-          <a:spcPts val="500"/>
+          <a:spcPts val="367"/>
         </a:spcBef>
         <a:buFont typeface="Arial" panose="020B0604020202020204" pitchFamily="34" charset="0"/>
         <a:buChar char="•"/>
-        <a:defRPr sz="1800" kern="1200">
+        <a:defRPr sz="1320" kern="1200">
           <a:solidFill>
             <a:schemeClr val="tx1"/>
           </a:solidFill>
@@ -2834,16 +2843,16 @@
           <a:cs typeface="+mn-cs"/>
         </a:defRPr>
       </a:lvl8pPr>
-      <a:lvl9pPr marL="3886200" indent="-228600" algn="l" defTabSz="914400" rtl="0" eaLnBrk="1" latinLnBrk="0" hangingPunct="1">
+      <a:lvl9pPr marL="2849750" indent="-167632" algn="l" defTabSz="670530" rtl="0" eaLnBrk="1" latinLnBrk="0" hangingPunct="1">
         <a:lnSpc>
           <a:spcPct val="90000"/>
         </a:lnSpc>
         <a:spcBef>
-          <a:spcPts val="500"/>
+          <a:spcPts val="367"/>
         </a:spcBef>
         <a:buFont typeface="Arial" panose="020B0604020202020204" pitchFamily="34" charset="0"/>
         <a:buChar char="•"/>
-        <a:defRPr sz="1800" kern="1200">
+        <a:defRPr sz="1320" kern="1200">
           <a:solidFill>
             <a:schemeClr val="tx1"/>
           </a:solidFill>
@@ -2857,8 +2866,8 @@
       <a:defPPr>
         <a:defRPr lang="en-US"/>
       </a:defPPr>
-      <a:lvl1pPr marL="0" algn="l" defTabSz="914400" rtl="0" eaLnBrk="1" latinLnBrk="0" hangingPunct="1">
-        <a:defRPr sz="1800" kern="1200">
+      <a:lvl1pPr marL="0" algn="l" defTabSz="670530" rtl="0" eaLnBrk="1" latinLnBrk="0" hangingPunct="1">
+        <a:defRPr sz="1320" kern="1200">
           <a:solidFill>
             <a:schemeClr val="tx1"/>
           </a:solidFill>
@@ -2867,8 +2876,8 @@
           <a:cs typeface="+mn-cs"/>
         </a:defRPr>
       </a:lvl1pPr>
-      <a:lvl2pPr marL="457200" algn="l" defTabSz="914400" rtl="0" eaLnBrk="1" latinLnBrk="0" hangingPunct="1">
-        <a:defRPr sz="1800" kern="1200">
+      <a:lvl2pPr marL="335265" algn="l" defTabSz="670530" rtl="0" eaLnBrk="1" latinLnBrk="0" hangingPunct="1">
+        <a:defRPr sz="1320" kern="1200">
           <a:solidFill>
             <a:schemeClr val="tx1"/>
           </a:solidFill>
@@ -2877,8 +2886,8 @@
           <a:cs typeface="+mn-cs"/>
         </a:defRPr>
       </a:lvl2pPr>
-      <a:lvl3pPr marL="914400" algn="l" defTabSz="914400" rtl="0" eaLnBrk="1" latinLnBrk="0" hangingPunct="1">
-        <a:defRPr sz="1800" kern="1200">
+      <a:lvl3pPr marL="670530" algn="l" defTabSz="670530" rtl="0" eaLnBrk="1" latinLnBrk="0" hangingPunct="1">
+        <a:defRPr sz="1320" kern="1200">
           <a:solidFill>
             <a:schemeClr val="tx1"/>
           </a:solidFill>
@@ -2887,8 +2896,8 @@
           <a:cs typeface="+mn-cs"/>
         </a:defRPr>
       </a:lvl3pPr>
-      <a:lvl4pPr marL="1371600" algn="l" defTabSz="914400" rtl="0" eaLnBrk="1" latinLnBrk="0" hangingPunct="1">
-        <a:defRPr sz="1800" kern="1200">
+      <a:lvl4pPr marL="1005794" algn="l" defTabSz="670530" rtl="0" eaLnBrk="1" latinLnBrk="0" hangingPunct="1">
+        <a:defRPr sz="1320" kern="1200">
           <a:solidFill>
             <a:schemeClr val="tx1"/>
           </a:solidFill>
@@ -2897,8 +2906,8 @@
           <a:cs typeface="+mn-cs"/>
         </a:defRPr>
       </a:lvl4pPr>
-      <a:lvl5pPr marL="1828800" algn="l" defTabSz="914400" rtl="0" eaLnBrk="1" latinLnBrk="0" hangingPunct="1">
-        <a:defRPr sz="1800" kern="1200">
+      <a:lvl5pPr marL="1341059" algn="l" defTabSz="670530" rtl="0" eaLnBrk="1" latinLnBrk="0" hangingPunct="1">
+        <a:defRPr sz="1320" kern="1200">
           <a:solidFill>
             <a:schemeClr val="tx1"/>
           </a:solidFill>
@@ -2907,8 +2916,8 @@
           <a:cs typeface="+mn-cs"/>
         </a:defRPr>
       </a:lvl5pPr>
-      <a:lvl6pPr marL="2286000" algn="l" defTabSz="914400" rtl="0" eaLnBrk="1" latinLnBrk="0" hangingPunct="1">
-        <a:defRPr sz="1800" kern="1200">
+      <a:lvl6pPr marL="1676324" algn="l" defTabSz="670530" rtl="0" eaLnBrk="1" latinLnBrk="0" hangingPunct="1">
+        <a:defRPr sz="1320" kern="1200">
           <a:solidFill>
             <a:schemeClr val="tx1"/>
           </a:solidFill>
@@ -2917,8 +2926,8 @@
           <a:cs typeface="+mn-cs"/>
         </a:defRPr>
       </a:lvl6pPr>
-      <a:lvl7pPr marL="2743200" algn="l" defTabSz="914400" rtl="0" eaLnBrk="1" latinLnBrk="0" hangingPunct="1">
-        <a:defRPr sz="1800" kern="1200">
+      <a:lvl7pPr marL="2011589" algn="l" defTabSz="670530" rtl="0" eaLnBrk="1" latinLnBrk="0" hangingPunct="1">
+        <a:defRPr sz="1320" kern="1200">
           <a:solidFill>
             <a:schemeClr val="tx1"/>
           </a:solidFill>
@@ -2927,8 +2936,8 @@
           <a:cs typeface="+mn-cs"/>
         </a:defRPr>
       </a:lvl7pPr>
-      <a:lvl8pPr marL="3200400" algn="l" defTabSz="914400" rtl="0" eaLnBrk="1" latinLnBrk="0" hangingPunct="1">
-        <a:defRPr sz="1800" kern="1200">
+      <a:lvl8pPr marL="2346853" algn="l" defTabSz="670530" rtl="0" eaLnBrk="1" latinLnBrk="0" hangingPunct="1">
+        <a:defRPr sz="1320" kern="1200">
           <a:solidFill>
             <a:schemeClr val="tx1"/>
           </a:solidFill>
@@ -2937,8 +2946,8 @@
           <a:cs typeface="+mn-cs"/>
         </a:defRPr>
       </a:lvl8pPr>
-      <a:lvl9pPr marL="3657600" algn="l" defTabSz="914400" rtl="0" eaLnBrk="1" latinLnBrk="0" hangingPunct="1">
-        <a:defRPr sz="1800" kern="1200">
+      <a:lvl9pPr marL="2682118" algn="l" defTabSz="670530" rtl="0" eaLnBrk="1" latinLnBrk="0" hangingPunct="1">
+        <a:defRPr sz="1320" kern="1200">
           <a:solidFill>
             <a:schemeClr val="tx1"/>
           </a:solidFill>
@@ -2971,18 +2980,283 @@
       </p:grpSpPr>
       <p:sp>
         <p:nvSpPr>
+          <p:cNvPr id="95" name="Rectangle 1">
+            <a:extLst>
+              <a:ext uri="{FF2B5EF4-FFF2-40B4-BE49-F238E27FC236}">
+                <a16:creationId xmlns:a16="http://schemas.microsoft.com/office/drawing/2014/main" id="{21B8FC1D-1CF2-41C1-92F5-8ED315F61989}"/>
+              </a:ext>
+            </a:extLst>
+          </p:cNvPr>
+          <p:cNvSpPr/>
+          <p:nvPr/>
+        </p:nvSpPr>
+        <p:spPr>
+          <a:xfrm>
+            <a:off x="6673060" y="3652691"/>
+            <a:ext cx="270996" cy="70934"/>
+          </a:xfrm>
+          <a:prstGeom prst="rect">
+            <a:avLst/>
+          </a:prstGeom>
+          <a:solidFill>
+            <a:schemeClr val="accent2"/>
+          </a:solidFill>
+          <a:ln>
+            <a:solidFill>
+              <a:schemeClr val="accent2"/>
+            </a:solidFill>
+          </a:ln>
+        </p:spPr>
+        <p:style>
+          <a:lnRef idx="2">
+            <a:schemeClr val="accent1">
+              <a:shade val="50000"/>
+            </a:schemeClr>
+          </a:lnRef>
+          <a:fillRef idx="1">
+            <a:schemeClr val="accent1"/>
+          </a:fillRef>
+          <a:effectRef idx="0">
+            <a:schemeClr val="accent1"/>
+          </a:effectRef>
+          <a:fontRef idx="minor">
+            <a:schemeClr val="lt1"/>
+          </a:fontRef>
+        </p:style>
+        <p:txBody>
+          <a:bodyPr rtlCol="0" anchor="ctr"/>
+          <a:lstStyle/>
+          <a:p>
+            <a:pPr algn="ctr"/>
+            <a:endParaRPr lang="en-US" sz="2400"/>
+          </a:p>
+        </p:txBody>
+      </p:sp>
+      <p:sp>
+        <p:nvSpPr>
+          <p:cNvPr id="93" name="Rectangle 1">
+            <a:extLst>
+              <a:ext uri="{FF2B5EF4-FFF2-40B4-BE49-F238E27FC236}">
+                <a16:creationId xmlns:a16="http://schemas.microsoft.com/office/drawing/2014/main" id="{C0E8CDDD-3E46-4E86-B0DD-071AD04FD494}"/>
+              </a:ext>
+            </a:extLst>
+          </p:cNvPr>
+          <p:cNvSpPr/>
+          <p:nvPr/>
+        </p:nvSpPr>
+        <p:spPr>
+          <a:xfrm>
+            <a:off x="6680680" y="3538390"/>
+            <a:ext cx="270996" cy="97241"/>
+          </a:xfrm>
+          <a:prstGeom prst="rect">
+            <a:avLst/>
+          </a:prstGeom>
+          <a:ln>
+            <a:solidFill>
+              <a:schemeClr val="accent1"/>
+            </a:solidFill>
+          </a:ln>
+        </p:spPr>
+        <p:style>
+          <a:lnRef idx="2">
+            <a:schemeClr val="accent1">
+              <a:shade val="50000"/>
+            </a:schemeClr>
+          </a:lnRef>
+          <a:fillRef idx="1">
+            <a:schemeClr val="accent1"/>
+          </a:fillRef>
+          <a:effectRef idx="0">
+            <a:schemeClr val="accent1"/>
+          </a:effectRef>
+          <a:fontRef idx="minor">
+            <a:schemeClr val="lt1"/>
+          </a:fontRef>
+        </p:style>
+        <p:txBody>
+          <a:bodyPr rtlCol="0" anchor="ctr"/>
+          <a:lstStyle/>
+          <a:p>
+            <a:pPr algn="ctr"/>
+            <a:endParaRPr lang="en-US" sz="2400"/>
+          </a:p>
+        </p:txBody>
+      </p:sp>
+      <p:sp>
+        <p:nvSpPr>
+          <p:cNvPr id="92" name="Rectangle 79">
+            <a:extLst>
+              <a:ext uri="{FF2B5EF4-FFF2-40B4-BE49-F238E27FC236}">
+                <a16:creationId xmlns:a16="http://schemas.microsoft.com/office/drawing/2014/main" id="{B6D90925-E99E-415D-A727-919C57097426}"/>
+              </a:ext>
+            </a:extLst>
+          </p:cNvPr>
+          <p:cNvSpPr/>
+          <p:nvPr/>
+        </p:nvSpPr>
+        <p:spPr>
+          <a:xfrm>
+            <a:off x="6676981" y="3723747"/>
+            <a:ext cx="270996" cy="112233"/>
+          </a:xfrm>
+          <a:prstGeom prst="rect">
+            <a:avLst/>
+          </a:prstGeom>
+          <a:solidFill>
+            <a:schemeClr val="accent3"/>
+          </a:solidFill>
+          <a:ln>
+            <a:solidFill>
+              <a:schemeClr val="accent3"/>
+            </a:solidFill>
+          </a:ln>
+        </p:spPr>
+        <p:style>
+          <a:lnRef idx="2">
+            <a:schemeClr val="accent1">
+              <a:shade val="50000"/>
+            </a:schemeClr>
+          </a:lnRef>
+          <a:fillRef idx="1">
+            <a:schemeClr val="accent1"/>
+          </a:fillRef>
+          <a:effectRef idx="0">
+            <a:schemeClr val="accent1"/>
+          </a:effectRef>
+          <a:fontRef idx="minor">
+            <a:schemeClr val="lt1"/>
+          </a:fontRef>
+        </p:style>
+        <p:txBody>
+          <a:bodyPr rtlCol="0" anchor="ctr"/>
+          <a:lstStyle/>
+          <a:p>
+            <a:pPr algn="ctr"/>
+            <a:endParaRPr lang="en-US" sz="2400" dirty="0"/>
+          </a:p>
+        </p:txBody>
+      </p:sp>
+      <p:sp>
+        <p:nvSpPr>
+          <p:cNvPr id="90" name="Rectangle 79">
+            <a:extLst>
+              <a:ext uri="{FF2B5EF4-FFF2-40B4-BE49-F238E27FC236}">
+                <a16:creationId xmlns:a16="http://schemas.microsoft.com/office/drawing/2014/main" id="{E39BEAF2-0E6D-4DDF-B4AD-63643649F816}"/>
+              </a:ext>
+            </a:extLst>
+          </p:cNvPr>
+          <p:cNvSpPr/>
+          <p:nvPr/>
+        </p:nvSpPr>
+        <p:spPr>
+          <a:xfrm>
+            <a:off x="4932478" y="3674690"/>
+            <a:ext cx="270996" cy="143563"/>
+          </a:xfrm>
+          <a:prstGeom prst="rect">
+            <a:avLst/>
+          </a:prstGeom>
+          <a:solidFill>
+            <a:schemeClr val="accent2"/>
+          </a:solidFill>
+          <a:ln>
+            <a:solidFill>
+              <a:schemeClr val="accent2"/>
+            </a:solidFill>
+          </a:ln>
+        </p:spPr>
+        <p:style>
+          <a:lnRef idx="2">
+            <a:schemeClr val="accent1">
+              <a:shade val="50000"/>
+            </a:schemeClr>
+          </a:lnRef>
+          <a:fillRef idx="1">
+            <a:schemeClr val="accent1"/>
+          </a:fillRef>
+          <a:effectRef idx="0">
+            <a:schemeClr val="accent1"/>
+          </a:effectRef>
+          <a:fontRef idx="minor">
+            <a:schemeClr val="lt1"/>
+          </a:fontRef>
+        </p:style>
+        <p:txBody>
+          <a:bodyPr rtlCol="0" anchor="ctr"/>
+          <a:lstStyle/>
+          <a:p>
+            <a:pPr algn="ctr"/>
+            <a:endParaRPr lang="en-US" sz="2400" dirty="0"/>
+          </a:p>
+        </p:txBody>
+      </p:sp>
+      <p:sp>
+        <p:nvSpPr>
+          <p:cNvPr id="91" name="Rectangle 1">
+            <a:extLst>
+              <a:ext uri="{FF2B5EF4-FFF2-40B4-BE49-F238E27FC236}">
+                <a16:creationId xmlns:a16="http://schemas.microsoft.com/office/drawing/2014/main" id="{B81FBAF7-37F5-420D-9F8E-51D04DCC5E3B}"/>
+              </a:ext>
+            </a:extLst>
+          </p:cNvPr>
+          <p:cNvSpPr/>
+          <p:nvPr/>
+        </p:nvSpPr>
+        <p:spPr>
+          <a:xfrm>
+            <a:off x="4928080" y="3530770"/>
+            <a:ext cx="270996" cy="143563"/>
+          </a:xfrm>
+          <a:prstGeom prst="rect">
+            <a:avLst/>
+          </a:prstGeom>
+          <a:ln>
+            <a:solidFill>
+              <a:schemeClr val="accent1"/>
+            </a:solidFill>
+          </a:ln>
+        </p:spPr>
+        <p:style>
+          <a:lnRef idx="2">
+            <a:schemeClr val="accent1">
+              <a:shade val="50000"/>
+            </a:schemeClr>
+          </a:lnRef>
+          <a:fillRef idx="1">
+            <a:schemeClr val="accent1"/>
+          </a:fillRef>
+          <a:effectRef idx="0">
+            <a:schemeClr val="accent1"/>
+          </a:effectRef>
+          <a:fontRef idx="minor">
+            <a:schemeClr val="lt1"/>
+          </a:fontRef>
+        </p:style>
+        <p:txBody>
+          <a:bodyPr rtlCol="0" anchor="ctr"/>
+          <a:lstStyle/>
+          <a:p>
+            <a:pPr algn="ctr"/>
+            <a:endParaRPr lang="en-US" sz="2400"/>
+          </a:p>
+        </p:txBody>
+      </p:sp>
+      <p:sp>
+        <p:nvSpPr>
           <p:cNvPr id="4" name="Rectangle 3"/>
           <p:cNvSpPr/>
           <p:nvPr/>
         </p:nvSpPr>
         <p:spPr>
           <a:xfrm>
-            <a:off x="2840767" y="3841149"/>
+            <a:off x="2703292" y="3313016"/>
             <a:ext cx="2496065" cy="741406"/>
           </a:xfrm>
           <a:prstGeom prst="rect">
             <a:avLst/>
           </a:prstGeom>
+          <a:noFill/>
         </p:spPr>
         <p:style>
           <a:lnRef idx="2">
@@ -3003,7 +3277,7 @@
           <a:lstStyle/>
           <a:p>
             <a:pPr algn="ctr"/>
-            <a:endParaRPr lang="en-US" b="1" dirty="0">
+            <a:endParaRPr lang="en-US" sz="2400" b="1" dirty="0">
               <a:solidFill>
                 <a:sysClr val="windowText" lastClr="000000"/>
               </a:solidFill>
@@ -3019,12 +3293,13 @@
         </p:nvSpPr>
         <p:spPr>
           <a:xfrm>
-            <a:off x="6815524" y="3841149"/>
+            <a:off x="6678049" y="3313016"/>
             <a:ext cx="2496065" cy="741406"/>
           </a:xfrm>
           <a:prstGeom prst="rect">
             <a:avLst/>
           </a:prstGeom>
+          <a:noFill/>
         </p:spPr>
         <p:style>
           <a:lnRef idx="2">
@@ -3045,7 +3320,7 @@
           <a:lstStyle/>
           <a:p>
             <a:pPr algn="ctr"/>
-            <a:endParaRPr lang="en-US" b="1">
+            <a:endParaRPr lang="en-US" sz="2400" b="1">
               <a:solidFill>
                 <a:sysClr val="windowText" lastClr="000000"/>
               </a:solidFill>
@@ -3064,7 +3339,7 @@
         </p:nvCxnSpPr>
         <p:spPr>
           <a:xfrm>
-            <a:off x="5336832" y="4207733"/>
+            <a:off x="5199354" y="3679603"/>
             <a:ext cx="1478692" cy="4119"/>
           </a:xfrm>
           <a:prstGeom prst="line">
@@ -3094,12 +3369,13 @@
         </p:nvSpPr>
         <p:spPr>
           <a:xfrm>
-            <a:off x="5064983" y="4063571"/>
+            <a:off x="4927508" y="3535438"/>
             <a:ext cx="271849" cy="288324"/>
           </a:xfrm>
           <a:prstGeom prst="rect">
             <a:avLst/>
           </a:prstGeom>
+          <a:noFill/>
         </p:spPr>
         <p:style>
           <a:lnRef idx="2">
@@ -3121,18 +3397,13 @@
           <a:p>
             <a:pPr algn="ctr"/>
             <a:r>
-              <a:rPr lang="en-US" b="1" dirty="0" smtClean="0">
+              <a:rPr lang="en-US" sz="2400" b="1" dirty="0">
                 <a:solidFill>
                   <a:sysClr val="windowText" lastClr="000000"/>
                 </a:solidFill>
               </a:rPr>
               <a:t>5</a:t>
             </a:r>
-            <a:endParaRPr lang="en-US" b="1" dirty="0">
-              <a:solidFill>
-                <a:sysClr val="windowText" lastClr="000000"/>
-              </a:solidFill>
-            </a:endParaRPr>
           </a:p>
         </p:txBody>
       </p:sp>
@@ -3144,12 +3415,13 @@
         </p:nvSpPr>
         <p:spPr>
           <a:xfrm>
-            <a:off x="6815523" y="4063571"/>
+            <a:off x="6678048" y="3535438"/>
             <a:ext cx="271849" cy="288324"/>
           </a:xfrm>
           <a:prstGeom prst="rect">
             <a:avLst/>
           </a:prstGeom>
+          <a:noFill/>
         </p:spPr>
         <p:style>
           <a:lnRef idx="2">
@@ -3171,18 +3443,13 @@
           <a:p>
             <a:pPr algn="ctr"/>
             <a:r>
-              <a:rPr lang="en-US" b="1" dirty="0" smtClean="0">
+              <a:rPr lang="en-US" sz="2400" b="1" dirty="0">
                 <a:solidFill>
                   <a:sysClr val="windowText" lastClr="000000"/>
                 </a:solidFill>
               </a:rPr>
               <a:t>5</a:t>
             </a:r>
-            <a:endParaRPr lang="en-US" b="1" dirty="0">
-              <a:solidFill>
-                <a:sysClr val="windowText" lastClr="000000"/>
-              </a:solidFill>
-            </a:endParaRPr>
           </a:p>
         </p:txBody>
       </p:sp>
@@ -3194,12 +3461,15 @@
         </p:nvSpPr>
         <p:spPr>
           <a:xfrm>
-            <a:off x="3034020" y="4294231"/>
+            <a:off x="2896545" y="3766098"/>
             <a:ext cx="271849" cy="288324"/>
           </a:xfrm>
           <a:prstGeom prst="rect">
             <a:avLst/>
           </a:prstGeom>
+          <a:solidFill>
+            <a:schemeClr val="accent1"/>
+          </a:solidFill>
         </p:spPr>
         <p:style>
           <a:lnRef idx="2">
@@ -3221,18 +3491,13 @@
           <a:p>
             <a:pPr algn="ctr"/>
             <a:r>
-              <a:rPr lang="en-US" b="1" dirty="0" smtClean="0">
+              <a:rPr lang="en-US" sz="2400" b="1" dirty="0">
                 <a:solidFill>
                   <a:sysClr val="windowText" lastClr="000000"/>
                 </a:solidFill>
               </a:rPr>
               <a:t>1</a:t>
             </a:r>
-            <a:endParaRPr lang="en-US" b="1" dirty="0">
-              <a:solidFill>
-                <a:sysClr val="windowText" lastClr="000000"/>
-              </a:solidFill>
-            </a:endParaRPr>
           </a:p>
         </p:txBody>
       </p:sp>
@@ -3244,12 +3509,15 @@
         </p:nvSpPr>
         <p:spPr>
           <a:xfrm>
-            <a:off x="3545102" y="4294231"/>
+            <a:off x="3407627" y="3766098"/>
             <a:ext cx="271849" cy="288324"/>
           </a:xfrm>
           <a:prstGeom prst="rect">
             <a:avLst/>
           </a:prstGeom>
+          <a:solidFill>
+            <a:schemeClr val="accent2"/>
+          </a:solidFill>
         </p:spPr>
         <p:style>
           <a:lnRef idx="2">
@@ -3271,18 +3539,13 @@
           <a:p>
             <a:pPr algn="ctr"/>
             <a:r>
-              <a:rPr lang="en-US" b="1" dirty="0" smtClean="0">
+              <a:rPr lang="en-US" sz="2400" b="1" dirty="0">
                 <a:solidFill>
                   <a:sysClr val="windowText" lastClr="000000"/>
                 </a:solidFill>
               </a:rPr>
               <a:t>2</a:t>
             </a:r>
-            <a:endParaRPr lang="en-US" b="1" dirty="0">
-              <a:solidFill>
-                <a:sysClr val="windowText" lastClr="000000"/>
-              </a:solidFill>
-            </a:endParaRPr>
           </a:p>
         </p:txBody>
       </p:sp>
@@ -3294,7 +3557,7 @@
         </p:nvSpPr>
         <p:spPr>
           <a:xfrm>
-            <a:off x="4049502" y="4294231"/>
+            <a:off x="3912027" y="3766098"/>
             <a:ext cx="271849" cy="288324"/>
           </a:xfrm>
           <a:prstGeom prst="rect">
@@ -3321,18 +3584,13 @@
           <a:p>
             <a:pPr algn="ctr"/>
             <a:r>
-              <a:rPr lang="en-US" b="1" dirty="0" smtClean="0">
+              <a:rPr lang="en-US" sz="2400" b="1" dirty="0">
                 <a:solidFill>
                   <a:sysClr val="windowText" lastClr="000000"/>
                 </a:solidFill>
               </a:rPr>
               <a:t>3</a:t>
             </a:r>
-            <a:endParaRPr lang="en-US" b="1" dirty="0">
-              <a:solidFill>
-                <a:sysClr val="windowText" lastClr="000000"/>
-              </a:solidFill>
-            </a:endParaRPr>
           </a:p>
         </p:txBody>
       </p:sp>
@@ -3344,7 +3602,7 @@
         </p:nvSpPr>
         <p:spPr>
           <a:xfrm>
-            <a:off x="4560583" y="4294231"/>
+            <a:off x="4423108" y="3766098"/>
             <a:ext cx="271849" cy="288324"/>
           </a:xfrm>
           <a:prstGeom prst="rect">
@@ -3371,18 +3629,13 @@
           <a:p>
             <a:pPr algn="ctr"/>
             <a:r>
-              <a:rPr lang="en-US" b="1" dirty="0" smtClean="0">
+              <a:rPr lang="en-US" sz="2400" b="1" dirty="0">
                 <a:solidFill>
                   <a:sysClr val="windowText" lastClr="000000"/>
                 </a:solidFill>
               </a:rPr>
               <a:t>4</a:t>
             </a:r>
-            <a:endParaRPr lang="en-US" b="1" dirty="0">
-              <a:solidFill>
-                <a:sysClr val="windowText" lastClr="000000"/>
-              </a:solidFill>
-            </a:endParaRPr>
           </a:p>
         </p:txBody>
       </p:sp>
@@ -3394,12 +3647,17 @@
         </p:nvSpPr>
         <p:spPr>
           <a:xfrm>
-            <a:off x="7300274" y="4294231"/>
+            <a:off x="7162799" y="3766098"/>
             <a:ext cx="271849" cy="288324"/>
           </a:xfrm>
           <a:prstGeom prst="rect">
             <a:avLst/>
           </a:prstGeom>
+          <a:solidFill>
+            <a:schemeClr val="bg1">
+              <a:lumMod val="65000"/>
+            </a:schemeClr>
+          </a:solidFill>
         </p:spPr>
         <p:style>
           <a:lnRef idx="2">
@@ -3421,18 +3679,13 @@
           <a:p>
             <a:pPr algn="ctr"/>
             <a:r>
-              <a:rPr lang="en-US" b="1" dirty="0" smtClean="0">
-                <a:solidFill>
-                  <a:sysClr val="windowText" lastClr="000000"/>
+              <a:rPr lang="en-US" sz="2400" b="1" dirty="0">
+                <a:solidFill>
+                  <a:schemeClr val="tx1"/>
                 </a:solidFill>
               </a:rPr>
               <a:t>1</a:t>
             </a:r>
-            <a:endParaRPr lang="en-US" b="1" dirty="0">
-              <a:solidFill>
-                <a:sysClr val="windowText" lastClr="000000"/>
-              </a:solidFill>
-            </a:endParaRPr>
           </a:p>
         </p:txBody>
       </p:sp>
@@ -3444,7 +3697,7 @@
         </p:nvSpPr>
         <p:spPr>
           <a:xfrm>
-            <a:off x="7811356" y="4294231"/>
+            <a:off x="7673881" y="3766098"/>
             <a:ext cx="271849" cy="288324"/>
           </a:xfrm>
           <a:prstGeom prst="rect">
@@ -3471,18 +3724,13 @@
           <a:p>
             <a:pPr algn="ctr"/>
             <a:r>
-              <a:rPr lang="en-US" b="1" dirty="0" smtClean="0">
+              <a:rPr lang="en-US" sz="2400" b="1" dirty="0">
                 <a:solidFill>
                   <a:sysClr val="windowText" lastClr="000000"/>
                 </a:solidFill>
               </a:rPr>
               <a:t>2</a:t>
             </a:r>
-            <a:endParaRPr lang="en-US" b="1" dirty="0">
-              <a:solidFill>
-                <a:sysClr val="windowText" lastClr="000000"/>
-              </a:solidFill>
-            </a:endParaRPr>
           </a:p>
         </p:txBody>
       </p:sp>
@@ -3494,7 +3742,7 @@
         </p:nvSpPr>
         <p:spPr>
           <a:xfrm>
-            <a:off x="8315756" y="4294231"/>
+            <a:off x="8178281" y="3766098"/>
             <a:ext cx="271849" cy="288324"/>
           </a:xfrm>
           <a:prstGeom prst="rect">
@@ -3521,18 +3769,13 @@
           <a:p>
             <a:pPr algn="ctr"/>
             <a:r>
-              <a:rPr lang="en-US" b="1" dirty="0" smtClean="0">
+              <a:rPr lang="en-US" sz="2400" b="1" dirty="0">
                 <a:solidFill>
                   <a:sysClr val="windowText" lastClr="000000"/>
                 </a:solidFill>
               </a:rPr>
               <a:t>3</a:t>
             </a:r>
-            <a:endParaRPr lang="en-US" b="1" dirty="0">
-              <a:solidFill>
-                <a:sysClr val="windowText" lastClr="000000"/>
-              </a:solidFill>
-            </a:endParaRPr>
           </a:p>
         </p:txBody>
       </p:sp>
@@ -3544,7 +3787,7 @@
         </p:nvSpPr>
         <p:spPr>
           <a:xfrm>
-            <a:off x="8826837" y="4294231"/>
+            <a:off x="8689362" y="3766098"/>
             <a:ext cx="271849" cy="288324"/>
           </a:xfrm>
           <a:prstGeom prst="rect">
@@ -3571,18 +3814,13 @@
           <a:p>
             <a:pPr algn="ctr"/>
             <a:r>
-              <a:rPr lang="en-US" b="1" dirty="0" smtClean="0">
+              <a:rPr lang="en-US" sz="2400" b="1" dirty="0">
                 <a:solidFill>
                   <a:sysClr val="windowText" lastClr="000000"/>
                 </a:solidFill>
               </a:rPr>
               <a:t>4</a:t>
             </a:r>
-            <a:endParaRPr lang="en-US" b="1" dirty="0">
-              <a:solidFill>
-                <a:sysClr val="windowText" lastClr="000000"/>
-              </a:solidFill>
-            </a:endParaRPr>
           </a:p>
         </p:txBody>
       </p:sp>
@@ -3594,12 +3832,15 @@
         </p:nvSpPr>
         <p:spPr>
           <a:xfrm>
-            <a:off x="2952691" y="5035637"/>
+            <a:off x="2815216" y="4507507"/>
             <a:ext cx="434505" cy="466531"/>
           </a:xfrm>
           <a:prstGeom prst="roundRect">
             <a:avLst/>
           </a:prstGeom>
+          <a:solidFill>
+            <a:schemeClr val="accent1"/>
+          </a:solidFill>
         </p:spPr>
         <p:style>
           <a:lnRef idx="2">
@@ -3621,18 +3862,13 @@
           <a:p>
             <a:pPr algn="ctr"/>
             <a:r>
-              <a:rPr lang="en-US" sz="1400" b="1" dirty="0" smtClean="0">
+              <a:rPr lang="en-US" b="1" dirty="0">
                 <a:solidFill>
                   <a:sysClr val="windowText" lastClr="000000"/>
                 </a:solidFill>
               </a:rPr>
               <a:t>H1</a:t>
             </a:r>
-            <a:endParaRPr lang="en-US" sz="1400" b="1" dirty="0">
-              <a:solidFill>
-                <a:sysClr val="windowText" lastClr="000000"/>
-              </a:solidFill>
-            </a:endParaRPr>
           </a:p>
         </p:txBody>
       </p:sp>
@@ -3644,12 +3880,15 @@
         </p:nvSpPr>
         <p:spPr>
           <a:xfrm>
-            <a:off x="3463773" y="5035637"/>
+            <a:off x="3326298" y="4507507"/>
             <a:ext cx="434505" cy="466531"/>
           </a:xfrm>
           <a:prstGeom prst="roundRect">
             <a:avLst/>
           </a:prstGeom>
+          <a:solidFill>
+            <a:schemeClr val="accent2"/>
+          </a:solidFill>
         </p:spPr>
         <p:style>
           <a:lnRef idx="2">
@@ -3671,18 +3910,13 @@
           <a:p>
             <a:pPr algn="ctr"/>
             <a:r>
-              <a:rPr lang="en-US" sz="1400" b="1" dirty="0" smtClean="0">
+              <a:rPr lang="en-US" b="1" dirty="0">
                 <a:solidFill>
                   <a:sysClr val="windowText" lastClr="000000"/>
                 </a:solidFill>
               </a:rPr>
               <a:t>H2</a:t>
             </a:r>
-            <a:endParaRPr lang="en-US" sz="1400" b="1" dirty="0">
-              <a:solidFill>
-                <a:sysClr val="windowText" lastClr="000000"/>
-              </a:solidFill>
-            </a:endParaRPr>
           </a:p>
         </p:txBody>
       </p:sp>
@@ -3694,7 +3928,7 @@
         </p:nvSpPr>
         <p:spPr>
           <a:xfrm>
-            <a:off x="3974855" y="5035636"/>
+            <a:off x="3837380" y="4507506"/>
             <a:ext cx="434505" cy="466531"/>
           </a:xfrm>
           <a:prstGeom prst="roundRect">
@@ -3721,18 +3955,13 @@
           <a:p>
             <a:pPr algn="ctr"/>
             <a:r>
-              <a:rPr lang="en-US" sz="1400" b="1" dirty="0" smtClean="0">
+              <a:rPr lang="en-US" b="1" dirty="0">
                 <a:solidFill>
                   <a:sysClr val="windowText" lastClr="000000"/>
                 </a:solidFill>
               </a:rPr>
               <a:t>H3</a:t>
             </a:r>
-            <a:endParaRPr lang="en-US" sz="1400" b="1" dirty="0">
-              <a:solidFill>
-                <a:sysClr val="windowText" lastClr="000000"/>
-              </a:solidFill>
-            </a:endParaRPr>
           </a:p>
         </p:txBody>
       </p:sp>
@@ -3744,7 +3973,7 @@
         </p:nvSpPr>
         <p:spPr>
           <a:xfrm>
-            <a:off x="4479254" y="5035635"/>
+            <a:off x="4341779" y="4507505"/>
             <a:ext cx="434505" cy="466531"/>
           </a:xfrm>
           <a:prstGeom prst="roundRect">
@@ -3771,18 +4000,13 @@
           <a:p>
             <a:pPr algn="ctr"/>
             <a:r>
-              <a:rPr lang="en-US" sz="1400" b="1" dirty="0" smtClean="0">
+              <a:rPr lang="en-US" b="1" dirty="0">
                 <a:solidFill>
                   <a:sysClr val="windowText" lastClr="000000"/>
                 </a:solidFill>
               </a:rPr>
               <a:t>H4</a:t>
             </a:r>
-            <a:endParaRPr lang="en-US" sz="1400" b="1" dirty="0">
-              <a:solidFill>
-                <a:sysClr val="windowText" lastClr="000000"/>
-              </a:solidFill>
-            </a:endParaRPr>
           </a:p>
         </p:txBody>
       </p:sp>
@@ -3796,7 +4020,7 @@
         </p:nvCxnSpPr>
         <p:spPr>
           <a:xfrm>
-            <a:off x="3169943" y="4582555"/>
+            <a:off x="3032468" y="4054422"/>
             <a:ext cx="1" cy="453082"/>
           </a:xfrm>
           <a:prstGeom prst="line">
@@ -3826,7 +4050,7 @@
         </p:nvCxnSpPr>
         <p:spPr>
           <a:xfrm>
-            <a:off x="3677682" y="4582555"/>
+            <a:off x="3540207" y="4054422"/>
             <a:ext cx="1" cy="453082"/>
           </a:xfrm>
           <a:prstGeom prst="line">
@@ -3856,7 +4080,7 @@
         </p:nvCxnSpPr>
         <p:spPr>
           <a:xfrm>
-            <a:off x="4169761" y="4582555"/>
+            <a:off x="4032286" y="4054422"/>
             <a:ext cx="1" cy="453082"/>
           </a:xfrm>
           <a:prstGeom prst="line">
@@ -3886,7 +4110,7 @@
         </p:nvCxnSpPr>
         <p:spPr>
           <a:xfrm>
-            <a:off x="4703385" y="4582553"/>
+            <a:off x="4565910" y="4054420"/>
             <a:ext cx="1" cy="453082"/>
           </a:xfrm>
           <a:prstGeom prst="line">
@@ -3916,7 +4140,52 @@
         </p:nvSpPr>
         <p:spPr>
           <a:xfrm>
-            <a:off x="7218762" y="5035635"/>
+            <a:off x="7081287" y="4507505"/>
+            <a:ext cx="434505" cy="466531"/>
+          </a:xfrm>
+          <a:prstGeom prst="roundRect">
+            <a:avLst/>
+          </a:prstGeom>
+        </p:spPr>
+        <p:style>
+          <a:lnRef idx="1">
+            <a:schemeClr val="dk1"/>
+          </a:lnRef>
+          <a:fillRef idx="2">
+            <a:schemeClr val="dk1"/>
+          </a:fillRef>
+          <a:effectRef idx="1">
+            <a:schemeClr val="dk1"/>
+          </a:effectRef>
+          <a:fontRef idx="minor">
+            <a:schemeClr val="dk1"/>
+          </a:fontRef>
+        </p:style>
+        <p:txBody>
+          <a:bodyPr rtlCol="0" anchor="ctr"/>
+          <a:lstStyle/>
+          <a:p>
+            <a:pPr algn="ctr"/>
+            <a:r>
+              <a:rPr lang="en-US" b="1" dirty="0">
+                <a:solidFill>
+                  <a:sysClr val="windowText" lastClr="000000"/>
+                </a:solidFill>
+              </a:rPr>
+              <a:t>H5</a:t>
+            </a:r>
+          </a:p>
+        </p:txBody>
+      </p:sp>
+      <p:sp>
+        <p:nvSpPr>
+          <p:cNvPr id="30" name="Rounded Rectangle 29"/>
+          <p:cNvSpPr/>
+          <p:nvPr/>
+        </p:nvSpPr>
+        <p:spPr>
+          <a:xfrm>
+            <a:off x="7587703" y="4507505"/>
             <a:ext cx="434505" cy="466531"/>
           </a:xfrm>
           <a:prstGeom prst="roundRect">
@@ -3943,30 +4212,25 @@
           <a:p>
             <a:pPr algn="ctr"/>
             <a:r>
-              <a:rPr lang="en-US" sz="1400" b="1" dirty="0" smtClean="0">
+              <a:rPr lang="en-US" b="1" dirty="0">
                 <a:solidFill>
                   <a:sysClr val="windowText" lastClr="000000"/>
                 </a:solidFill>
               </a:rPr>
-              <a:t>H5</a:t>
-            </a:r>
-            <a:endParaRPr lang="en-US" sz="1400" b="1" dirty="0">
-              <a:solidFill>
-                <a:sysClr val="windowText" lastClr="000000"/>
-              </a:solidFill>
-            </a:endParaRPr>
-          </a:p>
-        </p:txBody>
-      </p:sp>
-      <p:sp>
-        <p:nvSpPr>
-          <p:cNvPr id="30" name="Rounded Rectangle 29"/>
+              <a:t>H6</a:t>
+            </a:r>
+          </a:p>
+        </p:txBody>
+      </p:sp>
+      <p:sp>
+        <p:nvSpPr>
+          <p:cNvPr id="31" name="Rounded Rectangle 30"/>
           <p:cNvSpPr/>
           <p:nvPr/>
         </p:nvSpPr>
         <p:spPr>
           <a:xfrm>
-            <a:off x="7725178" y="5035635"/>
+            <a:off x="8117788" y="4507504"/>
             <a:ext cx="434505" cy="466531"/>
           </a:xfrm>
           <a:prstGeom prst="roundRect">
@@ -3993,30 +4257,25 @@
           <a:p>
             <a:pPr algn="ctr"/>
             <a:r>
-              <a:rPr lang="en-US" sz="1400" b="1" dirty="0" smtClean="0">
+              <a:rPr lang="en-US" b="1" dirty="0">
                 <a:solidFill>
                   <a:sysClr val="windowText" lastClr="000000"/>
                 </a:solidFill>
               </a:rPr>
-              <a:t>H6</a:t>
-            </a:r>
-            <a:endParaRPr lang="en-US" sz="1400" b="1" dirty="0">
-              <a:solidFill>
-                <a:sysClr val="windowText" lastClr="000000"/>
-              </a:solidFill>
-            </a:endParaRPr>
-          </a:p>
-        </p:txBody>
-      </p:sp>
-      <p:sp>
-        <p:nvSpPr>
-          <p:cNvPr id="31" name="Rounded Rectangle 30"/>
+              <a:t>H7</a:t>
+            </a:r>
+          </a:p>
+        </p:txBody>
+      </p:sp>
+      <p:sp>
+        <p:nvSpPr>
+          <p:cNvPr id="32" name="Rounded Rectangle 31"/>
           <p:cNvSpPr/>
           <p:nvPr/>
         </p:nvSpPr>
         <p:spPr>
           <a:xfrm>
-            <a:off x="8255263" y="5035634"/>
+            <a:off x="8615059" y="4507504"/>
             <a:ext cx="434505" cy="466531"/>
           </a:xfrm>
           <a:prstGeom prst="roundRect">
@@ -4043,68 +4302,13 @@
           <a:p>
             <a:pPr algn="ctr"/>
             <a:r>
-              <a:rPr lang="en-US" sz="1400" b="1" dirty="0" smtClean="0">
-                <a:solidFill>
-                  <a:sysClr val="windowText" lastClr="000000"/>
-                </a:solidFill>
-              </a:rPr>
-              <a:t>H7</a:t>
-            </a:r>
-            <a:endParaRPr lang="en-US" sz="1400" b="1" dirty="0">
-              <a:solidFill>
-                <a:sysClr val="windowText" lastClr="000000"/>
-              </a:solidFill>
-            </a:endParaRPr>
-          </a:p>
-        </p:txBody>
-      </p:sp>
-      <p:sp>
-        <p:nvSpPr>
-          <p:cNvPr id="32" name="Rounded Rectangle 31"/>
-          <p:cNvSpPr/>
-          <p:nvPr/>
-        </p:nvSpPr>
-        <p:spPr>
-          <a:xfrm>
-            <a:off x="8752534" y="5035634"/>
-            <a:ext cx="434505" cy="466531"/>
-          </a:xfrm>
-          <a:prstGeom prst="roundRect">
-            <a:avLst/>
-          </a:prstGeom>
-        </p:spPr>
-        <p:style>
-          <a:lnRef idx="2">
-            <a:schemeClr val="dk1"/>
-          </a:lnRef>
-          <a:fillRef idx="1">
-            <a:schemeClr val="lt1"/>
-          </a:fillRef>
-          <a:effectRef idx="0">
-            <a:schemeClr val="dk1"/>
-          </a:effectRef>
-          <a:fontRef idx="minor">
-            <a:schemeClr val="dk1"/>
-          </a:fontRef>
-        </p:style>
-        <p:txBody>
-          <a:bodyPr rtlCol="0" anchor="ctr"/>
-          <a:lstStyle/>
-          <a:p>
-            <a:pPr algn="ctr"/>
-            <a:r>
-              <a:rPr lang="en-US" sz="1400" b="1" dirty="0" smtClean="0">
+              <a:rPr lang="en-US" b="1" dirty="0">
                 <a:solidFill>
                   <a:sysClr val="windowText" lastClr="000000"/>
                 </a:solidFill>
               </a:rPr>
               <a:t>H8</a:t>
             </a:r>
-            <a:endParaRPr lang="en-US" sz="1400" b="1" dirty="0">
-              <a:solidFill>
-                <a:sysClr val="windowText" lastClr="000000"/>
-              </a:solidFill>
-            </a:endParaRPr>
           </a:p>
         </p:txBody>
       </p:sp>
@@ -4118,7 +4322,7 @@
         </p:nvCxnSpPr>
         <p:spPr>
           <a:xfrm>
-            <a:off x="7436014" y="4582553"/>
+            <a:off x="7298539" y="4054420"/>
             <a:ext cx="1" cy="453082"/>
           </a:xfrm>
           <a:prstGeom prst="line">
@@ -4148,7 +4352,7 @@
         </p:nvCxnSpPr>
         <p:spPr>
           <a:xfrm>
-            <a:off x="7939087" y="4582553"/>
+            <a:off x="7801612" y="4054420"/>
             <a:ext cx="1" cy="453082"/>
           </a:xfrm>
           <a:prstGeom prst="line">
@@ -4178,7 +4382,7 @@
         </p:nvCxnSpPr>
         <p:spPr>
           <a:xfrm>
-            <a:off x="8450169" y="4582553"/>
+            <a:off x="8312694" y="4054420"/>
             <a:ext cx="1" cy="453082"/>
           </a:xfrm>
           <a:prstGeom prst="line">
@@ -4208,7 +4412,7 @@
         </p:nvCxnSpPr>
         <p:spPr>
           <a:xfrm>
-            <a:off x="8976665" y="4582552"/>
+            <a:off x="8839190" y="4054419"/>
             <a:ext cx="1" cy="453082"/>
           </a:xfrm>
           <a:prstGeom prst="line">
@@ -4238,8 +4442,8 @@
         </p:nvSpPr>
         <p:spPr>
           <a:xfrm>
-            <a:off x="3561560" y="3924898"/>
-            <a:ext cx="1056379" cy="369332"/>
+            <a:off x="3279394" y="3284806"/>
+            <a:ext cx="1349537" cy="461665"/>
           </a:xfrm>
           <a:prstGeom prst="rect">
             <a:avLst/>
@@ -4253,14 +4457,152 @@
           <a:lstStyle/>
           <a:p>
             <a:r>
-              <a:rPr lang="en-US" b="1" dirty="0" smtClean="0">
+              <a:rPr lang="en-US" sz="2400" b="1" dirty="0">
                 <a:solidFill>
                   <a:sysClr val="windowText" lastClr="000000"/>
                 </a:solidFill>
               </a:rPr>
               <a:t>pSwitch1</a:t>
             </a:r>
-            <a:endParaRPr lang="en-US" b="1" dirty="0">
+          </a:p>
+        </p:txBody>
+      </p:sp>
+      <p:sp>
+        <p:nvSpPr>
+          <p:cNvPr id="38" name="TextBox 37"/>
+          <p:cNvSpPr txBox="1"/>
+          <p:nvPr/>
+        </p:nvSpPr>
+        <p:spPr>
+          <a:xfrm>
+            <a:off x="7288555" y="3288835"/>
+            <a:ext cx="1349537" cy="461665"/>
+          </a:xfrm>
+          <a:prstGeom prst="rect">
+            <a:avLst/>
+          </a:prstGeom>
+          <a:noFill/>
+        </p:spPr>
+        <p:txBody>
+          <a:bodyPr wrap="none" rtlCol="0">
+            <a:spAutoFit/>
+          </a:bodyPr>
+          <a:lstStyle/>
+          <a:p>
+            <a:r>
+              <a:rPr lang="en-US" sz="2400" b="1" dirty="0">
+                <a:solidFill>
+                  <a:sysClr val="windowText" lastClr="000000"/>
+                </a:solidFill>
+              </a:rPr>
+              <a:t>pSwitch2</a:t>
+            </a:r>
+          </a:p>
+        </p:txBody>
+      </p:sp>
+      <p:sp>
+        <p:nvSpPr>
+          <p:cNvPr id="39" name="TextBox 38"/>
+          <p:cNvSpPr txBox="1"/>
+          <p:nvPr/>
+        </p:nvSpPr>
+        <p:spPr>
+          <a:xfrm>
+            <a:off x="5290595" y="3233189"/>
+            <a:ext cx="1159292" cy="461665"/>
+          </a:xfrm>
+          <a:prstGeom prst="rect">
+            <a:avLst/>
+          </a:prstGeom>
+          <a:noFill/>
+        </p:spPr>
+        <p:txBody>
+          <a:bodyPr wrap="none" rtlCol="0">
+            <a:spAutoFit/>
+          </a:bodyPr>
+          <a:lstStyle/>
+          <a:p>
+            <a:r>
+              <a:rPr lang="en-US" sz="2400" b="1" dirty="0">
+                <a:solidFill>
+                  <a:sysClr val="windowText" lastClr="000000"/>
+                </a:solidFill>
+              </a:rPr>
+              <a:t>  CLink1</a:t>
+            </a:r>
+          </a:p>
+        </p:txBody>
+      </p:sp>
+      <p:cxnSp>
+        <p:nvCxnSpPr>
+          <p:cNvPr id="41" name="Straight Connector 40"/>
+          <p:cNvCxnSpPr>
+            <a:cxnSpLocks/>
+          </p:cNvCxnSpPr>
+          <p:nvPr/>
+        </p:nvCxnSpPr>
+        <p:spPr>
+          <a:xfrm>
+            <a:off x="0" y="2719892"/>
+            <a:ext cx="11704320" cy="0"/>
+          </a:xfrm>
+          <a:prstGeom prst="line">
+            <a:avLst/>
+          </a:prstGeom>
+          <a:ln>
+            <a:prstDash val="dash"/>
+          </a:ln>
+        </p:spPr>
+        <p:style>
+          <a:lnRef idx="3">
+            <a:schemeClr val="dk1"/>
+          </a:lnRef>
+          <a:fillRef idx="0">
+            <a:schemeClr val="dk1"/>
+          </a:fillRef>
+          <a:effectRef idx="2">
+            <a:schemeClr val="dk1"/>
+          </a:effectRef>
+          <a:fontRef idx="minor">
+            <a:schemeClr val="tx1"/>
+          </a:fontRef>
+        </p:style>
+      </p:cxnSp>
+      <p:sp>
+        <p:nvSpPr>
+          <p:cNvPr id="43" name="Rectangle 42"/>
+          <p:cNvSpPr/>
+          <p:nvPr/>
+        </p:nvSpPr>
+        <p:spPr>
+          <a:xfrm>
+            <a:off x="6397479" y="39572"/>
+            <a:ext cx="1100996" cy="513184"/>
+          </a:xfrm>
+          <a:prstGeom prst="rect">
+            <a:avLst/>
+          </a:prstGeom>
+        </p:spPr>
+        <p:style>
+          <a:lnRef idx="2">
+            <a:schemeClr val="dk1"/>
+          </a:lnRef>
+          <a:fillRef idx="1">
+            <a:schemeClr val="lt1"/>
+          </a:fillRef>
+          <a:effectRef idx="0">
+            <a:schemeClr val="dk1"/>
+          </a:effectRef>
+          <a:fontRef idx="minor">
+            <a:schemeClr val="dk1"/>
+          </a:fontRef>
+        </p:style>
+        <p:txBody>
+          <a:bodyPr rtlCol="0" anchor="ctr"/>
+          <a:lstStyle/>
+          <a:p>
+            <a:pPr algn="ctr"/>
+            <a:endParaRPr lang="en-US" sz="2400" b="1">
               <a:solidFill>
                 <a:sysClr val="windowText" lastClr="000000"/>
               </a:solidFill>
@@ -4270,35 +4612,39 @@
       </p:sp>
       <p:sp>
         <p:nvSpPr>
-          <p:cNvPr id="38" name="TextBox 37"/>
-          <p:cNvSpPr txBox="1"/>
-          <p:nvPr/>
-        </p:nvSpPr>
-        <p:spPr>
-          <a:xfrm>
-            <a:off x="7640117" y="3924898"/>
-            <a:ext cx="1056379" cy="369332"/>
+          <p:cNvPr id="44" name="Rectangle 43"/>
+          <p:cNvSpPr/>
+          <p:nvPr/>
+        </p:nvSpPr>
+        <p:spPr>
+          <a:xfrm>
+            <a:off x="9654188" y="39572"/>
+            <a:ext cx="1100996" cy="513184"/>
           </a:xfrm>
           <a:prstGeom prst="rect">
             <a:avLst/>
           </a:prstGeom>
-          <a:noFill/>
-        </p:spPr>
-        <p:txBody>
-          <a:bodyPr wrap="none" rtlCol="0">
-            <a:spAutoFit/>
-          </a:bodyPr>
-          <a:lstStyle/>
-          <a:p>
-            <a:r>
-              <a:rPr lang="en-US" b="1" dirty="0" smtClean="0">
-                <a:solidFill>
-                  <a:sysClr val="windowText" lastClr="000000"/>
-                </a:solidFill>
-              </a:rPr>
-              <a:t>pSwitch2</a:t>
-            </a:r>
-            <a:endParaRPr lang="en-US" b="1" dirty="0">
+        </p:spPr>
+        <p:style>
+          <a:lnRef idx="2">
+            <a:schemeClr val="dk1"/>
+          </a:lnRef>
+          <a:fillRef idx="1">
+            <a:schemeClr val="lt1"/>
+          </a:fillRef>
+          <a:effectRef idx="0">
+            <a:schemeClr val="dk1"/>
+          </a:effectRef>
+          <a:fontRef idx="minor">
+            <a:schemeClr val="dk1"/>
+          </a:fontRef>
+        </p:style>
+        <p:txBody>
+          <a:bodyPr rtlCol="0" anchor="ctr"/>
+          <a:lstStyle/>
+          <a:p>
+            <a:pPr algn="ctr"/>
+            <a:endParaRPr lang="en-US" sz="2400" b="1">
               <a:solidFill>
                 <a:sysClr val="windowText" lastClr="000000"/>
               </a:solidFill>
@@ -4308,97 +4654,21 @@
       </p:sp>
       <p:sp>
         <p:nvSpPr>
-          <p:cNvPr id="39" name="TextBox 38"/>
-          <p:cNvSpPr txBox="1"/>
-          <p:nvPr/>
-        </p:nvSpPr>
-        <p:spPr>
-          <a:xfrm>
-            <a:off x="5633834" y="3943977"/>
-            <a:ext cx="753732" cy="307777"/>
-          </a:xfrm>
-          <a:prstGeom prst="rect">
-            <a:avLst/>
-          </a:prstGeom>
-          <a:noFill/>
-        </p:spPr>
-        <p:txBody>
-          <a:bodyPr wrap="none" rtlCol="0">
-            <a:spAutoFit/>
-          </a:bodyPr>
-          <a:lstStyle/>
-          <a:p>
-            <a:r>
-              <a:rPr lang="en-US" sz="1400" b="1" dirty="0">
-                <a:solidFill>
-                  <a:sysClr val="windowText" lastClr="000000"/>
-                </a:solidFill>
-              </a:rPr>
-              <a:t> </a:t>
-            </a:r>
-            <a:r>
-              <a:rPr lang="en-US" sz="1400" b="1" dirty="0" smtClean="0">
-                <a:solidFill>
-                  <a:sysClr val="windowText" lastClr="000000"/>
-                </a:solidFill>
-              </a:rPr>
-              <a:t> CLink1</a:t>
-            </a:r>
-            <a:endParaRPr lang="en-US" sz="1400" b="1" dirty="0">
-              <a:solidFill>
-                <a:sysClr val="windowText" lastClr="000000"/>
-              </a:solidFill>
-            </a:endParaRPr>
-          </a:p>
-        </p:txBody>
-      </p:sp>
-      <p:cxnSp>
-        <p:nvCxnSpPr>
-          <p:cNvPr id="41" name="Straight Connector 40"/>
-          <p:cNvCxnSpPr/>
-          <p:nvPr/>
-        </p:nvCxnSpPr>
-        <p:spPr>
-          <a:xfrm>
-            <a:off x="1143000" y="3248025"/>
-            <a:ext cx="9484567" cy="0"/>
-          </a:xfrm>
-          <a:prstGeom prst="line">
-            <a:avLst/>
-          </a:prstGeom>
-          <a:ln>
-            <a:prstDash val="dash"/>
-          </a:ln>
-        </p:spPr>
-        <p:style>
-          <a:lnRef idx="3">
-            <a:schemeClr val="dk1"/>
-          </a:lnRef>
-          <a:fillRef idx="0">
-            <a:schemeClr val="dk1"/>
-          </a:fillRef>
-          <a:effectRef idx="2">
-            <a:schemeClr val="dk1"/>
-          </a:effectRef>
-          <a:fontRef idx="minor">
-            <a:schemeClr val="tx1"/>
-          </a:fontRef>
-        </p:style>
-      </p:cxnSp>
-      <p:sp>
-        <p:nvSpPr>
-          <p:cNvPr id="43" name="Rectangle 42"/>
+          <p:cNvPr id="46" name="Rounded Rectangle 45"/>
           <p:cNvSpPr/>
           <p:nvPr/>
         </p:nvSpPr>
         <p:spPr>
           <a:xfrm>
-            <a:off x="6534957" y="567705"/>
-            <a:ext cx="1100996" cy="513184"/>
-          </a:xfrm>
-          <a:prstGeom prst="rect">
-            <a:avLst/>
-          </a:prstGeom>
+            <a:off x="5497993" y="62900"/>
+            <a:ext cx="434505" cy="466531"/>
+          </a:xfrm>
+          <a:prstGeom prst="roundRect">
+            <a:avLst/>
+          </a:prstGeom>
+          <a:solidFill>
+            <a:schemeClr val="accent1"/>
+          </a:solidFill>
         </p:spPr>
         <p:style>
           <a:lnRef idx="2">
@@ -4419,103 +4689,14 @@
           <a:lstStyle/>
           <a:p>
             <a:pPr algn="ctr"/>
-            <a:endParaRPr lang="en-US" b="1">
-              <a:solidFill>
-                <a:sysClr val="windowText" lastClr="000000"/>
-              </a:solidFill>
-            </a:endParaRPr>
-          </a:p>
-        </p:txBody>
-      </p:sp>
-      <p:sp>
-        <p:nvSpPr>
-          <p:cNvPr id="44" name="Rectangle 43"/>
-          <p:cNvSpPr/>
-          <p:nvPr/>
-        </p:nvSpPr>
-        <p:spPr>
-          <a:xfrm>
-            <a:off x="9791666" y="567705"/>
-            <a:ext cx="1100996" cy="513184"/>
-          </a:xfrm>
-          <a:prstGeom prst="rect">
-            <a:avLst/>
-          </a:prstGeom>
-        </p:spPr>
-        <p:style>
-          <a:lnRef idx="2">
-            <a:schemeClr val="dk1"/>
-          </a:lnRef>
-          <a:fillRef idx="1">
-            <a:schemeClr val="lt1"/>
-          </a:fillRef>
-          <a:effectRef idx="0">
-            <a:schemeClr val="dk1"/>
-          </a:effectRef>
-          <a:fontRef idx="minor">
-            <a:schemeClr val="dk1"/>
-          </a:fontRef>
-        </p:style>
-        <p:txBody>
-          <a:bodyPr rtlCol="0" anchor="ctr"/>
-          <a:lstStyle/>
-          <a:p>
-            <a:pPr algn="ctr"/>
-            <a:endParaRPr lang="en-US" b="1">
-              <a:solidFill>
-                <a:sysClr val="windowText" lastClr="000000"/>
-              </a:solidFill>
-            </a:endParaRPr>
-          </a:p>
-        </p:txBody>
-      </p:sp>
-      <p:sp>
-        <p:nvSpPr>
-          <p:cNvPr id="46" name="Rounded Rectangle 45"/>
-          <p:cNvSpPr/>
-          <p:nvPr/>
-        </p:nvSpPr>
-        <p:spPr>
-          <a:xfrm>
-            <a:off x="5635468" y="591031"/>
-            <a:ext cx="434505" cy="466531"/>
-          </a:xfrm>
-          <a:prstGeom prst="roundRect">
-            <a:avLst/>
-          </a:prstGeom>
-        </p:spPr>
-        <p:style>
-          <a:lnRef idx="2">
-            <a:schemeClr val="dk1"/>
-          </a:lnRef>
-          <a:fillRef idx="1">
-            <a:schemeClr val="lt1"/>
-          </a:fillRef>
-          <a:effectRef idx="0">
-            <a:schemeClr val="dk1"/>
-          </a:effectRef>
-          <a:fontRef idx="minor">
-            <a:schemeClr val="dk1"/>
-          </a:fontRef>
-        </p:style>
-        <p:txBody>
-          <a:bodyPr rtlCol="0" anchor="ctr"/>
-          <a:lstStyle/>
-          <a:p>
-            <a:pPr algn="ctr"/>
-            <a:r>
-              <a:rPr lang="en-US" sz="1400" b="1" dirty="0" smtClean="0">
+            <a:r>
+              <a:rPr lang="en-US" b="1" dirty="0">
                 <a:solidFill>
                   <a:sysClr val="windowText" lastClr="000000"/>
                 </a:solidFill>
               </a:rPr>
               <a:t>H1</a:t>
             </a:r>
-            <a:endParaRPr lang="en-US" sz="1400" b="1" dirty="0">
-              <a:solidFill>
-                <a:sysClr val="windowText" lastClr="000000"/>
-              </a:solidFill>
-            </a:endParaRPr>
           </a:p>
         </p:txBody>
       </p:sp>
@@ -4527,25 +4708,35 @@
         </p:nvSpPr>
         <p:spPr>
           <a:xfrm>
-            <a:off x="11351709" y="591030"/>
+            <a:off x="11214234" y="62899"/>
             <a:ext cx="434505" cy="466531"/>
           </a:xfrm>
           <a:prstGeom prst="roundRect">
             <a:avLst/>
           </a:prstGeom>
+          <a:solidFill>
+            <a:schemeClr val="accent2"/>
+          </a:solidFill>
+          <a:ln>
+            <a:solidFill>
+              <a:schemeClr val="tx1"/>
+            </a:solidFill>
+          </a:ln>
         </p:spPr>
         <p:style>
           <a:lnRef idx="2">
-            <a:schemeClr val="dk1"/>
+            <a:schemeClr val="accent2">
+              <a:shade val="50000"/>
+            </a:schemeClr>
           </a:lnRef>
           <a:fillRef idx="1">
+            <a:schemeClr val="accent2"/>
+          </a:fillRef>
+          <a:effectRef idx="0">
+            <a:schemeClr val="accent2"/>
+          </a:effectRef>
+          <a:fontRef idx="minor">
             <a:schemeClr val="lt1"/>
-          </a:fillRef>
-          <a:effectRef idx="0">
-            <a:schemeClr val="dk1"/>
-          </a:effectRef>
-          <a:fontRef idx="minor">
-            <a:schemeClr val="dk1"/>
           </a:fontRef>
         </p:style>
         <p:txBody>
@@ -4554,18 +4745,13 @@
           <a:p>
             <a:pPr algn="ctr"/>
             <a:r>
-              <a:rPr lang="en-US" sz="1400" b="1" dirty="0" smtClean="0">
+              <a:rPr lang="en-US" b="1" dirty="0">
                 <a:solidFill>
                   <a:sysClr val="windowText" lastClr="000000"/>
                 </a:solidFill>
               </a:rPr>
-              <a:t>H5</a:t>
-            </a:r>
-            <a:endParaRPr lang="en-US" sz="1400" b="1" dirty="0">
-              <a:solidFill>
-                <a:sysClr val="windowText" lastClr="000000"/>
-              </a:solidFill>
-            </a:endParaRPr>
+              <a:t>H2</a:t>
+            </a:r>
           </a:p>
         </p:txBody>
       </p:sp>
@@ -4573,19 +4759,25 @@
         <p:nvCxnSpPr>
           <p:cNvPr id="50" name="Straight Connector 49"/>
           <p:cNvCxnSpPr>
-            <a:stCxn id="43" idx="3"/>
+            <a:cxnSpLocks/>
+            <a:stCxn id="65" idx="3"/>
             <a:endCxn id="44" idx="1"/>
           </p:cNvCxnSpPr>
           <p:nvPr/>
         </p:nvCxnSpPr>
         <p:spPr>
           <a:xfrm>
-            <a:off x="7635953" y="824297"/>
-            <a:ext cx="2155713" cy="0"/>
+            <a:off x="7498494" y="282630"/>
+            <a:ext cx="2155694" cy="13534"/>
           </a:xfrm>
           <a:prstGeom prst="line">
             <a:avLst/>
           </a:prstGeom>
+          <a:ln>
+            <a:solidFill>
+              <a:srgbClr val="FF0000"/>
+            </a:solidFill>
+          </a:ln>
         </p:spPr>
         <p:style>
           <a:lnRef idx="3">
@@ -4613,12 +4805,17 @@
         </p:nvCxnSpPr>
         <p:spPr>
           <a:xfrm>
-            <a:off x="7085455" y="1080889"/>
+            <a:off x="6947977" y="552756"/>
             <a:ext cx="1070248" cy="752760"/>
           </a:xfrm>
           <a:prstGeom prst="line">
             <a:avLst/>
           </a:prstGeom>
+          <a:ln>
+            <a:solidFill>
+              <a:schemeClr val="accent4"/>
+            </a:solidFill>
+          </a:ln>
         </p:spPr>
         <p:style>
           <a:lnRef idx="3">
@@ -4646,12 +4843,17 @@
         </p:nvCxnSpPr>
         <p:spPr>
           <a:xfrm flipV="1">
-            <a:off x="9256699" y="1080889"/>
+            <a:off x="9119224" y="552756"/>
             <a:ext cx="1085465" cy="752760"/>
           </a:xfrm>
           <a:prstGeom prst="line">
             <a:avLst/>
           </a:prstGeom>
+          <a:ln>
+            <a:solidFill>
+              <a:srgbClr val="00B050"/>
+            </a:solidFill>
+          </a:ln>
         </p:spPr>
         <p:style>
           <a:lnRef idx="3">
@@ -4679,7 +4881,7 @@
         </p:nvCxnSpPr>
         <p:spPr>
           <a:xfrm>
-            <a:off x="6069973" y="824297"/>
+            <a:off x="5932495" y="296164"/>
             <a:ext cx="464984" cy="0"/>
           </a:xfrm>
           <a:prstGeom prst="line">
@@ -4712,7 +4914,7 @@
         </p:nvCxnSpPr>
         <p:spPr>
           <a:xfrm flipV="1">
-            <a:off x="10892662" y="824296"/>
+            <a:off x="10755187" y="296165"/>
             <a:ext cx="459047" cy="1"/>
           </a:xfrm>
           <a:prstGeom prst="line">
@@ -4742,12 +4944,15 @@
         </p:nvSpPr>
         <p:spPr>
           <a:xfrm>
-            <a:off x="6529020" y="680133"/>
+            <a:off x="6391545" y="152002"/>
             <a:ext cx="271289" cy="274793"/>
           </a:xfrm>
           <a:prstGeom prst="rect">
             <a:avLst/>
           </a:prstGeom>
+          <a:solidFill>
+            <a:schemeClr val="accent1"/>
+          </a:solidFill>
         </p:spPr>
         <p:style>
           <a:lnRef idx="2">
@@ -4769,7 +4974,7 @@
           <a:p>
             <a:pPr algn="ctr"/>
             <a:r>
-              <a:rPr lang="en-US" sz="1600" b="1" dirty="0" smtClean="0">
+              <a:rPr lang="en-US" sz="2000" b="1" dirty="0">
                 <a:solidFill>
                   <a:sysClr val="windowText" lastClr="000000"/>
                 </a:solidFill>
@@ -4787,12 +4992,15 @@
         </p:nvSpPr>
         <p:spPr>
           <a:xfrm>
-            <a:off x="6905279" y="792564"/>
-            <a:ext cx="296169" cy="274793"/>
+            <a:off x="6792684" y="313506"/>
+            <a:ext cx="271289" cy="225720"/>
           </a:xfrm>
           <a:prstGeom prst="rect">
             <a:avLst/>
           </a:prstGeom>
+          <a:solidFill>
+            <a:schemeClr val="accent1"/>
+          </a:solidFill>
         </p:spPr>
         <p:style>
           <a:lnRef idx="2">
@@ -4814,14 +5022,284 @@
           <a:p>
             <a:pPr algn="ctr"/>
             <a:r>
-              <a:rPr lang="en-US" b="1" dirty="0" smtClean="0">
+              <a:rPr lang="en-US" sz="2400" b="1" dirty="0">
                 <a:solidFill>
                   <a:sysClr val="windowText" lastClr="000000"/>
                 </a:solidFill>
               </a:rPr>
               <a:t>2</a:t>
             </a:r>
-            <a:endParaRPr lang="en-US" b="1" dirty="0">
+          </a:p>
+        </p:txBody>
+      </p:sp>
+      <p:sp>
+        <p:nvSpPr>
+          <p:cNvPr id="65" name="Rectangle 64"/>
+          <p:cNvSpPr/>
+          <p:nvPr/>
+        </p:nvSpPr>
+        <p:spPr>
+          <a:xfrm>
+            <a:off x="7288555" y="145233"/>
+            <a:ext cx="209939" cy="274793"/>
+          </a:xfrm>
+          <a:prstGeom prst="rect">
+            <a:avLst/>
+          </a:prstGeom>
+          <a:solidFill>
+            <a:schemeClr val="accent1"/>
+          </a:solidFill>
+        </p:spPr>
+        <p:style>
+          <a:lnRef idx="2">
+            <a:schemeClr val="dk1"/>
+          </a:lnRef>
+          <a:fillRef idx="1">
+            <a:schemeClr val="lt1"/>
+          </a:fillRef>
+          <a:effectRef idx="0">
+            <a:schemeClr val="dk1"/>
+          </a:effectRef>
+          <a:fontRef idx="minor">
+            <a:schemeClr val="dk1"/>
+          </a:fontRef>
+        </p:style>
+        <p:txBody>
+          <a:bodyPr rtlCol="0" anchor="ctr"/>
+          <a:lstStyle/>
+          <a:p>
+            <a:pPr algn="ctr"/>
+            <a:r>
+              <a:rPr lang="en-US" sz="2400" b="1" dirty="0">
+                <a:solidFill>
+                  <a:sysClr val="windowText" lastClr="000000"/>
+                </a:solidFill>
+              </a:rPr>
+              <a:t>3</a:t>
+            </a:r>
+          </a:p>
+        </p:txBody>
+      </p:sp>
+      <p:sp>
+        <p:nvSpPr>
+          <p:cNvPr id="69" name="Rectangle 68"/>
+          <p:cNvSpPr/>
+          <p:nvPr/>
+        </p:nvSpPr>
+        <p:spPr>
+          <a:xfrm>
+            <a:off x="9654175" y="140566"/>
+            <a:ext cx="209939" cy="274793"/>
+          </a:xfrm>
+          <a:prstGeom prst="rect">
+            <a:avLst/>
+          </a:prstGeom>
+          <a:solidFill>
+            <a:schemeClr val="accent2"/>
+          </a:solidFill>
+        </p:spPr>
+        <p:style>
+          <a:lnRef idx="2">
+            <a:schemeClr val="dk1"/>
+          </a:lnRef>
+          <a:fillRef idx="1">
+            <a:schemeClr val="lt1"/>
+          </a:fillRef>
+          <a:effectRef idx="0">
+            <a:schemeClr val="dk1"/>
+          </a:effectRef>
+          <a:fontRef idx="minor">
+            <a:schemeClr val="dk1"/>
+          </a:fontRef>
+        </p:style>
+        <p:txBody>
+          <a:bodyPr rtlCol="0" anchor="ctr"/>
+          <a:lstStyle/>
+          <a:p>
+            <a:pPr algn="ctr"/>
+            <a:r>
+              <a:rPr lang="en-US" sz="2400" b="1" dirty="0">
+                <a:solidFill>
+                  <a:sysClr val="windowText" lastClr="000000"/>
+                </a:solidFill>
+              </a:rPr>
+              <a:t>2</a:t>
+            </a:r>
+          </a:p>
+        </p:txBody>
+      </p:sp>
+      <p:sp>
+        <p:nvSpPr>
+          <p:cNvPr id="70" name="Rectangle 69"/>
+          <p:cNvSpPr/>
+          <p:nvPr/>
+        </p:nvSpPr>
+        <p:spPr>
+          <a:xfrm>
+            <a:off x="10069957" y="277964"/>
+            <a:ext cx="209939" cy="274793"/>
+          </a:xfrm>
+          <a:prstGeom prst="rect">
+            <a:avLst/>
+          </a:prstGeom>
+          <a:solidFill>
+            <a:schemeClr val="accent2"/>
+          </a:solidFill>
+        </p:spPr>
+        <p:style>
+          <a:lnRef idx="2">
+            <a:schemeClr val="dk1"/>
+          </a:lnRef>
+          <a:fillRef idx="1">
+            <a:schemeClr val="lt1"/>
+          </a:fillRef>
+          <a:effectRef idx="0">
+            <a:schemeClr val="dk1"/>
+          </a:effectRef>
+          <a:fontRef idx="minor">
+            <a:schemeClr val="dk1"/>
+          </a:fontRef>
+        </p:style>
+        <p:txBody>
+          <a:bodyPr rtlCol="0" anchor="ctr"/>
+          <a:lstStyle/>
+          <a:p>
+            <a:pPr algn="ctr"/>
+            <a:r>
+              <a:rPr lang="en-US" sz="2400" b="1" dirty="0">
+                <a:solidFill>
+                  <a:sysClr val="windowText" lastClr="000000"/>
+                </a:solidFill>
+              </a:rPr>
+              <a:t>3</a:t>
+            </a:r>
+          </a:p>
+        </p:txBody>
+      </p:sp>
+      <p:sp>
+        <p:nvSpPr>
+          <p:cNvPr id="71" name="Rectangle 70"/>
+          <p:cNvSpPr/>
+          <p:nvPr/>
+        </p:nvSpPr>
+        <p:spPr>
+          <a:xfrm>
+            <a:off x="10545248" y="140567"/>
+            <a:ext cx="209939" cy="274793"/>
+          </a:xfrm>
+          <a:prstGeom prst="rect">
+            <a:avLst/>
+          </a:prstGeom>
+          <a:solidFill>
+            <a:schemeClr val="accent2"/>
+          </a:solidFill>
+        </p:spPr>
+        <p:style>
+          <a:lnRef idx="2">
+            <a:schemeClr val="dk1"/>
+          </a:lnRef>
+          <a:fillRef idx="1">
+            <a:schemeClr val="lt1"/>
+          </a:fillRef>
+          <a:effectRef idx="0">
+            <a:schemeClr val="dk1"/>
+          </a:effectRef>
+          <a:fontRef idx="minor">
+            <a:schemeClr val="dk1"/>
+          </a:fontRef>
+        </p:style>
+        <p:txBody>
+          <a:bodyPr rtlCol="0" anchor="ctr"/>
+          <a:lstStyle/>
+          <a:p>
+            <a:pPr algn="ctr"/>
+            <a:r>
+              <a:rPr lang="en-US" sz="2400" b="1" dirty="0">
+                <a:solidFill>
+                  <a:sysClr val="windowText" lastClr="000000"/>
+                </a:solidFill>
+              </a:rPr>
+              <a:t>1</a:t>
+            </a:r>
+          </a:p>
+        </p:txBody>
+      </p:sp>
+      <p:sp>
+        <p:nvSpPr>
+          <p:cNvPr id="104" name="TextBox 103"/>
+          <p:cNvSpPr txBox="1"/>
+          <p:nvPr/>
+        </p:nvSpPr>
+        <p:spPr>
+          <a:xfrm>
+            <a:off x="7696389" y="-22179"/>
+            <a:ext cx="1532792" cy="369332"/>
+          </a:xfrm>
+          <a:prstGeom prst="rect">
+            <a:avLst/>
+          </a:prstGeom>
+          <a:noFill/>
+        </p:spPr>
+        <p:txBody>
+          <a:bodyPr wrap="none" rtlCol="0">
+            <a:spAutoFit/>
+          </a:bodyPr>
+          <a:lstStyle/>
+          <a:p>
+            <a:r>
+              <a:rPr lang="en-US" b="1" dirty="0">
+                <a:solidFill>
+                  <a:sysClr val="windowText" lastClr="000000"/>
+                </a:solidFill>
+              </a:rPr>
+              <a:t>  vL3 -&gt; CLink1</a:t>
+            </a:r>
+          </a:p>
+        </p:txBody>
+      </p:sp>
+      <p:sp>
+        <p:nvSpPr>
+          <p:cNvPr id="106" name="Rectangle 105"/>
+          <p:cNvSpPr/>
+          <p:nvPr/>
+        </p:nvSpPr>
+        <p:spPr>
+          <a:xfrm>
+            <a:off x="1034495" y="70689"/>
+            <a:ext cx="426089" cy="513184"/>
+          </a:xfrm>
+          <a:prstGeom prst="rect">
+            <a:avLst/>
+          </a:prstGeom>
+        </p:spPr>
+        <p:style>
+          <a:lnRef idx="2">
+            <a:schemeClr val="dk1"/>
+          </a:lnRef>
+          <a:fillRef idx="1">
+            <a:schemeClr val="lt1"/>
+          </a:fillRef>
+          <a:effectRef idx="0">
+            <a:schemeClr val="dk1"/>
+          </a:effectRef>
+          <a:fontRef idx="minor">
+            <a:schemeClr val="dk1"/>
+          </a:fontRef>
+        </p:style>
+        <p:txBody>
+          <a:bodyPr rtlCol="0" anchor="ctr"/>
+          <a:lstStyle/>
+          <a:p>
+            <a:pPr algn="ctr"/>
+            <a:r>
+              <a:rPr lang="en-US" b="1" dirty="0">
+                <a:solidFill>
+                  <a:sysClr val="windowText" lastClr="000000"/>
+                </a:solidFill>
+              </a:rPr>
+              <a:t>vS1</a:t>
+            </a:r>
+            <a:endParaRPr lang="en-US" sz="1600" b="1" dirty="0">
               <a:solidFill>
                 <a:sysClr val="windowText" lastClr="000000"/>
               </a:solidFill>
@@ -4831,14 +5309,14 @@
       </p:sp>
       <p:sp>
         <p:nvSpPr>
-          <p:cNvPr id="65" name="Rectangle 64"/>
+          <p:cNvPr id="107" name="Rectangle 106"/>
           <p:cNvSpPr/>
           <p:nvPr/>
         </p:nvSpPr>
         <p:spPr>
           <a:xfrm>
-            <a:off x="7426030" y="673364"/>
-            <a:ext cx="209939" cy="274793"/>
+            <a:off x="3261734" y="74369"/>
+            <a:ext cx="403753" cy="513184"/>
           </a:xfrm>
           <a:prstGeom prst="rect">
             <a:avLst/>
@@ -4864,14 +5342,14 @@
           <a:p>
             <a:pPr algn="ctr"/>
             <a:r>
-              <a:rPr lang="en-US" b="1" dirty="0" smtClean="0">
+              <a:rPr lang="en-US" b="1" dirty="0">
                 <a:solidFill>
                   <a:sysClr val="windowText" lastClr="000000"/>
                 </a:solidFill>
               </a:rPr>
-              <a:t>3</a:t>
-            </a:r>
-            <a:endParaRPr lang="en-US" b="1" dirty="0">
+              <a:t>vS2</a:t>
+            </a:r>
+            <a:endParaRPr lang="en-US" sz="1600" b="1" dirty="0">
               <a:solidFill>
                 <a:sysClr val="windowText" lastClr="000000"/>
               </a:solidFill>
@@ -4881,14 +5359,14 @@
       </p:sp>
       <p:sp>
         <p:nvSpPr>
-          <p:cNvPr id="69" name="Rectangle 68"/>
+          <p:cNvPr id="108" name="Rectangle 107"/>
           <p:cNvSpPr/>
           <p:nvPr/>
         </p:nvSpPr>
         <p:spPr>
           <a:xfrm>
-            <a:off x="9791650" y="668697"/>
-            <a:ext cx="209939" cy="274793"/>
+            <a:off x="2137897" y="1155273"/>
+            <a:ext cx="406188" cy="513184"/>
           </a:xfrm>
           <a:prstGeom prst="rect">
             <a:avLst/>
@@ -4914,14 +5392,14 @@
           <a:p>
             <a:pPr algn="ctr"/>
             <a:r>
-              <a:rPr lang="en-US" b="1" dirty="0" smtClean="0">
+              <a:rPr lang="en-US" b="1" dirty="0">
                 <a:solidFill>
                   <a:sysClr val="windowText" lastClr="000000"/>
                 </a:solidFill>
               </a:rPr>
-              <a:t>2</a:t>
-            </a:r>
-            <a:endParaRPr lang="en-US" b="1" dirty="0">
+              <a:t>vS3</a:t>
+            </a:r>
+            <a:endParaRPr lang="en-US" sz="1600" b="1" dirty="0">
               <a:solidFill>
                 <a:sysClr val="windowText" lastClr="000000"/>
               </a:solidFill>
@@ -4931,16 +5409,16 @@
       </p:sp>
       <p:sp>
         <p:nvSpPr>
-          <p:cNvPr id="70" name="Rectangle 69"/>
+          <p:cNvPr id="109" name="Rounded Rectangle 108"/>
           <p:cNvSpPr/>
           <p:nvPr/>
         </p:nvSpPr>
         <p:spPr>
           <a:xfrm>
-            <a:off x="10207432" y="806095"/>
-            <a:ext cx="209939" cy="274793"/>
-          </a:xfrm>
-          <a:prstGeom prst="rect">
+            <a:off x="135006" y="94017"/>
+            <a:ext cx="434505" cy="466531"/>
+          </a:xfrm>
+          <a:prstGeom prst="roundRect">
             <a:avLst/>
           </a:prstGeom>
         </p:spPr>
@@ -4964,33 +5442,28 @@
           <a:p>
             <a:pPr algn="ctr"/>
             <a:r>
-              <a:rPr lang="en-US" b="1" dirty="0" smtClean="0">
+              <a:rPr lang="en-US" b="1" dirty="0">
                 <a:solidFill>
                   <a:sysClr val="windowText" lastClr="000000"/>
                 </a:solidFill>
               </a:rPr>
-              <a:t>3</a:t>
-            </a:r>
-            <a:endParaRPr lang="en-US" b="1" dirty="0">
-              <a:solidFill>
-                <a:sysClr val="windowText" lastClr="000000"/>
-              </a:solidFill>
-            </a:endParaRPr>
-          </a:p>
-        </p:txBody>
-      </p:sp>
-      <p:sp>
-        <p:nvSpPr>
-          <p:cNvPr id="71" name="Rectangle 70"/>
+              <a:t>H</a:t>
+            </a:r>
+          </a:p>
+        </p:txBody>
+      </p:sp>
+      <p:sp>
+        <p:nvSpPr>
+          <p:cNvPr id="110" name="Rounded Rectangle 109"/>
           <p:cNvSpPr/>
           <p:nvPr/>
         </p:nvSpPr>
         <p:spPr>
           <a:xfrm>
-            <a:off x="10682723" y="668698"/>
-            <a:ext cx="209939" cy="274793"/>
-          </a:xfrm>
-          <a:prstGeom prst="rect">
+            <a:off x="2123741" y="1996772"/>
+            <a:ext cx="434505" cy="466531"/>
+          </a:xfrm>
+          <a:prstGeom prst="roundRect">
             <a:avLst/>
           </a:prstGeom>
         </p:spPr>
@@ -5014,171 +5487,28 @@
           <a:p>
             <a:pPr algn="ctr"/>
             <a:r>
-              <a:rPr lang="en-US" b="1" dirty="0" smtClean="0">
+              <a:rPr lang="en-US" b="1" dirty="0">
                 <a:solidFill>
                   <a:sysClr val="windowText" lastClr="000000"/>
                 </a:solidFill>
               </a:rPr>
-              <a:t>1</a:t>
-            </a:r>
-            <a:endParaRPr lang="en-US" b="1" dirty="0">
-              <a:solidFill>
-                <a:sysClr val="windowText" lastClr="000000"/>
-              </a:solidFill>
-            </a:endParaRPr>
-          </a:p>
-        </p:txBody>
-      </p:sp>
-      <p:sp>
-        <p:nvSpPr>
-          <p:cNvPr id="103" name="TextBox 102"/>
-          <p:cNvSpPr txBox="1"/>
-          <p:nvPr/>
-        </p:nvSpPr>
-        <p:spPr>
-          <a:xfrm>
-            <a:off x="7015455" y="1423168"/>
-            <a:ext cx="753732" cy="307777"/>
-          </a:xfrm>
-          <a:prstGeom prst="rect">
-            <a:avLst/>
-          </a:prstGeom>
-          <a:noFill/>
-        </p:spPr>
-        <p:txBody>
-          <a:bodyPr wrap="none" rtlCol="0">
-            <a:spAutoFit/>
-          </a:bodyPr>
-          <a:lstStyle/>
-          <a:p>
-            <a:r>
-              <a:rPr lang="en-US" sz="1400" b="1" dirty="0">
-                <a:solidFill>
-                  <a:sysClr val="windowText" lastClr="000000"/>
-                </a:solidFill>
-              </a:rPr>
-              <a:t> </a:t>
-            </a:r>
-            <a:r>
-              <a:rPr lang="en-US" sz="1400" b="1" dirty="0" smtClean="0">
-                <a:solidFill>
-                  <a:sysClr val="windowText" lastClr="000000"/>
-                </a:solidFill>
-              </a:rPr>
-              <a:t> CLink1</a:t>
-            </a:r>
-            <a:endParaRPr lang="en-US" sz="1400" b="1" dirty="0">
-              <a:solidFill>
-                <a:sysClr val="windowText" lastClr="000000"/>
-              </a:solidFill>
-            </a:endParaRPr>
-          </a:p>
-        </p:txBody>
-      </p:sp>
-      <p:sp>
-        <p:nvSpPr>
-          <p:cNvPr id="104" name="TextBox 103"/>
-          <p:cNvSpPr txBox="1"/>
-          <p:nvPr/>
-        </p:nvSpPr>
-        <p:spPr>
-          <a:xfrm>
-            <a:off x="8260391" y="530233"/>
-            <a:ext cx="753732" cy="307777"/>
-          </a:xfrm>
-          <a:prstGeom prst="rect">
-            <a:avLst/>
-          </a:prstGeom>
-          <a:noFill/>
-        </p:spPr>
-        <p:txBody>
-          <a:bodyPr wrap="none" rtlCol="0">
-            <a:spAutoFit/>
-          </a:bodyPr>
-          <a:lstStyle/>
-          <a:p>
-            <a:r>
-              <a:rPr lang="en-US" sz="1400" b="1" dirty="0">
-                <a:solidFill>
-                  <a:sysClr val="windowText" lastClr="000000"/>
-                </a:solidFill>
-              </a:rPr>
-              <a:t> </a:t>
-            </a:r>
-            <a:r>
-              <a:rPr lang="en-US" sz="1400" b="1" dirty="0" smtClean="0">
-                <a:solidFill>
-                  <a:sysClr val="windowText" lastClr="000000"/>
-                </a:solidFill>
-              </a:rPr>
-              <a:t> CLink1</a:t>
-            </a:r>
-            <a:endParaRPr lang="en-US" sz="1400" b="1" dirty="0">
-              <a:solidFill>
-                <a:sysClr val="windowText" lastClr="000000"/>
-              </a:solidFill>
-            </a:endParaRPr>
-          </a:p>
-        </p:txBody>
-      </p:sp>
-      <p:sp>
-        <p:nvSpPr>
-          <p:cNvPr id="105" name="TextBox 104"/>
-          <p:cNvSpPr txBox="1"/>
-          <p:nvPr/>
-        </p:nvSpPr>
-        <p:spPr>
-          <a:xfrm>
-            <a:off x="9628730" y="1383864"/>
-            <a:ext cx="753732" cy="307777"/>
-          </a:xfrm>
-          <a:prstGeom prst="rect">
-            <a:avLst/>
-          </a:prstGeom>
-          <a:noFill/>
-        </p:spPr>
-        <p:txBody>
-          <a:bodyPr wrap="none" rtlCol="0">
-            <a:spAutoFit/>
-          </a:bodyPr>
-          <a:lstStyle/>
-          <a:p>
-            <a:r>
-              <a:rPr lang="en-US" sz="1400" b="1" dirty="0">
-                <a:solidFill>
-                  <a:sysClr val="windowText" lastClr="000000"/>
-                </a:solidFill>
-              </a:rPr>
-              <a:t> </a:t>
-            </a:r>
-            <a:r>
-              <a:rPr lang="en-US" sz="1400" b="1" dirty="0" smtClean="0">
-                <a:solidFill>
-                  <a:sysClr val="windowText" lastClr="000000"/>
-                </a:solidFill>
-              </a:rPr>
-              <a:t> CLink1</a:t>
-            </a:r>
-            <a:endParaRPr lang="en-US" sz="1400" b="1" dirty="0">
-              <a:solidFill>
-                <a:sysClr val="windowText" lastClr="000000"/>
-              </a:solidFill>
-            </a:endParaRPr>
-          </a:p>
-        </p:txBody>
-      </p:sp>
-      <p:sp>
-        <p:nvSpPr>
-          <p:cNvPr id="106" name="Rectangle 105"/>
+              <a:t>H</a:t>
+            </a:r>
+          </a:p>
+        </p:txBody>
+      </p:sp>
+      <p:sp>
+        <p:nvSpPr>
+          <p:cNvPr id="111" name="Rounded Rectangle 110"/>
           <p:cNvSpPr/>
           <p:nvPr/>
         </p:nvSpPr>
         <p:spPr>
           <a:xfrm>
-            <a:off x="1171970" y="598822"/>
-            <a:ext cx="426089" cy="513184"/>
-          </a:xfrm>
-          <a:prstGeom prst="rect">
+            <a:off x="3994997" y="94016"/>
+            <a:ext cx="441477" cy="466531"/>
+          </a:xfrm>
+          <a:prstGeom prst="roundRect">
             <a:avLst/>
           </a:prstGeom>
         </p:spPr>
@@ -5202,263 +5532,13 @@
           <a:p>
             <a:pPr algn="ctr"/>
             <a:r>
-              <a:rPr lang="en-US" sz="1400" b="1" dirty="0" smtClean="0">
-                <a:solidFill>
-                  <a:sysClr val="windowText" lastClr="000000"/>
-                </a:solidFill>
-              </a:rPr>
-              <a:t>vS1</a:t>
-            </a:r>
-            <a:endParaRPr lang="en-US" sz="1200" b="1" dirty="0">
-              <a:solidFill>
-                <a:sysClr val="windowText" lastClr="000000"/>
-              </a:solidFill>
-            </a:endParaRPr>
-          </a:p>
-        </p:txBody>
-      </p:sp>
-      <p:sp>
-        <p:nvSpPr>
-          <p:cNvPr id="107" name="Rectangle 106"/>
-          <p:cNvSpPr/>
-          <p:nvPr/>
-        </p:nvSpPr>
-        <p:spPr>
-          <a:xfrm>
-            <a:off x="3399209" y="602502"/>
-            <a:ext cx="403753" cy="513184"/>
-          </a:xfrm>
-          <a:prstGeom prst="rect">
-            <a:avLst/>
-          </a:prstGeom>
-        </p:spPr>
-        <p:style>
-          <a:lnRef idx="2">
-            <a:schemeClr val="dk1"/>
-          </a:lnRef>
-          <a:fillRef idx="1">
-            <a:schemeClr val="lt1"/>
-          </a:fillRef>
-          <a:effectRef idx="0">
-            <a:schemeClr val="dk1"/>
-          </a:effectRef>
-          <a:fontRef idx="minor">
-            <a:schemeClr val="dk1"/>
-          </a:fontRef>
-        </p:style>
-        <p:txBody>
-          <a:bodyPr rtlCol="0" anchor="ctr"/>
-          <a:lstStyle/>
-          <a:p>
-            <a:pPr algn="ctr"/>
-            <a:r>
-              <a:rPr lang="en-US" sz="1400" b="1" dirty="0" smtClean="0">
-                <a:solidFill>
-                  <a:sysClr val="windowText" lastClr="000000"/>
-                </a:solidFill>
-              </a:rPr>
-              <a:t>vS3</a:t>
-            </a:r>
-            <a:endParaRPr lang="en-US" sz="1200" b="1" dirty="0">
-              <a:solidFill>
-                <a:sysClr val="windowText" lastClr="000000"/>
-              </a:solidFill>
-            </a:endParaRPr>
-          </a:p>
-        </p:txBody>
-      </p:sp>
-      <p:sp>
-        <p:nvSpPr>
-          <p:cNvPr id="108" name="Rectangle 107"/>
-          <p:cNvSpPr/>
-          <p:nvPr/>
-        </p:nvSpPr>
-        <p:spPr>
-          <a:xfrm>
-            <a:off x="2275375" y="1683406"/>
-            <a:ext cx="406188" cy="513184"/>
-          </a:xfrm>
-          <a:prstGeom prst="rect">
-            <a:avLst/>
-          </a:prstGeom>
-        </p:spPr>
-        <p:style>
-          <a:lnRef idx="2">
-            <a:schemeClr val="dk1"/>
-          </a:lnRef>
-          <a:fillRef idx="1">
-            <a:schemeClr val="lt1"/>
-          </a:fillRef>
-          <a:effectRef idx="0">
-            <a:schemeClr val="dk1"/>
-          </a:effectRef>
-          <a:fontRef idx="minor">
-            <a:schemeClr val="dk1"/>
-          </a:fontRef>
-        </p:style>
-        <p:txBody>
-          <a:bodyPr rtlCol="0" anchor="ctr"/>
-          <a:lstStyle/>
-          <a:p>
-            <a:pPr algn="ctr"/>
-            <a:r>
-              <a:rPr lang="en-US" sz="1400" b="1" dirty="0" smtClean="0">
-                <a:solidFill>
-                  <a:sysClr val="windowText" lastClr="000000"/>
-                </a:solidFill>
-              </a:rPr>
-              <a:t>vS2</a:t>
-            </a:r>
-            <a:endParaRPr lang="en-US" sz="1200" b="1" dirty="0">
-              <a:solidFill>
-                <a:sysClr val="windowText" lastClr="000000"/>
-              </a:solidFill>
-            </a:endParaRPr>
-          </a:p>
-        </p:txBody>
-      </p:sp>
-      <p:sp>
-        <p:nvSpPr>
-          <p:cNvPr id="109" name="Rounded Rectangle 108"/>
-          <p:cNvSpPr/>
-          <p:nvPr/>
-        </p:nvSpPr>
-        <p:spPr>
-          <a:xfrm>
-            <a:off x="272481" y="622148"/>
-            <a:ext cx="434505" cy="466531"/>
-          </a:xfrm>
-          <a:prstGeom prst="roundRect">
-            <a:avLst/>
-          </a:prstGeom>
-        </p:spPr>
-        <p:style>
-          <a:lnRef idx="2">
-            <a:schemeClr val="dk1"/>
-          </a:lnRef>
-          <a:fillRef idx="1">
-            <a:schemeClr val="lt1"/>
-          </a:fillRef>
-          <a:effectRef idx="0">
-            <a:schemeClr val="dk1"/>
-          </a:effectRef>
-          <a:fontRef idx="minor">
-            <a:schemeClr val="dk1"/>
-          </a:fontRef>
-        </p:style>
-        <p:txBody>
-          <a:bodyPr rtlCol="0" anchor="ctr"/>
-          <a:lstStyle/>
-          <a:p>
-            <a:pPr algn="ctr"/>
-            <a:r>
-              <a:rPr lang="en-US" sz="1400" b="1" dirty="0">
+              <a:rPr lang="en-US" b="1" dirty="0">
                 <a:solidFill>
                   <a:sysClr val="windowText" lastClr="000000"/>
                 </a:solidFill>
               </a:rPr>
               <a:t>H</a:t>
             </a:r>
-          </a:p>
-        </p:txBody>
-      </p:sp>
-      <p:sp>
-        <p:nvSpPr>
-          <p:cNvPr id="110" name="Rounded Rectangle 109"/>
-          <p:cNvSpPr/>
-          <p:nvPr/>
-        </p:nvSpPr>
-        <p:spPr>
-          <a:xfrm>
-            <a:off x="2261216" y="2524902"/>
-            <a:ext cx="434505" cy="466531"/>
-          </a:xfrm>
-          <a:prstGeom prst="roundRect">
-            <a:avLst/>
-          </a:prstGeom>
-        </p:spPr>
-        <p:style>
-          <a:lnRef idx="2">
-            <a:schemeClr val="dk1"/>
-          </a:lnRef>
-          <a:fillRef idx="1">
-            <a:schemeClr val="lt1"/>
-          </a:fillRef>
-          <a:effectRef idx="0">
-            <a:schemeClr val="dk1"/>
-          </a:effectRef>
-          <a:fontRef idx="minor">
-            <a:schemeClr val="dk1"/>
-          </a:fontRef>
-        </p:style>
-        <p:txBody>
-          <a:bodyPr rtlCol="0" anchor="ctr"/>
-          <a:lstStyle/>
-          <a:p>
-            <a:pPr algn="ctr"/>
-            <a:r>
-              <a:rPr lang="en-US" sz="1400" b="1" dirty="0" smtClean="0">
-                <a:solidFill>
-                  <a:sysClr val="windowText" lastClr="000000"/>
-                </a:solidFill>
-              </a:rPr>
-              <a:t>H</a:t>
-            </a:r>
-            <a:endParaRPr lang="en-US" sz="1400" b="1" dirty="0">
-              <a:solidFill>
-                <a:sysClr val="windowText" lastClr="000000"/>
-              </a:solidFill>
-            </a:endParaRPr>
-          </a:p>
-        </p:txBody>
-      </p:sp>
-      <p:sp>
-        <p:nvSpPr>
-          <p:cNvPr id="111" name="Rounded Rectangle 110"/>
-          <p:cNvSpPr/>
-          <p:nvPr/>
-        </p:nvSpPr>
-        <p:spPr>
-          <a:xfrm>
-            <a:off x="4132472" y="622147"/>
-            <a:ext cx="441477" cy="466531"/>
-          </a:xfrm>
-          <a:prstGeom prst="roundRect">
-            <a:avLst/>
-          </a:prstGeom>
-        </p:spPr>
-        <p:style>
-          <a:lnRef idx="2">
-            <a:schemeClr val="dk1"/>
-          </a:lnRef>
-          <a:fillRef idx="1">
-            <a:schemeClr val="lt1"/>
-          </a:fillRef>
-          <a:effectRef idx="0">
-            <a:schemeClr val="dk1"/>
-          </a:effectRef>
-          <a:fontRef idx="minor">
-            <a:schemeClr val="dk1"/>
-          </a:fontRef>
-        </p:style>
-        <p:txBody>
-          <a:bodyPr rtlCol="0" anchor="ctr"/>
-          <a:lstStyle/>
-          <a:p>
-            <a:pPr algn="ctr"/>
-            <a:r>
-              <a:rPr lang="en-US" sz="1400" b="1" dirty="0" smtClean="0">
-                <a:solidFill>
-                  <a:sysClr val="windowText" lastClr="000000"/>
-                </a:solidFill>
-              </a:rPr>
-              <a:t>H</a:t>
-            </a:r>
-            <a:endParaRPr lang="en-US" sz="1400" b="1" dirty="0">
-              <a:solidFill>
-                <a:sysClr val="windowText" lastClr="000000"/>
-              </a:solidFill>
-            </a:endParaRPr>
           </a:p>
         </p:txBody>
       </p:sp>
@@ -5466,13 +5546,14 @@
         <p:nvCxnSpPr>
           <p:cNvPr id="112" name="Straight Connector 111"/>
           <p:cNvCxnSpPr>
+            <a:cxnSpLocks/>
             <a:stCxn id="106" idx="3"/>
           </p:cNvCxnSpPr>
           <p:nvPr/>
         </p:nvCxnSpPr>
         <p:spPr>
           <a:xfrm flipV="1">
-            <a:off x="1598059" y="855413"/>
+            <a:off x="1460584" y="327282"/>
             <a:ext cx="1789137" cy="1"/>
           </a:xfrm>
           <a:prstGeom prst="line">
@@ -5505,7 +5586,7 @@
         </p:nvCxnSpPr>
         <p:spPr>
           <a:xfrm>
-            <a:off x="1385015" y="1112006"/>
+            <a:off x="1247537" y="583873"/>
             <a:ext cx="890360" cy="827992"/>
           </a:xfrm>
           <a:prstGeom prst="line">
@@ -5538,7 +5619,7 @@
         </p:nvCxnSpPr>
         <p:spPr>
           <a:xfrm flipV="1">
-            <a:off x="2681563" y="1115686"/>
+            <a:off x="2544088" y="587553"/>
             <a:ext cx="919523" cy="824312"/>
           </a:xfrm>
           <a:prstGeom prst="line">
@@ -5571,7 +5652,7 @@
         </p:nvCxnSpPr>
         <p:spPr>
           <a:xfrm>
-            <a:off x="706986" y="855414"/>
+            <a:off x="569508" y="327281"/>
             <a:ext cx="464984" cy="0"/>
           </a:xfrm>
           <a:prstGeom prst="line">
@@ -5603,7 +5684,7 @@
         </p:nvCxnSpPr>
         <p:spPr>
           <a:xfrm flipV="1">
-            <a:off x="3802962" y="859092"/>
+            <a:off x="3665484" y="330959"/>
             <a:ext cx="355222" cy="2"/>
           </a:xfrm>
           <a:prstGeom prst="line">
@@ -5636,7 +5717,7 @@
         </p:nvCxnSpPr>
         <p:spPr>
           <a:xfrm flipV="1">
-            <a:off x="2478469" y="2196590"/>
+            <a:off x="2340991" y="1668457"/>
             <a:ext cx="0" cy="328312"/>
           </a:xfrm>
           <a:prstGeom prst="line">
@@ -5666,7 +5747,7 @@
         </p:nvSpPr>
         <p:spPr>
           <a:xfrm>
-            <a:off x="4590541" y="1492341"/>
+            <a:off x="4453066" y="964208"/>
             <a:ext cx="1133359" cy="398600"/>
           </a:xfrm>
           <a:prstGeom prst="rightArrow">
@@ -5694,7 +5775,7 @@
           <a:lstStyle/>
           <a:p>
             <a:pPr algn="ctr"/>
-            <a:endParaRPr lang="en-US" b="1">
+            <a:endParaRPr lang="en-US" sz="2400" b="1">
               <a:solidFill>
                 <a:sysClr val="windowText" lastClr="000000"/>
               </a:solidFill>
@@ -5704,172 +5785,31 @@
       </p:sp>
       <p:cxnSp>
         <p:nvCxnSpPr>
-          <p:cNvPr id="157" name="Straight Arrow Connector 156"/>
+          <p:cNvPr id="159" name="Straight Arrow Connector 158"/>
           <p:cNvCxnSpPr>
+            <a:cxnSpLocks/>
             <a:stCxn id="8" idx="0"/>
+            <a:endCxn id="65" idx="3"/>
           </p:cNvCxnSpPr>
           <p:nvPr/>
         </p:nvCxnSpPr>
         <p:spPr>
           <a:xfrm flipV="1">
-            <a:off x="5200908" y="1057561"/>
-            <a:ext cx="1750539" cy="3006010"/>
+            <a:off x="5063433" y="282628"/>
+            <a:ext cx="2435061" cy="3252810"/>
           </a:xfrm>
           <a:prstGeom prst="straightConnector1">
             <a:avLst/>
           </a:prstGeom>
-          <a:ln>
+          <a:ln w="19050">
+            <a:solidFill>
+              <a:srgbClr val="FF0000"/>
+            </a:solidFill>
             <a:prstDash val="dashDot"/>
             <a:tailEnd type="triangle"/>
           </a:ln>
         </p:spPr>
         <p:style>
-          <a:lnRef idx="2">
-            <a:schemeClr val="dk1"/>
-          </a:lnRef>
-          <a:fillRef idx="0">
-            <a:schemeClr val="dk1"/>
-          </a:fillRef>
-          <a:effectRef idx="1">
-            <a:schemeClr val="dk1"/>
-          </a:effectRef>
-          <a:fontRef idx="minor">
-            <a:schemeClr val="tx1"/>
-          </a:fontRef>
-        </p:style>
-      </p:cxnSp>
-      <p:cxnSp>
-        <p:nvCxnSpPr>
-          <p:cNvPr id="159" name="Straight Arrow Connector 158"/>
-          <p:cNvCxnSpPr>
-            <a:stCxn id="8" idx="0"/>
-          </p:cNvCxnSpPr>
-          <p:nvPr/>
-        </p:nvCxnSpPr>
-        <p:spPr>
-          <a:xfrm flipV="1">
-            <a:off x="5200908" y="968460"/>
-            <a:ext cx="2305325" cy="3095111"/>
-          </a:xfrm>
-          <a:prstGeom prst="straightConnector1">
-            <a:avLst/>
-          </a:prstGeom>
-          <a:ln>
-            <a:prstDash val="dashDot"/>
-            <a:tailEnd type="triangle"/>
-          </a:ln>
-        </p:spPr>
-        <p:style>
-          <a:lnRef idx="1">
-            <a:schemeClr val="dk1"/>
-          </a:lnRef>
-          <a:fillRef idx="0">
-            <a:schemeClr val="dk1"/>
-          </a:fillRef>
-          <a:effectRef idx="0">
-            <a:schemeClr val="dk1"/>
-          </a:effectRef>
-          <a:fontRef idx="minor">
-            <a:schemeClr val="tx1"/>
-          </a:fontRef>
-        </p:style>
-      </p:cxnSp>
-      <p:cxnSp>
-        <p:nvCxnSpPr>
-          <p:cNvPr id="161" name="Straight Arrow Connector 160"/>
-          <p:cNvCxnSpPr>
-            <a:endCxn id="66" idx="1"/>
-          </p:cNvCxnSpPr>
-          <p:nvPr/>
-        </p:nvCxnSpPr>
-        <p:spPr>
-          <a:xfrm flipV="1">
-            <a:off x="5237049" y="1816803"/>
-            <a:ext cx="2918373" cy="2246768"/>
-          </a:xfrm>
-          <a:prstGeom prst="straightConnector1">
-            <a:avLst/>
-          </a:prstGeom>
-          <a:ln>
-            <a:prstDash val="dashDot"/>
-            <a:tailEnd type="triangle"/>
-          </a:ln>
-        </p:spPr>
-        <p:style>
-          <a:lnRef idx="1">
-            <a:schemeClr val="dk1"/>
-          </a:lnRef>
-          <a:fillRef idx="0">
-            <a:schemeClr val="dk1"/>
-          </a:fillRef>
-          <a:effectRef idx="0">
-            <a:schemeClr val="dk1"/>
-          </a:effectRef>
-          <a:fontRef idx="minor">
-            <a:schemeClr val="tx1"/>
-          </a:fontRef>
-        </p:style>
-      </p:cxnSp>
-      <p:cxnSp>
-        <p:nvCxnSpPr>
-          <p:cNvPr id="163" name="Straight Arrow Connector 162"/>
-          <p:cNvCxnSpPr>
-            <a:stCxn id="9" idx="0"/>
-            <a:endCxn id="69" idx="1"/>
-          </p:cNvCxnSpPr>
-          <p:nvPr/>
-        </p:nvCxnSpPr>
-        <p:spPr>
-          <a:xfrm flipV="1">
-            <a:off x="6951448" y="806094"/>
-            <a:ext cx="2840202" cy="3257477"/>
-          </a:xfrm>
-          <a:prstGeom prst="straightConnector1">
-            <a:avLst/>
-          </a:prstGeom>
-          <a:ln>
-            <a:prstDash val="dashDot"/>
-            <a:tailEnd type="triangle"/>
-          </a:ln>
-        </p:spPr>
-        <p:style>
-          <a:lnRef idx="1">
-            <a:schemeClr val="dk1"/>
-          </a:lnRef>
-          <a:fillRef idx="0">
-            <a:schemeClr val="dk1"/>
-          </a:fillRef>
-          <a:effectRef idx="0">
-            <a:schemeClr val="dk1"/>
-          </a:effectRef>
-          <a:fontRef idx="minor">
-            <a:schemeClr val="tx1"/>
-          </a:fontRef>
-        </p:style>
-      </p:cxnSp>
-      <p:cxnSp>
-        <p:nvCxnSpPr>
-          <p:cNvPr id="165" name="Straight Arrow Connector 164"/>
-          <p:cNvCxnSpPr>
-            <a:stCxn id="9" idx="0"/>
-            <a:endCxn id="44" idx="2"/>
-          </p:cNvCxnSpPr>
-          <p:nvPr/>
-        </p:nvCxnSpPr>
-        <p:spPr>
-          <a:xfrm flipV="1">
-            <a:off x="6951448" y="1080889"/>
-            <a:ext cx="3390716" cy="2982682"/>
-          </a:xfrm>
-          <a:prstGeom prst="straightConnector1">
-            <a:avLst/>
-          </a:prstGeom>
-          <a:ln>
-            <a:prstDash val="dashDot"/>
-            <a:tailEnd type="triangle"/>
-          </a:ln>
-        </p:spPr>
-        <p:style>
           <a:lnRef idx="1">
             <a:schemeClr val="dk1"/>
           </a:lnRef>
@@ -5892,7 +5832,7 @@
         </p:nvSpPr>
         <p:spPr>
           <a:xfrm>
-            <a:off x="8155703" y="1577057"/>
+            <a:off x="8018225" y="1048924"/>
             <a:ext cx="1100996" cy="513184"/>
           </a:xfrm>
           <a:prstGeom prst="rect">
@@ -5918,7 +5858,7 @@
           <a:lstStyle/>
           <a:p>
             <a:pPr algn="ctr"/>
-            <a:endParaRPr lang="en-US" b="1">
+            <a:endParaRPr lang="en-US" sz="2400" b="1">
               <a:solidFill>
                 <a:sysClr val="windowText" lastClr="000000"/>
               </a:solidFill>
@@ -5934,21 +5874,22 @@
         </p:nvSpPr>
         <p:spPr>
           <a:xfrm>
-            <a:off x="8488948" y="2331342"/>
+            <a:off x="8351473" y="1803212"/>
             <a:ext cx="434505" cy="466531"/>
           </a:xfrm>
           <a:prstGeom prst="roundRect">
             <a:avLst/>
           </a:prstGeom>
-        </p:spPr>
-        <p:style>
-          <a:lnRef idx="2">
-            <a:schemeClr val="dk1"/>
-          </a:lnRef>
-          <a:fillRef idx="1">
-            <a:schemeClr val="lt1"/>
-          </a:fillRef>
-          <a:effectRef idx="0">
+          <a:ln/>
+        </p:spPr>
+        <p:style>
+          <a:lnRef idx="1">
+            <a:schemeClr val="dk1"/>
+          </a:lnRef>
+          <a:fillRef idx="2">
+            <a:schemeClr val="dk1"/>
+          </a:fillRef>
+          <a:effectRef idx="1">
             <a:schemeClr val="dk1"/>
           </a:effectRef>
           <a:fontRef idx="minor">
@@ -5961,18 +5902,13 @@
           <a:p>
             <a:pPr algn="ctr"/>
             <a:r>
-              <a:rPr lang="en-US" sz="1400" b="1" dirty="0" smtClean="0">
+              <a:rPr lang="en-US" b="1" dirty="0">
                 <a:solidFill>
                   <a:sysClr val="windowText" lastClr="000000"/>
                 </a:solidFill>
               </a:rPr>
-              <a:t>H2</a:t>
-            </a:r>
-            <a:endParaRPr lang="en-US" sz="1400" b="1" dirty="0">
-              <a:solidFill>
-                <a:sysClr val="windowText" lastClr="000000"/>
-              </a:solidFill>
-            </a:endParaRPr>
+              <a:t>H5</a:t>
+            </a:r>
           </a:p>
         </p:txBody>
       </p:sp>
@@ -5987,7 +5923,7 @@
         </p:nvCxnSpPr>
         <p:spPr>
           <a:xfrm flipV="1">
-            <a:off x="8706201" y="2090241"/>
+            <a:off x="8568723" y="1562111"/>
             <a:ext cx="0" cy="241101"/>
           </a:xfrm>
           <a:prstGeom prst="line">
@@ -6017,12 +5953,15 @@
         </p:nvSpPr>
         <p:spPr>
           <a:xfrm>
-            <a:off x="8155422" y="1679406"/>
+            <a:off x="8017947" y="1151276"/>
             <a:ext cx="209939" cy="274793"/>
           </a:xfrm>
           <a:prstGeom prst="rect">
             <a:avLst/>
           </a:prstGeom>
+          <a:solidFill>
+            <a:schemeClr val="accent3"/>
+          </a:solidFill>
         </p:spPr>
         <p:style>
           <a:lnRef idx="2">
@@ -6044,14 +5983,605 @@
           <a:p>
             <a:pPr algn="ctr"/>
             <a:r>
-              <a:rPr lang="en-US" b="1" dirty="0" smtClean="0">
+              <a:rPr lang="en-US" sz="2400" b="1" dirty="0">
                 <a:solidFill>
                   <a:sysClr val="windowText" lastClr="000000"/>
                 </a:solidFill>
               </a:rPr>
               <a:t>2</a:t>
             </a:r>
-            <a:endParaRPr lang="en-US" b="1" dirty="0">
+          </a:p>
+        </p:txBody>
+      </p:sp>
+      <p:sp>
+        <p:nvSpPr>
+          <p:cNvPr id="67" name="Rectangle 66"/>
+          <p:cNvSpPr/>
+          <p:nvPr/>
+        </p:nvSpPr>
+        <p:spPr>
+          <a:xfrm>
+            <a:off x="8909566" y="1153377"/>
+            <a:ext cx="209939" cy="274793"/>
+          </a:xfrm>
+          <a:prstGeom prst="rect">
+            <a:avLst/>
+          </a:prstGeom>
+          <a:solidFill>
+            <a:schemeClr val="accent3"/>
+          </a:solidFill>
+        </p:spPr>
+        <p:style>
+          <a:lnRef idx="2">
+            <a:schemeClr val="dk1"/>
+          </a:lnRef>
+          <a:fillRef idx="1">
+            <a:schemeClr val="lt1"/>
+          </a:fillRef>
+          <a:effectRef idx="0">
+            <a:schemeClr val="dk1"/>
+          </a:effectRef>
+          <a:fontRef idx="minor">
+            <a:schemeClr val="dk1"/>
+          </a:fontRef>
+        </p:style>
+        <p:txBody>
+          <a:bodyPr rtlCol="0" anchor="ctr"/>
+          <a:lstStyle/>
+          <a:p>
+            <a:pPr algn="ctr"/>
+            <a:r>
+              <a:rPr lang="en-US" sz="2400" b="1" dirty="0">
+                <a:solidFill>
+                  <a:sysClr val="windowText" lastClr="000000"/>
+                </a:solidFill>
+              </a:rPr>
+              <a:t>3</a:t>
+            </a:r>
+          </a:p>
+        </p:txBody>
+      </p:sp>
+      <p:sp>
+        <p:nvSpPr>
+          <p:cNvPr id="68" name="Rectangle 67"/>
+          <p:cNvSpPr/>
+          <p:nvPr/>
+        </p:nvSpPr>
+        <p:spPr>
+          <a:xfrm>
+            <a:off x="8471364" y="1287318"/>
+            <a:ext cx="209939" cy="274793"/>
+          </a:xfrm>
+          <a:prstGeom prst="rect">
+            <a:avLst/>
+          </a:prstGeom>
+          <a:solidFill>
+            <a:schemeClr val="accent3"/>
+          </a:solidFill>
+        </p:spPr>
+        <p:style>
+          <a:lnRef idx="2">
+            <a:schemeClr val="dk1"/>
+          </a:lnRef>
+          <a:fillRef idx="1">
+            <a:schemeClr val="lt1"/>
+          </a:fillRef>
+          <a:effectRef idx="0">
+            <a:schemeClr val="dk1"/>
+          </a:effectRef>
+          <a:fontRef idx="minor">
+            <a:schemeClr val="dk1"/>
+          </a:fontRef>
+        </p:style>
+        <p:txBody>
+          <a:bodyPr rtlCol="0" anchor="ctr"/>
+          <a:lstStyle/>
+          <a:p>
+            <a:pPr algn="ctr"/>
+            <a:r>
+              <a:rPr lang="en-US" sz="2400" b="1" dirty="0">
+                <a:solidFill>
+                  <a:sysClr val="windowText" lastClr="000000"/>
+                </a:solidFill>
+              </a:rPr>
+              <a:t>1</a:t>
+            </a:r>
+          </a:p>
+        </p:txBody>
+      </p:sp>
+      <p:sp>
+        <p:nvSpPr>
+          <p:cNvPr id="168" name="TextBox 167"/>
+          <p:cNvSpPr txBox="1"/>
+          <p:nvPr/>
+        </p:nvSpPr>
+        <p:spPr>
+          <a:xfrm>
+            <a:off x="-42834" y="3057503"/>
+            <a:ext cx="2426626" cy="461665"/>
+          </a:xfrm>
+          <a:prstGeom prst="rect">
+            <a:avLst/>
+          </a:prstGeom>
+          <a:noFill/>
+        </p:spPr>
+        <p:txBody>
+          <a:bodyPr wrap="none" rtlCol="0">
+            <a:spAutoFit/>
+          </a:bodyPr>
+          <a:lstStyle/>
+          <a:p>
+            <a:r>
+              <a:rPr lang="en-US" sz="2400" b="1" dirty="0">
+                <a:solidFill>
+                  <a:sysClr val="windowText" lastClr="000000"/>
+                </a:solidFill>
+              </a:rPr>
+              <a:t>Physical Topology</a:t>
+            </a:r>
+          </a:p>
+        </p:txBody>
+      </p:sp>
+      <p:sp>
+        <p:nvSpPr>
+          <p:cNvPr id="169" name="TextBox 168"/>
+          <p:cNvSpPr txBox="1"/>
+          <p:nvPr/>
+        </p:nvSpPr>
+        <p:spPr>
+          <a:xfrm>
+            <a:off x="-63930" y="2050018"/>
+            <a:ext cx="2274020" cy="461665"/>
+          </a:xfrm>
+          <a:prstGeom prst="rect">
+            <a:avLst/>
+          </a:prstGeom>
+          <a:noFill/>
+        </p:spPr>
+        <p:txBody>
+          <a:bodyPr wrap="none" rtlCol="0">
+            <a:spAutoFit/>
+          </a:bodyPr>
+          <a:lstStyle/>
+          <a:p>
+            <a:r>
+              <a:rPr lang="en-US" sz="2400" b="1" dirty="0">
+                <a:solidFill>
+                  <a:sysClr val="windowText" lastClr="000000"/>
+                </a:solidFill>
+              </a:rPr>
+              <a:t>Virtual Topology</a:t>
+            </a:r>
+          </a:p>
+        </p:txBody>
+      </p:sp>
+      <p:sp>
+        <p:nvSpPr>
+          <p:cNvPr id="170" name="TextBox 169"/>
+          <p:cNvSpPr txBox="1"/>
+          <p:nvPr/>
+        </p:nvSpPr>
+        <p:spPr>
+          <a:xfrm>
+            <a:off x="8338175" y="2327231"/>
+            <a:ext cx="1322798" cy="461665"/>
+          </a:xfrm>
+          <a:prstGeom prst="rect">
+            <a:avLst/>
+          </a:prstGeom>
+          <a:noFill/>
+        </p:spPr>
+        <p:txBody>
+          <a:bodyPr wrap="none" rtlCol="0">
+            <a:spAutoFit/>
+          </a:bodyPr>
+          <a:lstStyle/>
+          <a:p>
+            <a:r>
+              <a:rPr lang="en-US" sz="2400" b="1" dirty="0">
+                <a:solidFill>
+                  <a:sysClr val="windowText" lastClr="000000"/>
+                </a:solidFill>
+              </a:rPr>
+              <a:t>Mapping</a:t>
+            </a:r>
+          </a:p>
+        </p:txBody>
+      </p:sp>
+      <p:sp>
+        <p:nvSpPr>
+          <p:cNvPr id="171" name="Rectangle 170"/>
+          <p:cNvSpPr/>
+          <p:nvPr/>
+        </p:nvSpPr>
+        <p:spPr>
+          <a:xfrm>
+            <a:off x="6624718" y="-79686"/>
+            <a:ext cx="806319" cy="461665"/>
+          </a:xfrm>
+          <a:prstGeom prst="rect">
+            <a:avLst/>
+          </a:prstGeom>
+          <a:noFill/>
+          <a:ln>
+            <a:noFill/>
+          </a:ln>
+        </p:spPr>
+        <p:style>
+          <a:lnRef idx="2">
+            <a:schemeClr val="dk1"/>
+          </a:lnRef>
+          <a:fillRef idx="1">
+            <a:schemeClr val="lt1"/>
+          </a:fillRef>
+          <a:effectRef idx="0">
+            <a:schemeClr val="dk1"/>
+          </a:effectRef>
+          <a:fontRef idx="minor">
+            <a:schemeClr val="dk1"/>
+          </a:fontRef>
+        </p:style>
+        <p:txBody>
+          <a:bodyPr wrap="square">
+            <a:spAutoFit/>
+          </a:bodyPr>
+          <a:lstStyle/>
+          <a:p>
+            <a:r>
+              <a:rPr lang="en-US" sz="2400" b="1" dirty="0">
+                <a:solidFill>
+                  <a:sysClr val="windowText" lastClr="000000"/>
+                </a:solidFill>
+              </a:rPr>
+              <a:t>vS1</a:t>
+            </a:r>
+          </a:p>
+        </p:txBody>
+      </p:sp>
+      <p:sp>
+        <p:nvSpPr>
+          <p:cNvPr id="172" name="Rectangle 171"/>
+          <p:cNvSpPr/>
+          <p:nvPr/>
+        </p:nvSpPr>
+        <p:spPr>
+          <a:xfrm>
+            <a:off x="8252353" y="948004"/>
+            <a:ext cx="631904" cy="461665"/>
+          </a:xfrm>
+          <a:prstGeom prst="rect">
+            <a:avLst/>
+          </a:prstGeom>
+        </p:spPr>
+        <p:txBody>
+          <a:bodyPr wrap="none">
+            <a:spAutoFit/>
+          </a:bodyPr>
+          <a:lstStyle/>
+          <a:p>
+            <a:r>
+              <a:rPr lang="en-US" sz="2400" b="1" dirty="0">
+                <a:solidFill>
+                  <a:sysClr val="windowText" lastClr="000000"/>
+                </a:solidFill>
+              </a:rPr>
+              <a:t>vS3</a:t>
+            </a:r>
+          </a:p>
+        </p:txBody>
+      </p:sp>
+      <p:sp>
+        <p:nvSpPr>
+          <p:cNvPr id="173" name="Rectangle 172"/>
+          <p:cNvSpPr/>
+          <p:nvPr/>
+        </p:nvSpPr>
+        <p:spPr>
+          <a:xfrm>
+            <a:off x="9874503" y="-82860"/>
+            <a:ext cx="631904" cy="461665"/>
+          </a:xfrm>
+          <a:prstGeom prst="rect">
+            <a:avLst/>
+          </a:prstGeom>
+          <a:noFill/>
+          <a:ln>
+            <a:noFill/>
+          </a:ln>
+        </p:spPr>
+        <p:style>
+          <a:lnRef idx="2">
+            <a:schemeClr val="dk1"/>
+          </a:lnRef>
+          <a:fillRef idx="1">
+            <a:schemeClr val="lt1"/>
+          </a:fillRef>
+          <a:effectRef idx="0">
+            <a:schemeClr val="dk1"/>
+          </a:effectRef>
+          <a:fontRef idx="minor">
+            <a:schemeClr val="dk1"/>
+          </a:fontRef>
+        </p:style>
+        <p:txBody>
+          <a:bodyPr wrap="none">
+            <a:spAutoFit/>
+          </a:bodyPr>
+          <a:lstStyle/>
+          <a:p>
+            <a:r>
+              <a:rPr lang="en-US" sz="2400" b="1" dirty="0">
+                <a:solidFill>
+                  <a:sysClr val="windowText" lastClr="000000"/>
+                </a:solidFill>
+              </a:rPr>
+              <a:t>vS2</a:t>
+            </a:r>
+          </a:p>
+        </p:txBody>
+      </p:sp>
+      <p:sp>
+        <p:nvSpPr>
+          <p:cNvPr id="2" name="TextBox 1"/>
+          <p:cNvSpPr txBox="1"/>
+          <p:nvPr/>
+        </p:nvSpPr>
+        <p:spPr>
+          <a:xfrm>
+            <a:off x="2037486" y="-30079"/>
+            <a:ext cx="615874" cy="461665"/>
+          </a:xfrm>
+          <a:prstGeom prst="rect">
+            <a:avLst/>
+          </a:prstGeom>
+          <a:noFill/>
+        </p:spPr>
+        <p:txBody>
+          <a:bodyPr wrap="none" rtlCol="0">
+            <a:spAutoFit/>
+          </a:bodyPr>
+          <a:lstStyle/>
+          <a:p>
+            <a:r>
+              <a:rPr lang="en-US" sz="2400" b="1" dirty="0">
+                <a:solidFill>
+                  <a:sysClr val="windowText" lastClr="000000"/>
+                </a:solidFill>
+              </a:rPr>
+              <a:t>vL3</a:t>
+            </a:r>
+          </a:p>
+        </p:txBody>
+      </p:sp>
+      <p:sp>
+        <p:nvSpPr>
+          <p:cNvPr id="86" name="TextBox 85"/>
+          <p:cNvSpPr txBox="1"/>
+          <p:nvPr/>
+        </p:nvSpPr>
+        <p:spPr>
+          <a:xfrm>
+            <a:off x="2965301" y="941033"/>
+            <a:ext cx="615874" cy="461665"/>
+          </a:xfrm>
+          <a:prstGeom prst="rect">
+            <a:avLst/>
+          </a:prstGeom>
+          <a:noFill/>
+        </p:spPr>
+        <p:txBody>
+          <a:bodyPr wrap="none" rtlCol="0">
+            <a:spAutoFit/>
+          </a:bodyPr>
+          <a:lstStyle/>
+          <a:p>
+            <a:r>
+              <a:rPr lang="en-US" sz="2400" b="1" dirty="0">
+                <a:solidFill>
+                  <a:sysClr val="windowText" lastClr="000000"/>
+                </a:solidFill>
+              </a:rPr>
+              <a:t>vL2</a:t>
+            </a:r>
+          </a:p>
+        </p:txBody>
+      </p:sp>
+      <p:sp>
+        <p:nvSpPr>
+          <p:cNvPr id="87" name="TextBox 86"/>
+          <p:cNvSpPr txBox="1"/>
+          <p:nvPr/>
+        </p:nvSpPr>
+        <p:spPr>
+          <a:xfrm>
+            <a:off x="1253452" y="936184"/>
+            <a:ext cx="615874" cy="461665"/>
+          </a:xfrm>
+          <a:prstGeom prst="rect">
+            <a:avLst/>
+          </a:prstGeom>
+          <a:noFill/>
+        </p:spPr>
+        <p:txBody>
+          <a:bodyPr wrap="none" rtlCol="0">
+            <a:spAutoFit/>
+          </a:bodyPr>
+          <a:lstStyle/>
+          <a:p>
+            <a:r>
+              <a:rPr lang="en-US" sz="2400" b="1" dirty="0">
+                <a:solidFill>
+                  <a:sysClr val="windowText" lastClr="000000"/>
+                </a:solidFill>
+              </a:rPr>
+              <a:t>vL1</a:t>
+            </a:r>
+          </a:p>
+        </p:txBody>
+      </p:sp>
+      <p:cxnSp>
+        <p:nvCxnSpPr>
+          <p:cNvPr id="161" name="Straight Arrow Connector 160"/>
+          <p:cNvCxnSpPr>
+            <a:cxnSpLocks/>
+            <a:endCxn id="69" idx="1"/>
+          </p:cNvCxnSpPr>
+          <p:nvPr/>
+        </p:nvCxnSpPr>
+        <p:spPr>
+          <a:xfrm flipV="1">
+            <a:off x="5099574" y="277961"/>
+            <a:ext cx="4554601" cy="3257478"/>
+          </a:xfrm>
+          <a:prstGeom prst="straightConnector1">
+            <a:avLst/>
+          </a:prstGeom>
+          <a:ln w="19050">
+            <a:solidFill>
+              <a:srgbClr val="FF0000"/>
+            </a:solidFill>
+            <a:prstDash val="dashDot"/>
+            <a:tailEnd type="triangle"/>
+          </a:ln>
+        </p:spPr>
+        <p:style>
+          <a:lnRef idx="1">
+            <a:schemeClr val="dk1"/>
+          </a:lnRef>
+          <a:fillRef idx="0">
+            <a:schemeClr val="dk1"/>
+          </a:fillRef>
+          <a:effectRef idx="0">
+            <a:schemeClr val="dk1"/>
+          </a:effectRef>
+          <a:fontRef idx="minor">
+            <a:schemeClr val="tx1"/>
+          </a:fontRef>
+        </p:style>
+      </p:cxnSp>
+      <p:sp>
+        <p:nvSpPr>
+          <p:cNvPr id="83" name="TextBox 102">
+            <a:extLst>
+              <a:ext uri="{FF2B5EF4-FFF2-40B4-BE49-F238E27FC236}">
+                <a16:creationId xmlns:a16="http://schemas.microsoft.com/office/drawing/2014/main" id="{4C409135-71E5-4662-958E-3EE1DA656D2A}"/>
+              </a:ext>
+            </a:extLst>
+          </p:cNvPr>
+          <p:cNvSpPr txBox="1"/>
+          <p:nvPr/>
+        </p:nvSpPr>
+        <p:spPr>
+          <a:xfrm>
+            <a:off x="6303616" y="972532"/>
+            <a:ext cx="1479892" cy="369332"/>
+          </a:xfrm>
+          <a:prstGeom prst="rect">
+            <a:avLst/>
+          </a:prstGeom>
+          <a:noFill/>
+        </p:spPr>
+        <p:txBody>
+          <a:bodyPr wrap="none" rtlCol="0">
+            <a:spAutoFit/>
+          </a:bodyPr>
+          <a:lstStyle/>
+          <a:p>
+            <a:r>
+              <a:rPr lang="en-US" b="1" dirty="0">
+                <a:solidFill>
+                  <a:sysClr val="windowText" lastClr="000000"/>
+                </a:solidFill>
+              </a:rPr>
+              <a:t>  vL1 -&gt;CLink1</a:t>
+            </a:r>
+          </a:p>
+        </p:txBody>
+      </p:sp>
+      <p:sp>
+        <p:nvSpPr>
+          <p:cNvPr id="84" name="TextBox 104">
+            <a:extLst>
+              <a:ext uri="{FF2B5EF4-FFF2-40B4-BE49-F238E27FC236}">
+                <a16:creationId xmlns:a16="http://schemas.microsoft.com/office/drawing/2014/main" id="{F3BE2B4A-4BF2-4655-85AB-821C78E94B34}"/>
+              </a:ext>
+            </a:extLst>
+          </p:cNvPr>
+          <p:cNvSpPr txBox="1"/>
+          <p:nvPr/>
+        </p:nvSpPr>
+        <p:spPr>
+          <a:xfrm>
+            <a:off x="9539381" y="878233"/>
+            <a:ext cx="1532792" cy="369332"/>
+          </a:xfrm>
+          <a:prstGeom prst="rect">
+            <a:avLst/>
+          </a:prstGeom>
+          <a:noFill/>
+        </p:spPr>
+        <p:txBody>
+          <a:bodyPr wrap="none" rtlCol="0">
+            <a:spAutoFit/>
+          </a:bodyPr>
+          <a:lstStyle/>
+          <a:p>
+            <a:r>
+              <a:rPr lang="en-US" b="1" dirty="0">
+                <a:solidFill>
+                  <a:sysClr val="windowText" lastClr="000000"/>
+                </a:solidFill>
+              </a:rPr>
+              <a:t>  vL2 - &gt;CLink1</a:t>
+            </a:r>
+          </a:p>
+        </p:txBody>
+      </p:sp>
+      <p:sp>
+        <p:nvSpPr>
+          <p:cNvPr id="85" name="TextBox 83">
+            <a:extLst>
+              <a:ext uri="{FF2B5EF4-FFF2-40B4-BE49-F238E27FC236}">
+                <a16:creationId xmlns:a16="http://schemas.microsoft.com/office/drawing/2014/main" id="{1FFB0A5B-215C-4468-A997-9ED06F40883A}"/>
+              </a:ext>
+            </a:extLst>
+          </p:cNvPr>
+          <p:cNvSpPr txBox="1"/>
+          <p:nvPr/>
+        </p:nvSpPr>
+        <p:spPr>
+          <a:xfrm>
+            <a:off x="5520834" y="3665302"/>
+            <a:ext cx="700833" cy="400110"/>
+          </a:xfrm>
+          <a:prstGeom prst="rect">
+            <a:avLst/>
+          </a:prstGeom>
+          <a:noFill/>
+        </p:spPr>
+        <p:txBody>
+          <a:bodyPr wrap="none" rtlCol="0">
+            <a:spAutoFit/>
+          </a:bodyPr>
+          <a:lstStyle/>
+          <a:p>
+            <a:r>
+              <a:rPr lang="en-US" sz="1600" b="1" dirty="0">
+                <a:solidFill>
+                  <a:sysClr val="windowText" lastClr="000000"/>
+                </a:solidFill>
+              </a:rPr>
+              <a:t>  </a:t>
+            </a:r>
+            <a:r>
+              <a:rPr lang="en-US" sz="2000" b="1" dirty="0">
+                <a:solidFill>
+                  <a:sysClr val="windowText" lastClr="000000"/>
+                </a:solidFill>
+              </a:rPr>
+              <a:t>10G</a:t>
+            </a:r>
+            <a:endParaRPr lang="en-US" sz="1600" b="1" dirty="0">
               <a:solidFill>
                 <a:sysClr val="windowText" lastClr="000000"/>
               </a:solidFill>
@@ -6061,126 +6591,197 @@
       </p:sp>
       <p:sp>
         <p:nvSpPr>
-          <p:cNvPr id="67" name="Rectangle 66"/>
-          <p:cNvSpPr/>
-          <p:nvPr/>
-        </p:nvSpPr>
-        <p:spPr>
-          <a:xfrm>
-            <a:off x="9047041" y="1681507"/>
-            <a:ext cx="209939" cy="274793"/>
+          <p:cNvPr id="88" name="TextBox 84">
+            <a:extLst>
+              <a:ext uri="{FF2B5EF4-FFF2-40B4-BE49-F238E27FC236}">
+                <a16:creationId xmlns:a16="http://schemas.microsoft.com/office/drawing/2014/main" id="{BA4E59CE-AAE8-4E70-B0EB-765824327D7F}"/>
+              </a:ext>
+            </a:extLst>
+          </p:cNvPr>
+          <p:cNvSpPr txBox="1"/>
+          <p:nvPr/>
+        </p:nvSpPr>
+        <p:spPr>
+          <a:xfrm>
+            <a:off x="2639589" y="612999"/>
+            <a:ext cx="554960" cy="369332"/>
           </a:xfrm>
           <a:prstGeom prst="rect">
             <a:avLst/>
           </a:prstGeom>
-        </p:spPr>
-        <p:style>
-          <a:lnRef idx="2">
-            <a:schemeClr val="dk1"/>
-          </a:lnRef>
-          <a:fillRef idx="1">
-            <a:schemeClr val="lt1"/>
-          </a:fillRef>
-          <a:effectRef idx="0">
-            <a:schemeClr val="dk1"/>
-          </a:effectRef>
-          <a:fontRef idx="minor">
-            <a:schemeClr val="dk1"/>
-          </a:fontRef>
-        </p:style>
-        <p:txBody>
-          <a:bodyPr rtlCol="0" anchor="ctr"/>
-          <a:lstStyle/>
-          <a:p>
-            <a:pPr algn="ctr"/>
-            <a:r>
-              <a:rPr lang="en-US" b="1" dirty="0" smtClean="0">
+          <a:noFill/>
+        </p:spPr>
+        <p:txBody>
+          <a:bodyPr wrap="none" rtlCol="0">
+            <a:spAutoFit/>
+          </a:bodyPr>
+          <a:lstStyle/>
+          <a:p>
+            <a:r>
+              <a:rPr lang="en-US" b="1" dirty="0">
                 <a:solidFill>
                   <a:sysClr val="windowText" lastClr="000000"/>
                 </a:solidFill>
               </a:rPr>
-              <a:t>3</a:t>
-            </a:r>
-            <a:endParaRPr lang="en-US" b="1" dirty="0">
-              <a:solidFill>
-                <a:sysClr val="windowText" lastClr="000000"/>
-              </a:solidFill>
-            </a:endParaRPr>
-          </a:p>
-        </p:txBody>
-      </p:sp>
-      <p:sp>
-        <p:nvSpPr>
-          <p:cNvPr id="68" name="Rectangle 67"/>
-          <p:cNvSpPr/>
-          <p:nvPr/>
-        </p:nvSpPr>
-        <p:spPr>
-          <a:xfrm>
-            <a:off x="8608839" y="1815448"/>
-            <a:ext cx="209939" cy="274793"/>
+              <a:t>  1G</a:t>
+            </a:r>
+          </a:p>
+        </p:txBody>
+      </p:sp>
+      <p:sp>
+        <p:nvSpPr>
+          <p:cNvPr id="89" name="TextBox 87">
+            <a:extLst>
+              <a:ext uri="{FF2B5EF4-FFF2-40B4-BE49-F238E27FC236}">
+                <a16:creationId xmlns:a16="http://schemas.microsoft.com/office/drawing/2014/main" id="{2E059345-21D9-4843-8AD7-0CF5836CA03A}"/>
+              </a:ext>
+            </a:extLst>
+          </p:cNvPr>
+          <p:cNvSpPr txBox="1"/>
+          <p:nvPr/>
+        </p:nvSpPr>
+        <p:spPr>
+          <a:xfrm>
+            <a:off x="1381281" y="605096"/>
+            <a:ext cx="554960" cy="369332"/>
           </a:xfrm>
           <a:prstGeom prst="rect">
             <a:avLst/>
           </a:prstGeom>
-        </p:spPr>
-        <p:style>
-          <a:lnRef idx="2">
-            <a:schemeClr val="dk1"/>
-          </a:lnRef>
-          <a:fillRef idx="1">
-            <a:schemeClr val="lt1"/>
-          </a:fillRef>
-          <a:effectRef idx="0">
-            <a:schemeClr val="dk1"/>
-          </a:effectRef>
-          <a:fontRef idx="minor">
-            <a:schemeClr val="dk1"/>
-          </a:fontRef>
-        </p:style>
-        <p:txBody>
-          <a:bodyPr rtlCol="0" anchor="ctr"/>
-          <a:lstStyle/>
-          <a:p>
-            <a:pPr algn="ctr"/>
-            <a:r>
-              <a:rPr lang="en-US" b="1" dirty="0" smtClean="0">
+          <a:noFill/>
+        </p:spPr>
+        <p:txBody>
+          <a:bodyPr wrap="none" rtlCol="0">
+            <a:spAutoFit/>
+          </a:bodyPr>
+          <a:lstStyle/>
+          <a:p>
+            <a:r>
+              <a:rPr lang="en-US" b="1" dirty="0">
                 <a:solidFill>
                   <a:sysClr val="windowText" lastClr="000000"/>
                 </a:solidFill>
               </a:rPr>
-              <a:t>1</a:t>
-            </a:r>
-            <a:endParaRPr lang="en-US" b="1" dirty="0">
-              <a:solidFill>
-                <a:sysClr val="windowText" lastClr="000000"/>
-              </a:solidFill>
-            </a:endParaRPr>
+              <a:t>  1G</a:t>
+            </a:r>
+          </a:p>
+        </p:txBody>
+      </p:sp>
+      <p:sp>
+        <p:nvSpPr>
+          <p:cNvPr id="96" name="TextBox 84">
+            <a:extLst>
+              <a:ext uri="{FF2B5EF4-FFF2-40B4-BE49-F238E27FC236}">
+                <a16:creationId xmlns:a16="http://schemas.microsoft.com/office/drawing/2014/main" id="{FE3A19DF-ADB0-41EE-B828-5BB5656A03DC}"/>
+              </a:ext>
+            </a:extLst>
+          </p:cNvPr>
+          <p:cNvSpPr txBox="1"/>
+          <p:nvPr/>
+        </p:nvSpPr>
+        <p:spPr>
+          <a:xfrm>
+            <a:off x="2071121" y="313506"/>
+            <a:ext cx="554960" cy="369332"/>
+          </a:xfrm>
+          <a:prstGeom prst="rect">
+            <a:avLst/>
+          </a:prstGeom>
+          <a:noFill/>
+        </p:spPr>
+        <p:txBody>
+          <a:bodyPr wrap="none" rtlCol="0">
+            <a:spAutoFit/>
+          </a:bodyPr>
+          <a:lstStyle/>
+          <a:p>
+            <a:r>
+              <a:rPr lang="en-US" b="1" dirty="0">
+                <a:solidFill>
+                  <a:sysClr val="windowText" lastClr="000000"/>
+                </a:solidFill>
+              </a:rPr>
+              <a:t>  1G</a:t>
+            </a:r>
           </a:p>
         </p:txBody>
       </p:sp>
       <p:cxnSp>
         <p:nvCxnSpPr>
-          <p:cNvPr id="167" name="Straight Arrow Connector 166"/>
+          <p:cNvPr id="97" name="Straight Arrow Connector 156">
+            <a:extLst>
+              <a:ext uri="{FF2B5EF4-FFF2-40B4-BE49-F238E27FC236}">
+                <a16:creationId xmlns:a16="http://schemas.microsoft.com/office/drawing/2014/main" id="{7157E6C4-BC81-42D1-9675-20BAC93F5425}"/>
+              </a:ext>
+            </a:extLst>
+          </p:cNvPr>
           <p:cNvCxnSpPr>
-            <a:stCxn id="8" idx="0"/>
+            <a:cxnSpLocks/>
           </p:cNvCxnSpPr>
           <p:nvPr/>
         </p:nvCxnSpPr>
         <p:spPr>
           <a:xfrm flipV="1">
-            <a:off x="5200908" y="1939998"/>
-            <a:ext cx="3846133" cy="2123573"/>
+            <a:off x="5199357" y="501301"/>
+            <a:ext cx="1614615" cy="3150172"/>
           </a:xfrm>
           <a:prstGeom prst="straightConnector1">
             <a:avLst/>
           </a:prstGeom>
-          <a:ln>
+          <a:ln w="19050">
+            <a:solidFill>
+              <a:schemeClr val="accent4"/>
+            </a:solidFill>
             <a:prstDash val="dashDot"/>
             <a:tailEnd type="triangle"/>
           </a:ln>
         </p:spPr>
         <p:style>
+          <a:lnRef idx="2">
+            <a:schemeClr val="dk1"/>
+          </a:lnRef>
+          <a:fillRef idx="0">
+            <a:schemeClr val="dk1"/>
+          </a:fillRef>
+          <a:effectRef idx="1">
+            <a:schemeClr val="dk1"/>
+          </a:effectRef>
+          <a:fontRef idx="minor">
+            <a:schemeClr val="tx1"/>
+          </a:fontRef>
+        </p:style>
+      </p:cxnSp>
+      <p:cxnSp>
+        <p:nvCxnSpPr>
+          <p:cNvPr id="98" name="Straight Arrow Connector 160">
+            <a:extLst>
+              <a:ext uri="{FF2B5EF4-FFF2-40B4-BE49-F238E27FC236}">
+                <a16:creationId xmlns:a16="http://schemas.microsoft.com/office/drawing/2014/main" id="{FC99BAEA-454E-42AE-8FC1-9C8CAF3CEC61}"/>
+              </a:ext>
+            </a:extLst>
+          </p:cNvPr>
+          <p:cNvCxnSpPr>
+            <a:cxnSpLocks/>
+          </p:cNvCxnSpPr>
+          <p:nvPr/>
+        </p:nvCxnSpPr>
+        <p:spPr>
+          <a:xfrm flipV="1">
+            <a:off x="6670428" y="1260543"/>
+            <a:ext cx="1339899" cy="2390930"/>
+          </a:xfrm>
+          <a:prstGeom prst="straightConnector1">
+            <a:avLst/>
+          </a:prstGeom>
+          <a:ln w="19050">
+            <a:solidFill>
+              <a:schemeClr val="accent4"/>
+            </a:solidFill>
+            <a:prstDash val="dashDot"/>
+            <a:tailEnd type="triangle"/>
+          </a:ln>
+        </p:spPr>
+        <p:style>
           <a:lnRef idx="1">
             <a:schemeClr val="dk1"/>
           </a:lnRef>
@@ -6195,381 +6796,96 @@
           </a:fontRef>
         </p:style>
       </p:cxnSp>
-      <p:sp>
-        <p:nvSpPr>
-          <p:cNvPr id="168" name="TextBox 167"/>
-          <p:cNvSpPr txBox="1"/>
-          <p:nvPr/>
-        </p:nvSpPr>
-        <p:spPr>
-          <a:xfrm>
-            <a:off x="94644" y="3585636"/>
-            <a:ext cx="1861728" cy="369332"/>
-          </a:xfrm>
-          <a:prstGeom prst="rect">
-            <a:avLst/>
-          </a:prstGeom>
-          <a:noFill/>
-        </p:spPr>
-        <p:txBody>
-          <a:bodyPr wrap="none" rtlCol="0">
-            <a:spAutoFit/>
-          </a:bodyPr>
-          <a:lstStyle/>
-          <a:p>
-            <a:r>
-              <a:rPr lang="en-US" b="1" dirty="0" smtClean="0">
-                <a:solidFill>
-                  <a:sysClr val="windowText" lastClr="000000"/>
-                </a:solidFill>
-              </a:rPr>
-              <a:t>Physical Topology</a:t>
-            </a:r>
-            <a:endParaRPr lang="en-US" b="1" dirty="0">
-              <a:solidFill>
-                <a:sysClr val="windowText" lastClr="000000"/>
-              </a:solidFill>
-            </a:endParaRPr>
-          </a:p>
-        </p:txBody>
-      </p:sp>
-      <p:sp>
-        <p:nvSpPr>
-          <p:cNvPr id="169" name="TextBox 168"/>
-          <p:cNvSpPr txBox="1"/>
-          <p:nvPr/>
-        </p:nvSpPr>
-        <p:spPr>
-          <a:xfrm>
-            <a:off x="88788" y="2578151"/>
-            <a:ext cx="1746888" cy="369332"/>
-          </a:xfrm>
-          <a:prstGeom prst="rect">
-            <a:avLst/>
-          </a:prstGeom>
-          <a:noFill/>
-        </p:spPr>
-        <p:txBody>
-          <a:bodyPr wrap="none" rtlCol="0">
-            <a:spAutoFit/>
-          </a:bodyPr>
-          <a:lstStyle/>
-          <a:p>
-            <a:r>
-              <a:rPr lang="en-US" b="1" dirty="0" smtClean="0">
-                <a:solidFill>
-                  <a:sysClr val="windowText" lastClr="000000"/>
-                </a:solidFill>
-              </a:rPr>
-              <a:t>Virtual Topology</a:t>
-            </a:r>
-            <a:endParaRPr lang="en-US" b="1" dirty="0">
-              <a:solidFill>
-                <a:sysClr val="windowText" lastClr="000000"/>
-              </a:solidFill>
-            </a:endParaRPr>
-          </a:p>
-        </p:txBody>
-      </p:sp>
-      <p:sp>
-        <p:nvSpPr>
-          <p:cNvPr id="170" name="TextBox 169"/>
-          <p:cNvSpPr txBox="1"/>
-          <p:nvPr/>
-        </p:nvSpPr>
-        <p:spPr>
-          <a:xfrm>
-            <a:off x="8148179" y="2930603"/>
-            <a:ext cx="1035861" cy="369332"/>
-          </a:xfrm>
-          <a:prstGeom prst="rect">
-            <a:avLst/>
-          </a:prstGeom>
-          <a:noFill/>
-        </p:spPr>
-        <p:txBody>
-          <a:bodyPr wrap="none" rtlCol="0">
-            <a:spAutoFit/>
-          </a:bodyPr>
-          <a:lstStyle/>
-          <a:p>
-            <a:r>
-              <a:rPr lang="en-US" b="1" dirty="0" smtClean="0">
-                <a:solidFill>
-                  <a:sysClr val="windowText" lastClr="000000"/>
-                </a:solidFill>
-              </a:rPr>
-              <a:t>Mapping</a:t>
-            </a:r>
-            <a:endParaRPr lang="en-US" b="1" dirty="0">
-              <a:solidFill>
-                <a:sysClr val="windowText" lastClr="000000"/>
-              </a:solidFill>
-            </a:endParaRPr>
-          </a:p>
-        </p:txBody>
-      </p:sp>
-      <p:sp>
-        <p:nvSpPr>
-          <p:cNvPr id="171" name="Rectangle 170"/>
-          <p:cNvSpPr/>
-          <p:nvPr/>
-        </p:nvSpPr>
-        <p:spPr>
-          <a:xfrm>
-            <a:off x="6829624" y="508902"/>
-            <a:ext cx="573096" cy="369332"/>
-          </a:xfrm>
-          <a:prstGeom prst="rect">
-            <a:avLst/>
-          </a:prstGeom>
-          <a:noFill/>
-          <a:ln>
-            <a:noFill/>
+      <p:cxnSp>
+        <p:nvCxnSpPr>
+          <p:cNvPr id="99" name="Straight Arrow Connector 164">
+            <a:extLst>
+              <a:ext uri="{FF2B5EF4-FFF2-40B4-BE49-F238E27FC236}">
+                <a16:creationId xmlns:a16="http://schemas.microsoft.com/office/drawing/2014/main" id="{31DCCA5A-3EED-4053-B6AF-0CE5D6D3E2F6}"/>
+              </a:ext>
+            </a:extLst>
+          </p:cNvPr>
+          <p:cNvCxnSpPr>
+            <a:cxnSpLocks/>
+          </p:cNvCxnSpPr>
+          <p:nvPr/>
+        </p:nvCxnSpPr>
+        <p:spPr>
+          <a:xfrm flipV="1">
+            <a:off x="5199357" y="524629"/>
+            <a:ext cx="4997709" cy="3126844"/>
+          </a:xfrm>
+          <a:prstGeom prst="straightConnector1">
+            <a:avLst/>
+          </a:prstGeom>
+          <a:ln w="19050">
+            <a:solidFill>
+              <a:srgbClr val="00B050"/>
+            </a:solidFill>
+            <a:prstDash val="dashDot"/>
+            <a:tailEnd type="triangle"/>
           </a:ln>
         </p:spPr>
         <p:style>
-          <a:lnRef idx="2">
-            <a:schemeClr val="dk1"/>
-          </a:lnRef>
-          <a:fillRef idx="1">
-            <a:schemeClr val="lt1"/>
+          <a:lnRef idx="1">
+            <a:schemeClr val="dk1"/>
+          </a:lnRef>
+          <a:fillRef idx="0">
+            <a:schemeClr val="dk1"/>
           </a:fillRef>
           <a:effectRef idx="0">
             <a:schemeClr val="dk1"/>
           </a:effectRef>
           <a:fontRef idx="minor">
-            <a:schemeClr val="dk1"/>
-          </a:fontRef>
-        </p:style>
-        <p:txBody>
-          <a:bodyPr wrap="square">
-            <a:spAutoFit/>
-          </a:bodyPr>
-          <a:lstStyle/>
-          <a:p>
-            <a:r>
-              <a:rPr lang="en-US" b="1" dirty="0" smtClean="0">
-                <a:solidFill>
-                  <a:sysClr val="windowText" lastClr="000000"/>
-                </a:solidFill>
-              </a:rPr>
-              <a:t>vS1</a:t>
-            </a:r>
-            <a:endParaRPr lang="en-US" b="1" dirty="0">
-              <a:solidFill>
-                <a:sysClr val="windowText" lastClr="000000"/>
-              </a:solidFill>
-            </a:endParaRPr>
-          </a:p>
-        </p:txBody>
-      </p:sp>
-      <p:sp>
-        <p:nvSpPr>
-          <p:cNvPr id="172" name="Rectangle 171"/>
-          <p:cNvSpPr/>
-          <p:nvPr/>
-        </p:nvSpPr>
-        <p:spPr>
-          <a:xfrm>
-            <a:off x="8481271" y="1529477"/>
-            <a:ext cx="519694" cy="369332"/>
-          </a:xfrm>
-          <a:prstGeom prst="rect">
-            <a:avLst/>
-          </a:prstGeom>
-        </p:spPr>
-        <p:txBody>
-          <a:bodyPr wrap="none">
-            <a:spAutoFit/>
-          </a:bodyPr>
-          <a:lstStyle/>
-          <a:p>
-            <a:r>
-              <a:rPr lang="en-US" b="1" dirty="0" smtClean="0">
-                <a:solidFill>
-                  <a:sysClr val="windowText" lastClr="000000"/>
-                </a:solidFill>
-              </a:rPr>
-              <a:t>vS2</a:t>
-            </a:r>
-            <a:endParaRPr lang="en-US" b="1" dirty="0">
-              <a:solidFill>
-                <a:sysClr val="windowText" lastClr="000000"/>
-              </a:solidFill>
-            </a:endParaRPr>
-          </a:p>
-        </p:txBody>
-      </p:sp>
-      <p:sp>
-        <p:nvSpPr>
-          <p:cNvPr id="173" name="Rectangle 172"/>
-          <p:cNvSpPr/>
-          <p:nvPr/>
-        </p:nvSpPr>
-        <p:spPr>
-          <a:xfrm>
-            <a:off x="10087794" y="512237"/>
-            <a:ext cx="519694" cy="369332"/>
-          </a:xfrm>
-          <a:prstGeom prst="rect">
-            <a:avLst/>
-          </a:prstGeom>
-          <a:noFill/>
-          <a:ln>
-            <a:noFill/>
+            <a:schemeClr val="tx1"/>
+          </a:fontRef>
+        </p:style>
+      </p:cxnSp>
+      <p:cxnSp>
+        <p:nvCxnSpPr>
+          <p:cNvPr id="100" name="Straight Arrow Connector 166">
+            <a:extLst>
+              <a:ext uri="{FF2B5EF4-FFF2-40B4-BE49-F238E27FC236}">
+                <a16:creationId xmlns:a16="http://schemas.microsoft.com/office/drawing/2014/main" id="{F716ABCA-46F8-4F0E-910F-D3344053C011}"/>
+              </a:ext>
+            </a:extLst>
+          </p:cNvPr>
+          <p:cNvCxnSpPr>
+            <a:cxnSpLocks/>
+          </p:cNvCxnSpPr>
+          <p:nvPr/>
+        </p:nvCxnSpPr>
+        <p:spPr>
+          <a:xfrm flipV="1">
+            <a:off x="6670425" y="1383739"/>
+            <a:ext cx="2231518" cy="2267734"/>
+          </a:xfrm>
+          <a:prstGeom prst="straightConnector1">
+            <a:avLst/>
+          </a:prstGeom>
+          <a:ln w="19050">
+            <a:solidFill>
+              <a:srgbClr val="00B050"/>
+            </a:solidFill>
+            <a:prstDash val="dashDot"/>
+            <a:tailEnd type="triangle"/>
           </a:ln>
         </p:spPr>
         <p:style>
-          <a:lnRef idx="2">
-            <a:schemeClr val="dk1"/>
-          </a:lnRef>
-          <a:fillRef idx="1">
-            <a:schemeClr val="lt1"/>
+          <a:lnRef idx="1">
+            <a:schemeClr val="dk1"/>
+          </a:lnRef>
+          <a:fillRef idx="0">
+            <a:schemeClr val="dk1"/>
           </a:fillRef>
           <a:effectRef idx="0">
             <a:schemeClr val="dk1"/>
           </a:effectRef>
           <a:fontRef idx="minor">
-            <a:schemeClr val="dk1"/>
-          </a:fontRef>
-        </p:style>
-        <p:txBody>
-          <a:bodyPr wrap="none">
-            <a:spAutoFit/>
-          </a:bodyPr>
-          <a:lstStyle/>
-          <a:p>
-            <a:r>
-              <a:rPr lang="en-US" b="1" dirty="0" smtClean="0">
-                <a:solidFill>
-                  <a:sysClr val="windowText" lastClr="000000"/>
-                </a:solidFill>
-              </a:rPr>
-              <a:t>vS3</a:t>
-            </a:r>
-            <a:endParaRPr lang="en-US" b="1" dirty="0">
-              <a:solidFill>
-                <a:sysClr val="windowText" lastClr="000000"/>
-              </a:solidFill>
-            </a:endParaRPr>
-          </a:p>
-        </p:txBody>
-      </p:sp>
-      <p:sp>
-        <p:nvSpPr>
-          <p:cNvPr id="2" name="TextBox 1"/>
-          <p:cNvSpPr txBox="1"/>
-          <p:nvPr/>
-        </p:nvSpPr>
-        <p:spPr>
-          <a:xfrm>
-            <a:off x="2174961" y="528534"/>
-            <a:ext cx="503664" cy="369332"/>
-          </a:xfrm>
-          <a:prstGeom prst="rect">
-            <a:avLst/>
-          </a:prstGeom>
-          <a:noFill/>
-        </p:spPr>
-        <p:txBody>
-          <a:bodyPr wrap="none" rtlCol="0">
-            <a:spAutoFit/>
-          </a:bodyPr>
-          <a:lstStyle/>
-          <a:p>
-            <a:r>
-              <a:rPr lang="en-US" b="1" dirty="0" smtClean="0">
-                <a:solidFill>
-                  <a:sysClr val="windowText" lastClr="000000"/>
-                </a:solidFill>
-              </a:rPr>
-              <a:t>vL1</a:t>
-            </a:r>
-            <a:endParaRPr lang="en-US" b="1" dirty="0">
-              <a:solidFill>
-                <a:sysClr val="windowText" lastClr="000000"/>
-              </a:solidFill>
-            </a:endParaRPr>
-          </a:p>
-        </p:txBody>
-      </p:sp>
-      <p:sp>
-        <p:nvSpPr>
-          <p:cNvPr id="86" name="TextBox 85"/>
-          <p:cNvSpPr txBox="1"/>
-          <p:nvPr/>
-        </p:nvSpPr>
-        <p:spPr>
-          <a:xfrm>
-            <a:off x="3097421" y="1416228"/>
-            <a:ext cx="503664" cy="369332"/>
-          </a:xfrm>
-          <a:prstGeom prst="rect">
-            <a:avLst/>
-          </a:prstGeom>
-          <a:noFill/>
-        </p:spPr>
-        <p:txBody>
-          <a:bodyPr wrap="none" rtlCol="0">
-            <a:spAutoFit/>
-          </a:bodyPr>
-          <a:lstStyle/>
-          <a:p>
-            <a:r>
-              <a:rPr lang="en-US" b="1" dirty="0" smtClean="0">
-                <a:solidFill>
-                  <a:sysClr val="windowText" lastClr="000000"/>
-                </a:solidFill>
-              </a:rPr>
-              <a:t>vL2</a:t>
-            </a:r>
-            <a:endParaRPr lang="en-US" b="1" dirty="0">
-              <a:solidFill>
-                <a:sysClr val="windowText" lastClr="000000"/>
-              </a:solidFill>
-            </a:endParaRPr>
-          </a:p>
-        </p:txBody>
-      </p:sp>
-      <p:sp>
-        <p:nvSpPr>
-          <p:cNvPr id="87" name="TextBox 86"/>
-          <p:cNvSpPr txBox="1"/>
-          <p:nvPr/>
-        </p:nvSpPr>
-        <p:spPr>
-          <a:xfrm>
-            <a:off x="1370355" y="1475746"/>
-            <a:ext cx="503664" cy="369332"/>
-          </a:xfrm>
-          <a:prstGeom prst="rect">
-            <a:avLst/>
-          </a:prstGeom>
-          <a:noFill/>
-        </p:spPr>
-        <p:txBody>
-          <a:bodyPr wrap="none" rtlCol="0">
-            <a:spAutoFit/>
-          </a:bodyPr>
-          <a:lstStyle/>
-          <a:p>
-            <a:r>
-              <a:rPr lang="en-US" b="1" dirty="0" smtClean="0">
-                <a:solidFill>
-                  <a:sysClr val="windowText" lastClr="000000"/>
-                </a:solidFill>
-              </a:rPr>
-              <a:t>vL2</a:t>
-            </a:r>
-            <a:endParaRPr lang="en-US" b="1" dirty="0">
-              <a:solidFill>
-                <a:sysClr val="windowText" lastClr="000000"/>
-              </a:solidFill>
-            </a:endParaRPr>
-          </a:p>
-        </p:txBody>
-      </p:sp>
+            <a:schemeClr val="tx1"/>
+          </a:fontRef>
+        </p:style>
+      </p:cxnSp>
     </p:spTree>
     <p:extLst>
       <p:ext uri="{BB962C8B-B14F-4D97-AF65-F5344CB8AC3E}">
@@ -6583,10 +6899,3387 @@
 </p:sld>
 </file>
 
+<file path=ppt/slides/slide2.xml><?xml version="1.0" encoding="utf-8"?>
+<p:sld xmlns:a="http://schemas.openxmlformats.org/drawingml/2006/main" xmlns:r="http://schemas.openxmlformats.org/officeDocument/2006/relationships" xmlns:p="http://schemas.openxmlformats.org/presentationml/2006/main">
+  <p:cSld>
+    <p:spTree>
+      <p:nvGrpSpPr>
+        <p:cNvPr id="1" name=""/>
+        <p:cNvGrpSpPr/>
+        <p:nvPr/>
+      </p:nvGrpSpPr>
+      <p:grpSpPr>
+        <a:xfrm>
+          <a:off x="0" y="0"/>
+          <a:ext cx="0" cy="0"/>
+          <a:chOff x="0" y="0"/>
+          <a:chExt cx="0" cy="0"/>
+        </a:xfrm>
+      </p:grpSpPr>
+      <p:sp>
+        <p:nvSpPr>
+          <p:cNvPr id="80" name="Rectangle 79">
+            <a:extLst>
+              <a:ext uri="{FF2B5EF4-FFF2-40B4-BE49-F238E27FC236}">
+                <a16:creationId xmlns:a16="http://schemas.microsoft.com/office/drawing/2014/main" id="{23A8EA1E-E60F-4739-AE41-39C1D4D0B1D6}"/>
+              </a:ext>
+            </a:extLst>
+          </p:cNvPr>
+          <p:cNvSpPr/>
+          <p:nvPr/>
+        </p:nvSpPr>
+        <p:spPr>
+          <a:xfrm>
+            <a:off x="4932478" y="3651830"/>
+            <a:ext cx="270996" cy="143563"/>
+          </a:xfrm>
+          <a:prstGeom prst="rect">
+            <a:avLst/>
+          </a:prstGeom>
+          <a:solidFill>
+            <a:schemeClr val="accent2"/>
+          </a:solidFill>
+          <a:ln>
+            <a:solidFill>
+              <a:schemeClr val="accent2"/>
+            </a:solidFill>
+          </a:ln>
+        </p:spPr>
+        <p:style>
+          <a:lnRef idx="2">
+            <a:schemeClr val="accent1">
+              <a:shade val="50000"/>
+            </a:schemeClr>
+          </a:lnRef>
+          <a:fillRef idx="1">
+            <a:schemeClr val="accent1"/>
+          </a:fillRef>
+          <a:effectRef idx="0">
+            <a:schemeClr val="accent1"/>
+          </a:effectRef>
+          <a:fontRef idx="minor">
+            <a:schemeClr val="lt1"/>
+          </a:fontRef>
+        </p:style>
+        <p:txBody>
+          <a:bodyPr rtlCol="0" anchor="ctr"/>
+          <a:lstStyle/>
+          <a:p>
+            <a:pPr algn="ctr"/>
+            <a:endParaRPr lang="en-US" dirty="0"/>
+          </a:p>
+        </p:txBody>
+      </p:sp>
+      <p:sp>
+        <p:nvSpPr>
+          <p:cNvPr id="2" name="Rectangle 1">
+            <a:extLst>
+              <a:ext uri="{FF2B5EF4-FFF2-40B4-BE49-F238E27FC236}">
+                <a16:creationId xmlns:a16="http://schemas.microsoft.com/office/drawing/2014/main" id="{BB9D30A8-EECC-4C87-9B0D-AC295D58179C}"/>
+              </a:ext>
+            </a:extLst>
+          </p:cNvPr>
+          <p:cNvSpPr/>
+          <p:nvPr/>
+        </p:nvSpPr>
+        <p:spPr>
+          <a:xfrm>
+            <a:off x="4928080" y="3507910"/>
+            <a:ext cx="270996" cy="143563"/>
+          </a:xfrm>
+          <a:prstGeom prst="rect">
+            <a:avLst/>
+          </a:prstGeom>
+          <a:ln>
+            <a:solidFill>
+              <a:schemeClr val="accent1"/>
+            </a:solidFill>
+          </a:ln>
+        </p:spPr>
+        <p:style>
+          <a:lnRef idx="2">
+            <a:schemeClr val="accent1">
+              <a:shade val="50000"/>
+            </a:schemeClr>
+          </a:lnRef>
+          <a:fillRef idx="1">
+            <a:schemeClr val="accent1"/>
+          </a:fillRef>
+          <a:effectRef idx="0">
+            <a:schemeClr val="accent1"/>
+          </a:effectRef>
+          <a:fontRef idx="minor">
+            <a:schemeClr val="lt1"/>
+          </a:fontRef>
+        </p:style>
+        <p:txBody>
+          <a:bodyPr rtlCol="0" anchor="ctr"/>
+          <a:lstStyle/>
+          <a:p>
+            <a:pPr algn="ctr"/>
+            <a:endParaRPr lang="en-US"/>
+          </a:p>
+        </p:txBody>
+      </p:sp>
+      <p:sp>
+        <p:nvSpPr>
+          <p:cNvPr id="4" name="Rectangle 3"/>
+          <p:cNvSpPr/>
+          <p:nvPr/>
+        </p:nvSpPr>
+        <p:spPr>
+          <a:xfrm>
+            <a:off x="2695672" y="3284889"/>
+            <a:ext cx="2496065" cy="741406"/>
+          </a:xfrm>
+          <a:prstGeom prst="rect">
+            <a:avLst/>
+          </a:prstGeom>
+          <a:noFill/>
+        </p:spPr>
+        <p:style>
+          <a:lnRef idx="2">
+            <a:schemeClr val="dk1"/>
+          </a:lnRef>
+          <a:fillRef idx="1">
+            <a:schemeClr val="lt1"/>
+          </a:fillRef>
+          <a:effectRef idx="0">
+            <a:schemeClr val="dk1"/>
+          </a:effectRef>
+          <a:fontRef idx="minor">
+            <a:schemeClr val="dk1"/>
+          </a:fontRef>
+        </p:style>
+        <p:txBody>
+          <a:bodyPr rtlCol="0" anchor="ctr"/>
+          <a:lstStyle/>
+          <a:p>
+            <a:pPr algn="ctr"/>
+            <a:endParaRPr lang="en-US" b="1" dirty="0">
+              <a:solidFill>
+                <a:sysClr val="windowText" lastClr="000000"/>
+              </a:solidFill>
+            </a:endParaRPr>
+          </a:p>
+        </p:txBody>
+      </p:sp>
+      <p:sp>
+        <p:nvSpPr>
+          <p:cNvPr id="5" name="Rectangle 4"/>
+          <p:cNvSpPr/>
+          <p:nvPr/>
+        </p:nvSpPr>
+        <p:spPr>
+          <a:xfrm>
+            <a:off x="6670429" y="3284889"/>
+            <a:ext cx="2496065" cy="741406"/>
+          </a:xfrm>
+          <a:prstGeom prst="rect">
+            <a:avLst/>
+          </a:prstGeom>
+        </p:spPr>
+        <p:style>
+          <a:lnRef idx="2">
+            <a:schemeClr val="dk1"/>
+          </a:lnRef>
+          <a:fillRef idx="1">
+            <a:schemeClr val="lt1"/>
+          </a:fillRef>
+          <a:effectRef idx="0">
+            <a:schemeClr val="dk1"/>
+          </a:effectRef>
+          <a:fontRef idx="minor">
+            <a:schemeClr val="dk1"/>
+          </a:fontRef>
+        </p:style>
+        <p:txBody>
+          <a:bodyPr rtlCol="0" anchor="ctr"/>
+          <a:lstStyle/>
+          <a:p>
+            <a:pPr algn="ctr"/>
+            <a:endParaRPr lang="en-US" b="1">
+              <a:solidFill>
+                <a:sysClr val="windowText" lastClr="000000"/>
+              </a:solidFill>
+            </a:endParaRPr>
+          </a:p>
+        </p:txBody>
+      </p:sp>
+      <p:cxnSp>
+        <p:nvCxnSpPr>
+          <p:cNvPr id="7" name="Straight Connector 6"/>
+          <p:cNvCxnSpPr>
+            <a:cxnSpLocks/>
+            <a:stCxn id="8" idx="3"/>
+            <a:endCxn id="5" idx="1"/>
+          </p:cNvCxnSpPr>
+          <p:nvPr/>
+        </p:nvCxnSpPr>
+        <p:spPr>
+          <a:xfrm>
+            <a:off x="5199357" y="3651473"/>
+            <a:ext cx="1471072" cy="4119"/>
+          </a:xfrm>
+          <a:prstGeom prst="line">
+            <a:avLst/>
+          </a:prstGeom>
+          <a:ln w="28575"/>
+        </p:spPr>
+        <p:style>
+          <a:lnRef idx="3">
+            <a:schemeClr val="dk1"/>
+          </a:lnRef>
+          <a:fillRef idx="0">
+            <a:schemeClr val="dk1"/>
+          </a:fillRef>
+          <a:effectRef idx="2">
+            <a:schemeClr val="dk1"/>
+          </a:effectRef>
+          <a:fontRef idx="minor">
+            <a:schemeClr val="tx1"/>
+          </a:fontRef>
+        </p:style>
+      </p:cxnSp>
+      <p:sp>
+        <p:nvSpPr>
+          <p:cNvPr id="8" name="Rectangle 7"/>
+          <p:cNvSpPr/>
+          <p:nvPr/>
+        </p:nvSpPr>
+        <p:spPr>
+          <a:xfrm>
+            <a:off x="4927508" y="3507311"/>
+            <a:ext cx="271849" cy="288324"/>
+          </a:xfrm>
+          <a:prstGeom prst="rect">
+            <a:avLst/>
+          </a:prstGeom>
+          <a:noFill/>
+        </p:spPr>
+        <p:style>
+          <a:lnRef idx="2">
+            <a:schemeClr val="dk1"/>
+          </a:lnRef>
+          <a:fillRef idx="1">
+            <a:schemeClr val="lt1"/>
+          </a:fillRef>
+          <a:effectRef idx="0">
+            <a:schemeClr val="dk1"/>
+          </a:effectRef>
+          <a:fontRef idx="minor">
+            <a:schemeClr val="dk1"/>
+          </a:fontRef>
+        </p:style>
+        <p:txBody>
+          <a:bodyPr rtlCol="0" anchor="ctr"/>
+          <a:lstStyle/>
+          <a:p>
+            <a:pPr algn="ctr"/>
+            <a:r>
+              <a:rPr lang="en-US" b="1" dirty="0">
+                <a:solidFill>
+                  <a:sysClr val="windowText" lastClr="000000"/>
+                </a:solidFill>
+              </a:rPr>
+              <a:t>5</a:t>
+            </a:r>
+          </a:p>
+        </p:txBody>
+      </p:sp>
+      <p:sp>
+        <p:nvSpPr>
+          <p:cNvPr id="9" name="Rectangle 8"/>
+          <p:cNvSpPr/>
+          <p:nvPr/>
+        </p:nvSpPr>
+        <p:spPr>
+          <a:xfrm>
+            <a:off x="6670428" y="3507311"/>
+            <a:ext cx="271849" cy="288324"/>
+          </a:xfrm>
+          <a:prstGeom prst="rect">
+            <a:avLst/>
+          </a:prstGeom>
+          <a:solidFill>
+            <a:schemeClr val="accent3"/>
+          </a:solidFill>
+        </p:spPr>
+        <p:style>
+          <a:lnRef idx="2">
+            <a:schemeClr val="dk1"/>
+          </a:lnRef>
+          <a:fillRef idx="1">
+            <a:schemeClr val="lt1"/>
+          </a:fillRef>
+          <a:effectRef idx="0">
+            <a:schemeClr val="dk1"/>
+          </a:effectRef>
+          <a:fontRef idx="minor">
+            <a:schemeClr val="dk1"/>
+          </a:fontRef>
+        </p:style>
+        <p:txBody>
+          <a:bodyPr rtlCol="0" anchor="ctr"/>
+          <a:lstStyle/>
+          <a:p>
+            <a:pPr algn="ctr"/>
+            <a:r>
+              <a:rPr lang="en-US" b="1" dirty="0">
+                <a:solidFill>
+                  <a:sysClr val="windowText" lastClr="000000"/>
+                </a:solidFill>
+              </a:rPr>
+              <a:t>5</a:t>
+            </a:r>
+          </a:p>
+        </p:txBody>
+      </p:sp>
+      <p:sp>
+        <p:nvSpPr>
+          <p:cNvPr id="12" name="Rectangle 11"/>
+          <p:cNvSpPr/>
+          <p:nvPr/>
+        </p:nvSpPr>
+        <p:spPr>
+          <a:xfrm>
+            <a:off x="2888925" y="3737971"/>
+            <a:ext cx="271849" cy="288324"/>
+          </a:xfrm>
+          <a:prstGeom prst="rect">
+            <a:avLst/>
+          </a:prstGeom>
+          <a:solidFill>
+            <a:schemeClr val="accent1"/>
+          </a:solidFill>
+        </p:spPr>
+        <p:style>
+          <a:lnRef idx="2">
+            <a:schemeClr val="dk1"/>
+          </a:lnRef>
+          <a:fillRef idx="1">
+            <a:schemeClr val="lt1"/>
+          </a:fillRef>
+          <a:effectRef idx="0">
+            <a:schemeClr val="dk1"/>
+          </a:effectRef>
+          <a:fontRef idx="minor">
+            <a:schemeClr val="dk1"/>
+          </a:fontRef>
+        </p:style>
+        <p:txBody>
+          <a:bodyPr rtlCol="0" anchor="ctr"/>
+          <a:lstStyle/>
+          <a:p>
+            <a:pPr algn="ctr"/>
+            <a:r>
+              <a:rPr lang="en-US" b="1" dirty="0">
+                <a:solidFill>
+                  <a:sysClr val="windowText" lastClr="000000"/>
+                </a:solidFill>
+              </a:rPr>
+              <a:t>1</a:t>
+            </a:r>
+          </a:p>
+        </p:txBody>
+      </p:sp>
+      <p:sp>
+        <p:nvSpPr>
+          <p:cNvPr id="13" name="Rectangle 12"/>
+          <p:cNvSpPr/>
+          <p:nvPr/>
+        </p:nvSpPr>
+        <p:spPr>
+          <a:xfrm>
+            <a:off x="3400007" y="3737971"/>
+            <a:ext cx="271849" cy="288324"/>
+          </a:xfrm>
+          <a:prstGeom prst="rect">
+            <a:avLst/>
+          </a:prstGeom>
+          <a:solidFill>
+            <a:schemeClr val="accent2"/>
+          </a:solidFill>
+        </p:spPr>
+        <p:style>
+          <a:lnRef idx="2">
+            <a:schemeClr val="dk1"/>
+          </a:lnRef>
+          <a:fillRef idx="1">
+            <a:schemeClr val="lt1"/>
+          </a:fillRef>
+          <a:effectRef idx="0">
+            <a:schemeClr val="dk1"/>
+          </a:effectRef>
+          <a:fontRef idx="minor">
+            <a:schemeClr val="dk1"/>
+          </a:fontRef>
+        </p:style>
+        <p:txBody>
+          <a:bodyPr rtlCol="0" anchor="ctr"/>
+          <a:lstStyle/>
+          <a:p>
+            <a:pPr algn="ctr"/>
+            <a:r>
+              <a:rPr lang="en-US" b="1" dirty="0">
+                <a:solidFill>
+                  <a:sysClr val="windowText" lastClr="000000"/>
+                </a:solidFill>
+              </a:rPr>
+              <a:t>2</a:t>
+            </a:r>
+          </a:p>
+        </p:txBody>
+      </p:sp>
+      <p:sp>
+        <p:nvSpPr>
+          <p:cNvPr id="14" name="Rectangle 13"/>
+          <p:cNvSpPr/>
+          <p:nvPr/>
+        </p:nvSpPr>
+        <p:spPr>
+          <a:xfrm>
+            <a:off x="3904407" y="3737971"/>
+            <a:ext cx="271849" cy="288324"/>
+          </a:xfrm>
+          <a:prstGeom prst="rect">
+            <a:avLst/>
+          </a:prstGeom>
+        </p:spPr>
+        <p:style>
+          <a:lnRef idx="2">
+            <a:schemeClr val="dk1"/>
+          </a:lnRef>
+          <a:fillRef idx="1">
+            <a:schemeClr val="lt1"/>
+          </a:fillRef>
+          <a:effectRef idx="0">
+            <a:schemeClr val="dk1"/>
+          </a:effectRef>
+          <a:fontRef idx="minor">
+            <a:schemeClr val="dk1"/>
+          </a:fontRef>
+        </p:style>
+        <p:txBody>
+          <a:bodyPr rtlCol="0" anchor="ctr"/>
+          <a:lstStyle/>
+          <a:p>
+            <a:pPr algn="ctr"/>
+            <a:r>
+              <a:rPr lang="en-US" b="1" dirty="0">
+                <a:solidFill>
+                  <a:sysClr val="windowText" lastClr="000000"/>
+                </a:solidFill>
+              </a:rPr>
+              <a:t>3</a:t>
+            </a:r>
+          </a:p>
+        </p:txBody>
+      </p:sp>
+      <p:sp>
+        <p:nvSpPr>
+          <p:cNvPr id="15" name="Rectangle 14"/>
+          <p:cNvSpPr/>
+          <p:nvPr/>
+        </p:nvSpPr>
+        <p:spPr>
+          <a:xfrm>
+            <a:off x="4415488" y="3737971"/>
+            <a:ext cx="271849" cy="288324"/>
+          </a:xfrm>
+          <a:prstGeom prst="rect">
+            <a:avLst/>
+          </a:prstGeom>
+        </p:spPr>
+        <p:style>
+          <a:lnRef idx="2">
+            <a:schemeClr val="dk1"/>
+          </a:lnRef>
+          <a:fillRef idx="1">
+            <a:schemeClr val="lt1"/>
+          </a:fillRef>
+          <a:effectRef idx="0">
+            <a:schemeClr val="dk1"/>
+          </a:effectRef>
+          <a:fontRef idx="minor">
+            <a:schemeClr val="dk1"/>
+          </a:fontRef>
+        </p:style>
+        <p:txBody>
+          <a:bodyPr rtlCol="0" anchor="ctr"/>
+          <a:lstStyle/>
+          <a:p>
+            <a:pPr algn="ctr"/>
+            <a:r>
+              <a:rPr lang="en-US" b="1" dirty="0">
+                <a:solidFill>
+                  <a:sysClr val="windowText" lastClr="000000"/>
+                </a:solidFill>
+              </a:rPr>
+              <a:t>4</a:t>
+            </a:r>
+          </a:p>
+        </p:txBody>
+      </p:sp>
+      <p:sp>
+        <p:nvSpPr>
+          <p:cNvPr id="16" name="Rectangle 15"/>
+          <p:cNvSpPr/>
+          <p:nvPr/>
+        </p:nvSpPr>
+        <p:spPr>
+          <a:xfrm>
+            <a:off x="7155179" y="3737971"/>
+            <a:ext cx="271849" cy="288324"/>
+          </a:xfrm>
+          <a:prstGeom prst="rect">
+            <a:avLst/>
+          </a:prstGeom>
+          <a:solidFill>
+            <a:schemeClr val="bg1">
+              <a:lumMod val="65000"/>
+            </a:schemeClr>
+          </a:solidFill>
+        </p:spPr>
+        <p:style>
+          <a:lnRef idx="2">
+            <a:schemeClr val="dk1"/>
+          </a:lnRef>
+          <a:fillRef idx="1">
+            <a:schemeClr val="lt1"/>
+          </a:fillRef>
+          <a:effectRef idx="0">
+            <a:schemeClr val="dk1"/>
+          </a:effectRef>
+          <a:fontRef idx="minor">
+            <a:schemeClr val="dk1"/>
+          </a:fontRef>
+        </p:style>
+        <p:txBody>
+          <a:bodyPr rtlCol="0" anchor="ctr"/>
+          <a:lstStyle/>
+          <a:p>
+            <a:pPr algn="ctr"/>
+            <a:r>
+              <a:rPr lang="en-US" b="1" dirty="0">
+                <a:solidFill>
+                  <a:sysClr val="windowText" lastClr="000000"/>
+                </a:solidFill>
+              </a:rPr>
+              <a:t>1</a:t>
+            </a:r>
+          </a:p>
+        </p:txBody>
+      </p:sp>
+      <p:sp>
+        <p:nvSpPr>
+          <p:cNvPr id="17" name="Rectangle 16"/>
+          <p:cNvSpPr/>
+          <p:nvPr/>
+        </p:nvSpPr>
+        <p:spPr>
+          <a:xfrm>
+            <a:off x="7666261" y="3737971"/>
+            <a:ext cx="271849" cy="288324"/>
+          </a:xfrm>
+          <a:prstGeom prst="rect">
+            <a:avLst/>
+          </a:prstGeom>
+        </p:spPr>
+        <p:style>
+          <a:lnRef idx="2">
+            <a:schemeClr val="dk1"/>
+          </a:lnRef>
+          <a:fillRef idx="1">
+            <a:schemeClr val="lt1"/>
+          </a:fillRef>
+          <a:effectRef idx="0">
+            <a:schemeClr val="dk1"/>
+          </a:effectRef>
+          <a:fontRef idx="minor">
+            <a:schemeClr val="dk1"/>
+          </a:fontRef>
+        </p:style>
+        <p:txBody>
+          <a:bodyPr rtlCol="0" anchor="ctr"/>
+          <a:lstStyle/>
+          <a:p>
+            <a:pPr algn="ctr"/>
+            <a:r>
+              <a:rPr lang="en-US" b="1" dirty="0">
+                <a:solidFill>
+                  <a:sysClr val="windowText" lastClr="000000"/>
+                </a:solidFill>
+              </a:rPr>
+              <a:t>2</a:t>
+            </a:r>
+          </a:p>
+        </p:txBody>
+      </p:sp>
+      <p:sp>
+        <p:nvSpPr>
+          <p:cNvPr id="18" name="Rectangle 17"/>
+          <p:cNvSpPr/>
+          <p:nvPr/>
+        </p:nvSpPr>
+        <p:spPr>
+          <a:xfrm>
+            <a:off x="8170661" y="3737971"/>
+            <a:ext cx="271849" cy="288324"/>
+          </a:xfrm>
+          <a:prstGeom prst="rect">
+            <a:avLst/>
+          </a:prstGeom>
+        </p:spPr>
+        <p:style>
+          <a:lnRef idx="2">
+            <a:schemeClr val="dk1"/>
+          </a:lnRef>
+          <a:fillRef idx="1">
+            <a:schemeClr val="lt1"/>
+          </a:fillRef>
+          <a:effectRef idx="0">
+            <a:schemeClr val="dk1"/>
+          </a:effectRef>
+          <a:fontRef idx="minor">
+            <a:schemeClr val="dk1"/>
+          </a:fontRef>
+        </p:style>
+        <p:txBody>
+          <a:bodyPr rtlCol="0" anchor="ctr"/>
+          <a:lstStyle/>
+          <a:p>
+            <a:pPr algn="ctr"/>
+            <a:r>
+              <a:rPr lang="en-US" b="1" dirty="0">
+                <a:solidFill>
+                  <a:sysClr val="windowText" lastClr="000000"/>
+                </a:solidFill>
+              </a:rPr>
+              <a:t>3</a:t>
+            </a:r>
+          </a:p>
+        </p:txBody>
+      </p:sp>
+      <p:sp>
+        <p:nvSpPr>
+          <p:cNvPr id="19" name="Rectangle 18"/>
+          <p:cNvSpPr/>
+          <p:nvPr/>
+        </p:nvSpPr>
+        <p:spPr>
+          <a:xfrm>
+            <a:off x="8681742" y="3737971"/>
+            <a:ext cx="271849" cy="288324"/>
+          </a:xfrm>
+          <a:prstGeom prst="rect">
+            <a:avLst/>
+          </a:prstGeom>
+        </p:spPr>
+        <p:style>
+          <a:lnRef idx="2">
+            <a:schemeClr val="dk1"/>
+          </a:lnRef>
+          <a:fillRef idx="1">
+            <a:schemeClr val="lt1"/>
+          </a:fillRef>
+          <a:effectRef idx="0">
+            <a:schemeClr val="dk1"/>
+          </a:effectRef>
+          <a:fontRef idx="minor">
+            <a:schemeClr val="dk1"/>
+          </a:fontRef>
+        </p:style>
+        <p:txBody>
+          <a:bodyPr rtlCol="0" anchor="ctr"/>
+          <a:lstStyle/>
+          <a:p>
+            <a:pPr algn="ctr"/>
+            <a:r>
+              <a:rPr lang="en-US" b="1" dirty="0">
+                <a:solidFill>
+                  <a:sysClr val="windowText" lastClr="000000"/>
+                </a:solidFill>
+              </a:rPr>
+              <a:t>4</a:t>
+            </a:r>
+          </a:p>
+        </p:txBody>
+      </p:sp>
+      <p:sp>
+        <p:nvSpPr>
+          <p:cNvPr id="20" name="Rounded Rectangle 19"/>
+          <p:cNvSpPr/>
+          <p:nvPr/>
+        </p:nvSpPr>
+        <p:spPr>
+          <a:xfrm>
+            <a:off x="2807596" y="4479380"/>
+            <a:ext cx="434505" cy="466531"/>
+          </a:xfrm>
+          <a:prstGeom prst="roundRect">
+            <a:avLst/>
+          </a:prstGeom>
+          <a:solidFill>
+            <a:schemeClr val="accent1"/>
+          </a:solidFill>
+        </p:spPr>
+        <p:style>
+          <a:lnRef idx="2">
+            <a:schemeClr val="dk1"/>
+          </a:lnRef>
+          <a:fillRef idx="1">
+            <a:schemeClr val="lt1"/>
+          </a:fillRef>
+          <a:effectRef idx="0">
+            <a:schemeClr val="dk1"/>
+          </a:effectRef>
+          <a:fontRef idx="minor">
+            <a:schemeClr val="dk1"/>
+          </a:fontRef>
+        </p:style>
+        <p:txBody>
+          <a:bodyPr rtlCol="0" anchor="ctr"/>
+          <a:lstStyle/>
+          <a:p>
+            <a:pPr algn="ctr"/>
+            <a:r>
+              <a:rPr lang="en-US" sz="1400" b="1" dirty="0">
+                <a:solidFill>
+                  <a:sysClr val="windowText" lastClr="000000"/>
+                </a:solidFill>
+              </a:rPr>
+              <a:t>H1</a:t>
+            </a:r>
+          </a:p>
+        </p:txBody>
+      </p:sp>
+      <p:sp>
+        <p:nvSpPr>
+          <p:cNvPr id="21" name="Rounded Rectangle 20"/>
+          <p:cNvSpPr/>
+          <p:nvPr/>
+        </p:nvSpPr>
+        <p:spPr>
+          <a:xfrm>
+            <a:off x="3318678" y="4479380"/>
+            <a:ext cx="434505" cy="466531"/>
+          </a:xfrm>
+          <a:prstGeom prst="roundRect">
+            <a:avLst/>
+          </a:prstGeom>
+          <a:solidFill>
+            <a:schemeClr val="accent2"/>
+          </a:solidFill>
+        </p:spPr>
+        <p:style>
+          <a:lnRef idx="2">
+            <a:schemeClr val="dk1"/>
+          </a:lnRef>
+          <a:fillRef idx="1">
+            <a:schemeClr val="lt1"/>
+          </a:fillRef>
+          <a:effectRef idx="0">
+            <a:schemeClr val="dk1"/>
+          </a:effectRef>
+          <a:fontRef idx="minor">
+            <a:schemeClr val="dk1"/>
+          </a:fontRef>
+        </p:style>
+        <p:txBody>
+          <a:bodyPr rtlCol="0" anchor="ctr"/>
+          <a:lstStyle/>
+          <a:p>
+            <a:pPr algn="ctr"/>
+            <a:r>
+              <a:rPr lang="en-US" sz="1400" b="1" dirty="0">
+                <a:solidFill>
+                  <a:sysClr val="windowText" lastClr="000000"/>
+                </a:solidFill>
+              </a:rPr>
+              <a:t>H2</a:t>
+            </a:r>
+          </a:p>
+        </p:txBody>
+      </p:sp>
+      <p:sp>
+        <p:nvSpPr>
+          <p:cNvPr id="22" name="Rounded Rectangle 21"/>
+          <p:cNvSpPr/>
+          <p:nvPr/>
+        </p:nvSpPr>
+        <p:spPr>
+          <a:xfrm>
+            <a:off x="3829760" y="4479379"/>
+            <a:ext cx="434505" cy="466531"/>
+          </a:xfrm>
+          <a:prstGeom prst="roundRect">
+            <a:avLst/>
+          </a:prstGeom>
+        </p:spPr>
+        <p:style>
+          <a:lnRef idx="2">
+            <a:schemeClr val="dk1"/>
+          </a:lnRef>
+          <a:fillRef idx="1">
+            <a:schemeClr val="lt1"/>
+          </a:fillRef>
+          <a:effectRef idx="0">
+            <a:schemeClr val="dk1"/>
+          </a:effectRef>
+          <a:fontRef idx="minor">
+            <a:schemeClr val="dk1"/>
+          </a:fontRef>
+        </p:style>
+        <p:txBody>
+          <a:bodyPr rtlCol="0" anchor="ctr"/>
+          <a:lstStyle/>
+          <a:p>
+            <a:pPr algn="ctr"/>
+            <a:r>
+              <a:rPr lang="en-US" sz="1400" b="1" dirty="0">
+                <a:solidFill>
+                  <a:sysClr val="windowText" lastClr="000000"/>
+                </a:solidFill>
+              </a:rPr>
+              <a:t>H3</a:t>
+            </a:r>
+          </a:p>
+        </p:txBody>
+      </p:sp>
+      <p:sp>
+        <p:nvSpPr>
+          <p:cNvPr id="23" name="Rounded Rectangle 22"/>
+          <p:cNvSpPr/>
+          <p:nvPr/>
+        </p:nvSpPr>
+        <p:spPr>
+          <a:xfrm>
+            <a:off x="4334159" y="4479378"/>
+            <a:ext cx="434505" cy="466531"/>
+          </a:xfrm>
+          <a:prstGeom prst="roundRect">
+            <a:avLst/>
+          </a:prstGeom>
+        </p:spPr>
+        <p:style>
+          <a:lnRef idx="2">
+            <a:schemeClr val="dk1"/>
+          </a:lnRef>
+          <a:fillRef idx="1">
+            <a:schemeClr val="lt1"/>
+          </a:fillRef>
+          <a:effectRef idx="0">
+            <a:schemeClr val="dk1"/>
+          </a:effectRef>
+          <a:fontRef idx="minor">
+            <a:schemeClr val="dk1"/>
+          </a:fontRef>
+        </p:style>
+        <p:txBody>
+          <a:bodyPr rtlCol="0" anchor="ctr"/>
+          <a:lstStyle/>
+          <a:p>
+            <a:pPr algn="ctr"/>
+            <a:r>
+              <a:rPr lang="en-US" sz="1400" b="1" dirty="0">
+                <a:solidFill>
+                  <a:sysClr val="windowText" lastClr="000000"/>
+                </a:solidFill>
+              </a:rPr>
+              <a:t>H4</a:t>
+            </a:r>
+          </a:p>
+        </p:txBody>
+      </p:sp>
+      <p:cxnSp>
+        <p:nvCxnSpPr>
+          <p:cNvPr id="25" name="Straight Connector 24"/>
+          <p:cNvCxnSpPr>
+            <a:endCxn id="20" idx="0"/>
+          </p:cNvCxnSpPr>
+          <p:nvPr/>
+        </p:nvCxnSpPr>
+        <p:spPr>
+          <a:xfrm>
+            <a:off x="3024848" y="4026295"/>
+            <a:ext cx="1" cy="453082"/>
+          </a:xfrm>
+          <a:prstGeom prst="line">
+            <a:avLst/>
+          </a:prstGeom>
+        </p:spPr>
+        <p:style>
+          <a:lnRef idx="3">
+            <a:schemeClr val="dk1"/>
+          </a:lnRef>
+          <a:fillRef idx="0">
+            <a:schemeClr val="dk1"/>
+          </a:fillRef>
+          <a:effectRef idx="2">
+            <a:schemeClr val="dk1"/>
+          </a:effectRef>
+          <a:fontRef idx="minor">
+            <a:schemeClr val="tx1"/>
+          </a:fontRef>
+        </p:style>
+      </p:cxnSp>
+      <p:cxnSp>
+        <p:nvCxnSpPr>
+          <p:cNvPr id="26" name="Straight Connector 25"/>
+          <p:cNvCxnSpPr/>
+          <p:nvPr/>
+        </p:nvCxnSpPr>
+        <p:spPr>
+          <a:xfrm>
+            <a:off x="3532587" y="4026295"/>
+            <a:ext cx="1" cy="453082"/>
+          </a:xfrm>
+          <a:prstGeom prst="line">
+            <a:avLst/>
+          </a:prstGeom>
+        </p:spPr>
+        <p:style>
+          <a:lnRef idx="3">
+            <a:schemeClr val="dk1"/>
+          </a:lnRef>
+          <a:fillRef idx="0">
+            <a:schemeClr val="dk1"/>
+          </a:fillRef>
+          <a:effectRef idx="2">
+            <a:schemeClr val="dk1"/>
+          </a:effectRef>
+          <a:fontRef idx="minor">
+            <a:schemeClr val="tx1"/>
+          </a:fontRef>
+        </p:style>
+      </p:cxnSp>
+      <p:cxnSp>
+        <p:nvCxnSpPr>
+          <p:cNvPr id="27" name="Straight Connector 26"/>
+          <p:cNvCxnSpPr/>
+          <p:nvPr/>
+        </p:nvCxnSpPr>
+        <p:spPr>
+          <a:xfrm>
+            <a:off x="4024666" y="4026295"/>
+            <a:ext cx="1" cy="453082"/>
+          </a:xfrm>
+          <a:prstGeom prst="line">
+            <a:avLst/>
+          </a:prstGeom>
+        </p:spPr>
+        <p:style>
+          <a:lnRef idx="3">
+            <a:schemeClr val="dk1"/>
+          </a:lnRef>
+          <a:fillRef idx="0">
+            <a:schemeClr val="dk1"/>
+          </a:fillRef>
+          <a:effectRef idx="2">
+            <a:schemeClr val="dk1"/>
+          </a:effectRef>
+          <a:fontRef idx="minor">
+            <a:schemeClr val="tx1"/>
+          </a:fontRef>
+        </p:style>
+      </p:cxnSp>
+      <p:cxnSp>
+        <p:nvCxnSpPr>
+          <p:cNvPr id="28" name="Straight Connector 27"/>
+          <p:cNvCxnSpPr/>
+          <p:nvPr/>
+        </p:nvCxnSpPr>
+        <p:spPr>
+          <a:xfrm>
+            <a:off x="4558290" y="4026293"/>
+            <a:ext cx="1" cy="453082"/>
+          </a:xfrm>
+          <a:prstGeom prst="line">
+            <a:avLst/>
+          </a:prstGeom>
+        </p:spPr>
+        <p:style>
+          <a:lnRef idx="3">
+            <a:schemeClr val="dk1"/>
+          </a:lnRef>
+          <a:fillRef idx="0">
+            <a:schemeClr val="dk1"/>
+          </a:fillRef>
+          <a:effectRef idx="2">
+            <a:schemeClr val="dk1"/>
+          </a:effectRef>
+          <a:fontRef idx="minor">
+            <a:schemeClr val="tx1"/>
+          </a:fontRef>
+        </p:style>
+      </p:cxnSp>
+      <p:sp>
+        <p:nvSpPr>
+          <p:cNvPr id="29" name="Rounded Rectangle 28"/>
+          <p:cNvSpPr/>
+          <p:nvPr/>
+        </p:nvSpPr>
+        <p:spPr>
+          <a:xfrm>
+            <a:off x="7073667" y="4479378"/>
+            <a:ext cx="434505" cy="466531"/>
+          </a:xfrm>
+          <a:prstGeom prst="roundRect">
+            <a:avLst/>
+          </a:prstGeom>
+          <a:solidFill>
+            <a:schemeClr val="bg1">
+              <a:lumMod val="65000"/>
+            </a:schemeClr>
+          </a:solidFill>
+        </p:spPr>
+        <p:style>
+          <a:lnRef idx="2">
+            <a:schemeClr val="dk1"/>
+          </a:lnRef>
+          <a:fillRef idx="1">
+            <a:schemeClr val="lt1"/>
+          </a:fillRef>
+          <a:effectRef idx="0">
+            <a:schemeClr val="dk1"/>
+          </a:effectRef>
+          <a:fontRef idx="minor">
+            <a:schemeClr val="dk1"/>
+          </a:fontRef>
+        </p:style>
+        <p:txBody>
+          <a:bodyPr rtlCol="0" anchor="ctr"/>
+          <a:lstStyle/>
+          <a:p>
+            <a:pPr algn="ctr"/>
+            <a:r>
+              <a:rPr lang="en-US" sz="1400" b="1" dirty="0">
+                <a:solidFill>
+                  <a:sysClr val="windowText" lastClr="000000"/>
+                </a:solidFill>
+              </a:rPr>
+              <a:t>H5</a:t>
+            </a:r>
+          </a:p>
+        </p:txBody>
+      </p:sp>
+      <p:sp>
+        <p:nvSpPr>
+          <p:cNvPr id="30" name="Rounded Rectangle 29"/>
+          <p:cNvSpPr/>
+          <p:nvPr/>
+        </p:nvSpPr>
+        <p:spPr>
+          <a:xfrm>
+            <a:off x="7580083" y="4479378"/>
+            <a:ext cx="434505" cy="466531"/>
+          </a:xfrm>
+          <a:prstGeom prst="roundRect">
+            <a:avLst/>
+          </a:prstGeom>
+        </p:spPr>
+        <p:style>
+          <a:lnRef idx="2">
+            <a:schemeClr val="dk1"/>
+          </a:lnRef>
+          <a:fillRef idx="1">
+            <a:schemeClr val="lt1"/>
+          </a:fillRef>
+          <a:effectRef idx="0">
+            <a:schemeClr val="dk1"/>
+          </a:effectRef>
+          <a:fontRef idx="minor">
+            <a:schemeClr val="dk1"/>
+          </a:fontRef>
+        </p:style>
+        <p:txBody>
+          <a:bodyPr rtlCol="0" anchor="ctr"/>
+          <a:lstStyle/>
+          <a:p>
+            <a:pPr algn="ctr"/>
+            <a:r>
+              <a:rPr lang="en-US" sz="1400" b="1" dirty="0">
+                <a:solidFill>
+                  <a:sysClr val="windowText" lastClr="000000"/>
+                </a:solidFill>
+              </a:rPr>
+              <a:t>H6</a:t>
+            </a:r>
+          </a:p>
+        </p:txBody>
+      </p:sp>
+      <p:sp>
+        <p:nvSpPr>
+          <p:cNvPr id="31" name="Rounded Rectangle 30"/>
+          <p:cNvSpPr/>
+          <p:nvPr/>
+        </p:nvSpPr>
+        <p:spPr>
+          <a:xfrm>
+            <a:off x="8110168" y="4479377"/>
+            <a:ext cx="434505" cy="466531"/>
+          </a:xfrm>
+          <a:prstGeom prst="roundRect">
+            <a:avLst/>
+          </a:prstGeom>
+        </p:spPr>
+        <p:style>
+          <a:lnRef idx="2">
+            <a:schemeClr val="dk1"/>
+          </a:lnRef>
+          <a:fillRef idx="1">
+            <a:schemeClr val="lt1"/>
+          </a:fillRef>
+          <a:effectRef idx="0">
+            <a:schemeClr val="dk1"/>
+          </a:effectRef>
+          <a:fontRef idx="minor">
+            <a:schemeClr val="dk1"/>
+          </a:fontRef>
+        </p:style>
+        <p:txBody>
+          <a:bodyPr rtlCol="0" anchor="ctr"/>
+          <a:lstStyle/>
+          <a:p>
+            <a:pPr algn="ctr"/>
+            <a:r>
+              <a:rPr lang="en-US" sz="1400" b="1" dirty="0">
+                <a:solidFill>
+                  <a:sysClr val="windowText" lastClr="000000"/>
+                </a:solidFill>
+              </a:rPr>
+              <a:t>H7</a:t>
+            </a:r>
+          </a:p>
+        </p:txBody>
+      </p:sp>
+      <p:sp>
+        <p:nvSpPr>
+          <p:cNvPr id="32" name="Rounded Rectangle 31"/>
+          <p:cNvSpPr/>
+          <p:nvPr/>
+        </p:nvSpPr>
+        <p:spPr>
+          <a:xfrm>
+            <a:off x="8607439" y="4479377"/>
+            <a:ext cx="434505" cy="466531"/>
+          </a:xfrm>
+          <a:prstGeom prst="roundRect">
+            <a:avLst/>
+          </a:prstGeom>
+        </p:spPr>
+        <p:style>
+          <a:lnRef idx="2">
+            <a:schemeClr val="dk1"/>
+          </a:lnRef>
+          <a:fillRef idx="1">
+            <a:schemeClr val="lt1"/>
+          </a:fillRef>
+          <a:effectRef idx="0">
+            <a:schemeClr val="dk1"/>
+          </a:effectRef>
+          <a:fontRef idx="minor">
+            <a:schemeClr val="dk1"/>
+          </a:fontRef>
+        </p:style>
+        <p:txBody>
+          <a:bodyPr rtlCol="0" anchor="ctr"/>
+          <a:lstStyle/>
+          <a:p>
+            <a:pPr algn="ctr"/>
+            <a:r>
+              <a:rPr lang="en-US" sz="1400" b="1" dirty="0">
+                <a:solidFill>
+                  <a:sysClr val="windowText" lastClr="000000"/>
+                </a:solidFill>
+              </a:rPr>
+              <a:t>H8</a:t>
+            </a:r>
+          </a:p>
+        </p:txBody>
+      </p:sp>
+      <p:cxnSp>
+        <p:nvCxnSpPr>
+          <p:cNvPr id="33" name="Straight Connector 32"/>
+          <p:cNvCxnSpPr>
+            <a:endCxn id="29" idx="0"/>
+          </p:cNvCxnSpPr>
+          <p:nvPr/>
+        </p:nvCxnSpPr>
+        <p:spPr>
+          <a:xfrm>
+            <a:off x="7290919" y="4026293"/>
+            <a:ext cx="1" cy="453082"/>
+          </a:xfrm>
+          <a:prstGeom prst="line">
+            <a:avLst/>
+          </a:prstGeom>
+        </p:spPr>
+        <p:style>
+          <a:lnRef idx="3">
+            <a:schemeClr val="dk1"/>
+          </a:lnRef>
+          <a:fillRef idx="0">
+            <a:schemeClr val="dk1"/>
+          </a:fillRef>
+          <a:effectRef idx="2">
+            <a:schemeClr val="dk1"/>
+          </a:effectRef>
+          <a:fontRef idx="minor">
+            <a:schemeClr val="tx1"/>
+          </a:fontRef>
+        </p:style>
+      </p:cxnSp>
+      <p:cxnSp>
+        <p:nvCxnSpPr>
+          <p:cNvPr id="34" name="Straight Connector 33"/>
+          <p:cNvCxnSpPr/>
+          <p:nvPr/>
+        </p:nvCxnSpPr>
+        <p:spPr>
+          <a:xfrm>
+            <a:off x="7793992" y="4026293"/>
+            <a:ext cx="1" cy="453082"/>
+          </a:xfrm>
+          <a:prstGeom prst="line">
+            <a:avLst/>
+          </a:prstGeom>
+        </p:spPr>
+        <p:style>
+          <a:lnRef idx="3">
+            <a:schemeClr val="dk1"/>
+          </a:lnRef>
+          <a:fillRef idx="0">
+            <a:schemeClr val="dk1"/>
+          </a:fillRef>
+          <a:effectRef idx="2">
+            <a:schemeClr val="dk1"/>
+          </a:effectRef>
+          <a:fontRef idx="minor">
+            <a:schemeClr val="tx1"/>
+          </a:fontRef>
+        </p:style>
+      </p:cxnSp>
+      <p:cxnSp>
+        <p:nvCxnSpPr>
+          <p:cNvPr id="35" name="Straight Connector 34"/>
+          <p:cNvCxnSpPr/>
+          <p:nvPr/>
+        </p:nvCxnSpPr>
+        <p:spPr>
+          <a:xfrm>
+            <a:off x="8305074" y="4026293"/>
+            <a:ext cx="1" cy="453082"/>
+          </a:xfrm>
+          <a:prstGeom prst="line">
+            <a:avLst/>
+          </a:prstGeom>
+        </p:spPr>
+        <p:style>
+          <a:lnRef idx="3">
+            <a:schemeClr val="dk1"/>
+          </a:lnRef>
+          <a:fillRef idx="0">
+            <a:schemeClr val="dk1"/>
+          </a:fillRef>
+          <a:effectRef idx="2">
+            <a:schemeClr val="dk1"/>
+          </a:effectRef>
+          <a:fontRef idx="minor">
+            <a:schemeClr val="tx1"/>
+          </a:fontRef>
+        </p:style>
+      </p:cxnSp>
+      <p:cxnSp>
+        <p:nvCxnSpPr>
+          <p:cNvPr id="36" name="Straight Connector 35"/>
+          <p:cNvCxnSpPr/>
+          <p:nvPr/>
+        </p:nvCxnSpPr>
+        <p:spPr>
+          <a:xfrm>
+            <a:off x="8831570" y="4026292"/>
+            <a:ext cx="1" cy="453082"/>
+          </a:xfrm>
+          <a:prstGeom prst="line">
+            <a:avLst/>
+          </a:prstGeom>
+        </p:spPr>
+        <p:style>
+          <a:lnRef idx="3">
+            <a:schemeClr val="dk1"/>
+          </a:lnRef>
+          <a:fillRef idx="0">
+            <a:schemeClr val="dk1"/>
+          </a:fillRef>
+          <a:effectRef idx="2">
+            <a:schemeClr val="dk1"/>
+          </a:effectRef>
+          <a:fontRef idx="minor">
+            <a:schemeClr val="tx1"/>
+          </a:fontRef>
+        </p:style>
+      </p:cxnSp>
+      <p:sp>
+        <p:nvSpPr>
+          <p:cNvPr id="37" name="TextBox 36"/>
+          <p:cNvSpPr txBox="1"/>
+          <p:nvPr/>
+        </p:nvSpPr>
+        <p:spPr>
+          <a:xfrm>
+            <a:off x="3416465" y="3368638"/>
+            <a:ext cx="1056379" cy="369332"/>
+          </a:xfrm>
+          <a:prstGeom prst="rect">
+            <a:avLst/>
+          </a:prstGeom>
+          <a:noFill/>
+        </p:spPr>
+        <p:txBody>
+          <a:bodyPr wrap="none" rtlCol="0">
+            <a:spAutoFit/>
+          </a:bodyPr>
+          <a:lstStyle/>
+          <a:p>
+            <a:r>
+              <a:rPr lang="en-US" b="1" dirty="0">
+                <a:solidFill>
+                  <a:sysClr val="windowText" lastClr="000000"/>
+                </a:solidFill>
+              </a:rPr>
+              <a:t>pSwitch1</a:t>
+            </a:r>
+          </a:p>
+        </p:txBody>
+      </p:sp>
+      <p:sp>
+        <p:nvSpPr>
+          <p:cNvPr id="38" name="TextBox 37"/>
+          <p:cNvSpPr txBox="1"/>
+          <p:nvPr/>
+        </p:nvSpPr>
+        <p:spPr>
+          <a:xfrm>
+            <a:off x="7495022" y="3368638"/>
+            <a:ext cx="1056379" cy="369332"/>
+          </a:xfrm>
+          <a:prstGeom prst="rect">
+            <a:avLst/>
+          </a:prstGeom>
+          <a:noFill/>
+        </p:spPr>
+        <p:txBody>
+          <a:bodyPr wrap="none" rtlCol="0">
+            <a:spAutoFit/>
+          </a:bodyPr>
+          <a:lstStyle/>
+          <a:p>
+            <a:r>
+              <a:rPr lang="en-US" b="1" dirty="0">
+                <a:solidFill>
+                  <a:sysClr val="windowText" lastClr="000000"/>
+                </a:solidFill>
+              </a:rPr>
+              <a:t>pSwitch2</a:t>
+            </a:r>
+          </a:p>
+        </p:txBody>
+      </p:sp>
+      <p:sp>
+        <p:nvSpPr>
+          <p:cNvPr id="39" name="TextBox 38"/>
+          <p:cNvSpPr txBox="1"/>
+          <p:nvPr/>
+        </p:nvSpPr>
+        <p:spPr>
+          <a:xfrm>
+            <a:off x="5488736" y="3387720"/>
+            <a:ext cx="753732" cy="307777"/>
+          </a:xfrm>
+          <a:prstGeom prst="rect">
+            <a:avLst/>
+          </a:prstGeom>
+          <a:noFill/>
+        </p:spPr>
+        <p:txBody>
+          <a:bodyPr wrap="none" rtlCol="0">
+            <a:spAutoFit/>
+          </a:bodyPr>
+          <a:lstStyle/>
+          <a:p>
+            <a:r>
+              <a:rPr lang="en-US" sz="1400" b="1" dirty="0">
+                <a:solidFill>
+                  <a:sysClr val="windowText" lastClr="000000"/>
+                </a:solidFill>
+              </a:rPr>
+              <a:t>  CLink1</a:t>
+            </a:r>
+          </a:p>
+        </p:txBody>
+      </p:sp>
+      <p:cxnSp>
+        <p:nvCxnSpPr>
+          <p:cNvPr id="41" name="Straight Connector 40"/>
+          <p:cNvCxnSpPr/>
+          <p:nvPr/>
+        </p:nvCxnSpPr>
+        <p:spPr>
+          <a:xfrm>
+            <a:off x="997905" y="2691765"/>
+            <a:ext cx="9484567" cy="0"/>
+          </a:xfrm>
+          <a:prstGeom prst="line">
+            <a:avLst/>
+          </a:prstGeom>
+          <a:ln>
+            <a:prstDash val="dash"/>
+          </a:ln>
+        </p:spPr>
+        <p:style>
+          <a:lnRef idx="3">
+            <a:schemeClr val="dk1"/>
+          </a:lnRef>
+          <a:fillRef idx="0">
+            <a:schemeClr val="dk1"/>
+          </a:fillRef>
+          <a:effectRef idx="2">
+            <a:schemeClr val="dk1"/>
+          </a:effectRef>
+          <a:fontRef idx="minor">
+            <a:schemeClr val="tx1"/>
+          </a:fontRef>
+        </p:style>
+      </p:cxnSp>
+      <p:sp>
+        <p:nvSpPr>
+          <p:cNvPr id="43" name="Rectangle 42"/>
+          <p:cNvSpPr/>
+          <p:nvPr/>
+        </p:nvSpPr>
+        <p:spPr>
+          <a:xfrm>
+            <a:off x="6389859" y="11445"/>
+            <a:ext cx="1100996" cy="513184"/>
+          </a:xfrm>
+          <a:prstGeom prst="rect">
+            <a:avLst/>
+          </a:prstGeom>
+        </p:spPr>
+        <p:style>
+          <a:lnRef idx="2">
+            <a:schemeClr val="dk1"/>
+          </a:lnRef>
+          <a:fillRef idx="1">
+            <a:schemeClr val="lt1"/>
+          </a:fillRef>
+          <a:effectRef idx="0">
+            <a:schemeClr val="dk1"/>
+          </a:effectRef>
+          <a:fontRef idx="minor">
+            <a:schemeClr val="dk1"/>
+          </a:fontRef>
+        </p:style>
+        <p:txBody>
+          <a:bodyPr rtlCol="0" anchor="ctr"/>
+          <a:lstStyle/>
+          <a:p>
+            <a:pPr algn="ctr"/>
+            <a:endParaRPr lang="en-US" b="1">
+              <a:solidFill>
+                <a:sysClr val="windowText" lastClr="000000"/>
+              </a:solidFill>
+            </a:endParaRPr>
+          </a:p>
+        </p:txBody>
+      </p:sp>
+      <p:sp>
+        <p:nvSpPr>
+          <p:cNvPr id="44" name="Rectangle 43"/>
+          <p:cNvSpPr/>
+          <p:nvPr/>
+        </p:nvSpPr>
+        <p:spPr>
+          <a:xfrm>
+            <a:off x="9646568" y="11445"/>
+            <a:ext cx="1100996" cy="513184"/>
+          </a:xfrm>
+          <a:prstGeom prst="rect">
+            <a:avLst/>
+          </a:prstGeom>
+        </p:spPr>
+        <p:style>
+          <a:lnRef idx="2">
+            <a:schemeClr val="dk1"/>
+          </a:lnRef>
+          <a:fillRef idx="1">
+            <a:schemeClr val="lt1"/>
+          </a:fillRef>
+          <a:effectRef idx="0">
+            <a:schemeClr val="dk1"/>
+          </a:effectRef>
+          <a:fontRef idx="minor">
+            <a:schemeClr val="dk1"/>
+          </a:fontRef>
+        </p:style>
+        <p:txBody>
+          <a:bodyPr rtlCol="0" anchor="ctr"/>
+          <a:lstStyle/>
+          <a:p>
+            <a:pPr algn="ctr"/>
+            <a:endParaRPr lang="en-US" b="1">
+              <a:solidFill>
+                <a:sysClr val="windowText" lastClr="000000"/>
+              </a:solidFill>
+            </a:endParaRPr>
+          </a:p>
+        </p:txBody>
+      </p:sp>
+      <p:sp>
+        <p:nvSpPr>
+          <p:cNvPr id="46" name="Rounded Rectangle 45"/>
+          <p:cNvSpPr/>
+          <p:nvPr/>
+        </p:nvSpPr>
+        <p:spPr>
+          <a:xfrm>
+            <a:off x="5490373" y="34771"/>
+            <a:ext cx="434505" cy="466531"/>
+          </a:xfrm>
+          <a:prstGeom prst="roundRect">
+            <a:avLst/>
+          </a:prstGeom>
+          <a:solidFill>
+            <a:schemeClr val="accent1"/>
+          </a:solidFill>
+        </p:spPr>
+        <p:style>
+          <a:lnRef idx="2">
+            <a:schemeClr val="dk1"/>
+          </a:lnRef>
+          <a:fillRef idx="1">
+            <a:schemeClr val="lt1"/>
+          </a:fillRef>
+          <a:effectRef idx="0">
+            <a:schemeClr val="dk1"/>
+          </a:effectRef>
+          <a:fontRef idx="minor">
+            <a:schemeClr val="dk1"/>
+          </a:fontRef>
+        </p:style>
+        <p:txBody>
+          <a:bodyPr rtlCol="0" anchor="ctr"/>
+          <a:lstStyle/>
+          <a:p>
+            <a:pPr algn="ctr"/>
+            <a:r>
+              <a:rPr lang="en-US" sz="1400" b="1" dirty="0">
+                <a:solidFill>
+                  <a:sysClr val="windowText" lastClr="000000"/>
+                </a:solidFill>
+              </a:rPr>
+              <a:t>H1</a:t>
+            </a:r>
+          </a:p>
+        </p:txBody>
+      </p:sp>
+      <p:sp>
+        <p:nvSpPr>
+          <p:cNvPr id="48" name="Rounded Rectangle 47"/>
+          <p:cNvSpPr/>
+          <p:nvPr/>
+        </p:nvSpPr>
+        <p:spPr>
+          <a:xfrm>
+            <a:off x="11206614" y="34770"/>
+            <a:ext cx="434505" cy="466531"/>
+          </a:xfrm>
+          <a:prstGeom prst="roundRect">
+            <a:avLst/>
+          </a:prstGeom>
+          <a:solidFill>
+            <a:schemeClr val="accent2"/>
+          </a:solidFill>
+        </p:spPr>
+        <p:style>
+          <a:lnRef idx="2">
+            <a:schemeClr val="dk1"/>
+          </a:lnRef>
+          <a:fillRef idx="1">
+            <a:schemeClr val="lt1"/>
+          </a:fillRef>
+          <a:effectRef idx="0">
+            <a:schemeClr val="dk1"/>
+          </a:effectRef>
+          <a:fontRef idx="minor">
+            <a:schemeClr val="dk1"/>
+          </a:fontRef>
+        </p:style>
+        <p:txBody>
+          <a:bodyPr rtlCol="0" anchor="ctr"/>
+          <a:lstStyle/>
+          <a:p>
+            <a:pPr algn="ctr"/>
+            <a:r>
+              <a:rPr lang="en-US" sz="1400" b="1" dirty="0">
+                <a:solidFill>
+                  <a:sysClr val="windowText" lastClr="000000"/>
+                </a:solidFill>
+              </a:rPr>
+              <a:t>H2</a:t>
+            </a:r>
+          </a:p>
+        </p:txBody>
+      </p:sp>
+      <p:cxnSp>
+        <p:nvCxnSpPr>
+          <p:cNvPr id="52" name="Straight Connector 51"/>
+          <p:cNvCxnSpPr>
+            <a:stCxn id="43" idx="2"/>
+            <a:endCxn id="45" idx="1"/>
+          </p:cNvCxnSpPr>
+          <p:nvPr/>
+        </p:nvCxnSpPr>
+        <p:spPr>
+          <a:xfrm>
+            <a:off x="6940357" y="524629"/>
+            <a:ext cx="1070248" cy="752760"/>
+          </a:xfrm>
+          <a:prstGeom prst="line">
+            <a:avLst/>
+          </a:prstGeom>
+        </p:spPr>
+        <p:style>
+          <a:lnRef idx="3">
+            <a:schemeClr val="dk1"/>
+          </a:lnRef>
+          <a:fillRef idx="0">
+            <a:schemeClr val="dk1"/>
+          </a:fillRef>
+          <a:effectRef idx="2">
+            <a:schemeClr val="dk1"/>
+          </a:effectRef>
+          <a:fontRef idx="minor">
+            <a:schemeClr val="tx1"/>
+          </a:fontRef>
+        </p:style>
+      </p:cxnSp>
+      <p:cxnSp>
+        <p:nvCxnSpPr>
+          <p:cNvPr id="54" name="Straight Connector 53"/>
+          <p:cNvCxnSpPr>
+            <a:stCxn id="45" idx="3"/>
+            <a:endCxn id="44" idx="2"/>
+          </p:cNvCxnSpPr>
+          <p:nvPr/>
+        </p:nvCxnSpPr>
+        <p:spPr>
+          <a:xfrm flipV="1">
+            <a:off x="9111604" y="524629"/>
+            <a:ext cx="1085465" cy="752760"/>
+          </a:xfrm>
+          <a:prstGeom prst="line">
+            <a:avLst/>
+          </a:prstGeom>
+        </p:spPr>
+        <p:style>
+          <a:lnRef idx="3">
+            <a:schemeClr val="dk1"/>
+          </a:lnRef>
+          <a:fillRef idx="0">
+            <a:schemeClr val="dk1"/>
+          </a:fillRef>
+          <a:effectRef idx="2">
+            <a:schemeClr val="dk1"/>
+          </a:effectRef>
+          <a:fontRef idx="minor">
+            <a:schemeClr val="tx1"/>
+          </a:fontRef>
+        </p:style>
+      </p:cxnSp>
+      <p:cxnSp>
+        <p:nvCxnSpPr>
+          <p:cNvPr id="56" name="Straight Connector 55"/>
+          <p:cNvCxnSpPr>
+            <a:stCxn id="46" idx="3"/>
+            <a:endCxn id="43" idx="1"/>
+          </p:cNvCxnSpPr>
+          <p:nvPr/>
+        </p:nvCxnSpPr>
+        <p:spPr>
+          <a:xfrm>
+            <a:off x="5924875" y="268037"/>
+            <a:ext cx="464984" cy="0"/>
+          </a:xfrm>
+          <a:prstGeom prst="line">
+            <a:avLst/>
+          </a:prstGeom>
+        </p:spPr>
+        <p:style>
+          <a:lnRef idx="3">
+            <a:schemeClr val="dk1"/>
+          </a:lnRef>
+          <a:fillRef idx="0">
+            <a:schemeClr val="dk1"/>
+          </a:fillRef>
+          <a:effectRef idx="2">
+            <a:schemeClr val="dk1"/>
+          </a:effectRef>
+          <a:fontRef idx="minor">
+            <a:schemeClr val="tx1"/>
+          </a:fontRef>
+        </p:style>
+      </p:cxnSp>
+      <p:cxnSp>
+        <p:nvCxnSpPr>
+          <p:cNvPr id="58" name="Straight Connector 57"/>
+          <p:cNvCxnSpPr>
+            <a:stCxn id="44" idx="3"/>
+            <a:endCxn id="48" idx="1"/>
+          </p:cNvCxnSpPr>
+          <p:nvPr/>
+        </p:nvCxnSpPr>
+        <p:spPr>
+          <a:xfrm flipV="1">
+            <a:off x="10747567" y="268036"/>
+            <a:ext cx="459047" cy="1"/>
+          </a:xfrm>
+          <a:prstGeom prst="line">
+            <a:avLst/>
+          </a:prstGeom>
+        </p:spPr>
+        <p:style>
+          <a:lnRef idx="3">
+            <a:schemeClr val="dk1"/>
+          </a:lnRef>
+          <a:fillRef idx="0">
+            <a:schemeClr val="dk1"/>
+          </a:fillRef>
+          <a:effectRef idx="2">
+            <a:schemeClr val="dk1"/>
+          </a:effectRef>
+          <a:fontRef idx="minor">
+            <a:schemeClr val="tx1"/>
+          </a:fontRef>
+        </p:style>
+      </p:cxnSp>
+      <p:sp>
+        <p:nvSpPr>
+          <p:cNvPr id="63" name="Rectangle 62"/>
+          <p:cNvSpPr/>
+          <p:nvPr/>
+        </p:nvSpPr>
+        <p:spPr>
+          <a:xfrm>
+            <a:off x="6383925" y="123873"/>
+            <a:ext cx="271289" cy="274793"/>
+          </a:xfrm>
+          <a:prstGeom prst="rect">
+            <a:avLst/>
+          </a:prstGeom>
+          <a:solidFill>
+            <a:schemeClr val="accent1"/>
+          </a:solidFill>
+        </p:spPr>
+        <p:style>
+          <a:lnRef idx="2">
+            <a:schemeClr val="dk1"/>
+          </a:lnRef>
+          <a:fillRef idx="1">
+            <a:schemeClr val="lt1"/>
+          </a:fillRef>
+          <a:effectRef idx="0">
+            <a:schemeClr val="dk1"/>
+          </a:effectRef>
+          <a:fontRef idx="minor">
+            <a:schemeClr val="dk1"/>
+          </a:fontRef>
+        </p:style>
+        <p:txBody>
+          <a:bodyPr rtlCol="0" anchor="ctr"/>
+          <a:lstStyle/>
+          <a:p>
+            <a:pPr algn="ctr"/>
+            <a:r>
+              <a:rPr lang="en-US" sz="1600" b="1" dirty="0">
+                <a:solidFill>
+                  <a:sysClr val="windowText" lastClr="000000"/>
+                </a:solidFill>
+              </a:rPr>
+              <a:t>1</a:t>
+            </a:r>
+          </a:p>
+        </p:txBody>
+      </p:sp>
+      <p:sp>
+        <p:nvSpPr>
+          <p:cNvPr id="64" name="Rectangle 63"/>
+          <p:cNvSpPr/>
+          <p:nvPr/>
+        </p:nvSpPr>
+        <p:spPr>
+          <a:xfrm>
+            <a:off x="6760184" y="236304"/>
+            <a:ext cx="296169" cy="274793"/>
+          </a:xfrm>
+          <a:prstGeom prst="rect">
+            <a:avLst/>
+          </a:prstGeom>
+          <a:solidFill>
+            <a:schemeClr val="accent1"/>
+          </a:solidFill>
+        </p:spPr>
+        <p:style>
+          <a:lnRef idx="2">
+            <a:schemeClr val="dk1"/>
+          </a:lnRef>
+          <a:fillRef idx="1">
+            <a:schemeClr val="lt1"/>
+          </a:fillRef>
+          <a:effectRef idx="0">
+            <a:schemeClr val="dk1"/>
+          </a:effectRef>
+          <a:fontRef idx="minor">
+            <a:schemeClr val="dk1"/>
+          </a:fontRef>
+        </p:style>
+        <p:txBody>
+          <a:bodyPr rtlCol="0" anchor="ctr"/>
+          <a:lstStyle/>
+          <a:p>
+            <a:pPr algn="ctr"/>
+            <a:r>
+              <a:rPr lang="en-US" b="1" dirty="0">
+                <a:solidFill>
+                  <a:sysClr val="windowText" lastClr="000000"/>
+                </a:solidFill>
+              </a:rPr>
+              <a:t>2</a:t>
+            </a:r>
+          </a:p>
+        </p:txBody>
+      </p:sp>
+      <p:sp>
+        <p:nvSpPr>
+          <p:cNvPr id="70" name="Rectangle 69"/>
+          <p:cNvSpPr/>
+          <p:nvPr/>
+        </p:nvSpPr>
+        <p:spPr>
+          <a:xfrm>
+            <a:off x="10062337" y="249835"/>
+            <a:ext cx="209939" cy="274793"/>
+          </a:xfrm>
+          <a:prstGeom prst="rect">
+            <a:avLst/>
+          </a:prstGeom>
+          <a:solidFill>
+            <a:schemeClr val="accent2"/>
+          </a:solidFill>
+        </p:spPr>
+        <p:style>
+          <a:lnRef idx="2">
+            <a:schemeClr val="dk1"/>
+          </a:lnRef>
+          <a:fillRef idx="1">
+            <a:schemeClr val="lt1"/>
+          </a:fillRef>
+          <a:effectRef idx="0">
+            <a:schemeClr val="dk1"/>
+          </a:effectRef>
+          <a:fontRef idx="minor">
+            <a:schemeClr val="dk1"/>
+          </a:fontRef>
+        </p:style>
+        <p:txBody>
+          <a:bodyPr rtlCol="0" anchor="ctr"/>
+          <a:lstStyle/>
+          <a:p>
+            <a:pPr algn="ctr"/>
+            <a:r>
+              <a:rPr lang="en-US" b="1" dirty="0">
+                <a:solidFill>
+                  <a:sysClr val="windowText" lastClr="000000"/>
+                </a:solidFill>
+              </a:rPr>
+              <a:t>2</a:t>
+            </a:r>
+          </a:p>
+        </p:txBody>
+      </p:sp>
+      <p:sp>
+        <p:nvSpPr>
+          <p:cNvPr id="71" name="Rectangle 70"/>
+          <p:cNvSpPr/>
+          <p:nvPr/>
+        </p:nvSpPr>
+        <p:spPr>
+          <a:xfrm>
+            <a:off x="10537628" y="112438"/>
+            <a:ext cx="209939" cy="274793"/>
+          </a:xfrm>
+          <a:prstGeom prst="rect">
+            <a:avLst/>
+          </a:prstGeom>
+          <a:solidFill>
+            <a:schemeClr val="accent2"/>
+          </a:solidFill>
+        </p:spPr>
+        <p:style>
+          <a:lnRef idx="2">
+            <a:schemeClr val="dk1"/>
+          </a:lnRef>
+          <a:fillRef idx="1">
+            <a:schemeClr val="lt1"/>
+          </a:fillRef>
+          <a:effectRef idx="0">
+            <a:schemeClr val="dk1"/>
+          </a:effectRef>
+          <a:fontRef idx="minor">
+            <a:schemeClr val="dk1"/>
+          </a:fontRef>
+        </p:style>
+        <p:txBody>
+          <a:bodyPr rtlCol="0" anchor="ctr"/>
+          <a:lstStyle/>
+          <a:p>
+            <a:pPr algn="ctr"/>
+            <a:r>
+              <a:rPr lang="en-US" b="1" dirty="0">
+                <a:solidFill>
+                  <a:sysClr val="windowText" lastClr="000000"/>
+                </a:solidFill>
+              </a:rPr>
+              <a:t>1</a:t>
+            </a:r>
+          </a:p>
+        </p:txBody>
+      </p:sp>
+      <p:sp>
+        <p:nvSpPr>
+          <p:cNvPr id="103" name="TextBox 102"/>
+          <p:cNvSpPr txBox="1"/>
+          <p:nvPr/>
+        </p:nvSpPr>
+        <p:spPr>
+          <a:xfrm>
+            <a:off x="6501229" y="911850"/>
+            <a:ext cx="1189749" cy="307777"/>
+          </a:xfrm>
+          <a:prstGeom prst="rect">
+            <a:avLst/>
+          </a:prstGeom>
+          <a:noFill/>
+        </p:spPr>
+        <p:txBody>
+          <a:bodyPr wrap="none" rtlCol="0">
+            <a:spAutoFit/>
+          </a:bodyPr>
+          <a:lstStyle/>
+          <a:p>
+            <a:r>
+              <a:rPr lang="en-US" sz="1400" b="1" dirty="0">
+                <a:solidFill>
+                  <a:sysClr val="windowText" lastClr="000000"/>
+                </a:solidFill>
+              </a:rPr>
+              <a:t>  vL1 -&gt;CLink1</a:t>
+            </a:r>
+          </a:p>
+        </p:txBody>
+      </p:sp>
+      <p:sp>
+        <p:nvSpPr>
+          <p:cNvPr id="105" name="TextBox 104"/>
+          <p:cNvSpPr txBox="1"/>
+          <p:nvPr/>
+        </p:nvSpPr>
+        <p:spPr>
+          <a:xfrm>
+            <a:off x="9483632" y="827607"/>
+            <a:ext cx="1229824" cy="307777"/>
+          </a:xfrm>
+          <a:prstGeom prst="rect">
+            <a:avLst/>
+          </a:prstGeom>
+          <a:noFill/>
+        </p:spPr>
+        <p:txBody>
+          <a:bodyPr wrap="none" rtlCol="0">
+            <a:spAutoFit/>
+          </a:bodyPr>
+          <a:lstStyle/>
+          <a:p>
+            <a:r>
+              <a:rPr lang="en-US" sz="1400" b="1" dirty="0">
+                <a:solidFill>
+                  <a:sysClr val="windowText" lastClr="000000"/>
+                </a:solidFill>
+              </a:rPr>
+              <a:t>  vL2 - &gt;CLink1</a:t>
+            </a:r>
+          </a:p>
+        </p:txBody>
+      </p:sp>
+      <p:sp>
+        <p:nvSpPr>
+          <p:cNvPr id="106" name="Rectangle 105"/>
+          <p:cNvSpPr/>
+          <p:nvPr/>
+        </p:nvSpPr>
+        <p:spPr>
+          <a:xfrm>
+            <a:off x="1026875" y="42562"/>
+            <a:ext cx="426089" cy="513184"/>
+          </a:xfrm>
+          <a:prstGeom prst="rect">
+            <a:avLst/>
+          </a:prstGeom>
+        </p:spPr>
+        <p:style>
+          <a:lnRef idx="2">
+            <a:schemeClr val="dk1"/>
+          </a:lnRef>
+          <a:fillRef idx="1">
+            <a:schemeClr val="lt1"/>
+          </a:fillRef>
+          <a:effectRef idx="0">
+            <a:schemeClr val="dk1"/>
+          </a:effectRef>
+          <a:fontRef idx="minor">
+            <a:schemeClr val="dk1"/>
+          </a:fontRef>
+        </p:style>
+        <p:txBody>
+          <a:bodyPr rtlCol="0" anchor="ctr"/>
+          <a:lstStyle/>
+          <a:p>
+            <a:pPr algn="ctr"/>
+            <a:r>
+              <a:rPr lang="en-US" sz="1400" b="1" dirty="0">
+                <a:solidFill>
+                  <a:sysClr val="windowText" lastClr="000000"/>
+                </a:solidFill>
+              </a:rPr>
+              <a:t>vS1</a:t>
+            </a:r>
+            <a:endParaRPr lang="en-US" sz="1200" b="1" dirty="0">
+              <a:solidFill>
+                <a:sysClr val="windowText" lastClr="000000"/>
+              </a:solidFill>
+            </a:endParaRPr>
+          </a:p>
+        </p:txBody>
+      </p:sp>
+      <p:sp>
+        <p:nvSpPr>
+          <p:cNvPr id="107" name="Rectangle 106"/>
+          <p:cNvSpPr/>
+          <p:nvPr/>
+        </p:nvSpPr>
+        <p:spPr>
+          <a:xfrm>
+            <a:off x="3254114" y="46242"/>
+            <a:ext cx="403753" cy="513184"/>
+          </a:xfrm>
+          <a:prstGeom prst="rect">
+            <a:avLst/>
+          </a:prstGeom>
+        </p:spPr>
+        <p:style>
+          <a:lnRef idx="2">
+            <a:schemeClr val="dk1"/>
+          </a:lnRef>
+          <a:fillRef idx="1">
+            <a:schemeClr val="lt1"/>
+          </a:fillRef>
+          <a:effectRef idx="0">
+            <a:schemeClr val="dk1"/>
+          </a:effectRef>
+          <a:fontRef idx="minor">
+            <a:schemeClr val="dk1"/>
+          </a:fontRef>
+        </p:style>
+        <p:txBody>
+          <a:bodyPr rtlCol="0" anchor="ctr"/>
+          <a:lstStyle/>
+          <a:p>
+            <a:pPr algn="ctr"/>
+            <a:r>
+              <a:rPr lang="en-US" sz="1400" b="1" dirty="0">
+                <a:solidFill>
+                  <a:sysClr val="windowText" lastClr="000000"/>
+                </a:solidFill>
+              </a:rPr>
+              <a:t>vS2</a:t>
+            </a:r>
+            <a:endParaRPr lang="en-US" sz="1200" b="1" dirty="0">
+              <a:solidFill>
+                <a:sysClr val="windowText" lastClr="000000"/>
+              </a:solidFill>
+            </a:endParaRPr>
+          </a:p>
+        </p:txBody>
+      </p:sp>
+      <p:sp>
+        <p:nvSpPr>
+          <p:cNvPr id="108" name="Rectangle 107"/>
+          <p:cNvSpPr/>
+          <p:nvPr/>
+        </p:nvSpPr>
+        <p:spPr>
+          <a:xfrm>
+            <a:off x="2130277" y="1127146"/>
+            <a:ext cx="406188" cy="513184"/>
+          </a:xfrm>
+          <a:prstGeom prst="rect">
+            <a:avLst/>
+          </a:prstGeom>
+        </p:spPr>
+        <p:style>
+          <a:lnRef idx="2">
+            <a:schemeClr val="dk1"/>
+          </a:lnRef>
+          <a:fillRef idx="1">
+            <a:schemeClr val="lt1"/>
+          </a:fillRef>
+          <a:effectRef idx="0">
+            <a:schemeClr val="dk1"/>
+          </a:effectRef>
+          <a:fontRef idx="minor">
+            <a:schemeClr val="dk1"/>
+          </a:fontRef>
+        </p:style>
+        <p:txBody>
+          <a:bodyPr rtlCol="0" anchor="ctr"/>
+          <a:lstStyle/>
+          <a:p>
+            <a:pPr algn="ctr"/>
+            <a:r>
+              <a:rPr lang="en-US" sz="1400" b="1" dirty="0">
+                <a:solidFill>
+                  <a:sysClr val="windowText" lastClr="000000"/>
+                </a:solidFill>
+              </a:rPr>
+              <a:t>vS3</a:t>
+            </a:r>
+            <a:endParaRPr lang="en-US" sz="1200" b="1" dirty="0">
+              <a:solidFill>
+                <a:sysClr val="windowText" lastClr="000000"/>
+              </a:solidFill>
+            </a:endParaRPr>
+          </a:p>
+        </p:txBody>
+      </p:sp>
+      <p:sp>
+        <p:nvSpPr>
+          <p:cNvPr id="109" name="Rounded Rectangle 108"/>
+          <p:cNvSpPr/>
+          <p:nvPr/>
+        </p:nvSpPr>
+        <p:spPr>
+          <a:xfrm>
+            <a:off x="127386" y="65888"/>
+            <a:ext cx="434505" cy="466531"/>
+          </a:xfrm>
+          <a:prstGeom prst="roundRect">
+            <a:avLst/>
+          </a:prstGeom>
+        </p:spPr>
+        <p:style>
+          <a:lnRef idx="2">
+            <a:schemeClr val="dk1"/>
+          </a:lnRef>
+          <a:fillRef idx="1">
+            <a:schemeClr val="lt1"/>
+          </a:fillRef>
+          <a:effectRef idx="0">
+            <a:schemeClr val="dk1"/>
+          </a:effectRef>
+          <a:fontRef idx="minor">
+            <a:schemeClr val="dk1"/>
+          </a:fontRef>
+        </p:style>
+        <p:txBody>
+          <a:bodyPr rtlCol="0" anchor="ctr"/>
+          <a:lstStyle/>
+          <a:p>
+            <a:pPr algn="ctr"/>
+            <a:r>
+              <a:rPr lang="en-US" sz="1400" b="1" dirty="0">
+                <a:solidFill>
+                  <a:sysClr val="windowText" lastClr="000000"/>
+                </a:solidFill>
+              </a:rPr>
+              <a:t>H</a:t>
+            </a:r>
+          </a:p>
+        </p:txBody>
+      </p:sp>
+      <p:sp>
+        <p:nvSpPr>
+          <p:cNvPr id="110" name="Rounded Rectangle 109"/>
+          <p:cNvSpPr/>
+          <p:nvPr/>
+        </p:nvSpPr>
+        <p:spPr>
+          <a:xfrm>
+            <a:off x="2116121" y="1968645"/>
+            <a:ext cx="434505" cy="466531"/>
+          </a:xfrm>
+          <a:prstGeom prst="roundRect">
+            <a:avLst/>
+          </a:prstGeom>
+        </p:spPr>
+        <p:style>
+          <a:lnRef idx="2">
+            <a:schemeClr val="dk1"/>
+          </a:lnRef>
+          <a:fillRef idx="1">
+            <a:schemeClr val="lt1"/>
+          </a:fillRef>
+          <a:effectRef idx="0">
+            <a:schemeClr val="dk1"/>
+          </a:effectRef>
+          <a:fontRef idx="minor">
+            <a:schemeClr val="dk1"/>
+          </a:fontRef>
+        </p:style>
+        <p:txBody>
+          <a:bodyPr rtlCol="0" anchor="ctr"/>
+          <a:lstStyle/>
+          <a:p>
+            <a:pPr algn="ctr"/>
+            <a:r>
+              <a:rPr lang="en-US" sz="1400" b="1" dirty="0">
+                <a:solidFill>
+                  <a:sysClr val="windowText" lastClr="000000"/>
+                </a:solidFill>
+              </a:rPr>
+              <a:t>H</a:t>
+            </a:r>
+          </a:p>
+        </p:txBody>
+      </p:sp>
+      <p:sp>
+        <p:nvSpPr>
+          <p:cNvPr id="111" name="Rounded Rectangle 110"/>
+          <p:cNvSpPr/>
+          <p:nvPr/>
+        </p:nvSpPr>
+        <p:spPr>
+          <a:xfrm>
+            <a:off x="3987377" y="65887"/>
+            <a:ext cx="441477" cy="466531"/>
+          </a:xfrm>
+          <a:prstGeom prst="roundRect">
+            <a:avLst/>
+          </a:prstGeom>
+        </p:spPr>
+        <p:style>
+          <a:lnRef idx="2">
+            <a:schemeClr val="dk1"/>
+          </a:lnRef>
+          <a:fillRef idx="1">
+            <a:schemeClr val="lt1"/>
+          </a:fillRef>
+          <a:effectRef idx="0">
+            <a:schemeClr val="dk1"/>
+          </a:effectRef>
+          <a:fontRef idx="minor">
+            <a:schemeClr val="dk1"/>
+          </a:fontRef>
+        </p:style>
+        <p:txBody>
+          <a:bodyPr rtlCol="0" anchor="ctr"/>
+          <a:lstStyle/>
+          <a:p>
+            <a:pPr algn="ctr"/>
+            <a:r>
+              <a:rPr lang="en-US" sz="1400" b="1" dirty="0">
+                <a:solidFill>
+                  <a:sysClr val="windowText" lastClr="000000"/>
+                </a:solidFill>
+              </a:rPr>
+              <a:t>H</a:t>
+            </a:r>
+          </a:p>
+        </p:txBody>
+      </p:sp>
+      <p:cxnSp>
+        <p:nvCxnSpPr>
+          <p:cNvPr id="113" name="Straight Connector 112"/>
+          <p:cNvCxnSpPr>
+            <a:stCxn id="106" idx="2"/>
+            <a:endCxn id="108" idx="1"/>
+          </p:cNvCxnSpPr>
+          <p:nvPr/>
+        </p:nvCxnSpPr>
+        <p:spPr>
+          <a:xfrm>
+            <a:off x="1239917" y="555746"/>
+            <a:ext cx="890360" cy="827992"/>
+          </a:xfrm>
+          <a:prstGeom prst="line">
+            <a:avLst/>
+          </a:prstGeom>
+        </p:spPr>
+        <p:style>
+          <a:lnRef idx="3">
+            <a:schemeClr val="dk1"/>
+          </a:lnRef>
+          <a:fillRef idx="0">
+            <a:schemeClr val="dk1"/>
+          </a:fillRef>
+          <a:effectRef idx="2">
+            <a:schemeClr val="dk1"/>
+          </a:effectRef>
+          <a:fontRef idx="minor">
+            <a:schemeClr val="tx1"/>
+          </a:fontRef>
+        </p:style>
+      </p:cxnSp>
+      <p:cxnSp>
+        <p:nvCxnSpPr>
+          <p:cNvPr id="114" name="Straight Connector 113"/>
+          <p:cNvCxnSpPr>
+            <a:stCxn id="108" idx="3"/>
+            <a:endCxn id="107" idx="2"/>
+          </p:cNvCxnSpPr>
+          <p:nvPr/>
+        </p:nvCxnSpPr>
+        <p:spPr>
+          <a:xfrm flipV="1">
+            <a:off x="2536468" y="559426"/>
+            <a:ext cx="919523" cy="824312"/>
+          </a:xfrm>
+          <a:prstGeom prst="line">
+            <a:avLst/>
+          </a:prstGeom>
+        </p:spPr>
+        <p:style>
+          <a:lnRef idx="3">
+            <a:schemeClr val="dk1"/>
+          </a:lnRef>
+          <a:fillRef idx="0">
+            <a:schemeClr val="dk1"/>
+          </a:fillRef>
+          <a:effectRef idx="2">
+            <a:schemeClr val="dk1"/>
+          </a:effectRef>
+          <a:fontRef idx="minor">
+            <a:schemeClr val="tx1"/>
+          </a:fontRef>
+        </p:style>
+      </p:cxnSp>
+      <p:cxnSp>
+        <p:nvCxnSpPr>
+          <p:cNvPr id="115" name="Straight Connector 114"/>
+          <p:cNvCxnSpPr>
+            <a:stCxn id="109" idx="3"/>
+            <a:endCxn id="106" idx="1"/>
+          </p:cNvCxnSpPr>
+          <p:nvPr/>
+        </p:nvCxnSpPr>
+        <p:spPr>
+          <a:xfrm>
+            <a:off x="561888" y="299154"/>
+            <a:ext cx="464984" cy="0"/>
+          </a:xfrm>
+          <a:prstGeom prst="line">
+            <a:avLst/>
+          </a:prstGeom>
+        </p:spPr>
+        <p:style>
+          <a:lnRef idx="3">
+            <a:schemeClr val="dk1"/>
+          </a:lnRef>
+          <a:fillRef idx="0">
+            <a:schemeClr val="dk1"/>
+          </a:fillRef>
+          <a:effectRef idx="2">
+            <a:schemeClr val="dk1"/>
+          </a:effectRef>
+          <a:fontRef idx="minor">
+            <a:schemeClr val="tx1"/>
+          </a:fontRef>
+        </p:style>
+      </p:cxnSp>
+      <p:cxnSp>
+        <p:nvCxnSpPr>
+          <p:cNvPr id="116" name="Straight Connector 115"/>
+          <p:cNvCxnSpPr>
+            <a:stCxn id="107" idx="3"/>
+          </p:cNvCxnSpPr>
+          <p:nvPr/>
+        </p:nvCxnSpPr>
+        <p:spPr>
+          <a:xfrm flipV="1">
+            <a:off x="3657864" y="302832"/>
+            <a:ext cx="355222" cy="2"/>
+          </a:xfrm>
+          <a:prstGeom prst="line">
+            <a:avLst/>
+          </a:prstGeom>
+        </p:spPr>
+        <p:style>
+          <a:lnRef idx="3">
+            <a:schemeClr val="dk1"/>
+          </a:lnRef>
+          <a:fillRef idx="0">
+            <a:schemeClr val="dk1"/>
+          </a:fillRef>
+          <a:effectRef idx="2">
+            <a:schemeClr val="dk1"/>
+          </a:effectRef>
+          <a:fontRef idx="minor">
+            <a:schemeClr val="tx1"/>
+          </a:fontRef>
+        </p:style>
+      </p:cxnSp>
+      <p:cxnSp>
+        <p:nvCxnSpPr>
+          <p:cNvPr id="117" name="Straight Connector 116"/>
+          <p:cNvCxnSpPr>
+            <a:stCxn id="110" idx="0"/>
+            <a:endCxn id="108" idx="2"/>
+          </p:cNvCxnSpPr>
+          <p:nvPr/>
+        </p:nvCxnSpPr>
+        <p:spPr>
+          <a:xfrm flipV="1">
+            <a:off x="2333371" y="1640330"/>
+            <a:ext cx="0" cy="328312"/>
+          </a:xfrm>
+          <a:prstGeom prst="line">
+            <a:avLst/>
+          </a:prstGeom>
+        </p:spPr>
+        <p:style>
+          <a:lnRef idx="3">
+            <a:schemeClr val="dk1"/>
+          </a:lnRef>
+          <a:fillRef idx="0">
+            <a:schemeClr val="dk1"/>
+          </a:fillRef>
+          <a:effectRef idx="2">
+            <a:schemeClr val="dk1"/>
+          </a:effectRef>
+          <a:fontRef idx="minor">
+            <a:schemeClr val="tx1"/>
+          </a:fontRef>
+        </p:style>
+      </p:cxnSp>
+      <p:sp>
+        <p:nvSpPr>
+          <p:cNvPr id="151" name="Right Arrow 150"/>
+          <p:cNvSpPr/>
+          <p:nvPr/>
+        </p:nvSpPr>
+        <p:spPr>
+          <a:xfrm>
+            <a:off x="4445446" y="936081"/>
+            <a:ext cx="1133359" cy="398600"/>
+          </a:xfrm>
+          <a:prstGeom prst="rightArrow">
+            <a:avLst/>
+          </a:prstGeom>
+        </p:spPr>
+        <p:style>
+          <a:lnRef idx="2">
+            <a:schemeClr val="dk1">
+              <a:shade val="50000"/>
+            </a:schemeClr>
+          </a:lnRef>
+          <a:fillRef idx="1">
+            <a:schemeClr val="dk1"/>
+          </a:fillRef>
+          <a:effectRef idx="0">
+            <a:schemeClr val="dk1"/>
+          </a:effectRef>
+          <a:fontRef idx="minor">
+            <a:schemeClr val="lt1"/>
+          </a:fontRef>
+        </p:style>
+        <p:txBody>
+          <a:bodyPr rtlCol="0" anchor="ctr"/>
+          <a:lstStyle/>
+          <a:p>
+            <a:pPr algn="ctr"/>
+            <a:endParaRPr lang="en-US" b="1">
+              <a:solidFill>
+                <a:sysClr val="windowText" lastClr="000000"/>
+              </a:solidFill>
+            </a:endParaRPr>
+          </a:p>
+        </p:txBody>
+      </p:sp>
+      <p:cxnSp>
+        <p:nvCxnSpPr>
+          <p:cNvPr id="157" name="Straight Arrow Connector 156"/>
+          <p:cNvCxnSpPr>
+            <a:cxnSpLocks/>
+            <a:stCxn id="8" idx="3"/>
+          </p:cNvCxnSpPr>
+          <p:nvPr/>
+        </p:nvCxnSpPr>
+        <p:spPr>
+          <a:xfrm flipV="1">
+            <a:off x="5199357" y="501301"/>
+            <a:ext cx="1614615" cy="3150172"/>
+          </a:xfrm>
+          <a:prstGeom prst="straightConnector1">
+            <a:avLst/>
+          </a:prstGeom>
+          <a:ln w="19050">
+            <a:solidFill>
+              <a:srgbClr val="FF0000"/>
+            </a:solidFill>
+            <a:prstDash val="dashDot"/>
+            <a:tailEnd type="triangle"/>
+          </a:ln>
+        </p:spPr>
+        <p:style>
+          <a:lnRef idx="2">
+            <a:schemeClr val="dk1"/>
+          </a:lnRef>
+          <a:fillRef idx="0">
+            <a:schemeClr val="dk1"/>
+          </a:fillRef>
+          <a:effectRef idx="1">
+            <a:schemeClr val="dk1"/>
+          </a:effectRef>
+          <a:fontRef idx="minor">
+            <a:schemeClr val="tx1"/>
+          </a:fontRef>
+        </p:style>
+      </p:cxnSp>
+      <p:cxnSp>
+        <p:nvCxnSpPr>
+          <p:cNvPr id="161" name="Straight Arrow Connector 160"/>
+          <p:cNvCxnSpPr>
+            <a:cxnSpLocks/>
+            <a:stCxn id="9" idx="1"/>
+            <a:endCxn id="66" idx="1"/>
+          </p:cNvCxnSpPr>
+          <p:nvPr/>
+        </p:nvCxnSpPr>
+        <p:spPr>
+          <a:xfrm flipV="1">
+            <a:off x="6670428" y="1260543"/>
+            <a:ext cx="1339899" cy="2390930"/>
+          </a:xfrm>
+          <a:prstGeom prst="straightConnector1">
+            <a:avLst/>
+          </a:prstGeom>
+          <a:ln w="19050">
+            <a:solidFill>
+              <a:srgbClr val="FF0000"/>
+            </a:solidFill>
+            <a:prstDash val="dashDot"/>
+            <a:tailEnd type="triangle"/>
+          </a:ln>
+        </p:spPr>
+        <p:style>
+          <a:lnRef idx="1">
+            <a:schemeClr val="dk1"/>
+          </a:lnRef>
+          <a:fillRef idx="0">
+            <a:schemeClr val="dk1"/>
+          </a:fillRef>
+          <a:effectRef idx="0">
+            <a:schemeClr val="dk1"/>
+          </a:effectRef>
+          <a:fontRef idx="minor">
+            <a:schemeClr val="tx1"/>
+          </a:fontRef>
+        </p:style>
+      </p:cxnSp>
+      <p:cxnSp>
+        <p:nvCxnSpPr>
+          <p:cNvPr id="165" name="Straight Arrow Connector 164"/>
+          <p:cNvCxnSpPr>
+            <a:cxnSpLocks/>
+            <a:stCxn id="8" idx="3"/>
+            <a:endCxn id="44" idx="2"/>
+          </p:cNvCxnSpPr>
+          <p:nvPr/>
+        </p:nvCxnSpPr>
+        <p:spPr>
+          <a:xfrm flipV="1">
+            <a:off x="5199357" y="524629"/>
+            <a:ext cx="4997709" cy="3126844"/>
+          </a:xfrm>
+          <a:prstGeom prst="straightConnector1">
+            <a:avLst/>
+          </a:prstGeom>
+          <a:ln w="19050">
+            <a:solidFill>
+              <a:srgbClr val="FF0000"/>
+            </a:solidFill>
+            <a:prstDash val="dashDot"/>
+            <a:tailEnd type="triangle"/>
+          </a:ln>
+        </p:spPr>
+        <p:style>
+          <a:lnRef idx="1">
+            <a:schemeClr val="dk1"/>
+          </a:lnRef>
+          <a:fillRef idx="0">
+            <a:schemeClr val="dk1"/>
+          </a:fillRef>
+          <a:effectRef idx="0">
+            <a:schemeClr val="dk1"/>
+          </a:effectRef>
+          <a:fontRef idx="minor">
+            <a:schemeClr val="tx1"/>
+          </a:fontRef>
+        </p:style>
+      </p:cxnSp>
+      <p:sp>
+        <p:nvSpPr>
+          <p:cNvPr id="45" name="Rectangle 44"/>
+          <p:cNvSpPr/>
+          <p:nvPr/>
+        </p:nvSpPr>
+        <p:spPr>
+          <a:xfrm>
+            <a:off x="8010605" y="1020797"/>
+            <a:ext cx="1100996" cy="513184"/>
+          </a:xfrm>
+          <a:prstGeom prst="rect">
+            <a:avLst/>
+          </a:prstGeom>
+        </p:spPr>
+        <p:style>
+          <a:lnRef idx="2">
+            <a:schemeClr val="dk1"/>
+          </a:lnRef>
+          <a:fillRef idx="1">
+            <a:schemeClr val="lt1"/>
+          </a:fillRef>
+          <a:effectRef idx="0">
+            <a:schemeClr val="dk1"/>
+          </a:effectRef>
+          <a:fontRef idx="minor">
+            <a:schemeClr val="dk1"/>
+          </a:fontRef>
+        </p:style>
+        <p:txBody>
+          <a:bodyPr rtlCol="0" anchor="ctr"/>
+          <a:lstStyle/>
+          <a:p>
+            <a:pPr algn="ctr"/>
+            <a:endParaRPr lang="en-US" b="1">
+              <a:solidFill>
+                <a:sysClr val="windowText" lastClr="000000"/>
+              </a:solidFill>
+            </a:endParaRPr>
+          </a:p>
+        </p:txBody>
+      </p:sp>
+      <p:sp>
+        <p:nvSpPr>
+          <p:cNvPr id="47" name="Rounded Rectangle 46"/>
+          <p:cNvSpPr/>
+          <p:nvPr/>
+        </p:nvSpPr>
+        <p:spPr>
+          <a:xfrm>
+            <a:off x="8343853" y="1775085"/>
+            <a:ext cx="434505" cy="466531"/>
+          </a:xfrm>
+          <a:prstGeom prst="roundRect">
+            <a:avLst/>
+          </a:prstGeom>
+          <a:solidFill>
+            <a:schemeClr val="bg1">
+              <a:lumMod val="65000"/>
+            </a:schemeClr>
+          </a:solidFill>
+        </p:spPr>
+        <p:style>
+          <a:lnRef idx="2">
+            <a:schemeClr val="dk1"/>
+          </a:lnRef>
+          <a:fillRef idx="1">
+            <a:schemeClr val="lt1"/>
+          </a:fillRef>
+          <a:effectRef idx="0">
+            <a:schemeClr val="dk1"/>
+          </a:effectRef>
+          <a:fontRef idx="minor">
+            <a:schemeClr val="dk1"/>
+          </a:fontRef>
+        </p:style>
+        <p:txBody>
+          <a:bodyPr rtlCol="0" anchor="ctr"/>
+          <a:lstStyle/>
+          <a:p>
+            <a:pPr algn="ctr"/>
+            <a:r>
+              <a:rPr lang="en-US" sz="1400" b="1" dirty="0">
+                <a:solidFill>
+                  <a:sysClr val="windowText" lastClr="000000"/>
+                </a:solidFill>
+              </a:rPr>
+              <a:t>H5</a:t>
+            </a:r>
+          </a:p>
+        </p:txBody>
+      </p:sp>
+      <p:cxnSp>
+        <p:nvCxnSpPr>
+          <p:cNvPr id="62" name="Straight Connector 61"/>
+          <p:cNvCxnSpPr>
+            <a:stCxn id="47" idx="0"/>
+            <a:endCxn id="45" idx="2"/>
+          </p:cNvCxnSpPr>
+          <p:nvPr/>
+        </p:nvCxnSpPr>
+        <p:spPr>
+          <a:xfrm flipV="1">
+            <a:off x="8561103" y="1533984"/>
+            <a:ext cx="0" cy="241101"/>
+          </a:xfrm>
+          <a:prstGeom prst="line">
+            <a:avLst/>
+          </a:prstGeom>
+        </p:spPr>
+        <p:style>
+          <a:lnRef idx="3">
+            <a:schemeClr val="dk1"/>
+          </a:lnRef>
+          <a:fillRef idx="0">
+            <a:schemeClr val="dk1"/>
+          </a:fillRef>
+          <a:effectRef idx="2">
+            <a:schemeClr val="dk1"/>
+          </a:effectRef>
+          <a:fontRef idx="minor">
+            <a:schemeClr val="tx1"/>
+          </a:fontRef>
+        </p:style>
+      </p:cxnSp>
+      <p:sp>
+        <p:nvSpPr>
+          <p:cNvPr id="66" name="Rectangle 65"/>
+          <p:cNvSpPr/>
+          <p:nvPr/>
+        </p:nvSpPr>
+        <p:spPr>
+          <a:xfrm>
+            <a:off x="8010327" y="1123149"/>
+            <a:ext cx="209939" cy="274793"/>
+          </a:xfrm>
+          <a:prstGeom prst="rect">
+            <a:avLst/>
+          </a:prstGeom>
+          <a:solidFill>
+            <a:schemeClr val="accent3"/>
+          </a:solidFill>
+        </p:spPr>
+        <p:style>
+          <a:lnRef idx="2">
+            <a:schemeClr val="dk1"/>
+          </a:lnRef>
+          <a:fillRef idx="1">
+            <a:schemeClr val="lt1"/>
+          </a:fillRef>
+          <a:effectRef idx="0">
+            <a:schemeClr val="dk1"/>
+          </a:effectRef>
+          <a:fontRef idx="minor">
+            <a:schemeClr val="dk1"/>
+          </a:fontRef>
+        </p:style>
+        <p:txBody>
+          <a:bodyPr rtlCol="0" anchor="ctr"/>
+          <a:lstStyle/>
+          <a:p>
+            <a:pPr algn="ctr"/>
+            <a:r>
+              <a:rPr lang="en-US" b="1" dirty="0">
+                <a:solidFill>
+                  <a:sysClr val="windowText" lastClr="000000"/>
+                </a:solidFill>
+              </a:rPr>
+              <a:t>2</a:t>
+            </a:r>
+          </a:p>
+        </p:txBody>
+      </p:sp>
+      <p:sp>
+        <p:nvSpPr>
+          <p:cNvPr id="67" name="Rectangle 66"/>
+          <p:cNvSpPr/>
+          <p:nvPr/>
+        </p:nvSpPr>
+        <p:spPr>
+          <a:xfrm>
+            <a:off x="8901946" y="1125250"/>
+            <a:ext cx="209939" cy="274793"/>
+          </a:xfrm>
+          <a:prstGeom prst="rect">
+            <a:avLst/>
+          </a:prstGeom>
+          <a:solidFill>
+            <a:schemeClr val="accent3"/>
+          </a:solidFill>
+        </p:spPr>
+        <p:style>
+          <a:lnRef idx="2">
+            <a:schemeClr val="dk1"/>
+          </a:lnRef>
+          <a:fillRef idx="1">
+            <a:schemeClr val="lt1"/>
+          </a:fillRef>
+          <a:effectRef idx="0">
+            <a:schemeClr val="dk1"/>
+          </a:effectRef>
+          <a:fontRef idx="minor">
+            <a:schemeClr val="dk1"/>
+          </a:fontRef>
+        </p:style>
+        <p:txBody>
+          <a:bodyPr rtlCol="0" anchor="ctr"/>
+          <a:lstStyle/>
+          <a:p>
+            <a:pPr algn="ctr"/>
+            <a:r>
+              <a:rPr lang="en-US" b="1" dirty="0">
+                <a:solidFill>
+                  <a:sysClr val="windowText" lastClr="000000"/>
+                </a:solidFill>
+              </a:rPr>
+              <a:t>3</a:t>
+            </a:r>
+          </a:p>
+        </p:txBody>
+      </p:sp>
+      <p:sp>
+        <p:nvSpPr>
+          <p:cNvPr id="68" name="Rectangle 67"/>
+          <p:cNvSpPr/>
+          <p:nvPr/>
+        </p:nvSpPr>
+        <p:spPr>
+          <a:xfrm>
+            <a:off x="8463744" y="1259191"/>
+            <a:ext cx="209939" cy="274793"/>
+          </a:xfrm>
+          <a:prstGeom prst="rect">
+            <a:avLst/>
+          </a:prstGeom>
+          <a:solidFill>
+            <a:schemeClr val="bg1">
+              <a:lumMod val="65000"/>
+            </a:schemeClr>
+          </a:solidFill>
+        </p:spPr>
+        <p:style>
+          <a:lnRef idx="2">
+            <a:schemeClr val="dk1"/>
+          </a:lnRef>
+          <a:fillRef idx="1">
+            <a:schemeClr val="lt1"/>
+          </a:fillRef>
+          <a:effectRef idx="0">
+            <a:schemeClr val="dk1"/>
+          </a:effectRef>
+          <a:fontRef idx="minor">
+            <a:schemeClr val="dk1"/>
+          </a:fontRef>
+        </p:style>
+        <p:txBody>
+          <a:bodyPr rtlCol="0" anchor="ctr"/>
+          <a:lstStyle/>
+          <a:p>
+            <a:pPr algn="ctr"/>
+            <a:r>
+              <a:rPr lang="en-US" b="1" dirty="0">
+                <a:solidFill>
+                  <a:sysClr val="windowText" lastClr="000000"/>
+                </a:solidFill>
+              </a:rPr>
+              <a:t>1</a:t>
+            </a:r>
+          </a:p>
+        </p:txBody>
+      </p:sp>
+      <p:cxnSp>
+        <p:nvCxnSpPr>
+          <p:cNvPr id="167" name="Straight Arrow Connector 166"/>
+          <p:cNvCxnSpPr>
+            <a:cxnSpLocks/>
+            <a:stCxn id="9" idx="1"/>
+          </p:cNvCxnSpPr>
+          <p:nvPr/>
+        </p:nvCxnSpPr>
+        <p:spPr>
+          <a:xfrm flipV="1">
+            <a:off x="6670425" y="1383739"/>
+            <a:ext cx="2231518" cy="2267734"/>
+          </a:xfrm>
+          <a:prstGeom prst="straightConnector1">
+            <a:avLst/>
+          </a:prstGeom>
+          <a:ln w="19050">
+            <a:solidFill>
+              <a:srgbClr val="FF0000"/>
+            </a:solidFill>
+            <a:prstDash val="dashDot"/>
+            <a:tailEnd type="triangle"/>
+          </a:ln>
+        </p:spPr>
+        <p:style>
+          <a:lnRef idx="1">
+            <a:schemeClr val="dk1"/>
+          </a:lnRef>
+          <a:fillRef idx="0">
+            <a:schemeClr val="dk1"/>
+          </a:fillRef>
+          <a:effectRef idx="0">
+            <a:schemeClr val="dk1"/>
+          </a:effectRef>
+          <a:fontRef idx="minor">
+            <a:schemeClr val="tx1"/>
+          </a:fontRef>
+        </p:style>
+      </p:cxnSp>
+      <p:sp>
+        <p:nvSpPr>
+          <p:cNvPr id="168" name="TextBox 167"/>
+          <p:cNvSpPr txBox="1"/>
+          <p:nvPr/>
+        </p:nvSpPr>
+        <p:spPr>
+          <a:xfrm>
+            <a:off x="-50454" y="3029376"/>
+            <a:ext cx="1861728" cy="369332"/>
+          </a:xfrm>
+          <a:prstGeom prst="rect">
+            <a:avLst/>
+          </a:prstGeom>
+          <a:noFill/>
+        </p:spPr>
+        <p:txBody>
+          <a:bodyPr wrap="none" rtlCol="0">
+            <a:spAutoFit/>
+          </a:bodyPr>
+          <a:lstStyle/>
+          <a:p>
+            <a:r>
+              <a:rPr lang="en-US" b="1" dirty="0">
+                <a:solidFill>
+                  <a:sysClr val="windowText" lastClr="000000"/>
+                </a:solidFill>
+              </a:rPr>
+              <a:t>Physical Topology</a:t>
+            </a:r>
+          </a:p>
+        </p:txBody>
+      </p:sp>
+      <p:sp>
+        <p:nvSpPr>
+          <p:cNvPr id="169" name="TextBox 168"/>
+          <p:cNvSpPr txBox="1"/>
+          <p:nvPr/>
+        </p:nvSpPr>
+        <p:spPr>
+          <a:xfrm>
+            <a:off x="-56310" y="2021891"/>
+            <a:ext cx="1746888" cy="369332"/>
+          </a:xfrm>
+          <a:prstGeom prst="rect">
+            <a:avLst/>
+          </a:prstGeom>
+          <a:noFill/>
+        </p:spPr>
+        <p:txBody>
+          <a:bodyPr wrap="none" rtlCol="0">
+            <a:spAutoFit/>
+          </a:bodyPr>
+          <a:lstStyle/>
+          <a:p>
+            <a:r>
+              <a:rPr lang="en-US" b="1" dirty="0">
+                <a:solidFill>
+                  <a:sysClr val="windowText" lastClr="000000"/>
+                </a:solidFill>
+              </a:rPr>
+              <a:t>Virtual Topology</a:t>
+            </a:r>
+          </a:p>
+        </p:txBody>
+      </p:sp>
+      <p:sp>
+        <p:nvSpPr>
+          <p:cNvPr id="170" name="TextBox 169"/>
+          <p:cNvSpPr txBox="1"/>
+          <p:nvPr/>
+        </p:nvSpPr>
+        <p:spPr>
+          <a:xfrm>
+            <a:off x="8003084" y="2374343"/>
+            <a:ext cx="1035861" cy="369332"/>
+          </a:xfrm>
+          <a:prstGeom prst="rect">
+            <a:avLst/>
+          </a:prstGeom>
+          <a:noFill/>
+        </p:spPr>
+        <p:txBody>
+          <a:bodyPr wrap="none" rtlCol="0">
+            <a:spAutoFit/>
+          </a:bodyPr>
+          <a:lstStyle/>
+          <a:p>
+            <a:r>
+              <a:rPr lang="en-US" b="1" dirty="0">
+                <a:solidFill>
+                  <a:sysClr val="windowText" lastClr="000000"/>
+                </a:solidFill>
+              </a:rPr>
+              <a:t>Mapping</a:t>
+            </a:r>
+          </a:p>
+        </p:txBody>
+      </p:sp>
+      <p:sp>
+        <p:nvSpPr>
+          <p:cNvPr id="171" name="Rectangle 170"/>
+          <p:cNvSpPr/>
+          <p:nvPr/>
+        </p:nvSpPr>
+        <p:spPr>
+          <a:xfrm>
+            <a:off x="6684526" y="-47358"/>
+            <a:ext cx="573096" cy="369332"/>
+          </a:xfrm>
+          <a:prstGeom prst="rect">
+            <a:avLst/>
+          </a:prstGeom>
+          <a:noFill/>
+          <a:ln>
+            <a:noFill/>
+          </a:ln>
+        </p:spPr>
+        <p:style>
+          <a:lnRef idx="2">
+            <a:schemeClr val="dk1"/>
+          </a:lnRef>
+          <a:fillRef idx="1">
+            <a:schemeClr val="lt1"/>
+          </a:fillRef>
+          <a:effectRef idx="0">
+            <a:schemeClr val="dk1"/>
+          </a:effectRef>
+          <a:fontRef idx="minor">
+            <a:schemeClr val="dk1"/>
+          </a:fontRef>
+        </p:style>
+        <p:txBody>
+          <a:bodyPr wrap="square">
+            <a:spAutoFit/>
+          </a:bodyPr>
+          <a:lstStyle/>
+          <a:p>
+            <a:r>
+              <a:rPr lang="en-US" b="1" dirty="0">
+                <a:solidFill>
+                  <a:sysClr val="windowText" lastClr="000000"/>
+                </a:solidFill>
+              </a:rPr>
+              <a:t>vS1</a:t>
+            </a:r>
+          </a:p>
+        </p:txBody>
+      </p:sp>
+      <p:sp>
+        <p:nvSpPr>
+          <p:cNvPr id="172" name="Rectangle 171"/>
+          <p:cNvSpPr/>
+          <p:nvPr/>
+        </p:nvSpPr>
+        <p:spPr>
+          <a:xfrm>
+            <a:off x="8336173" y="973217"/>
+            <a:ext cx="519694" cy="369332"/>
+          </a:xfrm>
+          <a:prstGeom prst="rect">
+            <a:avLst/>
+          </a:prstGeom>
+        </p:spPr>
+        <p:txBody>
+          <a:bodyPr wrap="none">
+            <a:spAutoFit/>
+          </a:bodyPr>
+          <a:lstStyle/>
+          <a:p>
+            <a:r>
+              <a:rPr lang="en-US" b="1" dirty="0">
+                <a:solidFill>
+                  <a:sysClr val="windowText" lastClr="000000"/>
+                </a:solidFill>
+              </a:rPr>
+              <a:t>vS3</a:t>
+            </a:r>
+          </a:p>
+        </p:txBody>
+      </p:sp>
+      <p:sp>
+        <p:nvSpPr>
+          <p:cNvPr id="173" name="Rectangle 172"/>
+          <p:cNvSpPr/>
+          <p:nvPr/>
+        </p:nvSpPr>
+        <p:spPr>
+          <a:xfrm>
+            <a:off x="9942696" y="-44023"/>
+            <a:ext cx="519694" cy="369332"/>
+          </a:xfrm>
+          <a:prstGeom prst="rect">
+            <a:avLst/>
+          </a:prstGeom>
+          <a:noFill/>
+          <a:ln>
+            <a:noFill/>
+          </a:ln>
+        </p:spPr>
+        <p:style>
+          <a:lnRef idx="2">
+            <a:schemeClr val="dk1"/>
+          </a:lnRef>
+          <a:fillRef idx="1">
+            <a:schemeClr val="lt1"/>
+          </a:fillRef>
+          <a:effectRef idx="0">
+            <a:schemeClr val="dk1"/>
+          </a:effectRef>
+          <a:fontRef idx="minor">
+            <a:schemeClr val="dk1"/>
+          </a:fontRef>
+        </p:style>
+        <p:txBody>
+          <a:bodyPr wrap="none">
+            <a:spAutoFit/>
+          </a:bodyPr>
+          <a:lstStyle/>
+          <a:p>
+            <a:r>
+              <a:rPr lang="en-US" b="1" dirty="0">
+                <a:solidFill>
+                  <a:sysClr val="windowText" lastClr="000000"/>
+                </a:solidFill>
+              </a:rPr>
+              <a:t>vS2</a:t>
+            </a:r>
+          </a:p>
+        </p:txBody>
+      </p:sp>
+      <p:sp>
+        <p:nvSpPr>
+          <p:cNvPr id="86" name="TextBox 85"/>
+          <p:cNvSpPr txBox="1"/>
+          <p:nvPr/>
+        </p:nvSpPr>
+        <p:spPr>
+          <a:xfrm>
+            <a:off x="2952323" y="859968"/>
+            <a:ext cx="503664" cy="369332"/>
+          </a:xfrm>
+          <a:prstGeom prst="rect">
+            <a:avLst/>
+          </a:prstGeom>
+          <a:noFill/>
+        </p:spPr>
+        <p:txBody>
+          <a:bodyPr wrap="none" rtlCol="0">
+            <a:spAutoFit/>
+          </a:bodyPr>
+          <a:lstStyle/>
+          <a:p>
+            <a:r>
+              <a:rPr lang="en-US" b="1" dirty="0">
+                <a:solidFill>
+                  <a:sysClr val="windowText" lastClr="000000"/>
+                </a:solidFill>
+              </a:rPr>
+              <a:t>vL2</a:t>
+            </a:r>
+          </a:p>
+        </p:txBody>
+      </p:sp>
+      <p:sp>
+        <p:nvSpPr>
+          <p:cNvPr id="87" name="TextBox 86"/>
+          <p:cNvSpPr txBox="1"/>
+          <p:nvPr/>
+        </p:nvSpPr>
+        <p:spPr>
+          <a:xfrm>
+            <a:off x="1225260" y="892002"/>
+            <a:ext cx="508473" cy="369332"/>
+          </a:xfrm>
+          <a:prstGeom prst="rect">
+            <a:avLst/>
+          </a:prstGeom>
+          <a:noFill/>
+        </p:spPr>
+        <p:txBody>
+          <a:bodyPr wrap="none" rtlCol="0">
+            <a:spAutoFit/>
+          </a:bodyPr>
+          <a:lstStyle/>
+          <a:p>
+            <a:r>
+              <a:rPr lang="en-US" b="1" dirty="0">
+                <a:solidFill>
+                  <a:sysClr val="windowText" lastClr="000000"/>
+                </a:solidFill>
+              </a:rPr>
+              <a:t>vL1</a:t>
+            </a:r>
+          </a:p>
+        </p:txBody>
+      </p:sp>
+      <p:sp>
+        <p:nvSpPr>
+          <p:cNvPr id="84" name="TextBox 83">
+            <a:extLst>
+              <a:ext uri="{FF2B5EF4-FFF2-40B4-BE49-F238E27FC236}">
+                <a16:creationId xmlns:a16="http://schemas.microsoft.com/office/drawing/2014/main" id="{745A518A-ADB6-4696-992F-51FCE9551BDA}"/>
+              </a:ext>
+            </a:extLst>
+          </p:cNvPr>
+          <p:cNvSpPr txBox="1"/>
+          <p:nvPr/>
+        </p:nvSpPr>
+        <p:spPr>
+          <a:xfrm>
+            <a:off x="5551995" y="3610055"/>
+            <a:ext cx="561372" cy="307777"/>
+          </a:xfrm>
+          <a:prstGeom prst="rect">
+            <a:avLst/>
+          </a:prstGeom>
+          <a:noFill/>
+        </p:spPr>
+        <p:txBody>
+          <a:bodyPr wrap="none" rtlCol="0">
+            <a:spAutoFit/>
+          </a:bodyPr>
+          <a:lstStyle/>
+          <a:p>
+            <a:r>
+              <a:rPr lang="en-US" sz="1400" b="1" dirty="0">
+                <a:solidFill>
+                  <a:sysClr val="windowText" lastClr="000000"/>
+                </a:solidFill>
+              </a:rPr>
+              <a:t>  10G</a:t>
+            </a:r>
+          </a:p>
+        </p:txBody>
+      </p:sp>
+      <p:sp>
+        <p:nvSpPr>
+          <p:cNvPr id="85" name="TextBox 84">
+            <a:extLst>
+              <a:ext uri="{FF2B5EF4-FFF2-40B4-BE49-F238E27FC236}">
+                <a16:creationId xmlns:a16="http://schemas.microsoft.com/office/drawing/2014/main" id="{319FCF08-0E73-4CF2-AA78-55B8BE8985F6}"/>
+              </a:ext>
+            </a:extLst>
+          </p:cNvPr>
+          <p:cNvSpPr txBox="1"/>
+          <p:nvPr/>
+        </p:nvSpPr>
+        <p:spPr>
+          <a:xfrm>
+            <a:off x="2639589" y="612999"/>
+            <a:ext cx="470000" cy="307777"/>
+          </a:xfrm>
+          <a:prstGeom prst="rect">
+            <a:avLst/>
+          </a:prstGeom>
+          <a:noFill/>
+        </p:spPr>
+        <p:txBody>
+          <a:bodyPr wrap="none" rtlCol="0">
+            <a:spAutoFit/>
+          </a:bodyPr>
+          <a:lstStyle/>
+          <a:p>
+            <a:r>
+              <a:rPr lang="en-US" sz="1400" b="1" dirty="0">
+                <a:solidFill>
+                  <a:sysClr val="windowText" lastClr="000000"/>
+                </a:solidFill>
+              </a:rPr>
+              <a:t>  1G</a:t>
+            </a:r>
+          </a:p>
+        </p:txBody>
+      </p:sp>
+      <p:sp>
+        <p:nvSpPr>
+          <p:cNvPr id="88" name="TextBox 87">
+            <a:extLst>
+              <a:ext uri="{FF2B5EF4-FFF2-40B4-BE49-F238E27FC236}">
+                <a16:creationId xmlns:a16="http://schemas.microsoft.com/office/drawing/2014/main" id="{8F7687C8-1F1B-4E79-A824-B7E1F83B1BDF}"/>
+              </a:ext>
+            </a:extLst>
+          </p:cNvPr>
+          <p:cNvSpPr txBox="1"/>
+          <p:nvPr/>
+        </p:nvSpPr>
+        <p:spPr>
+          <a:xfrm>
+            <a:off x="1381281" y="605096"/>
+            <a:ext cx="470000" cy="307777"/>
+          </a:xfrm>
+          <a:prstGeom prst="rect">
+            <a:avLst/>
+          </a:prstGeom>
+          <a:noFill/>
+        </p:spPr>
+        <p:txBody>
+          <a:bodyPr wrap="none" rtlCol="0">
+            <a:spAutoFit/>
+          </a:bodyPr>
+          <a:lstStyle/>
+          <a:p>
+            <a:r>
+              <a:rPr lang="en-US" sz="1400" b="1" dirty="0">
+                <a:solidFill>
+                  <a:sysClr val="windowText" lastClr="000000"/>
+                </a:solidFill>
+              </a:rPr>
+              <a:t>  1G</a:t>
+            </a:r>
+          </a:p>
+        </p:txBody>
+      </p:sp>
+    </p:spTree>
+    <p:extLst>
+      <p:ext uri="{BB962C8B-B14F-4D97-AF65-F5344CB8AC3E}">
+        <p14:creationId xmlns:p14="http://schemas.microsoft.com/office/powerpoint/2010/main" val="1655319872"/>
+      </p:ext>
+    </p:extLst>
+  </p:cSld>
+  <p:clrMapOvr>
+    <a:masterClrMapping/>
+  </p:clrMapOvr>
+</p:sld>
+</file>
+
 <file path=ppt/theme/theme1.xml><?xml version="1.0" encoding="utf-8"?>
 <a:theme xmlns:a="http://schemas.openxmlformats.org/drawingml/2006/main" name="Office Theme">
   <a:themeElements>
-    <a:clrScheme name="Office">
+    <a:clrScheme name="Office Theme">
       <a:dk1>
         <a:sysClr val="windowText" lastClr="000000"/>
       </a:dk1>
@@ -6600,7 +10293,7 @@
         <a:srgbClr val="E7E6E6"/>
       </a:lt2>
       <a:accent1>
-        <a:srgbClr val="5B9BD5"/>
+        <a:srgbClr val="4472C4"/>
       </a:accent1>
       <a:accent2>
         <a:srgbClr val="ED7D31"/>
@@ -6612,7 +10305,7 @@
         <a:srgbClr val="FFC000"/>
       </a:accent4>
       <a:accent5>
-        <a:srgbClr val="4472C4"/>
+        <a:srgbClr val="5B9BD5"/>
       </a:accent5>
       <a:accent6>
         <a:srgbClr val="70AD47"/>
@@ -6624,14 +10317,14 @@
         <a:srgbClr val="954F72"/>
       </a:folHlink>
     </a:clrScheme>
-    <a:fontScheme name="Office">
+    <a:fontScheme name="Office Theme">
       <a:majorFont>
         <a:latin typeface="Calibri Light" panose="020F0302020204030204"/>
         <a:ea typeface=""/>
         <a:cs typeface=""/>
-        <a:font script="Jpan" typeface="ＭＳ Ｐゴシック"/>
+        <a:font script="Jpan" typeface="游ゴシック Light"/>
         <a:font script="Hang" typeface="맑은 고딕"/>
-        <a:font script="Hans" typeface="宋体"/>
+        <a:font script="Hans" typeface="等线 Light"/>
         <a:font script="Hant" typeface="新細明體"/>
         <a:font script="Arab" typeface="Times New Roman"/>
         <a:font script="Hebr" typeface="Times New Roman"/>
@@ -6664,9 +10357,9 @@
         <a:latin typeface="Calibri" panose="020F0502020204030204"/>
         <a:ea typeface=""/>
         <a:cs typeface=""/>
-        <a:font script="Jpan" typeface="ＭＳ Ｐゴシック"/>
+        <a:font script="Jpan" typeface="游ゴシック"/>
         <a:font script="Hang" typeface="맑은 고딕"/>
-        <a:font script="Hans" typeface="宋体"/>
+        <a:font script="Hans" typeface="等线"/>
         <a:font script="Hant" typeface="新細明體"/>
         <a:font script="Arab" typeface="Arial"/>
         <a:font script="Hebr" typeface="Arial"/>
@@ -6696,7 +10389,7 @@
         <a:font script="Geor" typeface="Sylfaen"/>
       </a:minorFont>
     </a:fontScheme>
-    <a:fmtScheme name="Office">
+    <a:fmtScheme name="Office Theme">
       <a:fillStyleLst>
         <a:solidFill>
           <a:schemeClr val="phClr"/>
